--- a/Activity 06/Vertudez_Activity_6_Report.pptx
+++ b/Activity 06/Vertudez_Activity_6_Report.pptx
@@ -8,19 +8,16 @@
   <p:sldIdLst>
     <p:sldId id="256" r:id="rId3"/>
     <p:sldId id="257" r:id="rId4"/>
-    <p:sldId id="258" r:id="rId5"/>
-    <p:sldId id="259" r:id="rId6"/>
-    <p:sldId id="260" r:id="rId7"/>
-    <p:sldId id="261" r:id="rId8"/>
-    <p:sldId id="262" r:id="rId9"/>
-    <p:sldId id="264" r:id="rId10"/>
-    <p:sldId id="265" r:id="rId11"/>
-    <p:sldId id="266" r:id="rId12"/>
-    <p:sldId id="267" r:id="rId13"/>
-    <p:sldId id="268" r:id="rId14"/>
-    <p:sldId id="272" r:id="rId15"/>
-    <p:sldId id="263" r:id="rId16"/>
-    <p:sldId id="270" r:id="rId17"/>
+    <p:sldId id="262" r:id="rId5"/>
+    <p:sldId id="271" r:id="rId6"/>
+    <p:sldId id="272" r:id="rId7"/>
+    <p:sldId id="273" r:id="rId8"/>
+    <p:sldId id="274" r:id="rId9"/>
+    <p:sldId id="275" r:id="rId10"/>
+    <p:sldId id="276" r:id="rId11"/>
+    <p:sldId id="277" r:id="rId12"/>
+    <p:sldId id="263" r:id="rId13"/>
+    <p:sldId id="270" r:id="rId14"/>
   </p:sldIdLst>
   <p:sldSz cx="12192000" cy="6858000"/>
   <p:notesSz cx="7772400" cy="10058400"/>
@@ -6871,7 +6868,7 @@
         </p:nvSpPr>
         <p:spPr>
           <a:xfrm>
-            <a:off x="1523880" y="2235240"/>
+            <a:off x="1524180" y="1537656"/>
             <a:ext cx="9143640" cy="2387160"/>
           </a:xfrm>
           <a:prstGeom prst="rect">
@@ -6936,7 +6933,7 @@
         </p:nvSpPr>
         <p:spPr>
           <a:xfrm>
-            <a:off x="1523880" y="4992480"/>
+            <a:off x="1524180" y="4294896"/>
             <a:ext cx="9143640" cy="992880"/>
           </a:xfrm>
           <a:prstGeom prst="rect">
@@ -7059,204 +7056,7 @@
       </p:grpSpPr>
       <p:sp>
         <p:nvSpPr>
-          <p:cNvPr id="94" name="PlaceHolder 1"/>
-          <p:cNvSpPr>
-            <a:spLocks noGrp="1"/>
-          </p:cNvSpPr>
-          <p:nvPr>
-            <p:ph/>
-          </p:nvPr>
-        </p:nvSpPr>
-        <p:spPr>
-          <a:xfrm>
-            <a:off x="838080" y="1825560"/>
-            <a:ext cx="10515240" cy="4350960"/>
-          </a:xfrm>
-          <a:prstGeom prst="rect">
-            <a:avLst/>
-          </a:prstGeom>
-          <a:noFill/>
-          <a:ln w="0">
-            <a:noFill/>
-          </a:ln>
-        </p:spPr>
-        <p:txBody>
-          <a:bodyPr anchor="t">
-            <a:normAutofit fontScale="94000"/>
-          </a:bodyPr>
-          <a:lstStyle/>
-          <a:p>
-            <a:pPr marL="228600" indent="-228600">
-              <a:lnSpc>
-                <a:spcPct val="90000"/>
-              </a:lnSpc>
-              <a:spcBef>
-                <a:spcPts val="1001"/>
-              </a:spcBef>
-              <a:buClr>
-                <a:srgbClr val="000000"/>
-              </a:buClr>
-              <a:buFont typeface="Arial"/>
-              <a:buChar char="•"/>
-            </a:pPr>
-            <a:r>
-              <a:rPr lang="en-US" sz="2800" b="0" strike="noStrike" spc="-1" dirty="0">
-                <a:solidFill>
-                  <a:srgbClr val="000000"/>
-                </a:solidFill>
-                <a:latin typeface="Calibri"/>
-              </a:rPr>
-              <a:t>Converting to 8-bit</a:t>
-            </a:r>
-          </a:p>
-          <a:p>
-            <a:pPr>
-              <a:lnSpc>
-                <a:spcPct val="90000"/>
-              </a:lnSpc>
-              <a:spcBef>
-                <a:spcPts val="1001"/>
-              </a:spcBef>
-              <a:buNone/>
-            </a:pPr>
-            <a:endParaRPr lang="en-US" sz="2800" b="0" strike="noStrike" spc="-1" dirty="0">
-              <a:solidFill>
-                <a:srgbClr val="000000"/>
-              </a:solidFill>
-              <a:latin typeface="Calibri"/>
-            </a:endParaRPr>
-          </a:p>
-          <a:p>
-            <a:pPr>
-              <a:lnSpc>
-                <a:spcPct val="90000"/>
-              </a:lnSpc>
-              <a:spcBef>
-                <a:spcPts val="1001"/>
-              </a:spcBef>
-              <a:buNone/>
-            </a:pPr>
-            <a:endParaRPr lang="en-US" sz="2800" b="0" strike="noStrike" spc="-1" dirty="0">
-              <a:solidFill>
-                <a:srgbClr val="000000"/>
-              </a:solidFill>
-              <a:latin typeface="Calibri"/>
-            </a:endParaRPr>
-          </a:p>
-          <a:p>
-            <a:pPr>
-              <a:lnSpc>
-                <a:spcPct val="90000"/>
-              </a:lnSpc>
-              <a:spcBef>
-                <a:spcPts val="1001"/>
-              </a:spcBef>
-              <a:buNone/>
-            </a:pPr>
-            <a:endParaRPr lang="en-US" sz="2800" b="0" strike="noStrike" spc="-1" dirty="0">
-              <a:solidFill>
-                <a:srgbClr val="000000"/>
-              </a:solidFill>
-              <a:latin typeface="Calibri"/>
-            </a:endParaRPr>
-          </a:p>
-          <a:p>
-            <a:pPr>
-              <a:lnSpc>
-                <a:spcPct val="90000"/>
-              </a:lnSpc>
-              <a:spcBef>
-                <a:spcPts val="1001"/>
-              </a:spcBef>
-              <a:buNone/>
-            </a:pPr>
-            <a:endParaRPr lang="en-US" sz="2800" b="0" strike="noStrike" spc="-1" dirty="0">
-              <a:solidFill>
-                <a:srgbClr val="000000"/>
-              </a:solidFill>
-              <a:latin typeface="Calibri"/>
-            </a:endParaRPr>
-          </a:p>
-          <a:p>
-            <a:pPr>
-              <a:lnSpc>
-                <a:spcPct val="90000"/>
-              </a:lnSpc>
-              <a:spcBef>
-                <a:spcPts val="1001"/>
-              </a:spcBef>
-              <a:buNone/>
-            </a:pPr>
-            <a:endParaRPr lang="en-US" sz="2800" b="0" strike="noStrike" spc="-1" dirty="0">
-              <a:solidFill>
-                <a:srgbClr val="000000"/>
-              </a:solidFill>
-              <a:latin typeface="Calibri"/>
-            </a:endParaRPr>
-          </a:p>
-          <a:p>
-            <a:pPr>
-              <a:lnSpc>
-                <a:spcPct val="90000"/>
-              </a:lnSpc>
-              <a:spcBef>
-                <a:spcPts val="1001"/>
-              </a:spcBef>
-              <a:buNone/>
-            </a:pPr>
-            <a:endParaRPr lang="en-US" sz="2800" b="0" strike="noStrike" spc="-1" dirty="0">
-              <a:solidFill>
-                <a:srgbClr val="000000"/>
-              </a:solidFill>
-              <a:latin typeface="Calibri"/>
-            </a:endParaRPr>
-          </a:p>
-          <a:p>
-            <a:pPr>
-              <a:lnSpc>
-                <a:spcPct val="90000"/>
-              </a:lnSpc>
-              <a:spcBef>
-                <a:spcPts val="1001"/>
-              </a:spcBef>
-              <a:buNone/>
-            </a:pPr>
-            <a:endParaRPr lang="en-US" sz="2800" b="0" strike="noStrike" spc="-1" dirty="0">
-              <a:solidFill>
-                <a:srgbClr val="000000"/>
-              </a:solidFill>
-              <a:latin typeface="Calibri"/>
-            </a:endParaRPr>
-          </a:p>
-          <a:p>
-            <a:pPr marL="228600" indent="-228600">
-              <a:lnSpc>
-                <a:spcPct val="90000"/>
-              </a:lnSpc>
-              <a:spcBef>
-                <a:spcPts val="1001"/>
-              </a:spcBef>
-              <a:buClr>
-                <a:srgbClr val="000000"/>
-              </a:buClr>
-              <a:buFont typeface="Arial"/>
-              <a:buChar char="•"/>
-            </a:pPr>
-            <a:r>
-              <a:rPr lang="en-US" sz="2800" b="0" strike="noStrike" spc="-1" dirty="0">
-                <a:solidFill>
-                  <a:srgbClr val="000000"/>
-                </a:solidFill>
-                <a:latin typeface="Calibri"/>
-              </a:rPr>
-              <a:t>Applying threshold only works on grayscale images, so we convert it first.</a:t>
-            </a:r>
-          </a:p>
-        </p:txBody>
-      </p:sp>
-      <p:sp>
-        <p:nvSpPr>
-          <p:cNvPr id="95" name="PlaceHolder 2"/>
+          <p:cNvPr id="104" name="PlaceHolder 2"/>
           <p:cNvSpPr>
             <a:spLocks noGrp="1"/>
           </p:cNvSpPr>
@@ -7309,7 +7109,7 @@
       </p:sp>
       <p:sp>
         <p:nvSpPr>
-          <p:cNvPr id="96" name="Content Placeholder 2"/>
+          <p:cNvPr id="105" name="Content Placeholder 2"/>
           <p:cNvSpPr/>
           <p:nvPr/>
         </p:nvSpPr>
@@ -7383,10 +7183,10 @@
       </p:sp>
       <p:pic>
         <p:nvPicPr>
-          <p:cNvPr id="3" name="Picture 2">
+          <p:cNvPr id="4" name="Picture 3" descr="A white circles on a black background&#10;&#10;Description automatically generated with low confidence">
             <a:extLst>
               <a:ext uri="{FF2B5EF4-FFF2-40B4-BE49-F238E27FC236}">
-                <a16:creationId xmlns:a16="http://schemas.microsoft.com/office/drawing/2014/main" id="{5D424471-A06F-48B0-A769-EFB422B0B085}"/>
+                <a16:creationId xmlns:a16="http://schemas.microsoft.com/office/drawing/2014/main" id="{5305C99C-5D81-A57A-26ED-34D15D3A077A}"/>
               </a:ext>
             </a:extLst>
           </p:cNvPr>
@@ -7396,7 +7196,7 @@
           <p:nvPr/>
         </p:nvPicPr>
         <p:blipFill>
-          <a:blip r:embed="rId3" cstate="print">
+          <a:blip r:embed="rId3">
             <a:extLst>
               <a:ext uri="{28A0092B-C50C-407E-A947-70E740481C1C}">
                 <a14:useLocalDpi xmlns:a14="http://schemas.microsoft.com/office/drawing/2010/main" val="0"/>
@@ -7409,8 +7209,44 @@
         </p:blipFill>
         <p:spPr>
           <a:xfrm>
-            <a:off x="4750376" y="2124360"/>
-            <a:ext cx="2691247" cy="3588330"/>
+            <a:off x="6645390" y="2239248"/>
+            <a:ext cx="3488423" cy="2378470"/>
+          </a:xfrm>
+          <a:prstGeom prst="rect">
+            <a:avLst/>
+          </a:prstGeom>
+        </p:spPr>
+      </p:pic>
+      <p:pic>
+        <p:nvPicPr>
+          <p:cNvPr id="7" name="Picture 6" descr="A close-up of a microscope&#10;&#10;Description automatically generated with low confidence">
+            <a:extLst>
+              <a:ext uri="{FF2B5EF4-FFF2-40B4-BE49-F238E27FC236}">
+                <a16:creationId xmlns:a16="http://schemas.microsoft.com/office/drawing/2014/main" id="{FB5F0D8D-EE46-A779-C994-97664D05AC35}"/>
+              </a:ext>
+            </a:extLst>
+          </p:cNvPr>
+          <p:cNvPicPr>
+            <a:picLocks noChangeAspect="1"/>
+          </p:cNvPicPr>
+          <p:nvPr/>
+        </p:nvPicPr>
+        <p:blipFill>
+          <a:blip r:embed="rId4">
+            <a:extLst>
+              <a:ext uri="{28A0092B-C50C-407E-A947-70E740481C1C}">
+                <a14:useLocalDpi xmlns:a14="http://schemas.microsoft.com/office/drawing/2010/main" val="0"/>
+              </a:ext>
+            </a:extLst>
+          </a:blip>
+          <a:stretch>
+            <a:fillRect/>
+          </a:stretch>
+        </p:blipFill>
+        <p:spPr>
+          <a:xfrm>
+            <a:off x="1133853" y="2331718"/>
+            <a:ext cx="3352800" cy="2286000"/>
           </a:xfrm>
           <a:prstGeom prst="rect">
             <a:avLst/>
@@ -7420,7 +7256,7 @@
     </p:spTree>
     <p:extLst>
       <p:ext uri="{BB962C8B-B14F-4D97-AF65-F5344CB8AC3E}">
-        <p14:creationId xmlns:p14="http://schemas.microsoft.com/office/powerpoint/2010/main" val="1527396413"/>
+        <p14:creationId xmlns:p14="http://schemas.microsoft.com/office/powerpoint/2010/main" val="2121265201"/>
       </p:ext>
     </p:extLst>
   </p:cSld>
@@ -7449,1567 +7285,6 @@
       </p:grpSpPr>
       <p:sp>
         <p:nvSpPr>
-          <p:cNvPr id="98" name="PlaceHolder 1"/>
-          <p:cNvSpPr>
-            <a:spLocks noGrp="1"/>
-          </p:cNvSpPr>
-          <p:nvPr>
-            <p:ph/>
-          </p:nvPr>
-        </p:nvSpPr>
-        <p:spPr>
-          <a:xfrm>
-            <a:off x="838080" y="1442880"/>
-            <a:ext cx="10515240" cy="5414760"/>
-          </a:xfrm>
-          <a:prstGeom prst="rect">
-            <a:avLst/>
-          </a:prstGeom>
-          <a:noFill/>
-          <a:ln w="0">
-            <a:noFill/>
-          </a:ln>
-        </p:spPr>
-        <p:txBody>
-          <a:bodyPr anchor="t">
-            <a:normAutofit/>
-          </a:bodyPr>
-          <a:lstStyle/>
-          <a:p>
-            <a:pPr marL="228600" indent="-228600">
-              <a:lnSpc>
-                <a:spcPct val="90000"/>
-              </a:lnSpc>
-              <a:spcBef>
-                <a:spcPts val="1001"/>
-              </a:spcBef>
-              <a:buClr>
-                <a:srgbClr val="000000"/>
-              </a:buClr>
-              <a:buFont typeface="Arial"/>
-              <a:buChar char="•"/>
-            </a:pPr>
-            <a:r>
-              <a:rPr lang="en-US" sz="2800" b="0" strike="noStrike" spc="-1" dirty="0">
-                <a:solidFill>
-                  <a:srgbClr val="000000"/>
-                </a:solidFill>
-                <a:latin typeface="Calibri"/>
-              </a:rPr>
-              <a:t>Applying threshold and binarizing</a:t>
-            </a:r>
-          </a:p>
-          <a:p>
-            <a:pPr>
-              <a:lnSpc>
-                <a:spcPct val="90000"/>
-              </a:lnSpc>
-              <a:spcBef>
-                <a:spcPts val="1001"/>
-              </a:spcBef>
-              <a:buNone/>
-            </a:pPr>
-            <a:endParaRPr lang="en-US" sz="2800" b="0" strike="noStrike" spc="-1" dirty="0">
-              <a:solidFill>
-                <a:srgbClr val="000000"/>
-              </a:solidFill>
-              <a:latin typeface="Calibri"/>
-            </a:endParaRPr>
-          </a:p>
-          <a:p>
-            <a:pPr>
-              <a:lnSpc>
-                <a:spcPct val="90000"/>
-              </a:lnSpc>
-              <a:spcBef>
-                <a:spcPts val="1001"/>
-              </a:spcBef>
-              <a:buNone/>
-            </a:pPr>
-            <a:endParaRPr lang="en-US" sz="2800" b="0" strike="noStrike" spc="-1" dirty="0">
-              <a:solidFill>
-                <a:srgbClr val="000000"/>
-              </a:solidFill>
-              <a:latin typeface="Calibri"/>
-            </a:endParaRPr>
-          </a:p>
-          <a:p>
-            <a:pPr>
-              <a:lnSpc>
-                <a:spcPct val="90000"/>
-              </a:lnSpc>
-              <a:spcBef>
-                <a:spcPts val="1001"/>
-              </a:spcBef>
-              <a:buNone/>
-            </a:pPr>
-            <a:endParaRPr lang="en-US" sz="2800" b="0" strike="noStrike" spc="-1" dirty="0">
-              <a:solidFill>
-                <a:srgbClr val="000000"/>
-              </a:solidFill>
-              <a:latin typeface="Calibri"/>
-            </a:endParaRPr>
-          </a:p>
-          <a:p>
-            <a:pPr>
-              <a:lnSpc>
-                <a:spcPct val="90000"/>
-              </a:lnSpc>
-              <a:spcBef>
-                <a:spcPts val="1001"/>
-              </a:spcBef>
-              <a:buNone/>
-            </a:pPr>
-            <a:endParaRPr lang="en-US" sz="2800" b="0" strike="noStrike" spc="-1" dirty="0">
-              <a:solidFill>
-                <a:srgbClr val="000000"/>
-              </a:solidFill>
-              <a:latin typeface="Calibri"/>
-            </a:endParaRPr>
-          </a:p>
-          <a:p>
-            <a:pPr>
-              <a:lnSpc>
-                <a:spcPct val="90000"/>
-              </a:lnSpc>
-              <a:spcBef>
-                <a:spcPts val="1001"/>
-              </a:spcBef>
-              <a:buNone/>
-            </a:pPr>
-            <a:endParaRPr lang="en-US" sz="2800" b="0" strike="noStrike" spc="-1" dirty="0">
-              <a:solidFill>
-                <a:srgbClr val="000000"/>
-              </a:solidFill>
-              <a:latin typeface="Calibri"/>
-            </a:endParaRPr>
-          </a:p>
-          <a:p>
-            <a:pPr>
-              <a:lnSpc>
-                <a:spcPct val="90000"/>
-              </a:lnSpc>
-              <a:spcBef>
-                <a:spcPts val="1001"/>
-              </a:spcBef>
-              <a:buNone/>
-            </a:pPr>
-            <a:endParaRPr lang="en-US" sz="2800" b="0" strike="noStrike" spc="-1" dirty="0">
-              <a:solidFill>
-                <a:srgbClr val="000000"/>
-              </a:solidFill>
-              <a:latin typeface="Calibri"/>
-            </a:endParaRPr>
-          </a:p>
-          <a:p>
-            <a:pPr marL="228600" indent="-228600">
-              <a:lnSpc>
-                <a:spcPct val="90000"/>
-              </a:lnSpc>
-              <a:spcBef>
-                <a:spcPts val="1001"/>
-              </a:spcBef>
-              <a:buClr>
-                <a:srgbClr val="000000"/>
-              </a:buClr>
-              <a:buFont typeface="Arial"/>
-              <a:buChar char="•"/>
-            </a:pPr>
-            <a:r>
-              <a:rPr lang="en-US" sz="2800" b="0" strike="noStrike" spc="-1" dirty="0">
-                <a:solidFill>
-                  <a:srgbClr val="000000"/>
-                </a:solidFill>
-                <a:latin typeface="Calibri"/>
-              </a:rPr>
-              <a:t>Since </a:t>
-            </a:r>
-            <a:r>
-              <a:rPr lang="en-US" spc="-1" dirty="0">
-                <a:solidFill>
-                  <a:srgbClr val="000000"/>
-                </a:solidFill>
-                <a:latin typeface="Calibri"/>
-              </a:rPr>
-              <a:t>I want the 4x4x4 with white face, it is easy to pick it out from the background and other objects which are significantly darker.</a:t>
-            </a:r>
-            <a:endParaRPr lang="en-US" sz="2800" b="0" strike="noStrike" spc="-1" dirty="0">
-              <a:solidFill>
-                <a:srgbClr val="000000"/>
-              </a:solidFill>
-              <a:latin typeface="Calibri"/>
-            </a:endParaRPr>
-          </a:p>
-          <a:p>
-            <a:pPr marL="228600" indent="-228600">
-              <a:lnSpc>
-                <a:spcPct val="90000"/>
-              </a:lnSpc>
-              <a:spcBef>
-                <a:spcPts val="1001"/>
-              </a:spcBef>
-              <a:buClr>
-                <a:srgbClr val="000000"/>
-              </a:buClr>
-              <a:buFont typeface="Arial"/>
-              <a:buChar char="•"/>
-            </a:pPr>
-            <a:r>
-              <a:rPr lang="en-US" sz="2800" b="0" strike="noStrike" spc="-1" dirty="0">
-                <a:solidFill>
-                  <a:srgbClr val="000000"/>
-                </a:solidFill>
-                <a:latin typeface="Calibri"/>
-              </a:rPr>
-              <a:t>The image is then binarized to make sure that there are only two values for easier extraction of geometric features.</a:t>
-            </a:r>
-          </a:p>
-        </p:txBody>
-      </p:sp>
-      <p:sp>
-        <p:nvSpPr>
-          <p:cNvPr id="99" name="PlaceHolder 2"/>
-          <p:cNvSpPr>
-            <a:spLocks noGrp="1"/>
-          </p:cNvSpPr>
-          <p:nvPr>
-            <p:ph type="title"/>
-          </p:nvPr>
-        </p:nvSpPr>
-        <p:spPr>
-          <a:xfrm>
-            <a:off x="838080" y="365040"/>
-            <a:ext cx="10515240" cy="1325160"/>
-          </a:xfrm>
-          <a:prstGeom prst="rect">
-            <a:avLst/>
-          </a:prstGeom>
-          <a:noFill/>
-          <a:ln w="0">
-            <a:noFill/>
-          </a:ln>
-        </p:spPr>
-        <p:txBody>
-          <a:bodyPr anchor="ctr">
-            <a:noAutofit/>
-          </a:bodyPr>
-          <a:lstStyle/>
-          <a:p>
-            <a:pPr>
-              <a:lnSpc>
-                <a:spcPct val="90000"/>
-              </a:lnSpc>
-              <a:buNone/>
-            </a:pPr>
-            <a:r>
-              <a:rPr lang="en-US" sz="4400" b="0" strike="noStrike" spc="-1">
-                <a:solidFill>
-                  <a:srgbClr val="000000"/>
-                </a:solidFill>
-                <a:latin typeface="Calibri Light"/>
-              </a:rPr>
-              <a:t>RESULTS &amp; ANALYSIS</a:t>
-            </a:r>
-            <a:endParaRPr lang="en-US" sz="4400" b="0" strike="noStrike" spc="-1">
-              <a:solidFill>
-                <a:srgbClr val="000000"/>
-              </a:solidFill>
-              <a:latin typeface="Calibri"/>
-            </a:endParaRPr>
-          </a:p>
-        </p:txBody>
-      </p:sp>
-      <p:sp>
-        <p:nvSpPr>
-          <p:cNvPr id="100" name="Content Placeholder 2"/>
-          <p:cNvSpPr/>
-          <p:nvPr/>
-        </p:nvSpPr>
-        <p:spPr>
-          <a:xfrm>
-            <a:off x="0" y="6610680"/>
-            <a:ext cx="12191760" cy="246960"/>
-          </a:xfrm>
-          <a:prstGeom prst="rect">
-            <a:avLst/>
-          </a:prstGeom>
-          <a:noFill/>
-          <a:ln w="0">
-            <a:noFill/>
-          </a:ln>
-        </p:spPr>
-        <p:style>
-          <a:lnRef idx="0">
-            <a:scrgbClr r="0" g="0" b="0"/>
-          </a:lnRef>
-          <a:fillRef idx="0">
-            <a:scrgbClr r="0" g="0" b="0"/>
-          </a:fillRef>
-          <a:effectRef idx="0">
-            <a:scrgbClr r="0" g="0" b="0"/>
-          </a:effectRef>
-          <a:fontRef idx="minor"/>
-        </p:style>
-        <p:txBody>
-          <a:bodyPr anchor="t">
-            <a:normAutofit fontScale="95000"/>
-          </a:bodyPr>
-          <a:lstStyle/>
-          <a:p>
-            <a:pPr>
-              <a:lnSpc>
-                <a:spcPct val="90000"/>
-              </a:lnSpc>
-              <a:spcBef>
-                <a:spcPts val="1001"/>
-              </a:spcBef>
-              <a:buNone/>
-              <a:tabLst>
-                <a:tab pos="0" algn="l"/>
-              </a:tabLst>
-            </a:pPr>
-            <a:r>
-              <a:rPr lang="en-US" sz="1200" b="0" strike="noStrike" spc="-1" dirty="0">
-                <a:solidFill>
-                  <a:srgbClr val="000000"/>
-                </a:solidFill>
-                <a:latin typeface="Calibri"/>
-              </a:rPr>
-              <a:t>Codes and files: </a:t>
-            </a:r>
-            <a:r>
-              <a:rPr lang="en-US" sz="1200" b="0" strike="noStrike" spc="-1" dirty="0">
-                <a:solidFill>
-                  <a:srgbClr val="000000"/>
-                </a:solidFill>
-                <a:latin typeface="Calibri"/>
-                <a:hlinkClick r:id="rId2"/>
-              </a:rPr>
-              <a:t>https://github.com/genvert/AP_157_FX-2_Vertudez/tree/main/Activity%206</a:t>
-            </a:r>
-            <a:endParaRPr lang="en-PH" sz="1200" b="0" strike="noStrike" spc="-1" dirty="0">
-              <a:latin typeface="Arial"/>
-            </a:endParaRPr>
-          </a:p>
-        </p:txBody>
-      </p:sp>
-      <p:pic>
-        <p:nvPicPr>
-          <p:cNvPr id="3" name="Picture 2">
-            <a:extLst>
-              <a:ext uri="{FF2B5EF4-FFF2-40B4-BE49-F238E27FC236}">
-                <a16:creationId xmlns:a16="http://schemas.microsoft.com/office/drawing/2014/main" id="{7B704775-23FC-420E-AEE2-31C14CD1C78F}"/>
-              </a:ext>
-            </a:extLst>
-          </p:cNvPr>
-          <p:cNvPicPr>
-            <a:picLocks noChangeAspect="1"/>
-          </p:cNvPicPr>
-          <p:nvPr/>
-        </p:nvPicPr>
-        <p:blipFill>
-          <a:blip r:embed="rId3" cstate="print">
-            <a:extLst>
-              <a:ext uri="{28A0092B-C50C-407E-A947-70E740481C1C}">
-                <a14:useLocalDpi xmlns:a14="http://schemas.microsoft.com/office/drawing/2010/main" val="0"/>
-              </a:ext>
-            </a:extLst>
-          </a:blip>
-          <a:stretch>
-            <a:fillRect/>
-          </a:stretch>
-        </p:blipFill>
-        <p:spPr>
-          <a:xfrm>
-            <a:off x="1967345" y="1931508"/>
-            <a:ext cx="3517083" cy="2994984"/>
-          </a:xfrm>
-          <a:prstGeom prst="rect">
-            <a:avLst/>
-          </a:prstGeom>
-        </p:spPr>
-      </p:pic>
-      <p:pic>
-        <p:nvPicPr>
-          <p:cNvPr id="5" name="Picture 4">
-            <a:extLst>
-              <a:ext uri="{FF2B5EF4-FFF2-40B4-BE49-F238E27FC236}">
-                <a16:creationId xmlns:a16="http://schemas.microsoft.com/office/drawing/2014/main" id="{5FFBA7EB-FF67-4FA7-B190-6ADD72C32B9D}"/>
-              </a:ext>
-            </a:extLst>
-          </p:cNvPr>
-          <p:cNvPicPr>
-            <a:picLocks noChangeAspect="1"/>
-          </p:cNvPicPr>
-          <p:nvPr/>
-        </p:nvPicPr>
-        <p:blipFill>
-          <a:blip r:embed="rId4" cstate="print">
-            <a:extLst>
-              <a:ext uri="{28A0092B-C50C-407E-A947-70E740481C1C}">
-                <a14:useLocalDpi xmlns:a14="http://schemas.microsoft.com/office/drawing/2010/main" val="0"/>
-              </a:ext>
-            </a:extLst>
-          </a:blip>
-          <a:stretch>
-            <a:fillRect/>
-          </a:stretch>
-        </p:blipFill>
-        <p:spPr>
-          <a:xfrm>
-            <a:off x="7486650" y="1931508"/>
-            <a:ext cx="2353575" cy="3138100"/>
-          </a:xfrm>
-          <a:prstGeom prst="rect">
-            <a:avLst/>
-          </a:prstGeom>
-        </p:spPr>
-      </p:pic>
-    </p:spTree>
-    <p:extLst>
-      <p:ext uri="{BB962C8B-B14F-4D97-AF65-F5344CB8AC3E}">
-        <p14:creationId xmlns:p14="http://schemas.microsoft.com/office/powerpoint/2010/main" val="1258329081"/>
-      </p:ext>
-    </p:extLst>
-  </p:cSld>
-  <p:clrMapOvr>
-    <a:masterClrMapping/>
-  </p:clrMapOvr>
-</p:sld>
-</file>
-
-<file path=ppt/slides/slide12.xml><?xml version="1.0" encoding="utf-8"?>
-<p:sld xmlns:a="http://schemas.openxmlformats.org/drawingml/2006/main" xmlns:r="http://schemas.openxmlformats.org/officeDocument/2006/relationships" xmlns:p="http://schemas.openxmlformats.org/presentationml/2006/main">
-  <p:cSld>
-    <p:spTree>
-      <p:nvGrpSpPr>
-        <p:cNvPr id="1" name=""/>
-        <p:cNvGrpSpPr/>
-        <p:nvPr/>
-      </p:nvGrpSpPr>
-      <p:grpSpPr>
-        <a:xfrm>
-          <a:off x="0" y="0"/>
-          <a:ext cx="0" cy="0"/>
-          <a:chOff x="0" y="0"/>
-          <a:chExt cx="0" cy="0"/>
-        </a:xfrm>
-      </p:grpSpPr>
-      <p:sp>
-        <p:nvSpPr>
-          <p:cNvPr id="103" name="PlaceHolder 1"/>
-          <p:cNvSpPr>
-            <a:spLocks noGrp="1"/>
-          </p:cNvSpPr>
-          <p:nvPr>
-            <p:ph/>
-          </p:nvPr>
-        </p:nvSpPr>
-        <p:spPr>
-          <a:xfrm>
-            <a:off x="838080" y="1690560"/>
-            <a:ext cx="10515240" cy="5104080"/>
-          </a:xfrm>
-          <a:prstGeom prst="rect">
-            <a:avLst/>
-          </a:prstGeom>
-          <a:noFill/>
-          <a:ln w="0">
-            <a:noFill/>
-          </a:ln>
-        </p:spPr>
-        <p:txBody>
-          <a:bodyPr anchor="t">
-            <a:normAutofit/>
-          </a:bodyPr>
-          <a:lstStyle/>
-          <a:p>
-            <a:pPr marL="228600" indent="-228600">
-              <a:lnSpc>
-                <a:spcPct val="90000"/>
-              </a:lnSpc>
-              <a:spcBef>
-                <a:spcPts val="1001"/>
-              </a:spcBef>
-              <a:buClr>
-                <a:srgbClr val="000000"/>
-              </a:buClr>
-              <a:buFont typeface="Arial"/>
-              <a:buChar char="•"/>
-            </a:pPr>
-            <a:r>
-              <a:rPr lang="en-US" sz="2800" b="0" strike="noStrike" spc="-1" dirty="0">
-                <a:solidFill>
-                  <a:srgbClr val="000000"/>
-                </a:solidFill>
-                <a:latin typeface="Calibri"/>
-              </a:rPr>
-              <a:t>Analyze particles results</a:t>
-            </a:r>
-          </a:p>
-          <a:p>
-            <a:pPr marL="228600" indent="-228600">
-              <a:lnSpc>
-                <a:spcPct val="90000"/>
-              </a:lnSpc>
-              <a:spcBef>
-                <a:spcPts val="1001"/>
-              </a:spcBef>
-              <a:buClr>
-                <a:srgbClr val="000000"/>
-              </a:buClr>
-              <a:buFont typeface="Arial"/>
-              <a:buChar char="•"/>
-            </a:pPr>
-            <a:endParaRPr lang="en-US" spc="-1" dirty="0">
-              <a:solidFill>
-                <a:srgbClr val="000000"/>
-              </a:solidFill>
-              <a:latin typeface="Calibri"/>
-            </a:endParaRPr>
-          </a:p>
-          <a:p>
-            <a:pPr marL="228600" indent="-228600">
-              <a:lnSpc>
-                <a:spcPct val="90000"/>
-              </a:lnSpc>
-              <a:spcBef>
-                <a:spcPts val="1001"/>
-              </a:spcBef>
-              <a:buClr>
-                <a:srgbClr val="000000"/>
-              </a:buClr>
-              <a:buFont typeface="Arial"/>
-              <a:buChar char="•"/>
-            </a:pPr>
-            <a:endParaRPr lang="en-US" sz="2800" b="0" strike="noStrike" spc="-1" dirty="0">
-              <a:solidFill>
-                <a:srgbClr val="000000"/>
-              </a:solidFill>
-              <a:latin typeface="Calibri"/>
-            </a:endParaRPr>
-          </a:p>
-          <a:p>
-            <a:pPr marL="228600" indent="-228600">
-              <a:lnSpc>
-                <a:spcPct val="90000"/>
-              </a:lnSpc>
-              <a:spcBef>
-                <a:spcPts val="1001"/>
-              </a:spcBef>
-              <a:buClr>
-                <a:srgbClr val="000000"/>
-              </a:buClr>
-              <a:buFont typeface="Arial"/>
-              <a:buChar char="•"/>
-            </a:pPr>
-            <a:endParaRPr lang="en-US" spc="-1" dirty="0">
-              <a:solidFill>
-                <a:srgbClr val="000000"/>
-              </a:solidFill>
-              <a:latin typeface="Calibri"/>
-            </a:endParaRPr>
-          </a:p>
-          <a:p>
-            <a:pPr marL="228600" indent="-228600">
-              <a:lnSpc>
-                <a:spcPct val="90000"/>
-              </a:lnSpc>
-              <a:spcBef>
-                <a:spcPts val="1001"/>
-              </a:spcBef>
-              <a:buClr>
-                <a:srgbClr val="000000"/>
-              </a:buClr>
-              <a:buFont typeface="Arial"/>
-              <a:buChar char="•"/>
-            </a:pPr>
-            <a:endParaRPr lang="en-US" sz="2800" b="0" strike="noStrike" spc="-1" dirty="0">
-              <a:solidFill>
-                <a:srgbClr val="000000"/>
-              </a:solidFill>
-              <a:latin typeface="Calibri"/>
-            </a:endParaRPr>
-          </a:p>
-          <a:p>
-            <a:pPr marL="228600" indent="-228600">
-              <a:lnSpc>
-                <a:spcPct val="90000"/>
-              </a:lnSpc>
-              <a:spcBef>
-                <a:spcPts val="1001"/>
-              </a:spcBef>
-              <a:buClr>
-                <a:srgbClr val="000000"/>
-              </a:buClr>
-              <a:buFont typeface="Arial"/>
-              <a:buChar char="•"/>
-            </a:pPr>
-            <a:endParaRPr lang="en-US" spc="-1" dirty="0">
-              <a:solidFill>
-                <a:srgbClr val="000000"/>
-              </a:solidFill>
-              <a:latin typeface="Calibri"/>
-            </a:endParaRPr>
-          </a:p>
-          <a:p>
-            <a:pPr marL="228600" indent="-228600">
-              <a:lnSpc>
-                <a:spcPct val="90000"/>
-              </a:lnSpc>
-              <a:spcBef>
-                <a:spcPts val="1001"/>
-              </a:spcBef>
-              <a:buClr>
-                <a:srgbClr val="000000"/>
-              </a:buClr>
-              <a:buFont typeface="Arial"/>
-              <a:buChar char="•"/>
-            </a:pPr>
-            <a:endParaRPr lang="en-US" sz="2800" b="0" strike="noStrike" spc="-1" dirty="0">
-              <a:solidFill>
-                <a:srgbClr val="000000"/>
-              </a:solidFill>
-              <a:latin typeface="Calibri"/>
-            </a:endParaRPr>
-          </a:p>
-          <a:p>
-            <a:pPr marL="228600" indent="-228600">
-              <a:lnSpc>
-                <a:spcPct val="90000"/>
-              </a:lnSpc>
-              <a:spcBef>
-                <a:spcPts val="1001"/>
-              </a:spcBef>
-              <a:buClr>
-                <a:srgbClr val="000000"/>
-              </a:buClr>
-              <a:buFont typeface="Arial"/>
-              <a:buChar char="•"/>
-            </a:pPr>
-            <a:endParaRPr lang="en-US" spc="-1" dirty="0">
-              <a:solidFill>
-                <a:srgbClr val="000000"/>
-              </a:solidFill>
-              <a:latin typeface="Calibri"/>
-            </a:endParaRPr>
-          </a:p>
-          <a:p>
-            <a:pPr>
-              <a:lnSpc>
-                <a:spcPct val="90000"/>
-              </a:lnSpc>
-              <a:spcBef>
-                <a:spcPts val="1001"/>
-              </a:spcBef>
-              <a:buNone/>
-            </a:pPr>
-            <a:endParaRPr lang="en-US" sz="2800" b="0" strike="noStrike" spc="-1" dirty="0">
-              <a:solidFill>
-                <a:srgbClr val="000000"/>
-              </a:solidFill>
-              <a:latin typeface="Calibri"/>
-            </a:endParaRPr>
-          </a:p>
-          <a:p>
-            <a:pPr>
-              <a:lnSpc>
-                <a:spcPct val="90000"/>
-              </a:lnSpc>
-              <a:spcBef>
-                <a:spcPts val="1001"/>
-              </a:spcBef>
-              <a:buNone/>
-            </a:pPr>
-            <a:endParaRPr lang="en-US" sz="2800" b="0" strike="noStrike" spc="-1" dirty="0">
-              <a:solidFill>
-                <a:srgbClr val="000000"/>
-              </a:solidFill>
-              <a:latin typeface="Calibri"/>
-            </a:endParaRPr>
-          </a:p>
-          <a:p>
-            <a:pPr>
-              <a:lnSpc>
-                <a:spcPct val="90000"/>
-              </a:lnSpc>
-              <a:spcBef>
-                <a:spcPts val="1001"/>
-              </a:spcBef>
-              <a:buNone/>
-            </a:pPr>
-            <a:endParaRPr lang="en-US" sz="2800" b="0" strike="noStrike" spc="-1" dirty="0">
-              <a:solidFill>
-                <a:srgbClr val="000000"/>
-              </a:solidFill>
-              <a:latin typeface="Calibri"/>
-            </a:endParaRPr>
-          </a:p>
-          <a:p>
-            <a:pPr>
-              <a:lnSpc>
-                <a:spcPct val="90000"/>
-              </a:lnSpc>
-              <a:spcBef>
-                <a:spcPts val="1001"/>
-              </a:spcBef>
-              <a:buNone/>
-            </a:pPr>
-            <a:endParaRPr lang="en-US" sz="2800" b="0" strike="noStrike" spc="-1" dirty="0">
-              <a:solidFill>
-                <a:srgbClr val="000000"/>
-              </a:solidFill>
-              <a:latin typeface="Calibri"/>
-            </a:endParaRPr>
-          </a:p>
-          <a:p>
-            <a:pPr>
-              <a:lnSpc>
-                <a:spcPct val="90000"/>
-              </a:lnSpc>
-              <a:spcBef>
-                <a:spcPts val="1001"/>
-              </a:spcBef>
-              <a:buNone/>
-            </a:pPr>
-            <a:endParaRPr lang="en-US" sz="2800" b="0" strike="noStrike" spc="-1" dirty="0">
-              <a:solidFill>
-                <a:srgbClr val="000000"/>
-              </a:solidFill>
-              <a:latin typeface="Calibri"/>
-            </a:endParaRPr>
-          </a:p>
-          <a:p>
-            <a:pPr>
-              <a:lnSpc>
-                <a:spcPct val="90000"/>
-              </a:lnSpc>
-              <a:spcBef>
-                <a:spcPts val="1001"/>
-              </a:spcBef>
-              <a:buNone/>
-            </a:pPr>
-            <a:endParaRPr lang="en-US" sz="2800" b="0" strike="noStrike" spc="-1" dirty="0">
-              <a:solidFill>
-                <a:srgbClr val="000000"/>
-              </a:solidFill>
-              <a:latin typeface="Calibri"/>
-            </a:endParaRPr>
-          </a:p>
-          <a:p>
-            <a:pPr>
-              <a:lnSpc>
-                <a:spcPct val="90000"/>
-              </a:lnSpc>
-              <a:spcBef>
-                <a:spcPts val="1001"/>
-              </a:spcBef>
-              <a:buNone/>
-            </a:pPr>
-            <a:endParaRPr lang="en-US" sz="2800" b="0" strike="noStrike" spc="-1" dirty="0">
-              <a:solidFill>
-                <a:srgbClr val="000000"/>
-              </a:solidFill>
-              <a:latin typeface="Calibri"/>
-            </a:endParaRPr>
-          </a:p>
-          <a:p>
-            <a:pPr>
-              <a:lnSpc>
-                <a:spcPct val="90000"/>
-              </a:lnSpc>
-              <a:spcBef>
-                <a:spcPts val="1001"/>
-              </a:spcBef>
-              <a:buNone/>
-              <a:tabLst>
-                <a:tab pos="0" algn="l"/>
-              </a:tabLst>
-            </a:pPr>
-            <a:endParaRPr lang="en-US" sz="2800" b="0" strike="noStrike" spc="-1" dirty="0">
-              <a:solidFill>
-                <a:srgbClr val="000000"/>
-              </a:solidFill>
-              <a:latin typeface="Calibri"/>
-            </a:endParaRPr>
-          </a:p>
-        </p:txBody>
-      </p:sp>
-      <p:sp>
-        <p:nvSpPr>
-          <p:cNvPr id="104" name="PlaceHolder 2"/>
-          <p:cNvSpPr>
-            <a:spLocks noGrp="1"/>
-          </p:cNvSpPr>
-          <p:nvPr>
-            <p:ph type="title"/>
-          </p:nvPr>
-        </p:nvSpPr>
-        <p:spPr>
-          <a:xfrm>
-            <a:off x="838080" y="365040"/>
-            <a:ext cx="10515240" cy="1325160"/>
-          </a:xfrm>
-          <a:prstGeom prst="rect">
-            <a:avLst/>
-          </a:prstGeom>
-          <a:noFill/>
-          <a:ln w="0">
-            <a:noFill/>
-          </a:ln>
-        </p:spPr>
-        <p:txBody>
-          <a:bodyPr anchor="ctr">
-            <a:noAutofit/>
-          </a:bodyPr>
-          <a:lstStyle/>
-          <a:p>
-            <a:pPr>
-              <a:lnSpc>
-                <a:spcPct val="90000"/>
-              </a:lnSpc>
-              <a:buNone/>
-            </a:pPr>
-            <a:r>
-              <a:rPr lang="en-US" sz="4400" b="0" strike="noStrike" spc="-1" dirty="0">
-                <a:solidFill>
-                  <a:srgbClr val="000000"/>
-                </a:solidFill>
-                <a:latin typeface="Calibri Light"/>
-              </a:rPr>
-              <a:t>RESULTS &amp; ANALYSIS</a:t>
-            </a:r>
-            <a:endParaRPr lang="en-US" sz="4400" b="0" strike="noStrike" spc="-1" dirty="0">
-              <a:solidFill>
-                <a:srgbClr val="000000"/>
-              </a:solidFill>
-              <a:latin typeface="Calibri"/>
-            </a:endParaRPr>
-          </a:p>
-        </p:txBody>
-      </p:sp>
-      <p:sp>
-        <p:nvSpPr>
-          <p:cNvPr id="105" name="Content Placeholder 2"/>
-          <p:cNvSpPr/>
-          <p:nvPr/>
-        </p:nvSpPr>
-        <p:spPr>
-          <a:xfrm>
-            <a:off x="0" y="6610680"/>
-            <a:ext cx="12191760" cy="246960"/>
-          </a:xfrm>
-          <a:prstGeom prst="rect">
-            <a:avLst/>
-          </a:prstGeom>
-          <a:noFill/>
-          <a:ln w="0">
-            <a:noFill/>
-          </a:ln>
-        </p:spPr>
-        <p:style>
-          <a:lnRef idx="0">
-            <a:scrgbClr r="0" g="0" b="0"/>
-          </a:lnRef>
-          <a:fillRef idx="0">
-            <a:scrgbClr r="0" g="0" b="0"/>
-          </a:fillRef>
-          <a:effectRef idx="0">
-            <a:scrgbClr r="0" g="0" b="0"/>
-          </a:effectRef>
-          <a:fontRef idx="minor"/>
-        </p:style>
-        <p:txBody>
-          <a:bodyPr anchor="t">
-            <a:normAutofit fontScale="95000"/>
-          </a:bodyPr>
-          <a:lstStyle/>
-          <a:p>
-            <a:pPr>
-              <a:lnSpc>
-                <a:spcPct val="90000"/>
-              </a:lnSpc>
-              <a:spcBef>
-                <a:spcPts val="1001"/>
-              </a:spcBef>
-              <a:buNone/>
-              <a:tabLst>
-                <a:tab pos="0" algn="l"/>
-              </a:tabLst>
-            </a:pPr>
-            <a:r>
-              <a:rPr lang="en-US" sz="1200" b="0" strike="noStrike" spc="-1" dirty="0">
-                <a:solidFill>
-                  <a:srgbClr val="000000"/>
-                </a:solidFill>
-                <a:latin typeface="Calibri"/>
-              </a:rPr>
-              <a:t>Codes and files: </a:t>
-            </a:r>
-            <a:r>
-              <a:rPr lang="en-US" sz="1200" b="0" strike="noStrike" spc="-1" dirty="0">
-                <a:solidFill>
-                  <a:srgbClr val="000000"/>
-                </a:solidFill>
-                <a:latin typeface="Calibri"/>
-                <a:hlinkClick r:id="rId2"/>
-              </a:rPr>
-              <a:t>https://github.com/genvert/AP_157_FX-2_Vertudez/tree/main/Activity%206</a:t>
-            </a:r>
-            <a:endParaRPr lang="en-PH" sz="1200" b="0" strike="noStrike" spc="-1" dirty="0">
-              <a:latin typeface="Arial"/>
-            </a:endParaRPr>
-          </a:p>
-        </p:txBody>
-      </p:sp>
-      <p:pic>
-        <p:nvPicPr>
-          <p:cNvPr id="3" name="Picture 2">
-            <a:extLst>
-              <a:ext uri="{FF2B5EF4-FFF2-40B4-BE49-F238E27FC236}">
-                <a16:creationId xmlns:a16="http://schemas.microsoft.com/office/drawing/2014/main" id="{CE1188CD-22D9-4D50-ABB9-38AF5D4214C0}"/>
-              </a:ext>
-            </a:extLst>
-          </p:cNvPr>
-          <p:cNvPicPr>
-            <a:picLocks noChangeAspect="1"/>
-          </p:cNvPicPr>
-          <p:nvPr/>
-        </p:nvPicPr>
-        <p:blipFill>
-          <a:blip r:embed="rId3">
-            <a:extLst>
-              <a:ext uri="{28A0092B-C50C-407E-A947-70E740481C1C}">
-                <a14:useLocalDpi xmlns:a14="http://schemas.microsoft.com/office/drawing/2010/main" val="0"/>
-              </a:ext>
-            </a:extLst>
-          </a:blip>
-          <a:stretch>
-            <a:fillRect/>
-          </a:stretch>
-        </p:blipFill>
-        <p:spPr>
-          <a:xfrm>
-            <a:off x="3166474" y="2339773"/>
-            <a:ext cx="5859051" cy="4021660"/>
-          </a:xfrm>
-          <a:prstGeom prst="rect">
-            <a:avLst/>
-          </a:prstGeom>
-        </p:spPr>
-      </p:pic>
-    </p:spTree>
-    <p:extLst>
-      <p:ext uri="{BB962C8B-B14F-4D97-AF65-F5344CB8AC3E}">
-        <p14:creationId xmlns:p14="http://schemas.microsoft.com/office/powerpoint/2010/main" val="29415743"/>
-      </p:ext>
-    </p:extLst>
-  </p:cSld>
-  <p:clrMapOvr>
-    <a:masterClrMapping/>
-  </p:clrMapOvr>
-</p:sld>
-</file>
-
-<file path=ppt/slides/slide13.xml><?xml version="1.0" encoding="utf-8"?>
-<p:sld xmlns:a="http://schemas.openxmlformats.org/drawingml/2006/main" xmlns:r="http://schemas.openxmlformats.org/officeDocument/2006/relationships" xmlns:p="http://schemas.openxmlformats.org/presentationml/2006/main">
-  <p:cSld>
-    <p:spTree>
-      <p:nvGrpSpPr>
-        <p:cNvPr id="1" name=""/>
-        <p:cNvGrpSpPr/>
-        <p:nvPr/>
-      </p:nvGrpSpPr>
-      <p:grpSpPr>
-        <a:xfrm>
-          <a:off x="0" y="0"/>
-          <a:ext cx="0" cy="0"/>
-          <a:chOff x="0" y="0"/>
-          <a:chExt cx="0" cy="0"/>
-        </a:xfrm>
-      </p:grpSpPr>
-      <p:sp>
-        <p:nvSpPr>
-          <p:cNvPr id="103" name="PlaceHolder 1"/>
-          <p:cNvSpPr>
-            <a:spLocks noGrp="1"/>
-          </p:cNvSpPr>
-          <p:nvPr>
-            <p:ph/>
-          </p:nvPr>
-        </p:nvSpPr>
-        <p:spPr>
-          <a:xfrm>
-            <a:off x="838080" y="1690560"/>
-            <a:ext cx="10515240" cy="5104080"/>
-          </a:xfrm>
-          <a:prstGeom prst="rect">
-            <a:avLst/>
-          </a:prstGeom>
-          <a:noFill/>
-          <a:ln w="0">
-            <a:noFill/>
-          </a:ln>
-        </p:spPr>
-        <p:txBody>
-          <a:bodyPr anchor="t">
-            <a:normAutofit/>
-          </a:bodyPr>
-          <a:lstStyle/>
-          <a:p>
-            <a:pPr marL="228600" indent="-228600" algn="l" rtl="0" eaLnBrk="1" latinLnBrk="0" hangingPunct="1">
-              <a:lnSpc>
-                <a:spcPct val="90000"/>
-              </a:lnSpc>
-              <a:spcBef>
-                <a:spcPts val="1001"/>
-              </a:spcBef>
-              <a:spcAft>
-                <a:spcPts val="0"/>
-              </a:spcAft>
-              <a:buClr>
-                <a:srgbClr val="000000"/>
-              </a:buClr>
-              <a:buSzPts val="2600"/>
-              <a:buFont typeface="Arial" panose="020B0604020202020204" pitchFamily="34" charset="0"/>
-              <a:buChar char="•"/>
-            </a:pPr>
-            <a:r>
-              <a:rPr lang="en-US" sz="2800" b="0" kern="1200" spc="-1" dirty="0">
-                <a:solidFill>
-                  <a:srgbClr val="000000"/>
-                </a:solidFill>
-                <a:effectLst/>
-                <a:latin typeface="Calibri" panose="020F0502020204030204" pitchFamily="34" charset="0"/>
-                <a:ea typeface="DejaVu Sans"/>
-                <a:cs typeface="DejaVu Sans"/>
-              </a:rPr>
-              <a:t>Actually, I know that my 4x4x4 has a side of about 60 mm, which sets each ‘cubie’ as we call it, to have about 15 mm. This can be confirmed since the extracted area of each ‘cubie’ ranges from about 200-220 mm^2, whose square root is about 14-15 mm.</a:t>
-            </a:r>
-          </a:p>
-          <a:p>
-            <a:pPr marL="228600" indent="-228600" algn="l" rtl="0" eaLnBrk="1" latinLnBrk="0" hangingPunct="1">
-              <a:lnSpc>
-                <a:spcPct val="90000"/>
-              </a:lnSpc>
-              <a:spcBef>
-                <a:spcPts val="1001"/>
-              </a:spcBef>
-              <a:spcAft>
-                <a:spcPts val="0"/>
-              </a:spcAft>
-              <a:buClr>
-                <a:srgbClr val="000000"/>
-              </a:buClr>
-              <a:buSzPts val="2600"/>
-              <a:buFont typeface="Arial" panose="020B0604020202020204" pitchFamily="34" charset="0"/>
-              <a:buChar char="•"/>
-            </a:pPr>
-            <a:r>
-              <a:rPr lang="en-US" spc="-1" dirty="0">
-                <a:solidFill>
-                  <a:srgbClr val="000000"/>
-                </a:solidFill>
-                <a:latin typeface="Calibri" panose="020F0502020204030204" pitchFamily="34" charset="0"/>
-              </a:rPr>
-              <a:t>Moreover, we see that the perimeter of each ‘cubie’ is about 60 mm, which, when divided by 4 (approximating each ‘cubie’ as a square), is about 15 mm as </a:t>
-            </a:r>
-            <a:r>
-              <a:rPr lang="en-US" spc="-1">
-                <a:solidFill>
-                  <a:srgbClr val="000000"/>
-                </a:solidFill>
-                <a:latin typeface="Calibri" panose="020F0502020204030204" pitchFamily="34" charset="0"/>
-              </a:rPr>
-              <a:t>well.</a:t>
-            </a:r>
-          </a:p>
-          <a:p>
-            <a:pPr marL="228600" indent="-228600" algn="l" rtl="0" eaLnBrk="1" latinLnBrk="0" hangingPunct="1">
-              <a:lnSpc>
-                <a:spcPct val="90000"/>
-              </a:lnSpc>
-              <a:spcBef>
-                <a:spcPts val="1001"/>
-              </a:spcBef>
-              <a:spcAft>
-                <a:spcPts val="0"/>
-              </a:spcAft>
-              <a:buClr>
-                <a:srgbClr val="000000"/>
-              </a:buClr>
-              <a:buSzPts val="2600"/>
-              <a:buFont typeface="Arial" panose="020B0604020202020204" pitchFamily="34" charset="0"/>
-              <a:buChar char="•"/>
-            </a:pPr>
-            <a:r>
-              <a:rPr lang="en-US" spc="-1">
-                <a:solidFill>
-                  <a:srgbClr val="000000"/>
-                </a:solidFill>
-                <a:latin typeface="Calibri" panose="020F0502020204030204" pitchFamily="34" charset="0"/>
-              </a:rPr>
-              <a:t>Amazing</a:t>
-            </a:r>
-            <a:r>
-              <a:rPr lang="en-US" spc="-1" dirty="0">
-                <a:solidFill>
-                  <a:srgbClr val="000000"/>
-                </a:solidFill>
-                <a:latin typeface="Calibri" panose="020F0502020204030204" pitchFamily="34" charset="0"/>
-              </a:rPr>
-              <a:t>!</a:t>
-            </a:r>
-            <a:endParaRPr lang="en-US" sz="2800" dirty="0">
-              <a:effectLst/>
-            </a:endParaRPr>
-          </a:p>
-          <a:p>
-            <a:pPr marL="0" indent="0">
-              <a:lnSpc>
-                <a:spcPct val="90000"/>
-              </a:lnSpc>
-              <a:spcBef>
-                <a:spcPts val="1001"/>
-              </a:spcBef>
-              <a:buClr>
-                <a:srgbClr val="000000"/>
-              </a:buClr>
-              <a:buNone/>
-            </a:pPr>
-            <a:endParaRPr lang="en-US" spc="-1" dirty="0">
-              <a:solidFill>
-                <a:srgbClr val="000000"/>
-              </a:solidFill>
-              <a:latin typeface="Calibri"/>
-            </a:endParaRPr>
-          </a:p>
-          <a:p>
-            <a:pPr marL="228600" indent="-228600">
-              <a:lnSpc>
-                <a:spcPct val="90000"/>
-              </a:lnSpc>
-              <a:spcBef>
-                <a:spcPts val="1001"/>
-              </a:spcBef>
-              <a:buClr>
-                <a:srgbClr val="000000"/>
-              </a:buClr>
-              <a:buFont typeface="Arial"/>
-              <a:buChar char="•"/>
-            </a:pPr>
-            <a:endParaRPr lang="en-US" sz="2800" b="0" strike="noStrike" spc="-1" dirty="0">
-              <a:solidFill>
-                <a:srgbClr val="000000"/>
-              </a:solidFill>
-              <a:latin typeface="Calibri"/>
-            </a:endParaRPr>
-          </a:p>
-          <a:p>
-            <a:pPr marL="228600" indent="-228600">
-              <a:lnSpc>
-                <a:spcPct val="90000"/>
-              </a:lnSpc>
-              <a:spcBef>
-                <a:spcPts val="1001"/>
-              </a:spcBef>
-              <a:buClr>
-                <a:srgbClr val="000000"/>
-              </a:buClr>
-              <a:buFont typeface="Arial"/>
-              <a:buChar char="•"/>
-            </a:pPr>
-            <a:endParaRPr lang="en-US" spc="-1" dirty="0">
-              <a:solidFill>
-                <a:srgbClr val="000000"/>
-              </a:solidFill>
-              <a:latin typeface="Calibri"/>
-            </a:endParaRPr>
-          </a:p>
-          <a:p>
-            <a:pPr marL="228600" indent="-228600">
-              <a:lnSpc>
-                <a:spcPct val="90000"/>
-              </a:lnSpc>
-              <a:spcBef>
-                <a:spcPts val="1001"/>
-              </a:spcBef>
-              <a:buClr>
-                <a:srgbClr val="000000"/>
-              </a:buClr>
-              <a:buFont typeface="Arial"/>
-              <a:buChar char="•"/>
-            </a:pPr>
-            <a:endParaRPr lang="en-US" sz="2800" b="0" strike="noStrike" spc="-1" dirty="0">
-              <a:solidFill>
-                <a:srgbClr val="000000"/>
-              </a:solidFill>
-              <a:latin typeface="Calibri"/>
-            </a:endParaRPr>
-          </a:p>
-          <a:p>
-            <a:pPr marL="228600" indent="-228600">
-              <a:lnSpc>
-                <a:spcPct val="90000"/>
-              </a:lnSpc>
-              <a:spcBef>
-                <a:spcPts val="1001"/>
-              </a:spcBef>
-              <a:buClr>
-                <a:srgbClr val="000000"/>
-              </a:buClr>
-              <a:buFont typeface="Arial"/>
-              <a:buChar char="•"/>
-            </a:pPr>
-            <a:endParaRPr lang="en-US" spc="-1" dirty="0">
-              <a:solidFill>
-                <a:srgbClr val="000000"/>
-              </a:solidFill>
-              <a:latin typeface="Calibri"/>
-            </a:endParaRPr>
-          </a:p>
-          <a:p>
-            <a:pPr marL="228600" indent="-228600">
-              <a:lnSpc>
-                <a:spcPct val="90000"/>
-              </a:lnSpc>
-              <a:spcBef>
-                <a:spcPts val="1001"/>
-              </a:spcBef>
-              <a:buClr>
-                <a:srgbClr val="000000"/>
-              </a:buClr>
-              <a:buFont typeface="Arial"/>
-              <a:buChar char="•"/>
-            </a:pPr>
-            <a:endParaRPr lang="en-US" sz="2800" b="0" strike="noStrike" spc="-1" dirty="0">
-              <a:solidFill>
-                <a:srgbClr val="000000"/>
-              </a:solidFill>
-              <a:latin typeface="Calibri"/>
-            </a:endParaRPr>
-          </a:p>
-          <a:p>
-            <a:pPr marL="228600" indent="-228600">
-              <a:lnSpc>
-                <a:spcPct val="90000"/>
-              </a:lnSpc>
-              <a:spcBef>
-                <a:spcPts val="1001"/>
-              </a:spcBef>
-              <a:buClr>
-                <a:srgbClr val="000000"/>
-              </a:buClr>
-              <a:buFont typeface="Arial"/>
-              <a:buChar char="•"/>
-            </a:pPr>
-            <a:endParaRPr lang="en-US" spc="-1" dirty="0">
-              <a:solidFill>
-                <a:srgbClr val="000000"/>
-              </a:solidFill>
-              <a:latin typeface="Calibri"/>
-            </a:endParaRPr>
-          </a:p>
-          <a:p>
-            <a:pPr>
-              <a:lnSpc>
-                <a:spcPct val="90000"/>
-              </a:lnSpc>
-              <a:spcBef>
-                <a:spcPts val="1001"/>
-              </a:spcBef>
-              <a:buNone/>
-            </a:pPr>
-            <a:endParaRPr lang="en-US" sz="2800" b="0" strike="noStrike" spc="-1" dirty="0">
-              <a:solidFill>
-                <a:srgbClr val="000000"/>
-              </a:solidFill>
-              <a:latin typeface="Calibri"/>
-            </a:endParaRPr>
-          </a:p>
-          <a:p>
-            <a:pPr>
-              <a:lnSpc>
-                <a:spcPct val="90000"/>
-              </a:lnSpc>
-              <a:spcBef>
-                <a:spcPts val="1001"/>
-              </a:spcBef>
-              <a:buNone/>
-            </a:pPr>
-            <a:endParaRPr lang="en-US" sz="2800" b="0" strike="noStrike" spc="-1" dirty="0">
-              <a:solidFill>
-                <a:srgbClr val="000000"/>
-              </a:solidFill>
-              <a:latin typeface="Calibri"/>
-            </a:endParaRPr>
-          </a:p>
-          <a:p>
-            <a:pPr>
-              <a:lnSpc>
-                <a:spcPct val="90000"/>
-              </a:lnSpc>
-              <a:spcBef>
-                <a:spcPts val="1001"/>
-              </a:spcBef>
-              <a:buNone/>
-            </a:pPr>
-            <a:endParaRPr lang="en-US" sz="2800" b="0" strike="noStrike" spc="-1" dirty="0">
-              <a:solidFill>
-                <a:srgbClr val="000000"/>
-              </a:solidFill>
-              <a:latin typeface="Calibri"/>
-            </a:endParaRPr>
-          </a:p>
-          <a:p>
-            <a:pPr>
-              <a:lnSpc>
-                <a:spcPct val="90000"/>
-              </a:lnSpc>
-              <a:spcBef>
-                <a:spcPts val="1001"/>
-              </a:spcBef>
-              <a:buNone/>
-            </a:pPr>
-            <a:endParaRPr lang="en-US" sz="2800" b="0" strike="noStrike" spc="-1" dirty="0">
-              <a:solidFill>
-                <a:srgbClr val="000000"/>
-              </a:solidFill>
-              <a:latin typeface="Calibri"/>
-            </a:endParaRPr>
-          </a:p>
-          <a:p>
-            <a:pPr>
-              <a:lnSpc>
-                <a:spcPct val="90000"/>
-              </a:lnSpc>
-              <a:spcBef>
-                <a:spcPts val="1001"/>
-              </a:spcBef>
-              <a:buNone/>
-            </a:pPr>
-            <a:endParaRPr lang="en-US" sz="2800" b="0" strike="noStrike" spc="-1" dirty="0">
-              <a:solidFill>
-                <a:srgbClr val="000000"/>
-              </a:solidFill>
-              <a:latin typeface="Calibri"/>
-            </a:endParaRPr>
-          </a:p>
-          <a:p>
-            <a:pPr>
-              <a:lnSpc>
-                <a:spcPct val="90000"/>
-              </a:lnSpc>
-              <a:spcBef>
-                <a:spcPts val="1001"/>
-              </a:spcBef>
-              <a:buNone/>
-            </a:pPr>
-            <a:endParaRPr lang="en-US" sz="2800" b="0" strike="noStrike" spc="-1" dirty="0">
-              <a:solidFill>
-                <a:srgbClr val="000000"/>
-              </a:solidFill>
-              <a:latin typeface="Calibri"/>
-            </a:endParaRPr>
-          </a:p>
-          <a:p>
-            <a:pPr>
-              <a:lnSpc>
-                <a:spcPct val="90000"/>
-              </a:lnSpc>
-              <a:spcBef>
-                <a:spcPts val="1001"/>
-              </a:spcBef>
-              <a:buNone/>
-            </a:pPr>
-            <a:endParaRPr lang="en-US" sz="2800" b="0" strike="noStrike" spc="-1" dirty="0">
-              <a:solidFill>
-                <a:srgbClr val="000000"/>
-              </a:solidFill>
-              <a:latin typeface="Calibri"/>
-            </a:endParaRPr>
-          </a:p>
-          <a:p>
-            <a:pPr>
-              <a:lnSpc>
-                <a:spcPct val="90000"/>
-              </a:lnSpc>
-              <a:spcBef>
-                <a:spcPts val="1001"/>
-              </a:spcBef>
-              <a:buNone/>
-              <a:tabLst>
-                <a:tab pos="0" algn="l"/>
-              </a:tabLst>
-            </a:pPr>
-            <a:endParaRPr lang="en-US" sz="2800" b="0" strike="noStrike" spc="-1" dirty="0">
-              <a:solidFill>
-                <a:srgbClr val="000000"/>
-              </a:solidFill>
-              <a:latin typeface="Calibri"/>
-            </a:endParaRPr>
-          </a:p>
-        </p:txBody>
-      </p:sp>
-      <p:sp>
-        <p:nvSpPr>
-          <p:cNvPr id="104" name="PlaceHolder 2"/>
-          <p:cNvSpPr>
-            <a:spLocks noGrp="1"/>
-          </p:cNvSpPr>
-          <p:nvPr>
-            <p:ph type="title"/>
-          </p:nvPr>
-        </p:nvSpPr>
-        <p:spPr>
-          <a:xfrm>
-            <a:off x="838080" y="365040"/>
-            <a:ext cx="10515240" cy="1325160"/>
-          </a:xfrm>
-          <a:prstGeom prst="rect">
-            <a:avLst/>
-          </a:prstGeom>
-          <a:noFill/>
-          <a:ln w="0">
-            <a:noFill/>
-          </a:ln>
-        </p:spPr>
-        <p:txBody>
-          <a:bodyPr anchor="ctr">
-            <a:noAutofit/>
-          </a:bodyPr>
-          <a:lstStyle/>
-          <a:p>
-            <a:pPr>
-              <a:lnSpc>
-                <a:spcPct val="90000"/>
-              </a:lnSpc>
-              <a:buNone/>
-            </a:pPr>
-            <a:r>
-              <a:rPr lang="en-US" sz="4400" b="0" strike="noStrike" spc="-1" dirty="0">
-                <a:solidFill>
-                  <a:srgbClr val="000000"/>
-                </a:solidFill>
-                <a:latin typeface="Calibri Light"/>
-              </a:rPr>
-              <a:t>RESULTS &amp; ANALYSIS</a:t>
-            </a:r>
-            <a:endParaRPr lang="en-US" sz="4400" b="0" strike="noStrike" spc="-1" dirty="0">
-              <a:solidFill>
-                <a:srgbClr val="000000"/>
-              </a:solidFill>
-              <a:latin typeface="Calibri"/>
-            </a:endParaRPr>
-          </a:p>
-        </p:txBody>
-      </p:sp>
-      <p:sp>
-        <p:nvSpPr>
-          <p:cNvPr id="105" name="Content Placeholder 2"/>
-          <p:cNvSpPr/>
-          <p:nvPr/>
-        </p:nvSpPr>
-        <p:spPr>
-          <a:xfrm>
-            <a:off x="0" y="6610680"/>
-            <a:ext cx="12191760" cy="246960"/>
-          </a:xfrm>
-          <a:prstGeom prst="rect">
-            <a:avLst/>
-          </a:prstGeom>
-          <a:noFill/>
-          <a:ln w="0">
-            <a:noFill/>
-          </a:ln>
-        </p:spPr>
-        <p:style>
-          <a:lnRef idx="0">
-            <a:scrgbClr r="0" g="0" b="0"/>
-          </a:lnRef>
-          <a:fillRef idx="0">
-            <a:scrgbClr r="0" g="0" b="0"/>
-          </a:fillRef>
-          <a:effectRef idx="0">
-            <a:scrgbClr r="0" g="0" b="0"/>
-          </a:effectRef>
-          <a:fontRef idx="minor"/>
-        </p:style>
-        <p:txBody>
-          <a:bodyPr anchor="t">
-            <a:normAutofit fontScale="95000"/>
-          </a:bodyPr>
-          <a:lstStyle/>
-          <a:p>
-            <a:pPr>
-              <a:lnSpc>
-                <a:spcPct val="90000"/>
-              </a:lnSpc>
-              <a:spcBef>
-                <a:spcPts val="1001"/>
-              </a:spcBef>
-              <a:buNone/>
-              <a:tabLst>
-                <a:tab pos="0" algn="l"/>
-              </a:tabLst>
-            </a:pPr>
-            <a:r>
-              <a:rPr lang="en-US" sz="1200" b="0" strike="noStrike" spc="-1">
-                <a:solidFill>
-                  <a:srgbClr val="000000"/>
-                </a:solidFill>
-                <a:latin typeface="Calibri"/>
-              </a:rPr>
-              <a:t>Codes and files: </a:t>
-            </a:r>
-            <a:r>
-              <a:rPr lang="en-US" sz="1200" b="0" strike="noStrike" spc="-1">
-                <a:solidFill>
-                  <a:srgbClr val="000000"/>
-                </a:solidFill>
-                <a:latin typeface="Calibri"/>
-                <a:hlinkClick r:id="rId2"/>
-              </a:rPr>
-              <a:t>https://github.com/genvert/AP_157_FX-2_Vertudez/tree/main/Activity%206</a:t>
-            </a:r>
-            <a:endParaRPr lang="en-PH" sz="1200" b="0" strike="noStrike" spc="-1" dirty="0">
-              <a:latin typeface="Arial"/>
-            </a:endParaRPr>
-          </a:p>
-        </p:txBody>
-      </p:sp>
-    </p:spTree>
-    <p:extLst>
-      <p:ext uri="{BB962C8B-B14F-4D97-AF65-F5344CB8AC3E}">
-        <p14:creationId xmlns:p14="http://schemas.microsoft.com/office/powerpoint/2010/main" val="3693483658"/>
-      </p:ext>
-    </p:extLst>
-  </p:cSld>
-  <p:clrMapOvr>
-    <a:masterClrMapping/>
-  </p:clrMapOvr>
-</p:sld>
-</file>
-
-<file path=ppt/slides/slide14.xml><?xml version="1.0" encoding="utf-8"?>
-<p:sld xmlns:a="http://schemas.openxmlformats.org/drawingml/2006/main" xmlns:r="http://schemas.openxmlformats.org/officeDocument/2006/relationships" xmlns:p="http://schemas.openxmlformats.org/presentationml/2006/main">
-  <p:cSld>
-    <p:spTree>
-      <p:nvGrpSpPr>
-        <p:cNvPr id="1" name=""/>
-        <p:cNvGrpSpPr/>
-        <p:nvPr/>
-      </p:nvGrpSpPr>
-      <p:grpSpPr>
-        <a:xfrm>
-          <a:off x="0" y="0"/>
-          <a:ext cx="0" cy="0"/>
-          <a:chOff x="0" y="0"/>
-          <a:chExt cx="0" cy="0"/>
-        </a:xfrm>
-      </p:grpSpPr>
-      <p:sp>
-        <p:nvSpPr>
           <p:cNvPr id="109" name="PlaceHolder 1"/>
           <p:cNvSpPr>
             <a:spLocks noGrp="1"/>
@@ -9171,7 +7446,7 @@
 </p:sld>
 </file>
 
-<file path=ppt/slides/slide15.xml><?xml version="1.0" encoding="utf-8"?>
+<file path=ppt/slides/slide12.xml><?xml version="1.0" encoding="utf-8"?>
 <p:sld xmlns:a="http://schemas.openxmlformats.org/drawingml/2006/main" xmlns:r="http://schemas.openxmlformats.org/officeDocument/2006/relationships" xmlns:p="http://schemas.openxmlformats.org/presentationml/2006/main">
   <p:cSld>
     <p:spTree>
@@ -9643,131 +7918,7 @@
       </p:grpSpPr>
       <p:sp>
         <p:nvSpPr>
-          <p:cNvPr id="86" name="Content Placeholder 2"/>
-          <p:cNvSpPr/>
-          <p:nvPr/>
-        </p:nvSpPr>
-        <p:spPr>
-          <a:xfrm>
-            <a:off x="838080" y="1825560"/>
-            <a:ext cx="10515240" cy="4350960"/>
-          </a:xfrm>
-          <a:prstGeom prst="rect">
-            <a:avLst/>
-          </a:prstGeom>
-          <a:noFill/>
-          <a:ln w="0">
-            <a:noFill/>
-          </a:ln>
-        </p:spPr>
-        <p:style>
-          <a:lnRef idx="0">
-            <a:scrgbClr r="0" g="0" b="0"/>
-          </a:lnRef>
-          <a:fillRef idx="0">
-            <a:scrgbClr r="0" g="0" b="0"/>
-          </a:fillRef>
-          <a:effectRef idx="0">
-            <a:scrgbClr r="0" g="0" b="0"/>
-          </a:effectRef>
-          <a:fontRef idx="minor"/>
-        </p:style>
-        <p:txBody>
-          <a:bodyPr anchor="t">
-            <a:normAutofit/>
-          </a:bodyPr>
-          <a:lstStyle/>
-          <a:p>
-            <a:pPr marL="228600" indent="-228600">
-              <a:lnSpc>
-                <a:spcPct val="90000"/>
-              </a:lnSpc>
-              <a:spcBef>
-                <a:spcPts val="1001"/>
-              </a:spcBef>
-              <a:buClr>
-                <a:srgbClr val="000000"/>
-              </a:buClr>
-              <a:buFont typeface="Arial"/>
-              <a:buChar char="•"/>
-            </a:pPr>
-            <a:r>
-              <a:rPr lang="en-US" sz="2800" b="0" strike="noStrike" spc="-1">
-                <a:solidFill>
-                  <a:srgbClr val="000000"/>
-                </a:solidFill>
-                <a:latin typeface="Calibri"/>
-              </a:rPr>
-              <a:t>Image of sand particles</a:t>
-            </a:r>
-            <a:endParaRPr lang="en-PH" sz="2800" b="0" strike="noStrike" spc="-1">
-              <a:latin typeface="Arial"/>
-            </a:endParaRPr>
-          </a:p>
-          <a:p>
-            <a:pPr>
-              <a:lnSpc>
-                <a:spcPct val="90000"/>
-              </a:lnSpc>
-              <a:spcBef>
-                <a:spcPts val="1001"/>
-              </a:spcBef>
-              <a:buNone/>
-            </a:pPr>
-            <a:endParaRPr lang="en-PH" sz="2800" b="0" strike="noStrike" spc="-1">
-              <a:latin typeface="Arial"/>
-            </a:endParaRPr>
-          </a:p>
-          <a:p>
-            <a:pPr>
-              <a:lnSpc>
-                <a:spcPct val="90000"/>
-              </a:lnSpc>
-              <a:spcBef>
-                <a:spcPts val="1001"/>
-              </a:spcBef>
-              <a:buNone/>
-            </a:pPr>
-            <a:endParaRPr lang="en-PH" sz="2800" b="0" strike="noStrike" spc="-1">
-              <a:latin typeface="Arial"/>
-            </a:endParaRPr>
-          </a:p>
-          <a:p>
-            <a:pPr>
-              <a:lnSpc>
-                <a:spcPct val="90000"/>
-              </a:lnSpc>
-              <a:spcBef>
-                <a:spcPts val="1001"/>
-              </a:spcBef>
-              <a:buNone/>
-            </a:pPr>
-            <a:endParaRPr lang="en-PH" sz="2800" b="0" strike="noStrike" spc="-1">
-              <a:latin typeface="Arial"/>
-            </a:endParaRPr>
-          </a:p>
-          <a:p>
-            <a:pPr>
-              <a:lnSpc>
-                <a:spcPct val="90000"/>
-              </a:lnSpc>
-              <a:spcBef>
-                <a:spcPts val="1001"/>
-              </a:spcBef>
-              <a:buNone/>
-              <a:tabLst>
-                <a:tab pos="0" algn="l"/>
-              </a:tabLst>
-            </a:pPr>
-            <a:endParaRPr lang="en-PH" sz="2800" b="0" strike="noStrike" spc="-1">
-              <a:latin typeface="Arial"/>
-            </a:endParaRPr>
-          </a:p>
-        </p:txBody>
-      </p:sp>
-      <p:sp>
-        <p:nvSpPr>
-          <p:cNvPr id="87" name="PlaceHolder 1"/>
+          <p:cNvPr id="104" name="PlaceHolder 2"/>
           <p:cNvSpPr>
             <a:spLocks noGrp="1"/>
           </p:cNvSpPr>
@@ -9820,7 +7971,7 @@
       </p:sp>
       <p:sp>
         <p:nvSpPr>
-          <p:cNvPr id="88" name="Content Placeholder 2"/>
+          <p:cNvPr id="105" name="Content Placeholder 2"/>
           <p:cNvSpPr/>
           <p:nvPr/>
         </p:nvSpPr>
@@ -9894,25 +8045,146 @@
       </p:sp>
       <p:pic>
         <p:nvPicPr>
-          <p:cNvPr id="89" name="Content Placeholder 5"/>
-          <p:cNvPicPr/>
+          <p:cNvPr id="3" name="Picture 2" descr="A picture containing text, diagram, plan, parallel&#10;&#10;Description automatically generated">
+            <a:extLst>
+              <a:ext uri="{FF2B5EF4-FFF2-40B4-BE49-F238E27FC236}">
+                <a16:creationId xmlns:a16="http://schemas.microsoft.com/office/drawing/2014/main" id="{9CBC4DD8-A761-EFD4-CA43-917EC8002C94}"/>
+              </a:ext>
+            </a:extLst>
+          </p:cNvPr>
+          <p:cNvPicPr>
+            <a:picLocks noChangeAspect="1"/>
+          </p:cNvPicPr>
           <p:nvPr/>
         </p:nvPicPr>
         <p:blipFill>
-          <a:blip r:embed="rId3"/>
-          <a:stretch/>
+          <a:blip r:embed="rId3" cstate="print">
+            <a:extLst>
+              <a:ext uri="{28A0092B-C50C-407E-A947-70E740481C1C}">
+                <a14:useLocalDpi xmlns:a14="http://schemas.microsoft.com/office/drawing/2010/main" val="0"/>
+              </a:ext>
+            </a:extLst>
+          </a:blip>
+          <a:stretch>
+            <a:fillRect/>
+          </a:stretch>
         </p:blipFill>
         <p:spPr>
           <a:xfrm>
-            <a:off x="4271760" y="2391840"/>
-            <a:ext cx="3647880" cy="3647880"/>
-          </a:xfrm>
-          <a:prstGeom prst="rect">
-            <a:avLst/>
-          </a:prstGeom>
-          <a:ln w="0">
-            <a:noFill/>
-          </a:ln>
+            <a:off x="593975" y="2059484"/>
+            <a:ext cx="2061720" cy="2739032"/>
+          </a:xfrm>
+          <a:prstGeom prst="rect">
+            <a:avLst/>
+          </a:prstGeom>
+        </p:spPr>
+      </p:pic>
+      <p:pic>
+        <p:nvPicPr>
+          <p:cNvPr id="5" name="Picture 4" descr="A picture containing text, diagram, plan, rectangle&#10;&#10;Description automatically generated">
+            <a:extLst>
+              <a:ext uri="{FF2B5EF4-FFF2-40B4-BE49-F238E27FC236}">
+                <a16:creationId xmlns:a16="http://schemas.microsoft.com/office/drawing/2014/main" id="{74D32E59-656C-18C5-E356-42D7FA1A10EC}"/>
+              </a:ext>
+            </a:extLst>
+          </p:cNvPr>
+          <p:cNvPicPr>
+            <a:picLocks noChangeAspect="1"/>
+          </p:cNvPicPr>
+          <p:nvPr/>
+        </p:nvPicPr>
+        <p:blipFill>
+          <a:blip r:embed="rId4" cstate="print">
+            <a:extLst>
+              <a:ext uri="{28A0092B-C50C-407E-A947-70E740481C1C}">
+                <a14:useLocalDpi xmlns:a14="http://schemas.microsoft.com/office/drawing/2010/main" val="0"/>
+              </a:ext>
+            </a:extLst>
+          </a:blip>
+          <a:stretch>
+            <a:fillRect/>
+          </a:stretch>
+        </p:blipFill>
+        <p:spPr>
+          <a:xfrm>
+            <a:off x="9797371" y="2059484"/>
+            <a:ext cx="2061720" cy="2736534"/>
+          </a:xfrm>
+          <a:prstGeom prst="rect">
+            <a:avLst/>
+          </a:prstGeom>
+        </p:spPr>
+      </p:pic>
+      <p:pic>
+        <p:nvPicPr>
+          <p:cNvPr id="7" name="Picture 6" descr="A picture containing diagram, plan, schematic, sketch&#10;&#10;Description automatically generated">
+            <a:extLst>
+              <a:ext uri="{FF2B5EF4-FFF2-40B4-BE49-F238E27FC236}">
+                <a16:creationId xmlns:a16="http://schemas.microsoft.com/office/drawing/2014/main" id="{20D7274F-02E4-D1D6-6FE1-1369B288BF84}"/>
+              </a:ext>
+            </a:extLst>
+          </p:cNvPr>
+          <p:cNvPicPr>
+            <a:picLocks noChangeAspect="1"/>
+          </p:cNvPicPr>
+          <p:nvPr/>
+        </p:nvPicPr>
+        <p:blipFill>
+          <a:blip r:embed="rId5" cstate="print">
+            <a:extLst>
+              <a:ext uri="{28A0092B-C50C-407E-A947-70E740481C1C}">
+                <a14:useLocalDpi xmlns:a14="http://schemas.microsoft.com/office/drawing/2010/main" val="0"/>
+              </a:ext>
+            </a:extLst>
+          </a:blip>
+          <a:stretch>
+            <a:fillRect/>
+          </a:stretch>
+        </p:blipFill>
+        <p:spPr>
+          <a:xfrm>
+            <a:off x="3457739" y="2059484"/>
+            <a:ext cx="2104199" cy="2739032"/>
+          </a:xfrm>
+          <a:prstGeom prst="rect">
+            <a:avLst/>
+          </a:prstGeom>
+        </p:spPr>
+      </p:pic>
+      <p:pic>
+        <p:nvPicPr>
+          <p:cNvPr id="9" name="Picture 8" descr="A picture containing text, diagram, rectangle, plan&#10;&#10;Description automatically generated">
+            <a:extLst>
+              <a:ext uri="{FF2B5EF4-FFF2-40B4-BE49-F238E27FC236}">
+                <a16:creationId xmlns:a16="http://schemas.microsoft.com/office/drawing/2014/main" id="{0C8D7B2F-1671-0A40-FFDD-167787861DE9}"/>
+              </a:ext>
+            </a:extLst>
+          </p:cNvPr>
+          <p:cNvPicPr>
+            <a:picLocks noChangeAspect="1"/>
+          </p:cNvPicPr>
+          <p:nvPr/>
+        </p:nvPicPr>
+        <p:blipFill>
+          <a:blip r:embed="rId6" cstate="print">
+            <a:extLst>
+              <a:ext uri="{28A0092B-C50C-407E-A947-70E740481C1C}">
+                <a14:useLocalDpi xmlns:a14="http://schemas.microsoft.com/office/drawing/2010/main" val="0"/>
+              </a:ext>
+            </a:extLst>
+          </a:blip>
+          <a:stretch>
+            <a:fillRect/>
+          </a:stretch>
+        </p:blipFill>
+        <p:spPr>
+          <a:xfrm>
+            <a:off x="6707070" y="2059485"/>
+            <a:ext cx="2079851" cy="2739032"/>
+          </a:xfrm>
+          <a:prstGeom prst="rect">
+            <a:avLst/>
+          </a:prstGeom>
         </p:spPr>
       </p:pic>
     </p:spTree>
@@ -9942,7 +8214,7 @@
       </p:grpSpPr>
       <p:sp>
         <p:nvSpPr>
-          <p:cNvPr id="90" name="PlaceHolder 1"/>
+          <p:cNvPr id="104" name="PlaceHolder 2"/>
           <p:cNvSpPr>
             <a:spLocks noGrp="1"/>
           </p:cNvSpPr>
@@ -9995,221 +8267,7 @@
       </p:sp>
       <p:sp>
         <p:nvSpPr>
-          <p:cNvPr id="91" name="PlaceHolder 2"/>
-          <p:cNvSpPr>
-            <a:spLocks noGrp="1"/>
-          </p:cNvSpPr>
-          <p:nvPr>
-            <p:ph/>
-          </p:nvPr>
-        </p:nvSpPr>
-        <p:spPr>
-          <a:xfrm>
-            <a:off x="901800" y="1397880"/>
-            <a:ext cx="10515240" cy="5262120"/>
-          </a:xfrm>
-          <a:prstGeom prst="rect">
-            <a:avLst/>
-          </a:prstGeom>
-          <a:noFill/>
-          <a:ln w="0">
-            <a:noFill/>
-          </a:ln>
-        </p:spPr>
-        <p:txBody>
-          <a:bodyPr anchor="t">
-            <a:normAutofit fontScale="96000" lnSpcReduction="10000"/>
-          </a:bodyPr>
-          <a:lstStyle/>
-          <a:p>
-            <a:pPr marL="228600" indent="-228600">
-              <a:lnSpc>
-                <a:spcPct val="90000"/>
-              </a:lnSpc>
-              <a:spcBef>
-                <a:spcPts val="1001"/>
-              </a:spcBef>
-              <a:buClr>
-                <a:srgbClr val="000000"/>
-              </a:buClr>
-              <a:buFont typeface="Arial"/>
-              <a:buChar char="•"/>
-            </a:pPr>
-            <a:r>
-              <a:rPr lang="en-US" sz="2800" b="0" strike="noStrike" spc="-1">
-                <a:solidFill>
-                  <a:srgbClr val="000000"/>
-                </a:solidFill>
-                <a:latin typeface="Calibri"/>
-              </a:rPr>
-              <a:t>Setting scale</a:t>
-            </a:r>
-          </a:p>
-          <a:p>
-            <a:pPr>
-              <a:lnSpc>
-                <a:spcPct val="90000"/>
-              </a:lnSpc>
-              <a:spcBef>
-                <a:spcPts val="1001"/>
-              </a:spcBef>
-              <a:buNone/>
-            </a:pPr>
-            <a:endParaRPr lang="en-US" sz="2800" b="0" strike="noStrike" spc="-1">
-              <a:solidFill>
-                <a:srgbClr val="000000"/>
-              </a:solidFill>
-              <a:latin typeface="Calibri"/>
-            </a:endParaRPr>
-          </a:p>
-          <a:p>
-            <a:pPr>
-              <a:lnSpc>
-                <a:spcPct val="90000"/>
-              </a:lnSpc>
-              <a:spcBef>
-                <a:spcPts val="1001"/>
-              </a:spcBef>
-              <a:buNone/>
-            </a:pPr>
-            <a:endParaRPr lang="en-US" sz="2800" b="0" strike="noStrike" spc="-1">
-              <a:solidFill>
-                <a:srgbClr val="000000"/>
-              </a:solidFill>
-              <a:latin typeface="Calibri"/>
-            </a:endParaRPr>
-          </a:p>
-          <a:p>
-            <a:pPr>
-              <a:lnSpc>
-                <a:spcPct val="90000"/>
-              </a:lnSpc>
-              <a:spcBef>
-                <a:spcPts val="1001"/>
-              </a:spcBef>
-              <a:buNone/>
-            </a:pPr>
-            <a:endParaRPr lang="en-US" sz="2800" b="0" strike="noStrike" spc="-1">
-              <a:solidFill>
-                <a:srgbClr val="000000"/>
-              </a:solidFill>
-              <a:latin typeface="Calibri"/>
-            </a:endParaRPr>
-          </a:p>
-          <a:p>
-            <a:pPr>
-              <a:lnSpc>
-                <a:spcPct val="90000"/>
-              </a:lnSpc>
-              <a:spcBef>
-                <a:spcPts val="1001"/>
-              </a:spcBef>
-              <a:buNone/>
-            </a:pPr>
-            <a:endParaRPr lang="en-US" sz="2800" b="0" strike="noStrike" spc="-1">
-              <a:solidFill>
-                <a:srgbClr val="000000"/>
-              </a:solidFill>
-              <a:latin typeface="Calibri"/>
-            </a:endParaRPr>
-          </a:p>
-          <a:p>
-            <a:pPr>
-              <a:lnSpc>
-                <a:spcPct val="90000"/>
-              </a:lnSpc>
-              <a:spcBef>
-                <a:spcPts val="1001"/>
-              </a:spcBef>
-              <a:buNone/>
-            </a:pPr>
-            <a:endParaRPr lang="en-US" sz="2800" b="0" strike="noStrike" spc="-1">
-              <a:solidFill>
-                <a:srgbClr val="000000"/>
-              </a:solidFill>
-              <a:latin typeface="Calibri"/>
-            </a:endParaRPr>
-          </a:p>
-          <a:p>
-            <a:pPr>
-              <a:lnSpc>
-                <a:spcPct val="90000"/>
-              </a:lnSpc>
-              <a:spcBef>
-                <a:spcPts val="1001"/>
-              </a:spcBef>
-              <a:buNone/>
-            </a:pPr>
-            <a:endParaRPr lang="en-US" sz="2800" b="0" strike="noStrike" spc="-1">
-              <a:solidFill>
-                <a:srgbClr val="000000"/>
-              </a:solidFill>
-              <a:latin typeface="Calibri"/>
-            </a:endParaRPr>
-          </a:p>
-          <a:p>
-            <a:pPr>
-              <a:lnSpc>
-                <a:spcPct val="90000"/>
-              </a:lnSpc>
-              <a:spcBef>
-                <a:spcPts val="1001"/>
-              </a:spcBef>
-              <a:buNone/>
-            </a:pPr>
-            <a:endParaRPr lang="en-US" sz="2800" b="0" strike="noStrike" spc="-1">
-              <a:solidFill>
-                <a:srgbClr val="000000"/>
-              </a:solidFill>
-              <a:latin typeface="Calibri"/>
-            </a:endParaRPr>
-          </a:p>
-          <a:p>
-            <a:pPr>
-              <a:lnSpc>
-                <a:spcPct val="90000"/>
-              </a:lnSpc>
-              <a:spcBef>
-                <a:spcPts val="1001"/>
-              </a:spcBef>
-              <a:buNone/>
-            </a:pPr>
-            <a:endParaRPr lang="en-US" sz="2800" b="0" strike="noStrike" spc="-1">
-              <a:solidFill>
-                <a:srgbClr val="000000"/>
-              </a:solidFill>
-              <a:latin typeface="Calibri"/>
-            </a:endParaRPr>
-          </a:p>
-          <a:p>
-            <a:pPr marL="228600" indent="-228600">
-              <a:lnSpc>
-                <a:spcPct val="90000"/>
-              </a:lnSpc>
-              <a:spcBef>
-                <a:spcPts val="1001"/>
-              </a:spcBef>
-              <a:buClr>
-                <a:srgbClr val="000000"/>
-              </a:buClr>
-              <a:buFont typeface="Arial"/>
-              <a:buChar char="•"/>
-            </a:pPr>
-            <a:r>
-              <a:rPr lang="en-US" sz="2800" b="0" strike="noStrike" spc="-1">
-                <a:solidFill>
-                  <a:srgbClr val="000000"/>
-                </a:solidFill>
-                <a:latin typeface="Calibri"/>
-              </a:rPr>
-              <a:t>I just set an arbitrary scale as instructed. I used 10 units for about the same distance in the cell example.</a:t>
-            </a:r>
-          </a:p>
-        </p:txBody>
-      </p:sp>
-      <p:sp>
-        <p:nvSpPr>
-          <p:cNvPr id="92" name="Content Placeholder 2"/>
+          <p:cNvPr id="105" name="Content Placeholder 2"/>
           <p:cNvSpPr/>
           <p:nvPr/>
         </p:nvSpPr>
@@ -10283,28 +8341,226 @@
       </p:sp>
       <p:pic>
         <p:nvPicPr>
-          <p:cNvPr id="93" name="Picture 11"/>
-          <p:cNvPicPr/>
+          <p:cNvPr id="4" name="Picture 3" descr="A yellow and purple squares&#10;&#10;Description automatically generated with low confidence">
+            <a:extLst>
+              <a:ext uri="{FF2B5EF4-FFF2-40B4-BE49-F238E27FC236}">
+                <a16:creationId xmlns:a16="http://schemas.microsoft.com/office/drawing/2014/main" id="{52452509-6590-8A33-60C4-5DBB0A0D2CFF}"/>
+              </a:ext>
+            </a:extLst>
+          </p:cNvPr>
+          <p:cNvPicPr>
+            <a:picLocks noChangeAspect="1"/>
+          </p:cNvPicPr>
           <p:nvPr/>
         </p:nvPicPr>
         <p:blipFill>
-          <a:blip r:embed="rId3"/>
-          <a:stretch/>
+          <a:blip r:embed="rId3" cstate="print">
+            <a:extLst>
+              <a:ext uri="{28A0092B-C50C-407E-A947-70E740481C1C}">
+                <a14:useLocalDpi xmlns:a14="http://schemas.microsoft.com/office/drawing/2010/main" val="0"/>
+              </a:ext>
+            </a:extLst>
+          </a:blip>
+          <a:stretch>
+            <a:fillRect/>
+          </a:stretch>
         </p:blipFill>
         <p:spPr>
           <a:xfrm>
-            <a:off x="3494160" y="1690560"/>
-            <a:ext cx="5203080" cy="3954600"/>
-          </a:xfrm>
-          <a:prstGeom prst="rect">
-            <a:avLst/>
-          </a:prstGeom>
-          <a:ln w="0">
-            <a:noFill/>
-          </a:ln>
+            <a:off x="7673419" y="1275499"/>
+            <a:ext cx="4518341" cy="1506113"/>
+          </a:xfrm>
+          <a:prstGeom prst="rect">
+            <a:avLst/>
+          </a:prstGeom>
+        </p:spPr>
+      </p:pic>
+      <p:pic>
+        <p:nvPicPr>
+          <p:cNvPr id="8" name="Picture 7" descr="A yellow and purple rectangles&#10;&#10;Description automatically generated with low confidence">
+            <a:extLst>
+              <a:ext uri="{FF2B5EF4-FFF2-40B4-BE49-F238E27FC236}">
+                <a16:creationId xmlns:a16="http://schemas.microsoft.com/office/drawing/2014/main" id="{8440E323-1A80-69AB-DD81-07EDFC24B7C4}"/>
+              </a:ext>
+            </a:extLst>
+          </p:cNvPr>
+          <p:cNvPicPr>
+            <a:picLocks noChangeAspect="1"/>
+          </p:cNvPicPr>
+          <p:nvPr/>
+        </p:nvPicPr>
+        <p:blipFill>
+          <a:blip r:embed="rId4" cstate="print">
+            <a:extLst>
+              <a:ext uri="{28A0092B-C50C-407E-A947-70E740481C1C}">
+                <a14:useLocalDpi xmlns:a14="http://schemas.microsoft.com/office/drawing/2010/main" val="0"/>
+              </a:ext>
+            </a:extLst>
+          </a:blip>
+          <a:stretch>
+            <a:fillRect/>
+          </a:stretch>
+        </p:blipFill>
+        <p:spPr>
+          <a:xfrm>
+            <a:off x="7541443" y="5304717"/>
+            <a:ext cx="4518341" cy="1506113"/>
+          </a:xfrm>
+          <a:prstGeom prst="rect">
+            <a:avLst/>
+          </a:prstGeom>
+        </p:spPr>
+      </p:pic>
+      <p:pic>
+        <p:nvPicPr>
+          <p:cNvPr id="11" name="Picture 10" descr="A yellow and purple squares&#10;&#10;Description automatically generated with medium confidence">
+            <a:extLst>
+              <a:ext uri="{FF2B5EF4-FFF2-40B4-BE49-F238E27FC236}">
+                <a16:creationId xmlns:a16="http://schemas.microsoft.com/office/drawing/2014/main" id="{A7CB913E-099E-0E84-44CA-67330B6EC3ED}"/>
+              </a:ext>
+            </a:extLst>
+          </p:cNvPr>
+          <p:cNvPicPr>
+            <a:picLocks noChangeAspect="1"/>
+          </p:cNvPicPr>
+          <p:nvPr/>
+        </p:nvPicPr>
+        <p:blipFill>
+          <a:blip r:embed="rId5" cstate="print">
+            <a:extLst>
+              <a:ext uri="{28A0092B-C50C-407E-A947-70E740481C1C}">
+                <a14:useLocalDpi xmlns:a14="http://schemas.microsoft.com/office/drawing/2010/main" val="0"/>
+              </a:ext>
+            </a:extLst>
+          </a:blip>
+          <a:stretch>
+            <a:fillRect/>
+          </a:stretch>
+        </p:blipFill>
+        <p:spPr>
+          <a:xfrm>
+            <a:off x="7541444" y="3323332"/>
+            <a:ext cx="4518341" cy="1506113"/>
+          </a:xfrm>
+          <a:prstGeom prst="rect">
+            <a:avLst/>
+          </a:prstGeom>
+        </p:spPr>
+      </p:pic>
+      <p:pic>
+        <p:nvPicPr>
+          <p:cNvPr id="13" name="Picture 12" descr="A yellow and purple squares&#10;&#10;Description automatically generated with low confidence">
+            <a:extLst>
+              <a:ext uri="{FF2B5EF4-FFF2-40B4-BE49-F238E27FC236}">
+                <a16:creationId xmlns:a16="http://schemas.microsoft.com/office/drawing/2014/main" id="{858D9A84-55B3-D21C-2D07-B7F1CA46A1C2}"/>
+              </a:ext>
+            </a:extLst>
+          </p:cNvPr>
+          <p:cNvPicPr>
+            <a:picLocks noChangeAspect="1"/>
+          </p:cNvPicPr>
+          <p:nvPr/>
+        </p:nvPicPr>
+        <p:blipFill>
+          <a:blip r:embed="rId6" cstate="print">
+            <a:extLst>
+              <a:ext uri="{28A0092B-C50C-407E-A947-70E740481C1C}">
+                <a14:useLocalDpi xmlns:a14="http://schemas.microsoft.com/office/drawing/2010/main" val="0"/>
+              </a:ext>
+            </a:extLst>
+          </a:blip>
+          <a:stretch>
+            <a:fillRect/>
+          </a:stretch>
+        </p:blipFill>
+        <p:spPr>
+          <a:xfrm>
+            <a:off x="2469824" y="4766211"/>
+            <a:ext cx="4518341" cy="1506113"/>
+          </a:xfrm>
+          <a:prstGeom prst="rect">
+            <a:avLst/>
+          </a:prstGeom>
+        </p:spPr>
+      </p:pic>
+      <p:pic>
+        <p:nvPicPr>
+          <p:cNvPr id="15" name="Picture 14" descr="A yellow and purple rectangles&#10;&#10;Description automatically generated with low confidence">
+            <a:extLst>
+              <a:ext uri="{FF2B5EF4-FFF2-40B4-BE49-F238E27FC236}">
+                <a16:creationId xmlns:a16="http://schemas.microsoft.com/office/drawing/2014/main" id="{8BB6A04F-C21B-563E-7DC6-67C75E925DB5}"/>
+              </a:ext>
+            </a:extLst>
+          </p:cNvPr>
+          <p:cNvPicPr>
+            <a:picLocks noChangeAspect="1"/>
+          </p:cNvPicPr>
+          <p:nvPr/>
+        </p:nvPicPr>
+        <p:blipFill>
+          <a:blip r:embed="rId7" cstate="print">
+            <a:extLst>
+              <a:ext uri="{28A0092B-C50C-407E-A947-70E740481C1C}">
+                <a14:useLocalDpi xmlns:a14="http://schemas.microsoft.com/office/drawing/2010/main" val="0"/>
+              </a:ext>
+            </a:extLst>
+          </a:blip>
+          <a:stretch>
+            <a:fillRect/>
+          </a:stretch>
+        </p:blipFill>
+        <p:spPr>
+          <a:xfrm>
+            <a:off x="1055802" y="3323333"/>
+            <a:ext cx="4518341" cy="1506113"/>
+          </a:xfrm>
+          <a:prstGeom prst="rect">
+            <a:avLst/>
+          </a:prstGeom>
+        </p:spPr>
+      </p:pic>
+      <p:pic>
+        <p:nvPicPr>
+          <p:cNvPr id="17" name="Picture 16" descr="A yellow and purple squares&#10;&#10;Description automatically generated with medium confidence">
+            <a:extLst>
+              <a:ext uri="{FF2B5EF4-FFF2-40B4-BE49-F238E27FC236}">
+                <a16:creationId xmlns:a16="http://schemas.microsoft.com/office/drawing/2014/main" id="{78DD411D-C9F6-FE7D-7DDA-33B14B3BDE86}"/>
+              </a:ext>
+            </a:extLst>
+          </p:cNvPr>
+          <p:cNvPicPr>
+            <a:picLocks noChangeAspect="1"/>
+          </p:cNvPicPr>
+          <p:nvPr/>
+        </p:nvPicPr>
+        <p:blipFill>
+          <a:blip r:embed="rId8" cstate="print">
+            <a:extLst>
+              <a:ext uri="{28A0092B-C50C-407E-A947-70E740481C1C}">
+                <a14:useLocalDpi xmlns:a14="http://schemas.microsoft.com/office/drawing/2010/main" val="0"/>
+              </a:ext>
+            </a:extLst>
+          </a:blip>
+          <a:stretch>
+            <a:fillRect/>
+          </a:stretch>
+        </p:blipFill>
+        <p:spPr>
+          <a:xfrm>
+            <a:off x="499621" y="1275498"/>
+            <a:ext cx="4518341" cy="1506113"/>
+          </a:xfrm>
+          <a:prstGeom prst="rect">
+            <a:avLst/>
+          </a:prstGeom>
         </p:spPr>
       </p:pic>
     </p:spTree>
+    <p:extLst>
+      <p:ext uri="{BB962C8B-B14F-4D97-AF65-F5344CB8AC3E}">
+        <p14:creationId xmlns:p14="http://schemas.microsoft.com/office/powerpoint/2010/main" val="968299288"/>
+      </p:ext>
+    </p:extLst>
   </p:cSld>
   <p:clrMapOvr>
     <a:masterClrMapping/>
@@ -10331,204 +8587,7 @@
       </p:grpSpPr>
       <p:sp>
         <p:nvSpPr>
-          <p:cNvPr id="94" name="PlaceHolder 1"/>
-          <p:cNvSpPr>
-            <a:spLocks noGrp="1"/>
-          </p:cNvSpPr>
-          <p:nvPr>
-            <p:ph/>
-          </p:nvPr>
-        </p:nvSpPr>
-        <p:spPr>
-          <a:xfrm>
-            <a:off x="838080" y="1825560"/>
-            <a:ext cx="10515240" cy="4350960"/>
-          </a:xfrm>
-          <a:prstGeom prst="rect">
-            <a:avLst/>
-          </a:prstGeom>
-          <a:noFill/>
-          <a:ln w="0">
-            <a:noFill/>
-          </a:ln>
-        </p:spPr>
-        <p:txBody>
-          <a:bodyPr anchor="t">
-            <a:normAutofit fontScale="94000"/>
-          </a:bodyPr>
-          <a:lstStyle/>
-          <a:p>
-            <a:pPr marL="228600" indent="-228600">
-              <a:lnSpc>
-                <a:spcPct val="90000"/>
-              </a:lnSpc>
-              <a:spcBef>
-                <a:spcPts val="1001"/>
-              </a:spcBef>
-              <a:buClr>
-                <a:srgbClr val="000000"/>
-              </a:buClr>
-              <a:buFont typeface="Arial"/>
-              <a:buChar char="•"/>
-            </a:pPr>
-            <a:r>
-              <a:rPr lang="en-US" sz="2800" b="0" strike="noStrike" spc="-1">
-                <a:solidFill>
-                  <a:srgbClr val="000000"/>
-                </a:solidFill>
-                <a:latin typeface="Calibri"/>
-              </a:rPr>
-              <a:t>Converting to 8-bit</a:t>
-            </a:r>
-          </a:p>
-          <a:p>
-            <a:pPr>
-              <a:lnSpc>
-                <a:spcPct val="90000"/>
-              </a:lnSpc>
-              <a:spcBef>
-                <a:spcPts val="1001"/>
-              </a:spcBef>
-              <a:buNone/>
-            </a:pPr>
-            <a:endParaRPr lang="en-US" sz="2800" b="0" strike="noStrike" spc="-1">
-              <a:solidFill>
-                <a:srgbClr val="000000"/>
-              </a:solidFill>
-              <a:latin typeface="Calibri"/>
-            </a:endParaRPr>
-          </a:p>
-          <a:p>
-            <a:pPr>
-              <a:lnSpc>
-                <a:spcPct val="90000"/>
-              </a:lnSpc>
-              <a:spcBef>
-                <a:spcPts val="1001"/>
-              </a:spcBef>
-              <a:buNone/>
-            </a:pPr>
-            <a:endParaRPr lang="en-US" sz="2800" b="0" strike="noStrike" spc="-1">
-              <a:solidFill>
-                <a:srgbClr val="000000"/>
-              </a:solidFill>
-              <a:latin typeface="Calibri"/>
-            </a:endParaRPr>
-          </a:p>
-          <a:p>
-            <a:pPr>
-              <a:lnSpc>
-                <a:spcPct val="90000"/>
-              </a:lnSpc>
-              <a:spcBef>
-                <a:spcPts val="1001"/>
-              </a:spcBef>
-              <a:buNone/>
-            </a:pPr>
-            <a:endParaRPr lang="en-US" sz="2800" b="0" strike="noStrike" spc="-1">
-              <a:solidFill>
-                <a:srgbClr val="000000"/>
-              </a:solidFill>
-              <a:latin typeface="Calibri"/>
-            </a:endParaRPr>
-          </a:p>
-          <a:p>
-            <a:pPr>
-              <a:lnSpc>
-                <a:spcPct val="90000"/>
-              </a:lnSpc>
-              <a:spcBef>
-                <a:spcPts val="1001"/>
-              </a:spcBef>
-              <a:buNone/>
-            </a:pPr>
-            <a:endParaRPr lang="en-US" sz="2800" b="0" strike="noStrike" spc="-1">
-              <a:solidFill>
-                <a:srgbClr val="000000"/>
-              </a:solidFill>
-              <a:latin typeface="Calibri"/>
-            </a:endParaRPr>
-          </a:p>
-          <a:p>
-            <a:pPr>
-              <a:lnSpc>
-                <a:spcPct val="90000"/>
-              </a:lnSpc>
-              <a:spcBef>
-                <a:spcPts val="1001"/>
-              </a:spcBef>
-              <a:buNone/>
-            </a:pPr>
-            <a:endParaRPr lang="en-US" sz="2800" b="0" strike="noStrike" spc="-1">
-              <a:solidFill>
-                <a:srgbClr val="000000"/>
-              </a:solidFill>
-              <a:latin typeface="Calibri"/>
-            </a:endParaRPr>
-          </a:p>
-          <a:p>
-            <a:pPr>
-              <a:lnSpc>
-                <a:spcPct val="90000"/>
-              </a:lnSpc>
-              <a:spcBef>
-                <a:spcPts val="1001"/>
-              </a:spcBef>
-              <a:buNone/>
-            </a:pPr>
-            <a:endParaRPr lang="en-US" sz="2800" b="0" strike="noStrike" spc="-1">
-              <a:solidFill>
-                <a:srgbClr val="000000"/>
-              </a:solidFill>
-              <a:latin typeface="Calibri"/>
-            </a:endParaRPr>
-          </a:p>
-          <a:p>
-            <a:pPr>
-              <a:lnSpc>
-                <a:spcPct val="90000"/>
-              </a:lnSpc>
-              <a:spcBef>
-                <a:spcPts val="1001"/>
-              </a:spcBef>
-              <a:buNone/>
-            </a:pPr>
-            <a:endParaRPr lang="en-US" sz="2800" b="0" strike="noStrike" spc="-1">
-              <a:solidFill>
-                <a:srgbClr val="000000"/>
-              </a:solidFill>
-              <a:latin typeface="Calibri"/>
-            </a:endParaRPr>
-          </a:p>
-          <a:p>
-            <a:pPr marL="228600" indent="-228600">
-              <a:lnSpc>
-                <a:spcPct val="90000"/>
-              </a:lnSpc>
-              <a:spcBef>
-                <a:spcPts val="1001"/>
-              </a:spcBef>
-              <a:buClr>
-                <a:srgbClr val="000000"/>
-              </a:buClr>
-              <a:buFont typeface="Arial"/>
-              <a:buChar char="•"/>
-            </a:pPr>
-            <a:r>
-              <a:rPr lang="en-US" sz="2800" b="0" strike="noStrike" spc="-1">
-                <a:solidFill>
-                  <a:srgbClr val="000000"/>
-                </a:solidFill>
-                <a:latin typeface="Calibri"/>
-              </a:rPr>
-              <a:t>Applying threshold only works on grayscale images, so we convert it first.</a:t>
-            </a:r>
-          </a:p>
-        </p:txBody>
-      </p:sp>
-      <p:sp>
-        <p:nvSpPr>
-          <p:cNvPr id="95" name="PlaceHolder 2"/>
+          <p:cNvPr id="104" name="PlaceHolder 2"/>
           <p:cNvSpPr>
             <a:spLocks noGrp="1"/>
           </p:cNvSpPr>
@@ -10581,7 +8640,7 @@
       </p:sp>
       <p:sp>
         <p:nvSpPr>
-          <p:cNvPr id="96" name="Content Placeholder 2"/>
+          <p:cNvPr id="105" name="Content Placeholder 2"/>
           <p:cNvSpPr/>
           <p:nvPr/>
         </p:nvSpPr>
@@ -10655,28 +8714,226 @@
       </p:sp>
       <p:pic>
         <p:nvPicPr>
-          <p:cNvPr id="97" name="Picture 4"/>
-          <p:cNvPicPr/>
+          <p:cNvPr id="3" name="Picture 2" descr="A yellow and purple squares&#10;&#10;Description automatically generated with low confidence">
+            <a:extLst>
+              <a:ext uri="{FF2B5EF4-FFF2-40B4-BE49-F238E27FC236}">
+                <a16:creationId xmlns:a16="http://schemas.microsoft.com/office/drawing/2014/main" id="{D3FDB45E-EA84-39AC-4C42-A2299CE45FEB}"/>
+              </a:ext>
+            </a:extLst>
+          </p:cNvPr>
+          <p:cNvPicPr>
+            <a:picLocks noChangeAspect="1"/>
+          </p:cNvPicPr>
           <p:nvPr/>
         </p:nvPicPr>
         <p:blipFill>
-          <a:blip r:embed="rId3"/>
-          <a:stretch/>
+          <a:blip r:embed="rId3" cstate="print">
+            <a:extLst>
+              <a:ext uri="{28A0092B-C50C-407E-A947-70E740481C1C}">
+                <a14:useLocalDpi xmlns:a14="http://schemas.microsoft.com/office/drawing/2010/main" val="0"/>
+              </a:ext>
+            </a:extLst>
+          </a:blip>
+          <a:stretch>
+            <a:fillRect/>
+          </a:stretch>
         </p:blipFill>
         <p:spPr>
           <a:xfrm>
-            <a:off x="4387320" y="2351160"/>
-            <a:ext cx="3417120" cy="3417120"/>
-          </a:xfrm>
-          <a:prstGeom prst="rect">
-            <a:avLst/>
-          </a:prstGeom>
-          <a:ln w="0">
-            <a:noFill/>
-          </a:ln>
+            <a:off x="973803" y="1690200"/>
+            <a:ext cx="3777306" cy="1259102"/>
+          </a:xfrm>
+          <a:prstGeom prst="rect">
+            <a:avLst/>
+          </a:prstGeom>
+        </p:spPr>
+      </p:pic>
+      <p:pic>
+        <p:nvPicPr>
+          <p:cNvPr id="6" name="Picture 5" descr="A yellow and purple rectangles&#10;&#10;Description automatically generated with low confidence">
+            <a:extLst>
+              <a:ext uri="{FF2B5EF4-FFF2-40B4-BE49-F238E27FC236}">
+                <a16:creationId xmlns:a16="http://schemas.microsoft.com/office/drawing/2014/main" id="{4150344C-1DF1-22AD-642B-FCCDF2FFF4EE}"/>
+              </a:ext>
+            </a:extLst>
+          </p:cNvPr>
+          <p:cNvPicPr>
+            <a:picLocks noChangeAspect="1"/>
+          </p:cNvPicPr>
+          <p:nvPr/>
+        </p:nvPicPr>
+        <p:blipFill>
+          <a:blip r:embed="rId4" cstate="print">
+            <a:extLst>
+              <a:ext uri="{28A0092B-C50C-407E-A947-70E740481C1C}">
+                <a14:useLocalDpi xmlns:a14="http://schemas.microsoft.com/office/drawing/2010/main" val="0"/>
+              </a:ext>
+            </a:extLst>
+          </a:blip>
+          <a:stretch>
+            <a:fillRect/>
+          </a:stretch>
+        </p:blipFill>
+        <p:spPr>
+          <a:xfrm>
+            <a:off x="6940970" y="5111729"/>
+            <a:ext cx="3777306" cy="1259102"/>
+          </a:xfrm>
+          <a:prstGeom prst="rect">
+            <a:avLst/>
+          </a:prstGeom>
+        </p:spPr>
+      </p:pic>
+      <p:pic>
+        <p:nvPicPr>
+          <p:cNvPr id="9" name="Picture 8" descr="A yellow and purple squares&#10;&#10;Description automatically generated with medium confidence">
+            <a:extLst>
+              <a:ext uri="{FF2B5EF4-FFF2-40B4-BE49-F238E27FC236}">
+                <a16:creationId xmlns:a16="http://schemas.microsoft.com/office/drawing/2014/main" id="{FC97CE13-DC17-8BD3-E461-0C5975300679}"/>
+              </a:ext>
+            </a:extLst>
+          </p:cNvPr>
+          <p:cNvPicPr>
+            <a:picLocks noChangeAspect="1"/>
+          </p:cNvPicPr>
+          <p:nvPr/>
+        </p:nvPicPr>
+        <p:blipFill>
+          <a:blip r:embed="rId5" cstate="print">
+            <a:extLst>
+              <a:ext uri="{28A0092B-C50C-407E-A947-70E740481C1C}">
+                <a14:useLocalDpi xmlns:a14="http://schemas.microsoft.com/office/drawing/2010/main" val="0"/>
+              </a:ext>
+            </a:extLst>
+          </a:blip>
+          <a:stretch>
+            <a:fillRect/>
+          </a:stretch>
+        </p:blipFill>
+        <p:spPr>
+          <a:xfrm>
+            <a:off x="5988862" y="2865507"/>
+            <a:ext cx="3777306" cy="1259102"/>
+          </a:xfrm>
+          <a:prstGeom prst="rect">
+            <a:avLst/>
+          </a:prstGeom>
+        </p:spPr>
+      </p:pic>
+      <p:pic>
+        <p:nvPicPr>
+          <p:cNvPr id="12" name="Picture 11" descr="A yellow and purple squares&#10;&#10;Description automatically generated with low confidence">
+            <a:extLst>
+              <a:ext uri="{FF2B5EF4-FFF2-40B4-BE49-F238E27FC236}">
+                <a16:creationId xmlns:a16="http://schemas.microsoft.com/office/drawing/2014/main" id="{70913DA9-3CC8-A50E-E094-484A3B2EBCED}"/>
+              </a:ext>
+            </a:extLst>
+          </p:cNvPr>
+          <p:cNvPicPr>
+            <a:picLocks noChangeAspect="1"/>
+          </p:cNvPicPr>
+          <p:nvPr/>
+        </p:nvPicPr>
+        <p:blipFill>
+          <a:blip r:embed="rId6" cstate="print">
+            <a:extLst>
+              <a:ext uri="{28A0092B-C50C-407E-A947-70E740481C1C}">
+                <a14:useLocalDpi xmlns:a14="http://schemas.microsoft.com/office/drawing/2010/main" val="0"/>
+              </a:ext>
+            </a:extLst>
+          </a:blip>
+          <a:stretch>
+            <a:fillRect/>
+          </a:stretch>
+        </p:blipFill>
+        <p:spPr>
+          <a:xfrm>
+            <a:off x="7148360" y="1540347"/>
+            <a:ext cx="3777306" cy="1259102"/>
+          </a:xfrm>
+          <a:prstGeom prst="rect">
+            <a:avLst/>
+          </a:prstGeom>
+        </p:spPr>
+      </p:pic>
+      <p:pic>
+        <p:nvPicPr>
+          <p:cNvPr id="16" name="Picture 15" descr="A yellow and purple rectangles&#10;&#10;Description automatically generated with low confidence">
+            <a:extLst>
+              <a:ext uri="{FF2B5EF4-FFF2-40B4-BE49-F238E27FC236}">
+                <a16:creationId xmlns:a16="http://schemas.microsoft.com/office/drawing/2014/main" id="{F4D844C0-217B-8E87-DD31-288738A7FF26}"/>
+              </a:ext>
+            </a:extLst>
+          </p:cNvPr>
+          <p:cNvPicPr>
+            <a:picLocks noChangeAspect="1"/>
+          </p:cNvPicPr>
+          <p:nvPr/>
+        </p:nvPicPr>
+        <p:blipFill>
+          <a:blip r:embed="rId7" cstate="print">
+            <a:extLst>
+              <a:ext uri="{28A0092B-C50C-407E-A947-70E740481C1C}">
+                <a14:useLocalDpi xmlns:a14="http://schemas.microsoft.com/office/drawing/2010/main" val="0"/>
+              </a:ext>
+            </a:extLst>
+          </a:blip>
+          <a:stretch>
+            <a:fillRect/>
+          </a:stretch>
+        </p:blipFill>
+        <p:spPr>
+          <a:xfrm>
+            <a:off x="838080" y="4871880"/>
+            <a:ext cx="3777306" cy="1259102"/>
+          </a:xfrm>
+          <a:prstGeom prst="rect">
+            <a:avLst/>
+          </a:prstGeom>
+        </p:spPr>
+      </p:pic>
+      <p:pic>
+        <p:nvPicPr>
+          <p:cNvPr id="19" name="Picture 18" descr="A yellow and purple squares&#10;&#10;Description automatically generated with medium confidence">
+            <a:extLst>
+              <a:ext uri="{FF2B5EF4-FFF2-40B4-BE49-F238E27FC236}">
+                <a16:creationId xmlns:a16="http://schemas.microsoft.com/office/drawing/2014/main" id="{275B0B25-D4B3-311E-9A60-5E20A1D700FD}"/>
+              </a:ext>
+            </a:extLst>
+          </p:cNvPr>
+          <p:cNvPicPr>
+            <a:picLocks noChangeAspect="1"/>
+          </p:cNvPicPr>
+          <p:nvPr/>
+        </p:nvPicPr>
+        <p:blipFill>
+          <a:blip r:embed="rId8" cstate="print">
+            <a:extLst>
+              <a:ext uri="{28A0092B-C50C-407E-A947-70E740481C1C}">
+                <a14:useLocalDpi xmlns:a14="http://schemas.microsoft.com/office/drawing/2010/main" val="0"/>
+              </a:ext>
+            </a:extLst>
+          </a:blip>
+          <a:stretch>
+            <a:fillRect/>
+          </a:stretch>
+        </p:blipFill>
+        <p:spPr>
+          <a:xfrm>
+            <a:off x="973803" y="3294669"/>
+            <a:ext cx="3777306" cy="1259102"/>
+          </a:xfrm>
+          <a:prstGeom prst="rect">
+            <a:avLst/>
+          </a:prstGeom>
         </p:spPr>
       </p:pic>
     </p:spTree>
+    <p:extLst>
+      <p:ext uri="{BB962C8B-B14F-4D97-AF65-F5344CB8AC3E}">
+        <p14:creationId xmlns:p14="http://schemas.microsoft.com/office/powerpoint/2010/main" val="1404384320"/>
+      </p:ext>
+    </p:extLst>
   </p:cSld>
   <p:clrMapOvr>
     <a:masterClrMapping/>
@@ -10703,211 +8960,7 @@
       </p:grpSpPr>
       <p:sp>
         <p:nvSpPr>
-          <p:cNvPr id="98" name="PlaceHolder 1"/>
-          <p:cNvSpPr>
-            <a:spLocks noGrp="1"/>
-          </p:cNvSpPr>
-          <p:nvPr>
-            <p:ph/>
-          </p:nvPr>
-        </p:nvSpPr>
-        <p:spPr>
-          <a:xfrm>
-            <a:off x="838080" y="1442880"/>
-            <a:ext cx="10515240" cy="5414760"/>
-          </a:xfrm>
-          <a:prstGeom prst="rect">
-            <a:avLst/>
-          </a:prstGeom>
-          <a:noFill/>
-          <a:ln w="0">
-            <a:noFill/>
-          </a:ln>
-        </p:spPr>
-        <p:txBody>
-          <a:bodyPr anchor="t">
-            <a:normAutofit/>
-          </a:bodyPr>
-          <a:lstStyle/>
-          <a:p>
-            <a:pPr marL="228600" indent="-228600">
-              <a:lnSpc>
-                <a:spcPct val="90000"/>
-              </a:lnSpc>
-              <a:spcBef>
-                <a:spcPts val="1001"/>
-              </a:spcBef>
-              <a:buClr>
-                <a:srgbClr val="000000"/>
-              </a:buClr>
-              <a:buFont typeface="Arial"/>
-              <a:buChar char="•"/>
-            </a:pPr>
-            <a:r>
-              <a:rPr lang="en-US" sz="2800" b="0" strike="noStrike" spc="-1">
-                <a:solidFill>
-                  <a:srgbClr val="000000"/>
-                </a:solidFill>
-                <a:latin typeface="Calibri"/>
-              </a:rPr>
-              <a:t>Applying threshold and binarizing</a:t>
-            </a:r>
-          </a:p>
-          <a:p>
-            <a:pPr>
-              <a:lnSpc>
-                <a:spcPct val="90000"/>
-              </a:lnSpc>
-              <a:spcBef>
-                <a:spcPts val="1001"/>
-              </a:spcBef>
-              <a:buNone/>
-            </a:pPr>
-            <a:endParaRPr lang="en-US" sz="2800" b="0" strike="noStrike" spc="-1">
-              <a:solidFill>
-                <a:srgbClr val="000000"/>
-              </a:solidFill>
-              <a:latin typeface="Calibri"/>
-            </a:endParaRPr>
-          </a:p>
-          <a:p>
-            <a:pPr>
-              <a:lnSpc>
-                <a:spcPct val="90000"/>
-              </a:lnSpc>
-              <a:spcBef>
-                <a:spcPts val="1001"/>
-              </a:spcBef>
-              <a:buNone/>
-            </a:pPr>
-            <a:endParaRPr lang="en-US" sz="2800" b="0" strike="noStrike" spc="-1">
-              <a:solidFill>
-                <a:srgbClr val="000000"/>
-              </a:solidFill>
-              <a:latin typeface="Calibri"/>
-            </a:endParaRPr>
-          </a:p>
-          <a:p>
-            <a:pPr>
-              <a:lnSpc>
-                <a:spcPct val="90000"/>
-              </a:lnSpc>
-              <a:spcBef>
-                <a:spcPts val="1001"/>
-              </a:spcBef>
-              <a:buNone/>
-            </a:pPr>
-            <a:endParaRPr lang="en-US" sz="2800" b="0" strike="noStrike" spc="-1">
-              <a:solidFill>
-                <a:srgbClr val="000000"/>
-              </a:solidFill>
-              <a:latin typeface="Calibri"/>
-            </a:endParaRPr>
-          </a:p>
-          <a:p>
-            <a:pPr>
-              <a:lnSpc>
-                <a:spcPct val="90000"/>
-              </a:lnSpc>
-              <a:spcBef>
-                <a:spcPts val="1001"/>
-              </a:spcBef>
-              <a:buNone/>
-            </a:pPr>
-            <a:endParaRPr lang="en-US" sz="2800" b="0" strike="noStrike" spc="-1">
-              <a:solidFill>
-                <a:srgbClr val="000000"/>
-              </a:solidFill>
-              <a:latin typeface="Calibri"/>
-            </a:endParaRPr>
-          </a:p>
-          <a:p>
-            <a:pPr>
-              <a:lnSpc>
-                <a:spcPct val="90000"/>
-              </a:lnSpc>
-              <a:spcBef>
-                <a:spcPts val="1001"/>
-              </a:spcBef>
-              <a:buNone/>
-            </a:pPr>
-            <a:endParaRPr lang="en-US" sz="2800" b="0" strike="noStrike" spc="-1">
-              <a:solidFill>
-                <a:srgbClr val="000000"/>
-              </a:solidFill>
-              <a:latin typeface="Calibri"/>
-            </a:endParaRPr>
-          </a:p>
-          <a:p>
-            <a:pPr>
-              <a:lnSpc>
-                <a:spcPct val="90000"/>
-              </a:lnSpc>
-              <a:spcBef>
-                <a:spcPts val="1001"/>
-              </a:spcBef>
-              <a:buNone/>
-            </a:pPr>
-            <a:endParaRPr lang="en-US" sz="2800" b="0" strike="noStrike" spc="-1">
-              <a:solidFill>
-                <a:srgbClr val="000000"/>
-              </a:solidFill>
-              <a:latin typeface="Calibri"/>
-            </a:endParaRPr>
-          </a:p>
-          <a:p>
-            <a:pPr marL="228600" indent="-228600">
-              <a:lnSpc>
-                <a:spcPct val="90000"/>
-              </a:lnSpc>
-              <a:spcBef>
-                <a:spcPts val="1001"/>
-              </a:spcBef>
-              <a:buClr>
-                <a:srgbClr val="000000"/>
-              </a:buClr>
-              <a:buFont typeface="Arial"/>
-              <a:buChar char="•"/>
-            </a:pPr>
-            <a:r>
-              <a:rPr lang="en-US" sz="2800" b="0" strike="noStrike" spc="-1">
-                <a:solidFill>
-                  <a:srgbClr val="000000"/>
-                </a:solidFill>
-                <a:latin typeface="Calibri"/>
-              </a:rPr>
-              <a:t>Since the background is black, it is easy to pick it out the histogram.</a:t>
-            </a:r>
-          </a:p>
-          <a:p>
-            <a:pPr marL="228600" indent="-228600">
-              <a:lnSpc>
-                <a:spcPct val="90000"/>
-              </a:lnSpc>
-              <a:spcBef>
-                <a:spcPts val="1001"/>
-              </a:spcBef>
-              <a:buClr>
-                <a:srgbClr val="000000"/>
-              </a:buClr>
-              <a:buFont typeface="Arial"/>
-              <a:buChar char="•"/>
-            </a:pPr>
-            <a:r>
-              <a:rPr lang="en-US" sz="2800" b="0" strike="noStrike" spc="-1">
-                <a:solidFill>
-                  <a:srgbClr val="000000"/>
-                </a:solidFill>
-                <a:latin typeface="Calibri"/>
-              </a:rPr>
-              <a:t>The image is then binarized to make sure that there are only two values for easier extraction of geometric features.</a:t>
-            </a:r>
-          </a:p>
-        </p:txBody>
-      </p:sp>
-      <p:sp>
-        <p:nvSpPr>
-          <p:cNvPr id="99" name="PlaceHolder 2"/>
+          <p:cNvPr id="104" name="PlaceHolder 2"/>
           <p:cNvSpPr>
             <a:spLocks noGrp="1"/>
           </p:cNvSpPr>
@@ -10960,7 +9013,7 @@
       </p:sp>
       <p:sp>
         <p:nvSpPr>
-          <p:cNvPr id="100" name="Content Placeholder 2"/>
+          <p:cNvPr id="105" name="Content Placeholder 2"/>
           <p:cNvSpPr/>
           <p:nvPr/>
         </p:nvSpPr>
@@ -11034,51 +9087,226 @@
       </p:sp>
       <p:pic>
         <p:nvPicPr>
-          <p:cNvPr id="101" name="Picture 3"/>
-          <p:cNvPicPr/>
+          <p:cNvPr id="4" name="Picture 3" descr="A yellow and purple squares&#10;&#10;Description automatically generated with low confidence">
+            <a:extLst>
+              <a:ext uri="{FF2B5EF4-FFF2-40B4-BE49-F238E27FC236}">
+                <a16:creationId xmlns:a16="http://schemas.microsoft.com/office/drawing/2014/main" id="{F260DEFD-0410-0B7B-F9DC-87E6284BE7E0}"/>
+              </a:ext>
+            </a:extLst>
+          </p:cNvPr>
+          <p:cNvPicPr>
+            <a:picLocks noChangeAspect="1"/>
+          </p:cNvPicPr>
           <p:nvPr/>
         </p:nvPicPr>
         <p:blipFill>
-          <a:blip r:embed="rId3"/>
-          <a:stretch/>
+          <a:blip r:embed="rId3" cstate="print">
+            <a:extLst>
+              <a:ext uri="{28A0092B-C50C-407E-A947-70E740481C1C}">
+                <a14:useLocalDpi xmlns:a14="http://schemas.microsoft.com/office/drawing/2010/main" val="0"/>
+              </a:ext>
+            </a:extLst>
+          </a:blip>
+          <a:stretch>
+            <a:fillRect/>
+          </a:stretch>
         </p:blipFill>
         <p:spPr>
           <a:xfrm>
-            <a:off x="1954080" y="1954800"/>
-            <a:ext cx="3918240" cy="2948400"/>
-          </a:xfrm>
-          <a:prstGeom prst="rect">
-            <a:avLst/>
-          </a:prstGeom>
-          <a:ln w="0">
-            <a:noFill/>
-          </a:ln>
+            <a:off x="593887" y="1434707"/>
+            <a:ext cx="3877559" cy="1292520"/>
+          </a:xfrm>
+          <a:prstGeom prst="rect">
+            <a:avLst/>
+          </a:prstGeom>
         </p:spPr>
       </p:pic>
       <p:pic>
         <p:nvPicPr>
-          <p:cNvPr id="102" name="Picture 4"/>
-          <p:cNvPicPr/>
+          <p:cNvPr id="7" name="Picture 6" descr="A yellow and purple rectangles&#10;&#10;Description automatically generated with low confidence">
+            <a:extLst>
+              <a:ext uri="{FF2B5EF4-FFF2-40B4-BE49-F238E27FC236}">
+                <a16:creationId xmlns:a16="http://schemas.microsoft.com/office/drawing/2014/main" id="{0B3084F0-CD60-5B3F-C65C-9EF3965DDC36}"/>
+              </a:ext>
+            </a:extLst>
+          </p:cNvPr>
+          <p:cNvPicPr>
+            <a:picLocks noChangeAspect="1"/>
+          </p:cNvPicPr>
           <p:nvPr/>
         </p:nvPicPr>
         <p:blipFill>
-          <a:blip r:embed="rId4"/>
-          <a:stretch/>
+          <a:blip r:embed="rId4" cstate="print">
+            <a:extLst>
+              <a:ext uri="{28A0092B-C50C-407E-A947-70E740481C1C}">
+                <a14:useLocalDpi xmlns:a14="http://schemas.microsoft.com/office/drawing/2010/main" val="0"/>
+              </a:ext>
+            </a:extLst>
+          </a:blip>
+          <a:stretch>
+            <a:fillRect/>
+          </a:stretch>
         </p:blipFill>
         <p:spPr>
           <a:xfrm>
-            <a:off x="7138800" y="1954800"/>
-            <a:ext cx="2948400" cy="2948400"/>
-          </a:xfrm>
-          <a:prstGeom prst="rect">
-            <a:avLst/>
-          </a:prstGeom>
-          <a:ln w="0">
-            <a:noFill/>
-          </a:ln>
+            <a:off x="6570481" y="5047597"/>
+            <a:ext cx="3877559" cy="1292520"/>
+          </a:xfrm>
+          <a:prstGeom prst="rect">
+            <a:avLst/>
+          </a:prstGeom>
+        </p:spPr>
+      </p:pic>
+      <p:pic>
+        <p:nvPicPr>
+          <p:cNvPr id="10" name="Picture 9" descr="A yellow and purple squares&#10;&#10;Description automatically generated with medium confidence">
+            <a:extLst>
+              <a:ext uri="{FF2B5EF4-FFF2-40B4-BE49-F238E27FC236}">
+                <a16:creationId xmlns:a16="http://schemas.microsoft.com/office/drawing/2014/main" id="{78CC7AD9-715E-516E-FD49-6B13C9E73EC4}"/>
+              </a:ext>
+            </a:extLst>
+          </p:cNvPr>
+          <p:cNvPicPr>
+            <a:picLocks noChangeAspect="1"/>
+          </p:cNvPicPr>
+          <p:nvPr/>
+        </p:nvPicPr>
+        <p:blipFill>
+          <a:blip r:embed="rId5" cstate="print">
+            <a:extLst>
+              <a:ext uri="{28A0092B-C50C-407E-A947-70E740481C1C}">
+                <a14:useLocalDpi xmlns:a14="http://schemas.microsoft.com/office/drawing/2010/main" val="0"/>
+              </a:ext>
+            </a:extLst>
+          </a:blip>
+          <a:stretch>
+            <a:fillRect/>
+          </a:stretch>
+        </p:blipFill>
+        <p:spPr>
+          <a:xfrm>
+            <a:off x="282802" y="4777033"/>
+            <a:ext cx="3877559" cy="1292520"/>
+          </a:xfrm>
+          <a:prstGeom prst="rect">
+            <a:avLst/>
+          </a:prstGeom>
+        </p:spPr>
+      </p:pic>
+      <p:pic>
+        <p:nvPicPr>
+          <p:cNvPr id="13" name="Picture 12" descr="A yellow and purple squares&#10;&#10;Description automatically generated with low confidence">
+            <a:extLst>
+              <a:ext uri="{FF2B5EF4-FFF2-40B4-BE49-F238E27FC236}">
+                <a16:creationId xmlns:a16="http://schemas.microsoft.com/office/drawing/2014/main" id="{F84DF56A-8E9E-4389-5F4C-CBC3DF94546D}"/>
+              </a:ext>
+            </a:extLst>
+          </p:cNvPr>
+          <p:cNvPicPr>
+            <a:picLocks noChangeAspect="1"/>
+          </p:cNvPicPr>
+          <p:nvPr/>
+        </p:nvPicPr>
+        <p:blipFill>
+          <a:blip r:embed="rId6" cstate="print">
+            <a:extLst>
+              <a:ext uri="{28A0092B-C50C-407E-A947-70E740481C1C}">
+                <a14:useLocalDpi xmlns:a14="http://schemas.microsoft.com/office/drawing/2010/main" val="0"/>
+              </a:ext>
+            </a:extLst>
+          </a:blip>
+          <a:stretch>
+            <a:fillRect/>
+          </a:stretch>
+        </p:blipFill>
+        <p:spPr>
+          <a:xfrm>
+            <a:off x="6890992" y="3334013"/>
+            <a:ext cx="3877559" cy="1292520"/>
+          </a:xfrm>
+          <a:prstGeom prst="rect">
+            <a:avLst/>
+          </a:prstGeom>
+        </p:spPr>
+      </p:pic>
+      <p:pic>
+        <p:nvPicPr>
+          <p:cNvPr id="15" name="Picture 14" descr="A yellow and purple rectangles&#10;&#10;Description automatically generated with low confidence">
+            <a:extLst>
+              <a:ext uri="{FF2B5EF4-FFF2-40B4-BE49-F238E27FC236}">
+                <a16:creationId xmlns:a16="http://schemas.microsoft.com/office/drawing/2014/main" id="{FAE87A68-E27C-B2C9-6891-6FB935C997BC}"/>
+              </a:ext>
+            </a:extLst>
+          </p:cNvPr>
+          <p:cNvPicPr>
+            <a:picLocks noChangeAspect="1"/>
+          </p:cNvPicPr>
+          <p:nvPr/>
+        </p:nvPicPr>
+        <p:blipFill>
+          <a:blip r:embed="rId7" cstate="print">
+            <a:extLst>
+              <a:ext uri="{28A0092B-C50C-407E-A947-70E740481C1C}">
+                <a14:useLocalDpi xmlns:a14="http://schemas.microsoft.com/office/drawing/2010/main" val="0"/>
+              </a:ext>
+            </a:extLst>
+          </a:blip>
+          <a:stretch>
+            <a:fillRect/>
+          </a:stretch>
+        </p:blipFill>
+        <p:spPr>
+          <a:xfrm>
+            <a:off x="0" y="2985666"/>
+            <a:ext cx="3877559" cy="1292520"/>
+          </a:xfrm>
+          <a:prstGeom prst="rect">
+            <a:avLst/>
+          </a:prstGeom>
+        </p:spPr>
+      </p:pic>
+      <p:pic>
+        <p:nvPicPr>
+          <p:cNvPr id="18" name="Picture 17" descr="A yellow and purple squares&#10;&#10;Description automatically generated with medium confidence">
+            <a:extLst>
+              <a:ext uri="{FF2B5EF4-FFF2-40B4-BE49-F238E27FC236}">
+                <a16:creationId xmlns:a16="http://schemas.microsoft.com/office/drawing/2014/main" id="{E14682D3-EF8D-92DD-21CA-30D16965511A}"/>
+              </a:ext>
+            </a:extLst>
+          </p:cNvPr>
+          <p:cNvPicPr>
+            <a:picLocks noChangeAspect="1"/>
+          </p:cNvPicPr>
+          <p:nvPr/>
+        </p:nvPicPr>
+        <p:blipFill>
+          <a:blip r:embed="rId8" cstate="print">
+            <a:extLst>
+              <a:ext uri="{28A0092B-C50C-407E-A947-70E740481C1C}">
+                <a14:useLocalDpi xmlns:a14="http://schemas.microsoft.com/office/drawing/2010/main" val="0"/>
+              </a:ext>
+            </a:extLst>
+          </a:blip>
+          <a:stretch>
+            <a:fillRect/>
+          </a:stretch>
+        </p:blipFill>
+        <p:spPr>
+          <a:xfrm>
+            <a:off x="6095700" y="1349866"/>
+            <a:ext cx="3877559" cy="1292520"/>
+          </a:xfrm>
+          <a:prstGeom prst="rect">
+            <a:avLst/>
+          </a:prstGeom>
         </p:spPr>
       </p:pic>
     </p:spTree>
+    <p:extLst>
+      <p:ext uri="{BB962C8B-B14F-4D97-AF65-F5344CB8AC3E}">
+        <p14:creationId xmlns:p14="http://schemas.microsoft.com/office/powerpoint/2010/main" val="2342785498"/>
+      </p:ext>
+    </p:extLst>
   </p:cSld>
   <p:clrMapOvr>
     <a:masterClrMapping/>
@@ -11105,199 +9333,6 @@
       </p:grpSpPr>
       <p:sp>
         <p:nvSpPr>
-          <p:cNvPr id="103" name="PlaceHolder 1"/>
-          <p:cNvSpPr>
-            <a:spLocks noGrp="1"/>
-          </p:cNvSpPr>
-          <p:nvPr>
-            <p:ph/>
-          </p:nvPr>
-        </p:nvSpPr>
-        <p:spPr>
-          <a:xfrm>
-            <a:off x="838080" y="1690560"/>
-            <a:ext cx="10515240" cy="5104080"/>
-          </a:xfrm>
-          <a:prstGeom prst="rect">
-            <a:avLst/>
-          </a:prstGeom>
-          <a:noFill/>
-          <a:ln w="0">
-            <a:noFill/>
-          </a:ln>
-        </p:spPr>
-        <p:txBody>
-          <a:bodyPr anchor="t">
-            <a:normAutofit/>
-          </a:bodyPr>
-          <a:lstStyle/>
-          <a:p>
-            <a:pPr marL="228600" indent="-228600">
-              <a:lnSpc>
-                <a:spcPct val="90000"/>
-              </a:lnSpc>
-              <a:spcBef>
-                <a:spcPts val="1001"/>
-              </a:spcBef>
-              <a:buClr>
-                <a:srgbClr val="000000"/>
-              </a:buClr>
-              <a:buFont typeface="Arial"/>
-              <a:buChar char="•"/>
-            </a:pPr>
-            <a:r>
-              <a:rPr lang="en-US" sz="2800" b="0" strike="noStrike" spc="-1">
-                <a:solidFill>
-                  <a:srgbClr val="000000"/>
-                </a:solidFill>
-                <a:latin typeface="Calibri"/>
-              </a:rPr>
-              <a:t>Analyze particles results</a:t>
-            </a:r>
-          </a:p>
-          <a:p>
-            <a:pPr>
-              <a:lnSpc>
-                <a:spcPct val="90000"/>
-              </a:lnSpc>
-              <a:spcBef>
-                <a:spcPts val="1001"/>
-              </a:spcBef>
-              <a:buNone/>
-            </a:pPr>
-            <a:endParaRPr lang="en-US" sz="2800" b="0" strike="noStrike" spc="-1">
-              <a:solidFill>
-                <a:srgbClr val="000000"/>
-              </a:solidFill>
-              <a:latin typeface="Calibri"/>
-            </a:endParaRPr>
-          </a:p>
-          <a:p>
-            <a:pPr>
-              <a:lnSpc>
-                <a:spcPct val="90000"/>
-              </a:lnSpc>
-              <a:spcBef>
-                <a:spcPts val="1001"/>
-              </a:spcBef>
-              <a:buNone/>
-            </a:pPr>
-            <a:endParaRPr lang="en-US" sz="2800" b="0" strike="noStrike" spc="-1">
-              <a:solidFill>
-                <a:srgbClr val="000000"/>
-              </a:solidFill>
-              <a:latin typeface="Calibri"/>
-            </a:endParaRPr>
-          </a:p>
-          <a:p>
-            <a:pPr>
-              <a:lnSpc>
-                <a:spcPct val="90000"/>
-              </a:lnSpc>
-              <a:spcBef>
-                <a:spcPts val="1001"/>
-              </a:spcBef>
-              <a:buNone/>
-            </a:pPr>
-            <a:endParaRPr lang="en-US" sz="2800" b="0" strike="noStrike" spc="-1">
-              <a:solidFill>
-                <a:srgbClr val="000000"/>
-              </a:solidFill>
-              <a:latin typeface="Calibri"/>
-            </a:endParaRPr>
-          </a:p>
-          <a:p>
-            <a:pPr>
-              <a:lnSpc>
-                <a:spcPct val="90000"/>
-              </a:lnSpc>
-              <a:spcBef>
-                <a:spcPts val="1001"/>
-              </a:spcBef>
-              <a:buNone/>
-            </a:pPr>
-            <a:endParaRPr lang="en-US" sz="2800" b="0" strike="noStrike" spc="-1">
-              <a:solidFill>
-                <a:srgbClr val="000000"/>
-              </a:solidFill>
-              <a:latin typeface="Calibri"/>
-            </a:endParaRPr>
-          </a:p>
-          <a:p>
-            <a:pPr>
-              <a:lnSpc>
-                <a:spcPct val="90000"/>
-              </a:lnSpc>
-              <a:spcBef>
-                <a:spcPts val="1001"/>
-              </a:spcBef>
-              <a:buNone/>
-            </a:pPr>
-            <a:endParaRPr lang="en-US" sz="2800" b="0" strike="noStrike" spc="-1">
-              <a:solidFill>
-                <a:srgbClr val="000000"/>
-              </a:solidFill>
-              <a:latin typeface="Calibri"/>
-            </a:endParaRPr>
-          </a:p>
-          <a:p>
-            <a:pPr>
-              <a:lnSpc>
-                <a:spcPct val="90000"/>
-              </a:lnSpc>
-              <a:spcBef>
-                <a:spcPts val="1001"/>
-              </a:spcBef>
-              <a:buNone/>
-            </a:pPr>
-            <a:endParaRPr lang="en-US" sz="2800" b="0" strike="noStrike" spc="-1">
-              <a:solidFill>
-                <a:srgbClr val="000000"/>
-              </a:solidFill>
-              <a:latin typeface="Calibri"/>
-            </a:endParaRPr>
-          </a:p>
-          <a:p>
-            <a:pPr>
-              <a:lnSpc>
-                <a:spcPct val="90000"/>
-              </a:lnSpc>
-              <a:spcBef>
-                <a:spcPts val="1001"/>
-              </a:spcBef>
-              <a:buNone/>
-            </a:pPr>
-            <a:endParaRPr lang="en-US" sz="2800" b="0" strike="noStrike" spc="-1">
-              <a:solidFill>
-                <a:srgbClr val="000000"/>
-              </a:solidFill>
-              <a:latin typeface="Calibri"/>
-            </a:endParaRPr>
-          </a:p>
-          <a:p>
-            <a:pPr>
-              <a:lnSpc>
-                <a:spcPct val="90000"/>
-              </a:lnSpc>
-              <a:spcBef>
-                <a:spcPts val="1001"/>
-              </a:spcBef>
-              <a:buNone/>
-              <a:tabLst>
-                <a:tab pos="0" algn="l"/>
-              </a:tabLst>
-            </a:pPr>
-            <a:endParaRPr lang="en-US" sz="2800" b="0" strike="noStrike" spc="-1">
-              <a:solidFill>
-                <a:srgbClr val="000000"/>
-              </a:solidFill>
-              <a:latin typeface="Calibri"/>
-            </a:endParaRPr>
-          </a:p>
-        </p:txBody>
-      </p:sp>
-      <p:sp>
-        <p:nvSpPr>
           <p:cNvPr id="104" name="PlaceHolder 2"/>
           <p:cNvSpPr>
             <a:spLocks noGrp="1"/>
@@ -11425,74 +9460,226 @@
       </p:sp>
       <p:pic>
         <p:nvPicPr>
-          <p:cNvPr id="106" name="Picture 9"/>
-          <p:cNvPicPr/>
+          <p:cNvPr id="3" name="Picture 2" descr="A yellow and purple squares&#10;&#10;Description automatically generated with low confidence">
+            <a:extLst>
+              <a:ext uri="{FF2B5EF4-FFF2-40B4-BE49-F238E27FC236}">
+                <a16:creationId xmlns:a16="http://schemas.microsoft.com/office/drawing/2014/main" id="{56BA6C9D-E768-1233-A4F0-DD3A07E7B9ED}"/>
+              </a:ext>
+            </a:extLst>
+          </p:cNvPr>
+          <p:cNvPicPr>
+            <a:picLocks noChangeAspect="1"/>
+          </p:cNvPicPr>
           <p:nvPr/>
         </p:nvPicPr>
         <p:blipFill>
-          <a:blip r:embed="rId3"/>
-          <a:stretch/>
+          <a:blip r:embed="rId3" cstate="print">
+            <a:extLst>
+              <a:ext uri="{28A0092B-C50C-407E-A947-70E740481C1C}">
+                <a14:useLocalDpi xmlns:a14="http://schemas.microsoft.com/office/drawing/2010/main" val="0"/>
+              </a:ext>
+            </a:extLst>
+          </a:blip>
+          <a:stretch>
+            <a:fillRect/>
+          </a:stretch>
         </p:blipFill>
         <p:spPr>
           <a:xfrm>
-            <a:off x="843120" y="2303280"/>
-            <a:ext cx="3341160" cy="3540240"/>
-          </a:xfrm>
-          <a:prstGeom prst="rect">
-            <a:avLst/>
-          </a:prstGeom>
-          <a:ln w="0">
-            <a:noFill/>
-          </a:ln>
+            <a:off x="838080" y="1774072"/>
+            <a:ext cx="3707876" cy="1235959"/>
+          </a:xfrm>
+          <a:prstGeom prst="rect">
+            <a:avLst/>
+          </a:prstGeom>
         </p:spPr>
       </p:pic>
       <p:pic>
         <p:nvPicPr>
-          <p:cNvPr id="107" name="Picture 14"/>
-          <p:cNvPicPr/>
+          <p:cNvPr id="5" name="Picture 4" descr="A yellow and purple rectangles&#10;&#10;Description automatically generated with low confidence">
+            <a:extLst>
+              <a:ext uri="{FF2B5EF4-FFF2-40B4-BE49-F238E27FC236}">
+                <a16:creationId xmlns:a16="http://schemas.microsoft.com/office/drawing/2014/main" id="{408D6A34-C9C0-AFE8-8480-6D0A0F156285}"/>
+              </a:ext>
+            </a:extLst>
+          </p:cNvPr>
+          <p:cNvPicPr>
+            <a:picLocks noChangeAspect="1"/>
+          </p:cNvPicPr>
           <p:nvPr/>
         </p:nvPicPr>
         <p:blipFill>
-          <a:blip r:embed="rId4"/>
-          <a:stretch/>
+          <a:blip r:embed="rId4" cstate="print">
+            <a:extLst>
+              <a:ext uri="{28A0092B-C50C-407E-A947-70E740481C1C}">
+                <a14:useLocalDpi xmlns:a14="http://schemas.microsoft.com/office/drawing/2010/main" val="0"/>
+              </a:ext>
+            </a:extLst>
+          </a:blip>
+          <a:stretch>
+            <a:fillRect/>
+          </a:stretch>
         </p:blipFill>
         <p:spPr>
           <a:xfrm>
-            <a:off x="4525920" y="2303280"/>
-            <a:ext cx="3401280" cy="3553920"/>
-          </a:xfrm>
-          <a:prstGeom prst="rect">
-            <a:avLst/>
-          </a:prstGeom>
-          <a:ln w="0">
-            <a:noFill/>
-          </a:ln>
+            <a:off x="6871235" y="4745373"/>
+            <a:ext cx="3707876" cy="1235959"/>
+          </a:xfrm>
+          <a:prstGeom prst="rect">
+            <a:avLst/>
+          </a:prstGeom>
         </p:spPr>
       </p:pic>
       <p:pic>
         <p:nvPicPr>
-          <p:cNvPr id="108" name="Picture 16"/>
-          <p:cNvPicPr/>
+          <p:cNvPr id="7" name="Picture 6" descr="A yellow and purple squares&#10;&#10;Description automatically generated with medium confidence">
+            <a:extLst>
+              <a:ext uri="{FF2B5EF4-FFF2-40B4-BE49-F238E27FC236}">
+                <a16:creationId xmlns:a16="http://schemas.microsoft.com/office/drawing/2014/main" id="{5F95E9E5-54F0-9AFA-549A-05178BC9E5E4}"/>
+              </a:ext>
+            </a:extLst>
+          </p:cNvPr>
+          <p:cNvPicPr>
+            <a:picLocks noChangeAspect="1"/>
+          </p:cNvPicPr>
           <p:nvPr/>
         </p:nvPicPr>
         <p:blipFill>
-          <a:blip r:embed="rId5"/>
-          <a:stretch/>
+          <a:blip r:embed="rId5" cstate="print">
+            <a:extLst>
+              <a:ext uri="{28A0092B-C50C-407E-A947-70E740481C1C}">
+                <a14:useLocalDpi xmlns:a14="http://schemas.microsoft.com/office/drawing/2010/main" val="0"/>
+              </a:ext>
+            </a:extLst>
+          </a:blip>
+          <a:stretch>
+            <a:fillRect/>
+          </a:stretch>
         </p:blipFill>
         <p:spPr>
           <a:xfrm>
-            <a:off x="8193600" y="2800440"/>
-            <a:ext cx="3421440" cy="3056760"/>
-          </a:xfrm>
-          <a:prstGeom prst="rect">
-            <a:avLst/>
-          </a:prstGeom>
-          <a:ln w="0">
-            <a:noFill/>
-          </a:ln>
+            <a:off x="6984357" y="3131532"/>
+            <a:ext cx="3707876" cy="1235959"/>
+          </a:xfrm>
+          <a:prstGeom prst="rect">
+            <a:avLst/>
+          </a:prstGeom>
+        </p:spPr>
+      </p:pic>
+      <p:pic>
+        <p:nvPicPr>
+          <p:cNvPr id="9" name="Picture 8" descr="A yellow and purple squares&#10;&#10;Description automatically generated with low confidence">
+            <a:extLst>
+              <a:ext uri="{FF2B5EF4-FFF2-40B4-BE49-F238E27FC236}">
+                <a16:creationId xmlns:a16="http://schemas.microsoft.com/office/drawing/2014/main" id="{337EB90F-BB6D-A0CD-CD7F-443D1CF84D43}"/>
+              </a:ext>
+            </a:extLst>
+          </p:cNvPr>
+          <p:cNvPicPr>
+            <a:picLocks noChangeAspect="1"/>
+          </p:cNvPicPr>
+          <p:nvPr/>
+        </p:nvPicPr>
+        <p:blipFill>
+          <a:blip r:embed="rId6" cstate="print">
+            <a:extLst>
+              <a:ext uri="{28A0092B-C50C-407E-A947-70E740481C1C}">
+                <a14:useLocalDpi xmlns:a14="http://schemas.microsoft.com/office/drawing/2010/main" val="0"/>
+              </a:ext>
+            </a:extLst>
+          </a:blip>
+          <a:stretch>
+            <a:fillRect/>
+          </a:stretch>
+        </p:blipFill>
+        <p:spPr>
+          <a:xfrm>
+            <a:off x="7319250" y="1552714"/>
+            <a:ext cx="3707876" cy="1235959"/>
+          </a:xfrm>
+          <a:prstGeom prst="rect">
+            <a:avLst/>
+          </a:prstGeom>
+        </p:spPr>
+      </p:pic>
+      <p:pic>
+        <p:nvPicPr>
+          <p:cNvPr id="11" name="Picture 10" descr="A yellow and purple rectangles&#10;&#10;Description automatically generated with low confidence">
+            <a:extLst>
+              <a:ext uri="{FF2B5EF4-FFF2-40B4-BE49-F238E27FC236}">
+                <a16:creationId xmlns:a16="http://schemas.microsoft.com/office/drawing/2014/main" id="{7AEBC134-33D5-004C-D290-6F1ABD49725B}"/>
+              </a:ext>
+            </a:extLst>
+          </p:cNvPr>
+          <p:cNvPicPr>
+            <a:picLocks noChangeAspect="1"/>
+          </p:cNvPicPr>
+          <p:nvPr/>
+        </p:nvPicPr>
+        <p:blipFill>
+          <a:blip r:embed="rId7" cstate="print">
+            <a:extLst>
+              <a:ext uri="{28A0092B-C50C-407E-A947-70E740481C1C}">
+                <a14:useLocalDpi xmlns:a14="http://schemas.microsoft.com/office/drawing/2010/main" val="0"/>
+              </a:ext>
+            </a:extLst>
+          </a:blip>
+          <a:stretch>
+            <a:fillRect/>
+          </a:stretch>
+        </p:blipFill>
+        <p:spPr>
+          <a:xfrm>
+            <a:off x="432727" y="4894227"/>
+            <a:ext cx="3707876" cy="1235959"/>
+          </a:xfrm>
+          <a:prstGeom prst="rect">
+            <a:avLst/>
+          </a:prstGeom>
+        </p:spPr>
+      </p:pic>
+      <p:pic>
+        <p:nvPicPr>
+          <p:cNvPr id="13" name="Picture 12" descr="A yellow and purple squares&#10;&#10;Description automatically generated with medium confidence">
+            <a:extLst>
+              <a:ext uri="{FF2B5EF4-FFF2-40B4-BE49-F238E27FC236}">
+                <a16:creationId xmlns:a16="http://schemas.microsoft.com/office/drawing/2014/main" id="{6396D90D-3003-CDC1-A1B5-6FA78EB1A9C7}"/>
+              </a:ext>
+            </a:extLst>
+          </p:cNvPr>
+          <p:cNvPicPr>
+            <a:picLocks noChangeAspect="1"/>
+          </p:cNvPicPr>
+          <p:nvPr/>
+        </p:nvPicPr>
+        <p:blipFill>
+          <a:blip r:embed="rId8" cstate="print">
+            <a:extLst>
+              <a:ext uri="{28A0092B-C50C-407E-A947-70E740481C1C}">
+                <a14:useLocalDpi xmlns:a14="http://schemas.microsoft.com/office/drawing/2010/main" val="0"/>
+              </a:ext>
+            </a:extLst>
+          </a:blip>
+          <a:stretch>
+            <a:fillRect/>
+          </a:stretch>
+        </p:blipFill>
+        <p:spPr>
+          <a:xfrm>
+            <a:off x="640117" y="3418021"/>
+            <a:ext cx="3707876" cy="1235959"/>
+          </a:xfrm>
+          <a:prstGeom prst="rect">
+            <a:avLst/>
+          </a:prstGeom>
         </p:spPr>
       </p:pic>
     </p:spTree>
+    <p:extLst>
+      <p:ext uri="{BB962C8B-B14F-4D97-AF65-F5344CB8AC3E}">
+        <p14:creationId xmlns:p14="http://schemas.microsoft.com/office/powerpoint/2010/main" val="3382891021"/>
+      </p:ext>
+    </p:extLst>
   </p:cSld>
   <p:clrMapOvr>
     <a:masterClrMapping/>
@@ -11519,126 +9706,7 @@
       </p:grpSpPr>
       <p:sp>
         <p:nvSpPr>
-          <p:cNvPr id="86" name="Content Placeholder 2"/>
-          <p:cNvSpPr/>
-          <p:nvPr/>
-        </p:nvSpPr>
-        <p:spPr>
-          <a:xfrm>
-            <a:off x="838080" y="1825560"/>
-            <a:ext cx="10515240" cy="4350960"/>
-          </a:xfrm>
-          <a:prstGeom prst="rect">
-            <a:avLst/>
-          </a:prstGeom>
-          <a:noFill/>
-          <a:ln w="0">
-            <a:noFill/>
-          </a:ln>
-        </p:spPr>
-        <p:style>
-          <a:lnRef idx="0">
-            <a:scrgbClr r="0" g="0" b="0"/>
-          </a:lnRef>
-          <a:fillRef idx="0">
-            <a:scrgbClr r="0" g="0" b="0"/>
-          </a:fillRef>
-          <a:effectRef idx="0">
-            <a:scrgbClr r="0" g="0" b="0"/>
-          </a:effectRef>
-          <a:fontRef idx="minor"/>
-        </p:style>
-        <p:txBody>
-          <a:bodyPr anchor="t">
-            <a:normAutofit/>
-          </a:bodyPr>
-          <a:lstStyle/>
-          <a:p>
-            <a:pPr marL="228600" indent="-228600">
-              <a:lnSpc>
-                <a:spcPct val="90000"/>
-              </a:lnSpc>
-              <a:spcBef>
-                <a:spcPts val="1001"/>
-              </a:spcBef>
-              <a:buClr>
-                <a:srgbClr val="000000"/>
-              </a:buClr>
-              <a:buFont typeface="Arial"/>
-              <a:buChar char="•"/>
-            </a:pPr>
-            <a:r>
-              <a:rPr lang="en-US" sz="2800" b="0" strike="noStrike" spc="-1" dirty="0">
-                <a:solidFill>
-                  <a:srgbClr val="000000"/>
-                </a:solidFill>
-                <a:latin typeface="Calibri"/>
-              </a:rPr>
-              <a:t>Image of </a:t>
-            </a:r>
-            <a:r>
-              <a:rPr lang="en-US" sz="2800" spc="-1" dirty="0">
-                <a:solidFill>
-                  <a:srgbClr val="000000"/>
-                </a:solidFill>
-                <a:latin typeface="Calibri"/>
-              </a:rPr>
-              <a:t>a 4x4x4 Rubik’s cube</a:t>
-            </a:r>
-            <a:endParaRPr lang="en-PH" sz="2800" b="0" strike="noStrike" spc="-1" dirty="0">
-              <a:latin typeface="Arial"/>
-            </a:endParaRPr>
-          </a:p>
-          <a:p>
-            <a:pPr>
-              <a:lnSpc>
-                <a:spcPct val="90000"/>
-              </a:lnSpc>
-              <a:spcBef>
-                <a:spcPts val="1001"/>
-              </a:spcBef>
-              <a:buNone/>
-            </a:pPr>
-            <a:endParaRPr lang="en-PH" sz="2800" b="0" strike="noStrike" spc="-1" dirty="0">
-              <a:latin typeface="Arial"/>
-            </a:endParaRPr>
-          </a:p>
-          <a:p>
-            <a:pPr>
-              <a:lnSpc>
-                <a:spcPct val="90000"/>
-              </a:lnSpc>
-              <a:spcBef>
-                <a:spcPts val="1001"/>
-              </a:spcBef>
-              <a:buNone/>
-            </a:pPr>
-            <a:endParaRPr lang="en-PH" sz="2800" b="0" strike="noStrike" spc="-1" dirty="0">
-              <a:latin typeface="Arial"/>
-            </a:endParaRPr>
-          </a:p>
-          <a:p>
-            <a:pPr>
-              <a:lnSpc>
-                <a:spcPct val="90000"/>
-              </a:lnSpc>
-              <a:spcBef>
-                <a:spcPts val="1001"/>
-              </a:spcBef>
-              <a:buNone/>
-              <a:tabLst>
-                <a:tab pos="0" algn="l"/>
-              </a:tabLst>
-            </a:pPr>
-            <a:endParaRPr lang="en-PH" sz="2800" b="0" strike="noStrike" spc="-1" dirty="0">
-              <a:latin typeface="Arial"/>
-            </a:endParaRPr>
-          </a:p>
-        </p:txBody>
-      </p:sp>
-      <p:sp>
-        <p:nvSpPr>
-          <p:cNvPr id="87" name="PlaceHolder 1"/>
+          <p:cNvPr id="104" name="PlaceHolder 2"/>
           <p:cNvSpPr>
             <a:spLocks noGrp="1"/>
           </p:cNvSpPr>
@@ -11691,7 +9759,7 @@
       </p:sp>
       <p:sp>
         <p:nvSpPr>
-          <p:cNvPr id="88" name="Content Placeholder 2"/>
+          <p:cNvPr id="105" name="Content Placeholder 2"/>
           <p:cNvSpPr/>
           <p:nvPr/>
         </p:nvSpPr>
@@ -11765,10 +9833,10 @@
       </p:sp>
       <p:pic>
         <p:nvPicPr>
-          <p:cNvPr id="3" name="Picture 2">
+          <p:cNvPr id="4" name="Picture 3" descr="A close-up of a microscope&#10;&#10;Description automatically generated with low confidence">
             <a:extLst>
               <a:ext uri="{FF2B5EF4-FFF2-40B4-BE49-F238E27FC236}">
-                <a16:creationId xmlns:a16="http://schemas.microsoft.com/office/drawing/2014/main" id="{F2707812-2C56-4BE6-BFE8-8E441362FACC}"/>
+                <a16:creationId xmlns:a16="http://schemas.microsoft.com/office/drawing/2014/main" id="{A659DF66-D1F6-C7BD-A650-F4F46FCC470D}"/>
               </a:ext>
             </a:extLst>
           </p:cNvPr>
@@ -11790,9 +9858,45 @@
           </a:stretch>
         </p:blipFill>
         <p:spPr>
-          <a:xfrm rot="5400000">
-            <a:off x="4015970" y="2853434"/>
-            <a:ext cx="4159459" cy="3119594"/>
+          <a:xfrm>
+            <a:off x="0" y="4160100"/>
+            <a:ext cx="3902697" cy="1300899"/>
+          </a:xfrm>
+          <a:prstGeom prst="rect">
+            <a:avLst/>
+          </a:prstGeom>
+        </p:spPr>
+      </p:pic>
+      <p:pic>
+        <p:nvPicPr>
+          <p:cNvPr id="8" name="Picture 7" descr="White spots on a black background&#10;&#10;Description automatically generated with low confidence">
+            <a:extLst>
+              <a:ext uri="{FF2B5EF4-FFF2-40B4-BE49-F238E27FC236}">
+                <a16:creationId xmlns:a16="http://schemas.microsoft.com/office/drawing/2014/main" id="{E72790FA-7D4E-AC25-BA76-8E7C74A579CF}"/>
+              </a:ext>
+            </a:extLst>
+          </p:cNvPr>
+          <p:cNvPicPr>
+            <a:picLocks noChangeAspect="1"/>
+          </p:cNvPicPr>
+          <p:nvPr/>
+        </p:nvPicPr>
+        <p:blipFill>
+          <a:blip r:embed="rId4">
+            <a:extLst>
+              <a:ext uri="{28A0092B-C50C-407E-A947-70E740481C1C}">
+                <a14:useLocalDpi xmlns:a14="http://schemas.microsoft.com/office/drawing/2010/main" val="0"/>
+              </a:ext>
+            </a:extLst>
+          </a:blip>
+          <a:stretch>
+            <a:fillRect/>
+          </a:stretch>
+        </p:blipFill>
+        <p:spPr>
+          <a:xfrm>
+            <a:off x="5467041" y="1965536"/>
+            <a:ext cx="3218694" cy="2194564"/>
           </a:xfrm>
           <a:prstGeom prst="rect">
             <a:avLst/>
@@ -11802,7 +9906,7 @@
     </p:spTree>
     <p:extLst>
       <p:ext uri="{BB962C8B-B14F-4D97-AF65-F5344CB8AC3E}">
-        <p14:creationId xmlns:p14="http://schemas.microsoft.com/office/powerpoint/2010/main" val="1023647886"/>
+        <p14:creationId xmlns:p14="http://schemas.microsoft.com/office/powerpoint/2010/main" val="3633017753"/>
       </p:ext>
     </p:extLst>
   </p:cSld>
@@ -11831,7 +9935,7 @@
       </p:grpSpPr>
       <p:sp>
         <p:nvSpPr>
-          <p:cNvPr id="90" name="PlaceHolder 1"/>
+          <p:cNvPr id="104" name="PlaceHolder 2"/>
           <p:cNvSpPr>
             <a:spLocks noGrp="1"/>
           </p:cNvSpPr>
@@ -11884,236 +9988,7 @@
       </p:sp>
       <p:sp>
         <p:nvSpPr>
-          <p:cNvPr id="91" name="PlaceHolder 2"/>
-          <p:cNvSpPr>
-            <a:spLocks noGrp="1"/>
-          </p:cNvSpPr>
-          <p:nvPr>
-            <p:ph/>
-          </p:nvPr>
-        </p:nvSpPr>
-        <p:spPr>
-          <a:xfrm>
-            <a:off x="901800" y="1397880"/>
-            <a:ext cx="10515240" cy="5262120"/>
-          </a:xfrm>
-          <a:prstGeom prst="rect">
-            <a:avLst/>
-          </a:prstGeom>
-          <a:noFill/>
-          <a:ln w="0">
-            <a:noFill/>
-          </a:ln>
-        </p:spPr>
-        <p:txBody>
-          <a:bodyPr anchor="t">
-            <a:normAutofit fontScale="96000" lnSpcReduction="10000"/>
-          </a:bodyPr>
-          <a:lstStyle/>
-          <a:p>
-            <a:pPr marL="228600" indent="-228600">
-              <a:lnSpc>
-                <a:spcPct val="90000"/>
-              </a:lnSpc>
-              <a:spcBef>
-                <a:spcPts val="1001"/>
-              </a:spcBef>
-              <a:buClr>
-                <a:srgbClr val="000000"/>
-              </a:buClr>
-              <a:buFont typeface="Arial"/>
-              <a:buChar char="•"/>
-            </a:pPr>
-            <a:r>
-              <a:rPr lang="en-US" sz="2800" b="0" strike="noStrike" spc="-1" dirty="0">
-                <a:solidFill>
-                  <a:srgbClr val="000000"/>
-                </a:solidFill>
-                <a:latin typeface="Calibri"/>
-              </a:rPr>
-              <a:t>Setting scale</a:t>
-            </a:r>
-          </a:p>
-          <a:p>
-            <a:pPr>
-              <a:lnSpc>
-                <a:spcPct val="90000"/>
-              </a:lnSpc>
-              <a:spcBef>
-                <a:spcPts val="1001"/>
-              </a:spcBef>
-              <a:buNone/>
-            </a:pPr>
-            <a:endParaRPr lang="en-US" sz="2800" b="0" strike="noStrike" spc="-1" dirty="0">
-              <a:solidFill>
-                <a:srgbClr val="000000"/>
-              </a:solidFill>
-              <a:latin typeface="Calibri"/>
-            </a:endParaRPr>
-          </a:p>
-          <a:p>
-            <a:pPr>
-              <a:lnSpc>
-                <a:spcPct val="90000"/>
-              </a:lnSpc>
-              <a:spcBef>
-                <a:spcPts val="1001"/>
-              </a:spcBef>
-              <a:buNone/>
-            </a:pPr>
-            <a:endParaRPr lang="en-US" sz="2800" b="0" strike="noStrike" spc="-1" dirty="0">
-              <a:solidFill>
-                <a:srgbClr val="000000"/>
-              </a:solidFill>
-              <a:latin typeface="Calibri"/>
-            </a:endParaRPr>
-          </a:p>
-          <a:p>
-            <a:pPr>
-              <a:lnSpc>
-                <a:spcPct val="90000"/>
-              </a:lnSpc>
-              <a:spcBef>
-                <a:spcPts val="1001"/>
-              </a:spcBef>
-              <a:buNone/>
-            </a:pPr>
-            <a:endParaRPr lang="en-US" sz="2800" b="0" strike="noStrike" spc="-1" dirty="0">
-              <a:solidFill>
-                <a:srgbClr val="000000"/>
-              </a:solidFill>
-              <a:latin typeface="Calibri"/>
-            </a:endParaRPr>
-          </a:p>
-          <a:p>
-            <a:pPr>
-              <a:lnSpc>
-                <a:spcPct val="90000"/>
-              </a:lnSpc>
-              <a:spcBef>
-                <a:spcPts val="1001"/>
-              </a:spcBef>
-              <a:buNone/>
-            </a:pPr>
-            <a:endParaRPr lang="en-US" sz="2800" b="0" strike="noStrike" spc="-1" dirty="0">
-              <a:solidFill>
-                <a:srgbClr val="000000"/>
-              </a:solidFill>
-              <a:latin typeface="Calibri"/>
-            </a:endParaRPr>
-          </a:p>
-          <a:p>
-            <a:pPr>
-              <a:lnSpc>
-                <a:spcPct val="90000"/>
-              </a:lnSpc>
-              <a:spcBef>
-                <a:spcPts val="1001"/>
-              </a:spcBef>
-              <a:buNone/>
-            </a:pPr>
-            <a:endParaRPr lang="en-US" sz="2800" b="0" strike="noStrike" spc="-1" dirty="0">
-              <a:solidFill>
-                <a:srgbClr val="000000"/>
-              </a:solidFill>
-              <a:latin typeface="Calibri"/>
-            </a:endParaRPr>
-          </a:p>
-          <a:p>
-            <a:pPr>
-              <a:lnSpc>
-                <a:spcPct val="90000"/>
-              </a:lnSpc>
-              <a:spcBef>
-                <a:spcPts val="1001"/>
-              </a:spcBef>
-              <a:buNone/>
-            </a:pPr>
-            <a:endParaRPr lang="en-US" sz="2800" b="0" strike="noStrike" spc="-1" dirty="0">
-              <a:solidFill>
-                <a:srgbClr val="000000"/>
-              </a:solidFill>
-              <a:latin typeface="Calibri"/>
-            </a:endParaRPr>
-          </a:p>
-          <a:p>
-            <a:pPr>
-              <a:lnSpc>
-                <a:spcPct val="90000"/>
-              </a:lnSpc>
-              <a:spcBef>
-                <a:spcPts val="1001"/>
-              </a:spcBef>
-              <a:buNone/>
-            </a:pPr>
-            <a:endParaRPr lang="en-US" sz="2800" b="0" strike="noStrike" spc="-1" dirty="0">
-              <a:solidFill>
-                <a:srgbClr val="000000"/>
-              </a:solidFill>
-              <a:latin typeface="Calibri"/>
-            </a:endParaRPr>
-          </a:p>
-          <a:p>
-            <a:pPr>
-              <a:lnSpc>
-                <a:spcPct val="90000"/>
-              </a:lnSpc>
-              <a:spcBef>
-                <a:spcPts val="1001"/>
-              </a:spcBef>
-              <a:buNone/>
-            </a:pPr>
-            <a:endParaRPr lang="en-US" sz="2800" b="0" strike="noStrike" spc="-1" dirty="0">
-              <a:solidFill>
-                <a:srgbClr val="000000"/>
-              </a:solidFill>
-              <a:latin typeface="Calibri"/>
-            </a:endParaRPr>
-          </a:p>
-          <a:p>
-            <a:pPr marL="228600" indent="-228600">
-              <a:lnSpc>
-                <a:spcPct val="90000"/>
-              </a:lnSpc>
-              <a:spcBef>
-                <a:spcPts val="1001"/>
-              </a:spcBef>
-              <a:buClr>
-                <a:srgbClr val="000000"/>
-              </a:buClr>
-              <a:buFont typeface="Arial"/>
-              <a:buChar char="•"/>
-            </a:pPr>
-            <a:r>
-              <a:rPr lang="en-US" sz="2800" b="0" strike="noStrike" spc="-1" dirty="0">
-                <a:solidFill>
-                  <a:srgbClr val="000000"/>
-                </a:solidFill>
-                <a:latin typeface="Calibri"/>
-              </a:rPr>
-              <a:t>I used a 5 peso coin on top of a 5x5x5 cube which is </a:t>
-            </a:r>
-            <a:r>
-              <a:rPr lang="en-US" spc="-1" dirty="0">
-                <a:solidFill>
-                  <a:srgbClr val="000000"/>
-                </a:solidFill>
-                <a:latin typeface="Calibri"/>
-              </a:rPr>
-              <a:t>about the same height as a 4x4x4 (if I just put it on the table, the height difference affects the scaling) for scaling. It is about 25 mm. </a:t>
-            </a:r>
-            <a:endParaRPr lang="en-US" sz="2800" b="0" strike="noStrike" spc="-1" dirty="0">
-              <a:solidFill>
-                <a:srgbClr val="000000"/>
-              </a:solidFill>
-              <a:latin typeface="Calibri"/>
-            </a:endParaRPr>
-          </a:p>
-        </p:txBody>
-      </p:sp>
-      <p:sp>
-        <p:nvSpPr>
-          <p:cNvPr id="92" name="Content Placeholder 2"/>
+          <p:cNvPr id="105" name="Content Placeholder 2"/>
           <p:cNvSpPr/>
           <p:nvPr/>
         </p:nvSpPr>
@@ -12187,10 +10062,10 @@
       </p:sp>
       <p:pic>
         <p:nvPicPr>
-          <p:cNvPr id="3" name="Picture 2">
+          <p:cNvPr id="3" name="Picture 2" descr="A picture containing screenshot, graphics&#10;&#10;Description automatically generated">
             <a:extLst>
               <a:ext uri="{FF2B5EF4-FFF2-40B4-BE49-F238E27FC236}">
-                <a16:creationId xmlns:a16="http://schemas.microsoft.com/office/drawing/2014/main" id="{F48DB1F7-774B-4F64-BAB2-F9E77ACF59E4}"/>
+                <a16:creationId xmlns:a16="http://schemas.microsoft.com/office/drawing/2014/main" id="{1F1CDC5E-C713-C525-2B67-4766077D5D61}"/>
               </a:ext>
             </a:extLst>
           </p:cNvPr>
@@ -12200,7 +10075,7 @@
           <p:nvPr/>
         </p:nvPicPr>
         <p:blipFill>
-          <a:blip r:embed="rId3">
+          <a:blip r:embed="rId3" cstate="print">
             <a:extLst>
               <a:ext uri="{28A0092B-C50C-407E-A947-70E740481C1C}">
                 <a14:useLocalDpi xmlns:a14="http://schemas.microsoft.com/office/drawing/2010/main" val="0"/>
@@ -12213,8 +10088,80 @@
         </p:blipFill>
         <p:spPr>
           <a:xfrm>
-            <a:off x="3708400" y="1690200"/>
-            <a:ext cx="4775200" cy="3775055"/>
+            <a:off x="7279065" y="1568906"/>
+            <a:ext cx="3766016" cy="1883008"/>
+          </a:xfrm>
+          <a:prstGeom prst="rect">
+            <a:avLst/>
+          </a:prstGeom>
+        </p:spPr>
+      </p:pic>
+      <p:pic>
+        <p:nvPicPr>
+          <p:cNvPr id="6" name="Picture 5" descr="A picture containing screenshot&#10;&#10;Description automatically generated">
+            <a:extLst>
+              <a:ext uri="{FF2B5EF4-FFF2-40B4-BE49-F238E27FC236}">
+                <a16:creationId xmlns:a16="http://schemas.microsoft.com/office/drawing/2014/main" id="{420F856E-D9AE-7752-5F43-B2835C45A5B2}"/>
+              </a:ext>
+            </a:extLst>
+          </p:cNvPr>
+          <p:cNvPicPr>
+            <a:picLocks noChangeAspect="1"/>
+          </p:cNvPicPr>
+          <p:nvPr/>
+        </p:nvPicPr>
+        <p:blipFill>
+          <a:blip r:embed="rId4" cstate="print">
+            <a:extLst>
+              <a:ext uri="{28A0092B-C50C-407E-A947-70E740481C1C}">
+                <a14:useLocalDpi xmlns:a14="http://schemas.microsoft.com/office/drawing/2010/main" val="0"/>
+              </a:ext>
+            </a:extLst>
+          </a:blip>
+          <a:stretch>
+            <a:fillRect/>
+          </a:stretch>
+        </p:blipFill>
+        <p:spPr>
+          <a:xfrm>
+            <a:off x="5186315" y="3831996"/>
+            <a:ext cx="3766016" cy="1883008"/>
+          </a:xfrm>
+          <a:prstGeom prst="rect">
+            <a:avLst/>
+          </a:prstGeom>
+        </p:spPr>
+      </p:pic>
+      <p:pic>
+        <p:nvPicPr>
+          <p:cNvPr id="9" name="Picture 8" descr="A picture containing screenshot, black and white&#10;&#10;Description automatically generated">
+            <a:extLst>
+              <a:ext uri="{FF2B5EF4-FFF2-40B4-BE49-F238E27FC236}">
+                <a16:creationId xmlns:a16="http://schemas.microsoft.com/office/drawing/2014/main" id="{C6D681DF-FE46-48A9-7C52-AFA13FF6B3C7}"/>
+              </a:ext>
+            </a:extLst>
+          </p:cNvPr>
+          <p:cNvPicPr>
+            <a:picLocks noChangeAspect="1"/>
+          </p:cNvPicPr>
+          <p:nvPr/>
+        </p:nvPicPr>
+        <p:blipFill>
+          <a:blip r:embed="rId5" cstate="print">
+            <a:extLst>
+              <a:ext uri="{28A0092B-C50C-407E-A947-70E740481C1C}">
+                <a14:useLocalDpi xmlns:a14="http://schemas.microsoft.com/office/drawing/2010/main" val="0"/>
+              </a:ext>
+            </a:extLst>
+          </a:blip>
+          <a:stretch>
+            <a:fillRect/>
+          </a:stretch>
+        </p:blipFill>
+        <p:spPr>
+          <a:xfrm>
+            <a:off x="604579" y="2084500"/>
+            <a:ext cx="3766016" cy="1883008"/>
           </a:xfrm>
           <a:prstGeom prst="rect">
             <a:avLst/>
@@ -12224,7 +10171,7 @@
     </p:spTree>
     <p:extLst>
       <p:ext uri="{BB962C8B-B14F-4D97-AF65-F5344CB8AC3E}">
-        <p14:creationId xmlns:p14="http://schemas.microsoft.com/office/powerpoint/2010/main" val="1312496875"/>
+        <p14:creationId xmlns:p14="http://schemas.microsoft.com/office/powerpoint/2010/main" val="964097888"/>
       </p:ext>
     </p:extLst>
   </p:cSld>

--- a/Activity 06/Vertudez_Activity_6_Report.pptx
+++ b/Activity 06/Vertudez_Activity_6_Report.pptx
@@ -4,20 +4,22 @@
   <p:sldMasterIdLst>
     <p:sldMasterId id="2147483648" r:id="rId1"/>
     <p:sldMasterId id="2147483661" r:id="rId2"/>
+    <p:sldMasterId id="2147483674" r:id="rId3"/>
   </p:sldMasterIdLst>
   <p:sldIdLst>
-    <p:sldId id="256" r:id="rId3"/>
-    <p:sldId id="257" r:id="rId4"/>
-    <p:sldId id="262" r:id="rId5"/>
-    <p:sldId id="271" r:id="rId6"/>
-    <p:sldId id="272" r:id="rId7"/>
-    <p:sldId id="273" r:id="rId8"/>
-    <p:sldId id="274" r:id="rId9"/>
-    <p:sldId id="275" r:id="rId10"/>
-    <p:sldId id="276" r:id="rId11"/>
-    <p:sldId id="277" r:id="rId12"/>
-    <p:sldId id="263" r:id="rId13"/>
-    <p:sldId id="270" r:id="rId14"/>
+    <p:sldId id="256" r:id="rId4"/>
+    <p:sldId id="257" r:id="rId5"/>
+    <p:sldId id="262" r:id="rId6"/>
+    <p:sldId id="271" r:id="rId7"/>
+    <p:sldId id="272" r:id="rId8"/>
+    <p:sldId id="273" r:id="rId9"/>
+    <p:sldId id="274" r:id="rId10"/>
+    <p:sldId id="275" r:id="rId11"/>
+    <p:sldId id="276" r:id="rId12"/>
+    <p:sldId id="277" r:id="rId13"/>
+    <p:sldId id="263" r:id="rId14"/>
+    <p:sldId id="288" r:id="rId15"/>
+    <p:sldId id="287" r:id="rId16"/>
   </p:sldIdLst>
   <p:sldSz cx="12192000" cy="6858000"/>
   <p:notesSz cx="7772400" cy="10058400"/>
@@ -3941,6 +3943,1376 @@
 </p:sldLayout>
 </file>
 
+<file path=ppt/slideLayouts/slideLayout25.xml><?xml version="1.0" encoding="utf-8"?>
+<p:sldLayout xmlns:a="http://schemas.openxmlformats.org/drawingml/2006/main" xmlns:r="http://schemas.openxmlformats.org/officeDocument/2006/relationships" xmlns:p="http://schemas.openxmlformats.org/presentationml/2006/main" type="title" preserve="1">
+  <p:cSld name="Title Slide">
+    <p:spTree>
+      <p:nvGrpSpPr>
+        <p:cNvPr id="1" name=""/>
+        <p:cNvGrpSpPr/>
+        <p:nvPr/>
+      </p:nvGrpSpPr>
+      <p:grpSpPr>
+        <a:xfrm>
+          <a:off x="0" y="0"/>
+          <a:ext cx="0" cy="0"/>
+          <a:chOff x="0" y="0"/>
+          <a:chExt cx="0" cy="0"/>
+        </a:xfrm>
+      </p:grpSpPr>
+      <p:sp>
+        <p:nvSpPr>
+          <p:cNvPr id="2" name="Title 1">
+            <a:extLst>
+              <a:ext uri="{FF2B5EF4-FFF2-40B4-BE49-F238E27FC236}">
+                <a16:creationId xmlns:a16="http://schemas.microsoft.com/office/drawing/2014/main" id="{1504A942-6F86-4D5C-9E44-8AF20C2FAD09}"/>
+              </a:ext>
+            </a:extLst>
+          </p:cNvPr>
+          <p:cNvSpPr>
+            <a:spLocks noGrp="1"/>
+          </p:cNvSpPr>
+          <p:nvPr>
+            <p:ph type="ctrTitle"/>
+          </p:nvPr>
+        </p:nvSpPr>
+        <p:spPr>
+          <a:xfrm>
+            <a:off x="1524000" y="1122363"/>
+            <a:ext cx="9144000" cy="2387600"/>
+          </a:xfrm>
+        </p:spPr>
+        <p:txBody>
+          <a:bodyPr anchor="b"/>
+          <a:lstStyle>
+            <a:lvl1pPr algn="ctr">
+              <a:defRPr sz="6000"/>
+            </a:lvl1pPr>
+          </a:lstStyle>
+          <a:p>
+            <a:r>
+              <a:rPr lang="en-US"/>
+              <a:t>Click to edit Master title style</a:t>
+            </a:r>
+          </a:p>
+        </p:txBody>
+      </p:sp>
+      <p:sp>
+        <p:nvSpPr>
+          <p:cNvPr id="3" name="Subtitle 2">
+            <a:extLst>
+              <a:ext uri="{FF2B5EF4-FFF2-40B4-BE49-F238E27FC236}">
+                <a16:creationId xmlns:a16="http://schemas.microsoft.com/office/drawing/2014/main" id="{790F248B-5398-4DD6-AB4A-A4B265B20569}"/>
+              </a:ext>
+            </a:extLst>
+          </p:cNvPr>
+          <p:cNvSpPr>
+            <a:spLocks noGrp="1"/>
+          </p:cNvSpPr>
+          <p:nvPr>
+            <p:ph type="subTitle" idx="1"/>
+          </p:nvPr>
+        </p:nvSpPr>
+        <p:spPr>
+          <a:xfrm>
+            <a:off x="1524000" y="3602038"/>
+            <a:ext cx="9144000" cy="1655762"/>
+          </a:xfrm>
+        </p:spPr>
+        <p:txBody>
+          <a:bodyPr/>
+          <a:lstStyle>
+            <a:lvl1pPr marL="0" indent="0" algn="ctr">
+              <a:buNone/>
+              <a:defRPr sz="2400"/>
+            </a:lvl1pPr>
+            <a:lvl2pPr marL="457200" indent="0" algn="ctr">
+              <a:buNone/>
+              <a:defRPr sz="2000"/>
+            </a:lvl2pPr>
+            <a:lvl3pPr marL="914400" indent="0" algn="ctr">
+              <a:buNone/>
+              <a:defRPr sz="1800"/>
+            </a:lvl3pPr>
+            <a:lvl4pPr marL="1371600" indent="0" algn="ctr">
+              <a:buNone/>
+              <a:defRPr sz="1600"/>
+            </a:lvl4pPr>
+            <a:lvl5pPr marL="1828800" indent="0" algn="ctr">
+              <a:buNone/>
+              <a:defRPr sz="1600"/>
+            </a:lvl5pPr>
+            <a:lvl6pPr marL="2286000" indent="0" algn="ctr">
+              <a:buNone/>
+              <a:defRPr sz="1600"/>
+            </a:lvl6pPr>
+            <a:lvl7pPr marL="2743200" indent="0" algn="ctr">
+              <a:buNone/>
+              <a:defRPr sz="1600"/>
+            </a:lvl7pPr>
+            <a:lvl8pPr marL="3200400" indent="0" algn="ctr">
+              <a:buNone/>
+              <a:defRPr sz="1600"/>
+            </a:lvl8pPr>
+            <a:lvl9pPr marL="3657600" indent="0" algn="ctr">
+              <a:buNone/>
+              <a:defRPr sz="1600"/>
+            </a:lvl9pPr>
+          </a:lstStyle>
+          <a:p>
+            <a:r>
+              <a:rPr lang="en-US"/>
+              <a:t>Click to edit Master subtitle style</a:t>
+            </a:r>
+          </a:p>
+        </p:txBody>
+      </p:sp>
+      <p:sp>
+        <p:nvSpPr>
+          <p:cNvPr id="4" name="Date Placeholder 3">
+            <a:extLst>
+              <a:ext uri="{FF2B5EF4-FFF2-40B4-BE49-F238E27FC236}">
+                <a16:creationId xmlns:a16="http://schemas.microsoft.com/office/drawing/2014/main" id="{62526934-8B32-4979-B39D-0B75A83CDF8A}"/>
+              </a:ext>
+            </a:extLst>
+          </p:cNvPr>
+          <p:cNvSpPr>
+            <a:spLocks noGrp="1"/>
+          </p:cNvSpPr>
+          <p:nvPr>
+            <p:ph type="dt" sz="half" idx="10"/>
+          </p:nvPr>
+        </p:nvSpPr>
+        <p:spPr/>
+        <p:txBody>
+          <a:bodyPr/>
+          <a:lstStyle/>
+          <a:p>
+            <a:fld id="{C977F0E1-D0AB-4222-BA87-70E524633AC4}" type="datetimeFigureOut">
+              <a:rPr lang="en-US" smtClean="0"/>
+              <a:t>7/3/2023</a:t>
+            </a:fld>
+            <a:endParaRPr lang="en-US"/>
+          </a:p>
+        </p:txBody>
+      </p:sp>
+      <p:sp>
+        <p:nvSpPr>
+          <p:cNvPr id="5" name="Footer Placeholder 4">
+            <a:extLst>
+              <a:ext uri="{FF2B5EF4-FFF2-40B4-BE49-F238E27FC236}">
+                <a16:creationId xmlns:a16="http://schemas.microsoft.com/office/drawing/2014/main" id="{7326CD7E-229C-4822-9595-29CA82DD6C95}"/>
+              </a:ext>
+            </a:extLst>
+          </p:cNvPr>
+          <p:cNvSpPr>
+            <a:spLocks noGrp="1"/>
+          </p:cNvSpPr>
+          <p:nvPr>
+            <p:ph type="ftr" sz="quarter" idx="11"/>
+          </p:nvPr>
+        </p:nvSpPr>
+        <p:spPr/>
+        <p:txBody>
+          <a:bodyPr/>
+          <a:lstStyle/>
+          <a:p>
+            <a:endParaRPr lang="en-US"/>
+          </a:p>
+        </p:txBody>
+      </p:sp>
+      <p:sp>
+        <p:nvSpPr>
+          <p:cNvPr id="6" name="Slide Number Placeholder 5">
+            <a:extLst>
+              <a:ext uri="{FF2B5EF4-FFF2-40B4-BE49-F238E27FC236}">
+                <a16:creationId xmlns:a16="http://schemas.microsoft.com/office/drawing/2014/main" id="{8C5FF06C-9DBC-4A71-B50D-620DED683DA4}"/>
+              </a:ext>
+            </a:extLst>
+          </p:cNvPr>
+          <p:cNvSpPr>
+            <a:spLocks noGrp="1"/>
+          </p:cNvSpPr>
+          <p:nvPr>
+            <p:ph type="sldNum" sz="quarter" idx="12"/>
+          </p:nvPr>
+        </p:nvSpPr>
+        <p:spPr/>
+        <p:txBody>
+          <a:bodyPr/>
+          <a:lstStyle/>
+          <a:p>
+            <a:fld id="{9F312D06-E3F1-4FD2-B4B5-21FA3235D88A}" type="slidenum">
+              <a:rPr lang="en-US" smtClean="0"/>
+              <a:t>‹#›</a:t>
+            </a:fld>
+            <a:endParaRPr lang="en-US"/>
+          </a:p>
+        </p:txBody>
+      </p:sp>
+    </p:spTree>
+    <p:extLst>
+      <p:ext uri="{BB962C8B-B14F-4D97-AF65-F5344CB8AC3E}">
+        <p14:creationId xmlns:p14="http://schemas.microsoft.com/office/powerpoint/2010/main" val="3916219961"/>
+      </p:ext>
+    </p:extLst>
+  </p:cSld>
+  <p:clrMapOvr>
+    <a:masterClrMapping/>
+  </p:clrMapOvr>
+</p:sldLayout>
+</file>
+
+<file path=ppt/slideLayouts/slideLayout26.xml><?xml version="1.0" encoding="utf-8"?>
+<p:sldLayout xmlns:a="http://schemas.openxmlformats.org/drawingml/2006/main" xmlns:r="http://schemas.openxmlformats.org/officeDocument/2006/relationships" xmlns:p="http://schemas.openxmlformats.org/presentationml/2006/main" type="obj" preserve="1">
+  <p:cSld name="Title and Content">
+    <p:spTree>
+      <p:nvGrpSpPr>
+        <p:cNvPr id="1" name=""/>
+        <p:cNvGrpSpPr/>
+        <p:nvPr/>
+      </p:nvGrpSpPr>
+      <p:grpSpPr>
+        <a:xfrm>
+          <a:off x="0" y="0"/>
+          <a:ext cx="0" cy="0"/>
+          <a:chOff x="0" y="0"/>
+          <a:chExt cx="0" cy="0"/>
+        </a:xfrm>
+      </p:grpSpPr>
+      <p:sp>
+        <p:nvSpPr>
+          <p:cNvPr id="2" name="Title 1">
+            <a:extLst>
+              <a:ext uri="{FF2B5EF4-FFF2-40B4-BE49-F238E27FC236}">
+                <a16:creationId xmlns:a16="http://schemas.microsoft.com/office/drawing/2014/main" id="{7DFBE0E9-64EC-443C-A77F-25BC4341525A}"/>
+              </a:ext>
+            </a:extLst>
+          </p:cNvPr>
+          <p:cNvSpPr>
+            <a:spLocks noGrp="1"/>
+          </p:cNvSpPr>
+          <p:nvPr>
+            <p:ph type="title"/>
+          </p:nvPr>
+        </p:nvSpPr>
+        <p:spPr/>
+        <p:txBody>
+          <a:bodyPr/>
+          <a:lstStyle/>
+          <a:p>
+            <a:r>
+              <a:rPr lang="en-US"/>
+              <a:t>Click to edit Master title style</a:t>
+            </a:r>
+          </a:p>
+        </p:txBody>
+      </p:sp>
+      <p:sp>
+        <p:nvSpPr>
+          <p:cNvPr id="3" name="Content Placeholder 2">
+            <a:extLst>
+              <a:ext uri="{FF2B5EF4-FFF2-40B4-BE49-F238E27FC236}">
+                <a16:creationId xmlns:a16="http://schemas.microsoft.com/office/drawing/2014/main" id="{34A2239D-DB24-4B33-8D9F-2FBC27715E24}"/>
+              </a:ext>
+            </a:extLst>
+          </p:cNvPr>
+          <p:cNvSpPr>
+            <a:spLocks noGrp="1"/>
+          </p:cNvSpPr>
+          <p:nvPr>
+            <p:ph idx="1"/>
+          </p:nvPr>
+        </p:nvSpPr>
+        <p:spPr/>
+        <p:txBody>
+          <a:bodyPr/>
+          <a:lstStyle/>
+          <a:p>
+            <a:pPr lvl="0"/>
+            <a:r>
+              <a:rPr lang="en-US"/>
+              <a:t>Click to edit Master text styles</a:t>
+            </a:r>
+          </a:p>
+          <a:p>
+            <a:pPr lvl="1"/>
+            <a:r>
+              <a:rPr lang="en-US"/>
+              <a:t>Second level</a:t>
+            </a:r>
+          </a:p>
+          <a:p>
+            <a:pPr lvl="2"/>
+            <a:r>
+              <a:rPr lang="en-US"/>
+              <a:t>Third level</a:t>
+            </a:r>
+          </a:p>
+          <a:p>
+            <a:pPr lvl="3"/>
+            <a:r>
+              <a:rPr lang="en-US"/>
+              <a:t>Fourth level</a:t>
+            </a:r>
+          </a:p>
+          <a:p>
+            <a:pPr lvl="4"/>
+            <a:r>
+              <a:rPr lang="en-US"/>
+              <a:t>Fifth level</a:t>
+            </a:r>
+          </a:p>
+        </p:txBody>
+      </p:sp>
+      <p:sp>
+        <p:nvSpPr>
+          <p:cNvPr id="4" name="Date Placeholder 3">
+            <a:extLst>
+              <a:ext uri="{FF2B5EF4-FFF2-40B4-BE49-F238E27FC236}">
+                <a16:creationId xmlns:a16="http://schemas.microsoft.com/office/drawing/2014/main" id="{4204F2C3-A790-4C27-81CF-40E25574593F}"/>
+              </a:ext>
+            </a:extLst>
+          </p:cNvPr>
+          <p:cNvSpPr>
+            <a:spLocks noGrp="1"/>
+          </p:cNvSpPr>
+          <p:nvPr>
+            <p:ph type="dt" sz="half" idx="10"/>
+          </p:nvPr>
+        </p:nvSpPr>
+        <p:spPr/>
+        <p:txBody>
+          <a:bodyPr/>
+          <a:lstStyle/>
+          <a:p>
+            <a:fld id="{C977F0E1-D0AB-4222-BA87-70E524633AC4}" type="datetimeFigureOut">
+              <a:rPr lang="en-US" smtClean="0"/>
+              <a:t>7/3/2023</a:t>
+            </a:fld>
+            <a:endParaRPr lang="en-US"/>
+          </a:p>
+        </p:txBody>
+      </p:sp>
+      <p:sp>
+        <p:nvSpPr>
+          <p:cNvPr id="5" name="Footer Placeholder 4">
+            <a:extLst>
+              <a:ext uri="{FF2B5EF4-FFF2-40B4-BE49-F238E27FC236}">
+                <a16:creationId xmlns:a16="http://schemas.microsoft.com/office/drawing/2014/main" id="{210C9ECE-EDCA-433C-81A3-0809285920FC}"/>
+              </a:ext>
+            </a:extLst>
+          </p:cNvPr>
+          <p:cNvSpPr>
+            <a:spLocks noGrp="1"/>
+          </p:cNvSpPr>
+          <p:nvPr>
+            <p:ph type="ftr" sz="quarter" idx="11"/>
+          </p:nvPr>
+        </p:nvSpPr>
+        <p:spPr/>
+        <p:txBody>
+          <a:bodyPr/>
+          <a:lstStyle/>
+          <a:p>
+            <a:endParaRPr lang="en-US"/>
+          </a:p>
+        </p:txBody>
+      </p:sp>
+      <p:sp>
+        <p:nvSpPr>
+          <p:cNvPr id="6" name="Slide Number Placeholder 5">
+            <a:extLst>
+              <a:ext uri="{FF2B5EF4-FFF2-40B4-BE49-F238E27FC236}">
+                <a16:creationId xmlns:a16="http://schemas.microsoft.com/office/drawing/2014/main" id="{1EB4BC87-5418-4557-A362-4F281DC7EEBD}"/>
+              </a:ext>
+            </a:extLst>
+          </p:cNvPr>
+          <p:cNvSpPr>
+            <a:spLocks noGrp="1"/>
+          </p:cNvSpPr>
+          <p:nvPr>
+            <p:ph type="sldNum" sz="quarter" idx="12"/>
+          </p:nvPr>
+        </p:nvSpPr>
+        <p:spPr/>
+        <p:txBody>
+          <a:bodyPr/>
+          <a:lstStyle/>
+          <a:p>
+            <a:fld id="{9F312D06-E3F1-4FD2-B4B5-21FA3235D88A}" type="slidenum">
+              <a:rPr lang="en-US" smtClean="0"/>
+              <a:t>‹#›</a:t>
+            </a:fld>
+            <a:endParaRPr lang="en-US"/>
+          </a:p>
+        </p:txBody>
+      </p:sp>
+    </p:spTree>
+    <p:extLst>
+      <p:ext uri="{BB962C8B-B14F-4D97-AF65-F5344CB8AC3E}">
+        <p14:creationId xmlns:p14="http://schemas.microsoft.com/office/powerpoint/2010/main" val="3218116326"/>
+      </p:ext>
+    </p:extLst>
+  </p:cSld>
+  <p:clrMapOvr>
+    <a:masterClrMapping/>
+  </p:clrMapOvr>
+</p:sldLayout>
+</file>
+
+<file path=ppt/slideLayouts/slideLayout27.xml><?xml version="1.0" encoding="utf-8"?>
+<p:sldLayout xmlns:a="http://schemas.openxmlformats.org/drawingml/2006/main" xmlns:r="http://schemas.openxmlformats.org/officeDocument/2006/relationships" xmlns:p="http://schemas.openxmlformats.org/presentationml/2006/main" type="secHead" preserve="1">
+  <p:cSld name="Section Header">
+    <p:spTree>
+      <p:nvGrpSpPr>
+        <p:cNvPr id="1" name=""/>
+        <p:cNvGrpSpPr/>
+        <p:nvPr/>
+      </p:nvGrpSpPr>
+      <p:grpSpPr>
+        <a:xfrm>
+          <a:off x="0" y="0"/>
+          <a:ext cx="0" cy="0"/>
+          <a:chOff x="0" y="0"/>
+          <a:chExt cx="0" cy="0"/>
+        </a:xfrm>
+      </p:grpSpPr>
+      <p:sp>
+        <p:nvSpPr>
+          <p:cNvPr id="2" name="Title 1">
+            <a:extLst>
+              <a:ext uri="{FF2B5EF4-FFF2-40B4-BE49-F238E27FC236}">
+                <a16:creationId xmlns:a16="http://schemas.microsoft.com/office/drawing/2014/main" id="{F69BD5D9-01ED-46A4-AB06-CDFB946795A3}"/>
+              </a:ext>
+            </a:extLst>
+          </p:cNvPr>
+          <p:cNvSpPr>
+            <a:spLocks noGrp="1"/>
+          </p:cNvSpPr>
+          <p:nvPr>
+            <p:ph type="title"/>
+          </p:nvPr>
+        </p:nvSpPr>
+        <p:spPr>
+          <a:xfrm>
+            <a:off x="831850" y="1709738"/>
+            <a:ext cx="10515600" cy="2852737"/>
+          </a:xfrm>
+        </p:spPr>
+        <p:txBody>
+          <a:bodyPr anchor="b"/>
+          <a:lstStyle>
+            <a:lvl1pPr>
+              <a:defRPr sz="6000"/>
+            </a:lvl1pPr>
+          </a:lstStyle>
+          <a:p>
+            <a:r>
+              <a:rPr lang="en-US"/>
+              <a:t>Click to edit Master title style</a:t>
+            </a:r>
+          </a:p>
+        </p:txBody>
+      </p:sp>
+      <p:sp>
+        <p:nvSpPr>
+          <p:cNvPr id="3" name="Text Placeholder 2">
+            <a:extLst>
+              <a:ext uri="{FF2B5EF4-FFF2-40B4-BE49-F238E27FC236}">
+                <a16:creationId xmlns:a16="http://schemas.microsoft.com/office/drawing/2014/main" id="{1A6CBDCE-0123-477C-86B5-328753FAE8D7}"/>
+              </a:ext>
+            </a:extLst>
+          </p:cNvPr>
+          <p:cNvSpPr>
+            <a:spLocks noGrp="1"/>
+          </p:cNvSpPr>
+          <p:nvPr>
+            <p:ph type="body" idx="1"/>
+          </p:nvPr>
+        </p:nvSpPr>
+        <p:spPr>
+          <a:xfrm>
+            <a:off x="831850" y="4589463"/>
+            <a:ext cx="10515600" cy="1500187"/>
+          </a:xfrm>
+        </p:spPr>
+        <p:txBody>
+          <a:bodyPr/>
+          <a:lstStyle>
+            <a:lvl1pPr marL="0" indent="0">
+              <a:buNone/>
+              <a:defRPr sz="2400">
+                <a:solidFill>
+                  <a:schemeClr val="tx1">
+                    <a:tint val="75000"/>
+                  </a:schemeClr>
+                </a:solidFill>
+              </a:defRPr>
+            </a:lvl1pPr>
+            <a:lvl2pPr marL="457200" indent="0">
+              <a:buNone/>
+              <a:defRPr sz="2000">
+                <a:solidFill>
+                  <a:schemeClr val="tx1">
+                    <a:tint val="75000"/>
+                  </a:schemeClr>
+                </a:solidFill>
+              </a:defRPr>
+            </a:lvl2pPr>
+            <a:lvl3pPr marL="914400" indent="0">
+              <a:buNone/>
+              <a:defRPr sz="1800">
+                <a:solidFill>
+                  <a:schemeClr val="tx1">
+                    <a:tint val="75000"/>
+                  </a:schemeClr>
+                </a:solidFill>
+              </a:defRPr>
+            </a:lvl3pPr>
+            <a:lvl4pPr marL="1371600" indent="0">
+              <a:buNone/>
+              <a:defRPr sz="1600">
+                <a:solidFill>
+                  <a:schemeClr val="tx1">
+                    <a:tint val="75000"/>
+                  </a:schemeClr>
+                </a:solidFill>
+              </a:defRPr>
+            </a:lvl4pPr>
+            <a:lvl5pPr marL="1828800" indent="0">
+              <a:buNone/>
+              <a:defRPr sz="1600">
+                <a:solidFill>
+                  <a:schemeClr val="tx1">
+                    <a:tint val="75000"/>
+                  </a:schemeClr>
+                </a:solidFill>
+              </a:defRPr>
+            </a:lvl5pPr>
+            <a:lvl6pPr marL="2286000" indent="0">
+              <a:buNone/>
+              <a:defRPr sz="1600">
+                <a:solidFill>
+                  <a:schemeClr val="tx1">
+                    <a:tint val="75000"/>
+                  </a:schemeClr>
+                </a:solidFill>
+              </a:defRPr>
+            </a:lvl6pPr>
+            <a:lvl7pPr marL="2743200" indent="0">
+              <a:buNone/>
+              <a:defRPr sz="1600">
+                <a:solidFill>
+                  <a:schemeClr val="tx1">
+                    <a:tint val="75000"/>
+                  </a:schemeClr>
+                </a:solidFill>
+              </a:defRPr>
+            </a:lvl7pPr>
+            <a:lvl8pPr marL="3200400" indent="0">
+              <a:buNone/>
+              <a:defRPr sz="1600">
+                <a:solidFill>
+                  <a:schemeClr val="tx1">
+                    <a:tint val="75000"/>
+                  </a:schemeClr>
+                </a:solidFill>
+              </a:defRPr>
+            </a:lvl8pPr>
+            <a:lvl9pPr marL="3657600" indent="0">
+              <a:buNone/>
+              <a:defRPr sz="1600">
+                <a:solidFill>
+                  <a:schemeClr val="tx1">
+                    <a:tint val="75000"/>
+                  </a:schemeClr>
+                </a:solidFill>
+              </a:defRPr>
+            </a:lvl9pPr>
+          </a:lstStyle>
+          <a:p>
+            <a:pPr lvl="0"/>
+            <a:r>
+              <a:rPr lang="en-US"/>
+              <a:t>Click to edit Master text styles</a:t>
+            </a:r>
+          </a:p>
+        </p:txBody>
+      </p:sp>
+      <p:sp>
+        <p:nvSpPr>
+          <p:cNvPr id="4" name="Date Placeholder 3">
+            <a:extLst>
+              <a:ext uri="{FF2B5EF4-FFF2-40B4-BE49-F238E27FC236}">
+                <a16:creationId xmlns:a16="http://schemas.microsoft.com/office/drawing/2014/main" id="{03D97548-D59A-4040-9FA2-FB80E4B07034}"/>
+              </a:ext>
+            </a:extLst>
+          </p:cNvPr>
+          <p:cNvSpPr>
+            <a:spLocks noGrp="1"/>
+          </p:cNvSpPr>
+          <p:nvPr>
+            <p:ph type="dt" sz="half" idx="10"/>
+          </p:nvPr>
+        </p:nvSpPr>
+        <p:spPr/>
+        <p:txBody>
+          <a:bodyPr/>
+          <a:lstStyle/>
+          <a:p>
+            <a:fld id="{C977F0E1-D0AB-4222-BA87-70E524633AC4}" type="datetimeFigureOut">
+              <a:rPr lang="en-US" smtClean="0"/>
+              <a:t>7/3/2023</a:t>
+            </a:fld>
+            <a:endParaRPr lang="en-US"/>
+          </a:p>
+        </p:txBody>
+      </p:sp>
+      <p:sp>
+        <p:nvSpPr>
+          <p:cNvPr id="5" name="Footer Placeholder 4">
+            <a:extLst>
+              <a:ext uri="{FF2B5EF4-FFF2-40B4-BE49-F238E27FC236}">
+                <a16:creationId xmlns:a16="http://schemas.microsoft.com/office/drawing/2014/main" id="{5FCAA6F5-DBC5-4049-907D-52BFED6D65D8}"/>
+              </a:ext>
+            </a:extLst>
+          </p:cNvPr>
+          <p:cNvSpPr>
+            <a:spLocks noGrp="1"/>
+          </p:cNvSpPr>
+          <p:nvPr>
+            <p:ph type="ftr" sz="quarter" idx="11"/>
+          </p:nvPr>
+        </p:nvSpPr>
+        <p:spPr/>
+        <p:txBody>
+          <a:bodyPr/>
+          <a:lstStyle/>
+          <a:p>
+            <a:endParaRPr lang="en-US"/>
+          </a:p>
+        </p:txBody>
+      </p:sp>
+      <p:sp>
+        <p:nvSpPr>
+          <p:cNvPr id="6" name="Slide Number Placeholder 5">
+            <a:extLst>
+              <a:ext uri="{FF2B5EF4-FFF2-40B4-BE49-F238E27FC236}">
+                <a16:creationId xmlns:a16="http://schemas.microsoft.com/office/drawing/2014/main" id="{1D477203-9BF6-40FF-B3B8-CA94D75EEE93}"/>
+              </a:ext>
+            </a:extLst>
+          </p:cNvPr>
+          <p:cNvSpPr>
+            <a:spLocks noGrp="1"/>
+          </p:cNvSpPr>
+          <p:nvPr>
+            <p:ph type="sldNum" sz="quarter" idx="12"/>
+          </p:nvPr>
+        </p:nvSpPr>
+        <p:spPr/>
+        <p:txBody>
+          <a:bodyPr/>
+          <a:lstStyle/>
+          <a:p>
+            <a:fld id="{9F312D06-E3F1-4FD2-B4B5-21FA3235D88A}" type="slidenum">
+              <a:rPr lang="en-US" smtClean="0"/>
+              <a:t>‹#›</a:t>
+            </a:fld>
+            <a:endParaRPr lang="en-US"/>
+          </a:p>
+        </p:txBody>
+      </p:sp>
+    </p:spTree>
+    <p:extLst>
+      <p:ext uri="{BB962C8B-B14F-4D97-AF65-F5344CB8AC3E}">
+        <p14:creationId xmlns:p14="http://schemas.microsoft.com/office/powerpoint/2010/main" val="1953317032"/>
+      </p:ext>
+    </p:extLst>
+  </p:cSld>
+  <p:clrMapOvr>
+    <a:masterClrMapping/>
+  </p:clrMapOvr>
+</p:sldLayout>
+</file>
+
+<file path=ppt/slideLayouts/slideLayout28.xml><?xml version="1.0" encoding="utf-8"?>
+<p:sldLayout xmlns:a="http://schemas.openxmlformats.org/drawingml/2006/main" xmlns:r="http://schemas.openxmlformats.org/officeDocument/2006/relationships" xmlns:p="http://schemas.openxmlformats.org/presentationml/2006/main" type="twoObj" preserve="1">
+  <p:cSld name="Two Content">
+    <p:spTree>
+      <p:nvGrpSpPr>
+        <p:cNvPr id="1" name=""/>
+        <p:cNvGrpSpPr/>
+        <p:nvPr/>
+      </p:nvGrpSpPr>
+      <p:grpSpPr>
+        <a:xfrm>
+          <a:off x="0" y="0"/>
+          <a:ext cx="0" cy="0"/>
+          <a:chOff x="0" y="0"/>
+          <a:chExt cx="0" cy="0"/>
+        </a:xfrm>
+      </p:grpSpPr>
+      <p:sp>
+        <p:nvSpPr>
+          <p:cNvPr id="2" name="Title 1">
+            <a:extLst>
+              <a:ext uri="{FF2B5EF4-FFF2-40B4-BE49-F238E27FC236}">
+                <a16:creationId xmlns:a16="http://schemas.microsoft.com/office/drawing/2014/main" id="{EB4098E5-8481-406E-A116-13CA6413D7FE}"/>
+              </a:ext>
+            </a:extLst>
+          </p:cNvPr>
+          <p:cNvSpPr>
+            <a:spLocks noGrp="1"/>
+          </p:cNvSpPr>
+          <p:nvPr>
+            <p:ph type="title"/>
+          </p:nvPr>
+        </p:nvSpPr>
+        <p:spPr/>
+        <p:txBody>
+          <a:bodyPr/>
+          <a:lstStyle/>
+          <a:p>
+            <a:r>
+              <a:rPr lang="en-US"/>
+              <a:t>Click to edit Master title style</a:t>
+            </a:r>
+          </a:p>
+        </p:txBody>
+      </p:sp>
+      <p:sp>
+        <p:nvSpPr>
+          <p:cNvPr id="3" name="Content Placeholder 2">
+            <a:extLst>
+              <a:ext uri="{FF2B5EF4-FFF2-40B4-BE49-F238E27FC236}">
+                <a16:creationId xmlns:a16="http://schemas.microsoft.com/office/drawing/2014/main" id="{1DB33A4A-219E-49D4-9056-78A8DEE120F8}"/>
+              </a:ext>
+            </a:extLst>
+          </p:cNvPr>
+          <p:cNvSpPr>
+            <a:spLocks noGrp="1"/>
+          </p:cNvSpPr>
+          <p:nvPr>
+            <p:ph sz="half" idx="1"/>
+          </p:nvPr>
+        </p:nvSpPr>
+        <p:spPr>
+          <a:xfrm>
+            <a:off x="838200" y="1825625"/>
+            <a:ext cx="5181600" cy="4351338"/>
+          </a:xfrm>
+        </p:spPr>
+        <p:txBody>
+          <a:bodyPr/>
+          <a:lstStyle/>
+          <a:p>
+            <a:pPr lvl="0"/>
+            <a:r>
+              <a:rPr lang="en-US"/>
+              <a:t>Click to edit Master text styles</a:t>
+            </a:r>
+          </a:p>
+          <a:p>
+            <a:pPr lvl="1"/>
+            <a:r>
+              <a:rPr lang="en-US"/>
+              <a:t>Second level</a:t>
+            </a:r>
+          </a:p>
+          <a:p>
+            <a:pPr lvl="2"/>
+            <a:r>
+              <a:rPr lang="en-US"/>
+              <a:t>Third level</a:t>
+            </a:r>
+          </a:p>
+          <a:p>
+            <a:pPr lvl="3"/>
+            <a:r>
+              <a:rPr lang="en-US"/>
+              <a:t>Fourth level</a:t>
+            </a:r>
+          </a:p>
+          <a:p>
+            <a:pPr lvl="4"/>
+            <a:r>
+              <a:rPr lang="en-US"/>
+              <a:t>Fifth level</a:t>
+            </a:r>
+          </a:p>
+        </p:txBody>
+      </p:sp>
+      <p:sp>
+        <p:nvSpPr>
+          <p:cNvPr id="4" name="Content Placeholder 3">
+            <a:extLst>
+              <a:ext uri="{FF2B5EF4-FFF2-40B4-BE49-F238E27FC236}">
+                <a16:creationId xmlns:a16="http://schemas.microsoft.com/office/drawing/2014/main" id="{FFB8BF79-7F2F-4C6F-86EB-30FE972FF069}"/>
+              </a:ext>
+            </a:extLst>
+          </p:cNvPr>
+          <p:cNvSpPr>
+            <a:spLocks noGrp="1"/>
+          </p:cNvSpPr>
+          <p:nvPr>
+            <p:ph sz="half" idx="2"/>
+          </p:nvPr>
+        </p:nvSpPr>
+        <p:spPr>
+          <a:xfrm>
+            <a:off x="6172200" y="1825625"/>
+            <a:ext cx="5181600" cy="4351338"/>
+          </a:xfrm>
+        </p:spPr>
+        <p:txBody>
+          <a:bodyPr/>
+          <a:lstStyle/>
+          <a:p>
+            <a:pPr lvl="0"/>
+            <a:r>
+              <a:rPr lang="en-US"/>
+              <a:t>Click to edit Master text styles</a:t>
+            </a:r>
+          </a:p>
+          <a:p>
+            <a:pPr lvl="1"/>
+            <a:r>
+              <a:rPr lang="en-US"/>
+              <a:t>Second level</a:t>
+            </a:r>
+          </a:p>
+          <a:p>
+            <a:pPr lvl="2"/>
+            <a:r>
+              <a:rPr lang="en-US"/>
+              <a:t>Third level</a:t>
+            </a:r>
+          </a:p>
+          <a:p>
+            <a:pPr lvl="3"/>
+            <a:r>
+              <a:rPr lang="en-US"/>
+              <a:t>Fourth level</a:t>
+            </a:r>
+          </a:p>
+          <a:p>
+            <a:pPr lvl="4"/>
+            <a:r>
+              <a:rPr lang="en-US"/>
+              <a:t>Fifth level</a:t>
+            </a:r>
+          </a:p>
+        </p:txBody>
+      </p:sp>
+      <p:sp>
+        <p:nvSpPr>
+          <p:cNvPr id="5" name="Date Placeholder 4">
+            <a:extLst>
+              <a:ext uri="{FF2B5EF4-FFF2-40B4-BE49-F238E27FC236}">
+                <a16:creationId xmlns:a16="http://schemas.microsoft.com/office/drawing/2014/main" id="{EA41283F-A5CD-488B-B33C-8FDABB3E8013}"/>
+              </a:ext>
+            </a:extLst>
+          </p:cNvPr>
+          <p:cNvSpPr>
+            <a:spLocks noGrp="1"/>
+          </p:cNvSpPr>
+          <p:nvPr>
+            <p:ph type="dt" sz="half" idx="10"/>
+          </p:nvPr>
+        </p:nvSpPr>
+        <p:spPr/>
+        <p:txBody>
+          <a:bodyPr/>
+          <a:lstStyle/>
+          <a:p>
+            <a:fld id="{C977F0E1-D0AB-4222-BA87-70E524633AC4}" type="datetimeFigureOut">
+              <a:rPr lang="en-US" smtClean="0"/>
+              <a:t>7/3/2023</a:t>
+            </a:fld>
+            <a:endParaRPr lang="en-US"/>
+          </a:p>
+        </p:txBody>
+      </p:sp>
+      <p:sp>
+        <p:nvSpPr>
+          <p:cNvPr id="6" name="Footer Placeholder 5">
+            <a:extLst>
+              <a:ext uri="{FF2B5EF4-FFF2-40B4-BE49-F238E27FC236}">
+                <a16:creationId xmlns:a16="http://schemas.microsoft.com/office/drawing/2014/main" id="{DF778BBC-440A-49E6-A358-82DD19D958B2}"/>
+              </a:ext>
+            </a:extLst>
+          </p:cNvPr>
+          <p:cNvSpPr>
+            <a:spLocks noGrp="1"/>
+          </p:cNvSpPr>
+          <p:nvPr>
+            <p:ph type="ftr" sz="quarter" idx="11"/>
+          </p:nvPr>
+        </p:nvSpPr>
+        <p:spPr/>
+        <p:txBody>
+          <a:bodyPr/>
+          <a:lstStyle/>
+          <a:p>
+            <a:endParaRPr lang="en-US"/>
+          </a:p>
+        </p:txBody>
+      </p:sp>
+      <p:sp>
+        <p:nvSpPr>
+          <p:cNvPr id="7" name="Slide Number Placeholder 6">
+            <a:extLst>
+              <a:ext uri="{FF2B5EF4-FFF2-40B4-BE49-F238E27FC236}">
+                <a16:creationId xmlns:a16="http://schemas.microsoft.com/office/drawing/2014/main" id="{C25BFE3E-2203-4820-B2DE-6AEF64443E02}"/>
+              </a:ext>
+            </a:extLst>
+          </p:cNvPr>
+          <p:cNvSpPr>
+            <a:spLocks noGrp="1"/>
+          </p:cNvSpPr>
+          <p:nvPr>
+            <p:ph type="sldNum" sz="quarter" idx="12"/>
+          </p:nvPr>
+        </p:nvSpPr>
+        <p:spPr/>
+        <p:txBody>
+          <a:bodyPr/>
+          <a:lstStyle/>
+          <a:p>
+            <a:fld id="{9F312D06-E3F1-4FD2-B4B5-21FA3235D88A}" type="slidenum">
+              <a:rPr lang="en-US" smtClean="0"/>
+              <a:t>‹#›</a:t>
+            </a:fld>
+            <a:endParaRPr lang="en-US"/>
+          </a:p>
+        </p:txBody>
+      </p:sp>
+    </p:spTree>
+    <p:extLst>
+      <p:ext uri="{BB962C8B-B14F-4D97-AF65-F5344CB8AC3E}">
+        <p14:creationId xmlns:p14="http://schemas.microsoft.com/office/powerpoint/2010/main" val="3298305447"/>
+      </p:ext>
+    </p:extLst>
+  </p:cSld>
+  <p:clrMapOvr>
+    <a:masterClrMapping/>
+  </p:clrMapOvr>
+</p:sldLayout>
+</file>
+
+<file path=ppt/slideLayouts/slideLayout29.xml><?xml version="1.0" encoding="utf-8"?>
+<p:sldLayout xmlns:a="http://schemas.openxmlformats.org/drawingml/2006/main" xmlns:r="http://schemas.openxmlformats.org/officeDocument/2006/relationships" xmlns:p="http://schemas.openxmlformats.org/presentationml/2006/main" type="twoTxTwoObj" preserve="1">
+  <p:cSld name="Comparison">
+    <p:spTree>
+      <p:nvGrpSpPr>
+        <p:cNvPr id="1" name=""/>
+        <p:cNvGrpSpPr/>
+        <p:nvPr/>
+      </p:nvGrpSpPr>
+      <p:grpSpPr>
+        <a:xfrm>
+          <a:off x="0" y="0"/>
+          <a:ext cx="0" cy="0"/>
+          <a:chOff x="0" y="0"/>
+          <a:chExt cx="0" cy="0"/>
+        </a:xfrm>
+      </p:grpSpPr>
+      <p:sp>
+        <p:nvSpPr>
+          <p:cNvPr id="2" name="Title 1">
+            <a:extLst>
+              <a:ext uri="{FF2B5EF4-FFF2-40B4-BE49-F238E27FC236}">
+                <a16:creationId xmlns:a16="http://schemas.microsoft.com/office/drawing/2014/main" id="{2DCCE847-C4F8-40B1-885E-3E726D6F3287}"/>
+              </a:ext>
+            </a:extLst>
+          </p:cNvPr>
+          <p:cNvSpPr>
+            <a:spLocks noGrp="1"/>
+          </p:cNvSpPr>
+          <p:nvPr>
+            <p:ph type="title"/>
+          </p:nvPr>
+        </p:nvSpPr>
+        <p:spPr>
+          <a:xfrm>
+            <a:off x="839788" y="365125"/>
+            <a:ext cx="10515600" cy="1325563"/>
+          </a:xfrm>
+        </p:spPr>
+        <p:txBody>
+          <a:bodyPr/>
+          <a:lstStyle/>
+          <a:p>
+            <a:r>
+              <a:rPr lang="en-US"/>
+              <a:t>Click to edit Master title style</a:t>
+            </a:r>
+          </a:p>
+        </p:txBody>
+      </p:sp>
+      <p:sp>
+        <p:nvSpPr>
+          <p:cNvPr id="3" name="Text Placeholder 2">
+            <a:extLst>
+              <a:ext uri="{FF2B5EF4-FFF2-40B4-BE49-F238E27FC236}">
+                <a16:creationId xmlns:a16="http://schemas.microsoft.com/office/drawing/2014/main" id="{84C5BA11-C166-46F8-9893-BA64D3306523}"/>
+              </a:ext>
+            </a:extLst>
+          </p:cNvPr>
+          <p:cNvSpPr>
+            <a:spLocks noGrp="1"/>
+          </p:cNvSpPr>
+          <p:nvPr>
+            <p:ph type="body" idx="1"/>
+          </p:nvPr>
+        </p:nvSpPr>
+        <p:spPr>
+          <a:xfrm>
+            <a:off x="839788" y="1681163"/>
+            <a:ext cx="5157787" cy="823912"/>
+          </a:xfrm>
+        </p:spPr>
+        <p:txBody>
+          <a:bodyPr anchor="b"/>
+          <a:lstStyle>
+            <a:lvl1pPr marL="0" indent="0">
+              <a:buNone/>
+              <a:defRPr sz="2400" b="1"/>
+            </a:lvl1pPr>
+            <a:lvl2pPr marL="457200" indent="0">
+              <a:buNone/>
+              <a:defRPr sz="2000" b="1"/>
+            </a:lvl2pPr>
+            <a:lvl3pPr marL="914400" indent="0">
+              <a:buNone/>
+              <a:defRPr sz="1800" b="1"/>
+            </a:lvl3pPr>
+            <a:lvl4pPr marL="1371600" indent="0">
+              <a:buNone/>
+              <a:defRPr sz="1600" b="1"/>
+            </a:lvl4pPr>
+            <a:lvl5pPr marL="1828800" indent="0">
+              <a:buNone/>
+              <a:defRPr sz="1600" b="1"/>
+            </a:lvl5pPr>
+            <a:lvl6pPr marL="2286000" indent="0">
+              <a:buNone/>
+              <a:defRPr sz="1600" b="1"/>
+            </a:lvl6pPr>
+            <a:lvl7pPr marL="2743200" indent="0">
+              <a:buNone/>
+              <a:defRPr sz="1600" b="1"/>
+            </a:lvl7pPr>
+            <a:lvl8pPr marL="3200400" indent="0">
+              <a:buNone/>
+              <a:defRPr sz="1600" b="1"/>
+            </a:lvl8pPr>
+            <a:lvl9pPr marL="3657600" indent="0">
+              <a:buNone/>
+              <a:defRPr sz="1600" b="1"/>
+            </a:lvl9pPr>
+          </a:lstStyle>
+          <a:p>
+            <a:pPr lvl="0"/>
+            <a:r>
+              <a:rPr lang="en-US"/>
+              <a:t>Click to edit Master text styles</a:t>
+            </a:r>
+          </a:p>
+        </p:txBody>
+      </p:sp>
+      <p:sp>
+        <p:nvSpPr>
+          <p:cNvPr id="4" name="Content Placeholder 3">
+            <a:extLst>
+              <a:ext uri="{FF2B5EF4-FFF2-40B4-BE49-F238E27FC236}">
+                <a16:creationId xmlns:a16="http://schemas.microsoft.com/office/drawing/2014/main" id="{3C6EEA78-4136-4674-B0B1-BCC827C0DCD2}"/>
+              </a:ext>
+            </a:extLst>
+          </p:cNvPr>
+          <p:cNvSpPr>
+            <a:spLocks noGrp="1"/>
+          </p:cNvSpPr>
+          <p:nvPr>
+            <p:ph sz="half" idx="2"/>
+          </p:nvPr>
+        </p:nvSpPr>
+        <p:spPr>
+          <a:xfrm>
+            <a:off x="839788" y="2505075"/>
+            <a:ext cx="5157787" cy="3684588"/>
+          </a:xfrm>
+        </p:spPr>
+        <p:txBody>
+          <a:bodyPr/>
+          <a:lstStyle/>
+          <a:p>
+            <a:pPr lvl="0"/>
+            <a:r>
+              <a:rPr lang="en-US"/>
+              <a:t>Click to edit Master text styles</a:t>
+            </a:r>
+          </a:p>
+          <a:p>
+            <a:pPr lvl="1"/>
+            <a:r>
+              <a:rPr lang="en-US"/>
+              <a:t>Second level</a:t>
+            </a:r>
+          </a:p>
+          <a:p>
+            <a:pPr lvl="2"/>
+            <a:r>
+              <a:rPr lang="en-US"/>
+              <a:t>Third level</a:t>
+            </a:r>
+          </a:p>
+          <a:p>
+            <a:pPr lvl="3"/>
+            <a:r>
+              <a:rPr lang="en-US"/>
+              <a:t>Fourth level</a:t>
+            </a:r>
+          </a:p>
+          <a:p>
+            <a:pPr lvl="4"/>
+            <a:r>
+              <a:rPr lang="en-US"/>
+              <a:t>Fifth level</a:t>
+            </a:r>
+          </a:p>
+        </p:txBody>
+      </p:sp>
+      <p:sp>
+        <p:nvSpPr>
+          <p:cNvPr id="5" name="Text Placeholder 4">
+            <a:extLst>
+              <a:ext uri="{FF2B5EF4-FFF2-40B4-BE49-F238E27FC236}">
+                <a16:creationId xmlns:a16="http://schemas.microsoft.com/office/drawing/2014/main" id="{D33E882B-7EF7-47B3-AFC1-450AB7BDBE03}"/>
+              </a:ext>
+            </a:extLst>
+          </p:cNvPr>
+          <p:cNvSpPr>
+            <a:spLocks noGrp="1"/>
+          </p:cNvSpPr>
+          <p:nvPr>
+            <p:ph type="body" sz="quarter" idx="3"/>
+          </p:nvPr>
+        </p:nvSpPr>
+        <p:spPr>
+          <a:xfrm>
+            <a:off x="6172200" y="1681163"/>
+            <a:ext cx="5183188" cy="823912"/>
+          </a:xfrm>
+        </p:spPr>
+        <p:txBody>
+          <a:bodyPr anchor="b"/>
+          <a:lstStyle>
+            <a:lvl1pPr marL="0" indent="0">
+              <a:buNone/>
+              <a:defRPr sz="2400" b="1"/>
+            </a:lvl1pPr>
+            <a:lvl2pPr marL="457200" indent="0">
+              <a:buNone/>
+              <a:defRPr sz="2000" b="1"/>
+            </a:lvl2pPr>
+            <a:lvl3pPr marL="914400" indent="0">
+              <a:buNone/>
+              <a:defRPr sz="1800" b="1"/>
+            </a:lvl3pPr>
+            <a:lvl4pPr marL="1371600" indent="0">
+              <a:buNone/>
+              <a:defRPr sz="1600" b="1"/>
+            </a:lvl4pPr>
+            <a:lvl5pPr marL="1828800" indent="0">
+              <a:buNone/>
+              <a:defRPr sz="1600" b="1"/>
+            </a:lvl5pPr>
+            <a:lvl6pPr marL="2286000" indent="0">
+              <a:buNone/>
+              <a:defRPr sz="1600" b="1"/>
+            </a:lvl6pPr>
+            <a:lvl7pPr marL="2743200" indent="0">
+              <a:buNone/>
+              <a:defRPr sz="1600" b="1"/>
+            </a:lvl7pPr>
+            <a:lvl8pPr marL="3200400" indent="0">
+              <a:buNone/>
+              <a:defRPr sz="1600" b="1"/>
+            </a:lvl8pPr>
+            <a:lvl9pPr marL="3657600" indent="0">
+              <a:buNone/>
+              <a:defRPr sz="1600" b="1"/>
+            </a:lvl9pPr>
+          </a:lstStyle>
+          <a:p>
+            <a:pPr lvl="0"/>
+            <a:r>
+              <a:rPr lang="en-US"/>
+              <a:t>Click to edit Master text styles</a:t>
+            </a:r>
+          </a:p>
+        </p:txBody>
+      </p:sp>
+      <p:sp>
+        <p:nvSpPr>
+          <p:cNvPr id="6" name="Content Placeholder 5">
+            <a:extLst>
+              <a:ext uri="{FF2B5EF4-FFF2-40B4-BE49-F238E27FC236}">
+                <a16:creationId xmlns:a16="http://schemas.microsoft.com/office/drawing/2014/main" id="{B569EFCD-3DF3-4781-B7A2-82615CCD76DD}"/>
+              </a:ext>
+            </a:extLst>
+          </p:cNvPr>
+          <p:cNvSpPr>
+            <a:spLocks noGrp="1"/>
+          </p:cNvSpPr>
+          <p:nvPr>
+            <p:ph sz="quarter" idx="4"/>
+          </p:nvPr>
+        </p:nvSpPr>
+        <p:spPr>
+          <a:xfrm>
+            <a:off x="6172200" y="2505075"/>
+            <a:ext cx="5183188" cy="3684588"/>
+          </a:xfrm>
+        </p:spPr>
+        <p:txBody>
+          <a:bodyPr/>
+          <a:lstStyle/>
+          <a:p>
+            <a:pPr lvl="0"/>
+            <a:r>
+              <a:rPr lang="en-US"/>
+              <a:t>Click to edit Master text styles</a:t>
+            </a:r>
+          </a:p>
+          <a:p>
+            <a:pPr lvl="1"/>
+            <a:r>
+              <a:rPr lang="en-US"/>
+              <a:t>Second level</a:t>
+            </a:r>
+          </a:p>
+          <a:p>
+            <a:pPr lvl="2"/>
+            <a:r>
+              <a:rPr lang="en-US"/>
+              <a:t>Third level</a:t>
+            </a:r>
+          </a:p>
+          <a:p>
+            <a:pPr lvl="3"/>
+            <a:r>
+              <a:rPr lang="en-US"/>
+              <a:t>Fourth level</a:t>
+            </a:r>
+          </a:p>
+          <a:p>
+            <a:pPr lvl="4"/>
+            <a:r>
+              <a:rPr lang="en-US"/>
+              <a:t>Fifth level</a:t>
+            </a:r>
+          </a:p>
+        </p:txBody>
+      </p:sp>
+      <p:sp>
+        <p:nvSpPr>
+          <p:cNvPr id="7" name="Date Placeholder 6">
+            <a:extLst>
+              <a:ext uri="{FF2B5EF4-FFF2-40B4-BE49-F238E27FC236}">
+                <a16:creationId xmlns:a16="http://schemas.microsoft.com/office/drawing/2014/main" id="{9338BA70-EC9F-4530-A328-559CF5EC1C2A}"/>
+              </a:ext>
+            </a:extLst>
+          </p:cNvPr>
+          <p:cNvSpPr>
+            <a:spLocks noGrp="1"/>
+          </p:cNvSpPr>
+          <p:nvPr>
+            <p:ph type="dt" sz="half" idx="10"/>
+          </p:nvPr>
+        </p:nvSpPr>
+        <p:spPr/>
+        <p:txBody>
+          <a:bodyPr/>
+          <a:lstStyle/>
+          <a:p>
+            <a:fld id="{C977F0E1-D0AB-4222-BA87-70E524633AC4}" type="datetimeFigureOut">
+              <a:rPr lang="en-US" smtClean="0"/>
+              <a:t>7/3/2023</a:t>
+            </a:fld>
+            <a:endParaRPr lang="en-US"/>
+          </a:p>
+        </p:txBody>
+      </p:sp>
+      <p:sp>
+        <p:nvSpPr>
+          <p:cNvPr id="8" name="Footer Placeholder 7">
+            <a:extLst>
+              <a:ext uri="{FF2B5EF4-FFF2-40B4-BE49-F238E27FC236}">
+                <a16:creationId xmlns:a16="http://schemas.microsoft.com/office/drawing/2014/main" id="{ABDBE363-F4E8-4CAF-929D-FCDC1E5DEE0D}"/>
+              </a:ext>
+            </a:extLst>
+          </p:cNvPr>
+          <p:cNvSpPr>
+            <a:spLocks noGrp="1"/>
+          </p:cNvSpPr>
+          <p:nvPr>
+            <p:ph type="ftr" sz="quarter" idx="11"/>
+          </p:nvPr>
+        </p:nvSpPr>
+        <p:spPr/>
+        <p:txBody>
+          <a:bodyPr/>
+          <a:lstStyle/>
+          <a:p>
+            <a:endParaRPr lang="en-US"/>
+          </a:p>
+        </p:txBody>
+      </p:sp>
+      <p:sp>
+        <p:nvSpPr>
+          <p:cNvPr id="9" name="Slide Number Placeholder 8">
+            <a:extLst>
+              <a:ext uri="{FF2B5EF4-FFF2-40B4-BE49-F238E27FC236}">
+                <a16:creationId xmlns:a16="http://schemas.microsoft.com/office/drawing/2014/main" id="{10F96E98-B9AD-4A14-A079-EE36BE23FB44}"/>
+              </a:ext>
+            </a:extLst>
+          </p:cNvPr>
+          <p:cNvSpPr>
+            <a:spLocks noGrp="1"/>
+          </p:cNvSpPr>
+          <p:nvPr>
+            <p:ph type="sldNum" sz="quarter" idx="12"/>
+          </p:nvPr>
+        </p:nvSpPr>
+        <p:spPr/>
+        <p:txBody>
+          <a:bodyPr/>
+          <a:lstStyle/>
+          <a:p>
+            <a:fld id="{9F312D06-E3F1-4FD2-B4B5-21FA3235D88A}" type="slidenum">
+              <a:rPr lang="en-US" smtClean="0"/>
+              <a:t>‹#›</a:t>
+            </a:fld>
+            <a:endParaRPr lang="en-US"/>
+          </a:p>
+        </p:txBody>
+      </p:sp>
+    </p:spTree>
+    <p:extLst>
+      <p:ext uri="{BB962C8B-B14F-4D97-AF65-F5344CB8AC3E}">
+        <p14:creationId xmlns:p14="http://schemas.microsoft.com/office/powerpoint/2010/main" val="2873452017"/>
+      </p:ext>
+    </p:extLst>
+  </p:cSld>
+  <p:clrMapOvr>
+    <a:masterClrMapping/>
+  </p:clrMapOvr>
+</p:sldLayout>
+</file>
+
 <file path=ppt/slideLayouts/slideLayout3.xml><?xml version="1.0" encoding="utf-8"?>
 <p:sldLayout xmlns:a="http://schemas.openxmlformats.org/drawingml/2006/main" xmlns:r="http://schemas.openxmlformats.org/officeDocument/2006/relationships" xmlns:p="http://schemas.openxmlformats.org/presentationml/2006/main" type="obj" preserve="1">
   <p:cSld name="Title, Content">
@@ -4106,6 +5478,1265 @@
         </p:txBody>
       </p:sp>
     </p:spTree>
+  </p:cSld>
+  <p:clrMapOvr>
+    <a:masterClrMapping/>
+  </p:clrMapOvr>
+</p:sldLayout>
+</file>
+
+<file path=ppt/slideLayouts/slideLayout30.xml><?xml version="1.0" encoding="utf-8"?>
+<p:sldLayout xmlns:a="http://schemas.openxmlformats.org/drawingml/2006/main" xmlns:r="http://schemas.openxmlformats.org/officeDocument/2006/relationships" xmlns:p="http://schemas.openxmlformats.org/presentationml/2006/main" type="titleOnly" preserve="1">
+  <p:cSld name="Title Only">
+    <p:spTree>
+      <p:nvGrpSpPr>
+        <p:cNvPr id="1" name=""/>
+        <p:cNvGrpSpPr/>
+        <p:nvPr/>
+      </p:nvGrpSpPr>
+      <p:grpSpPr>
+        <a:xfrm>
+          <a:off x="0" y="0"/>
+          <a:ext cx="0" cy="0"/>
+          <a:chOff x="0" y="0"/>
+          <a:chExt cx="0" cy="0"/>
+        </a:xfrm>
+      </p:grpSpPr>
+      <p:sp>
+        <p:nvSpPr>
+          <p:cNvPr id="2" name="Title 1">
+            <a:extLst>
+              <a:ext uri="{FF2B5EF4-FFF2-40B4-BE49-F238E27FC236}">
+                <a16:creationId xmlns:a16="http://schemas.microsoft.com/office/drawing/2014/main" id="{0DD9306A-4DD7-458C-8540-E2218B7D7572}"/>
+              </a:ext>
+            </a:extLst>
+          </p:cNvPr>
+          <p:cNvSpPr>
+            <a:spLocks noGrp="1"/>
+          </p:cNvSpPr>
+          <p:nvPr>
+            <p:ph type="title"/>
+          </p:nvPr>
+        </p:nvSpPr>
+        <p:spPr/>
+        <p:txBody>
+          <a:bodyPr/>
+          <a:lstStyle/>
+          <a:p>
+            <a:r>
+              <a:rPr lang="en-US"/>
+              <a:t>Click to edit Master title style</a:t>
+            </a:r>
+          </a:p>
+        </p:txBody>
+      </p:sp>
+      <p:sp>
+        <p:nvSpPr>
+          <p:cNvPr id="3" name="Date Placeholder 2">
+            <a:extLst>
+              <a:ext uri="{FF2B5EF4-FFF2-40B4-BE49-F238E27FC236}">
+                <a16:creationId xmlns:a16="http://schemas.microsoft.com/office/drawing/2014/main" id="{C0EAE2AA-80B2-44DC-B624-4EDB11B8053B}"/>
+              </a:ext>
+            </a:extLst>
+          </p:cNvPr>
+          <p:cNvSpPr>
+            <a:spLocks noGrp="1"/>
+          </p:cNvSpPr>
+          <p:nvPr>
+            <p:ph type="dt" sz="half" idx="10"/>
+          </p:nvPr>
+        </p:nvSpPr>
+        <p:spPr/>
+        <p:txBody>
+          <a:bodyPr/>
+          <a:lstStyle/>
+          <a:p>
+            <a:fld id="{C977F0E1-D0AB-4222-BA87-70E524633AC4}" type="datetimeFigureOut">
+              <a:rPr lang="en-US" smtClean="0"/>
+              <a:t>7/3/2023</a:t>
+            </a:fld>
+            <a:endParaRPr lang="en-US"/>
+          </a:p>
+        </p:txBody>
+      </p:sp>
+      <p:sp>
+        <p:nvSpPr>
+          <p:cNvPr id="4" name="Footer Placeholder 3">
+            <a:extLst>
+              <a:ext uri="{FF2B5EF4-FFF2-40B4-BE49-F238E27FC236}">
+                <a16:creationId xmlns:a16="http://schemas.microsoft.com/office/drawing/2014/main" id="{FA6BDED7-6F69-4C67-BB60-0F3D2C0ED5AC}"/>
+              </a:ext>
+            </a:extLst>
+          </p:cNvPr>
+          <p:cNvSpPr>
+            <a:spLocks noGrp="1"/>
+          </p:cNvSpPr>
+          <p:nvPr>
+            <p:ph type="ftr" sz="quarter" idx="11"/>
+          </p:nvPr>
+        </p:nvSpPr>
+        <p:spPr/>
+        <p:txBody>
+          <a:bodyPr/>
+          <a:lstStyle/>
+          <a:p>
+            <a:endParaRPr lang="en-US"/>
+          </a:p>
+        </p:txBody>
+      </p:sp>
+      <p:sp>
+        <p:nvSpPr>
+          <p:cNvPr id="5" name="Slide Number Placeholder 4">
+            <a:extLst>
+              <a:ext uri="{FF2B5EF4-FFF2-40B4-BE49-F238E27FC236}">
+                <a16:creationId xmlns:a16="http://schemas.microsoft.com/office/drawing/2014/main" id="{F055C6C8-E943-4B5D-9A20-71B4C9A82055}"/>
+              </a:ext>
+            </a:extLst>
+          </p:cNvPr>
+          <p:cNvSpPr>
+            <a:spLocks noGrp="1"/>
+          </p:cNvSpPr>
+          <p:nvPr>
+            <p:ph type="sldNum" sz="quarter" idx="12"/>
+          </p:nvPr>
+        </p:nvSpPr>
+        <p:spPr/>
+        <p:txBody>
+          <a:bodyPr/>
+          <a:lstStyle/>
+          <a:p>
+            <a:fld id="{9F312D06-E3F1-4FD2-B4B5-21FA3235D88A}" type="slidenum">
+              <a:rPr lang="en-US" smtClean="0"/>
+              <a:t>‹#›</a:t>
+            </a:fld>
+            <a:endParaRPr lang="en-US"/>
+          </a:p>
+        </p:txBody>
+      </p:sp>
+    </p:spTree>
+    <p:extLst>
+      <p:ext uri="{BB962C8B-B14F-4D97-AF65-F5344CB8AC3E}">
+        <p14:creationId xmlns:p14="http://schemas.microsoft.com/office/powerpoint/2010/main" val="472701850"/>
+      </p:ext>
+    </p:extLst>
+  </p:cSld>
+  <p:clrMapOvr>
+    <a:masterClrMapping/>
+  </p:clrMapOvr>
+</p:sldLayout>
+</file>
+
+<file path=ppt/slideLayouts/slideLayout31.xml><?xml version="1.0" encoding="utf-8"?>
+<p:sldLayout xmlns:a="http://schemas.openxmlformats.org/drawingml/2006/main" xmlns:r="http://schemas.openxmlformats.org/officeDocument/2006/relationships" xmlns:p="http://schemas.openxmlformats.org/presentationml/2006/main" type="blank" preserve="1">
+  <p:cSld name="Blank">
+    <p:spTree>
+      <p:nvGrpSpPr>
+        <p:cNvPr id="1" name=""/>
+        <p:cNvGrpSpPr/>
+        <p:nvPr/>
+      </p:nvGrpSpPr>
+      <p:grpSpPr>
+        <a:xfrm>
+          <a:off x="0" y="0"/>
+          <a:ext cx="0" cy="0"/>
+          <a:chOff x="0" y="0"/>
+          <a:chExt cx="0" cy="0"/>
+        </a:xfrm>
+      </p:grpSpPr>
+      <p:sp>
+        <p:nvSpPr>
+          <p:cNvPr id="2" name="Date Placeholder 1">
+            <a:extLst>
+              <a:ext uri="{FF2B5EF4-FFF2-40B4-BE49-F238E27FC236}">
+                <a16:creationId xmlns:a16="http://schemas.microsoft.com/office/drawing/2014/main" id="{C8F57175-E6A9-482B-8E1B-0BA68BD72A3A}"/>
+              </a:ext>
+            </a:extLst>
+          </p:cNvPr>
+          <p:cNvSpPr>
+            <a:spLocks noGrp="1"/>
+          </p:cNvSpPr>
+          <p:nvPr>
+            <p:ph type="dt" sz="half" idx="10"/>
+          </p:nvPr>
+        </p:nvSpPr>
+        <p:spPr/>
+        <p:txBody>
+          <a:bodyPr/>
+          <a:lstStyle/>
+          <a:p>
+            <a:fld id="{C977F0E1-D0AB-4222-BA87-70E524633AC4}" type="datetimeFigureOut">
+              <a:rPr lang="en-US" smtClean="0"/>
+              <a:t>7/3/2023</a:t>
+            </a:fld>
+            <a:endParaRPr lang="en-US"/>
+          </a:p>
+        </p:txBody>
+      </p:sp>
+      <p:sp>
+        <p:nvSpPr>
+          <p:cNvPr id="3" name="Footer Placeholder 2">
+            <a:extLst>
+              <a:ext uri="{FF2B5EF4-FFF2-40B4-BE49-F238E27FC236}">
+                <a16:creationId xmlns:a16="http://schemas.microsoft.com/office/drawing/2014/main" id="{BF265CFD-8DA3-44E0-AFA6-D11B1C0195BE}"/>
+              </a:ext>
+            </a:extLst>
+          </p:cNvPr>
+          <p:cNvSpPr>
+            <a:spLocks noGrp="1"/>
+          </p:cNvSpPr>
+          <p:nvPr>
+            <p:ph type="ftr" sz="quarter" idx="11"/>
+          </p:nvPr>
+        </p:nvSpPr>
+        <p:spPr/>
+        <p:txBody>
+          <a:bodyPr/>
+          <a:lstStyle/>
+          <a:p>
+            <a:endParaRPr lang="en-US"/>
+          </a:p>
+        </p:txBody>
+      </p:sp>
+      <p:sp>
+        <p:nvSpPr>
+          <p:cNvPr id="4" name="Slide Number Placeholder 3">
+            <a:extLst>
+              <a:ext uri="{FF2B5EF4-FFF2-40B4-BE49-F238E27FC236}">
+                <a16:creationId xmlns:a16="http://schemas.microsoft.com/office/drawing/2014/main" id="{39177BD2-15EC-48B5-BD43-99565FC689B8}"/>
+              </a:ext>
+            </a:extLst>
+          </p:cNvPr>
+          <p:cNvSpPr>
+            <a:spLocks noGrp="1"/>
+          </p:cNvSpPr>
+          <p:nvPr>
+            <p:ph type="sldNum" sz="quarter" idx="12"/>
+          </p:nvPr>
+        </p:nvSpPr>
+        <p:spPr/>
+        <p:txBody>
+          <a:bodyPr/>
+          <a:lstStyle/>
+          <a:p>
+            <a:fld id="{9F312D06-E3F1-4FD2-B4B5-21FA3235D88A}" type="slidenum">
+              <a:rPr lang="en-US" smtClean="0"/>
+              <a:t>‹#›</a:t>
+            </a:fld>
+            <a:endParaRPr lang="en-US"/>
+          </a:p>
+        </p:txBody>
+      </p:sp>
+    </p:spTree>
+    <p:extLst>
+      <p:ext uri="{BB962C8B-B14F-4D97-AF65-F5344CB8AC3E}">
+        <p14:creationId xmlns:p14="http://schemas.microsoft.com/office/powerpoint/2010/main" val="164891832"/>
+      </p:ext>
+    </p:extLst>
+  </p:cSld>
+  <p:clrMapOvr>
+    <a:masterClrMapping/>
+  </p:clrMapOvr>
+</p:sldLayout>
+</file>
+
+<file path=ppt/slideLayouts/slideLayout32.xml><?xml version="1.0" encoding="utf-8"?>
+<p:sldLayout xmlns:a="http://schemas.openxmlformats.org/drawingml/2006/main" xmlns:r="http://schemas.openxmlformats.org/officeDocument/2006/relationships" xmlns:p="http://schemas.openxmlformats.org/presentationml/2006/main" type="objTx" preserve="1">
+  <p:cSld name="Content with Caption">
+    <p:spTree>
+      <p:nvGrpSpPr>
+        <p:cNvPr id="1" name=""/>
+        <p:cNvGrpSpPr/>
+        <p:nvPr/>
+      </p:nvGrpSpPr>
+      <p:grpSpPr>
+        <a:xfrm>
+          <a:off x="0" y="0"/>
+          <a:ext cx="0" cy="0"/>
+          <a:chOff x="0" y="0"/>
+          <a:chExt cx="0" cy="0"/>
+        </a:xfrm>
+      </p:grpSpPr>
+      <p:sp>
+        <p:nvSpPr>
+          <p:cNvPr id="2" name="Title 1">
+            <a:extLst>
+              <a:ext uri="{FF2B5EF4-FFF2-40B4-BE49-F238E27FC236}">
+                <a16:creationId xmlns:a16="http://schemas.microsoft.com/office/drawing/2014/main" id="{B9B5EADF-3F5E-424A-99C6-80CA7FE2FAE9}"/>
+              </a:ext>
+            </a:extLst>
+          </p:cNvPr>
+          <p:cNvSpPr>
+            <a:spLocks noGrp="1"/>
+          </p:cNvSpPr>
+          <p:nvPr>
+            <p:ph type="title"/>
+          </p:nvPr>
+        </p:nvSpPr>
+        <p:spPr>
+          <a:xfrm>
+            <a:off x="839788" y="457200"/>
+            <a:ext cx="3932237" cy="1600200"/>
+          </a:xfrm>
+        </p:spPr>
+        <p:txBody>
+          <a:bodyPr anchor="b"/>
+          <a:lstStyle>
+            <a:lvl1pPr>
+              <a:defRPr sz="3200"/>
+            </a:lvl1pPr>
+          </a:lstStyle>
+          <a:p>
+            <a:r>
+              <a:rPr lang="en-US"/>
+              <a:t>Click to edit Master title style</a:t>
+            </a:r>
+          </a:p>
+        </p:txBody>
+      </p:sp>
+      <p:sp>
+        <p:nvSpPr>
+          <p:cNvPr id="3" name="Content Placeholder 2">
+            <a:extLst>
+              <a:ext uri="{FF2B5EF4-FFF2-40B4-BE49-F238E27FC236}">
+                <a16:creationId xmlns:a16="http://schemas.microsoft.com/office/drawing/2014/main" id="{5827B91E-5142-4E06-A375-CDD753B4EB30}"/>
+              </a:ext>
+            </a:extLst>
+          </p:cNvPr>
+          <p:cNvSpPr>
+            <a:spLocks noGrp="1"/>
+          </p:cNvSpPr>
+          <p:nvPr>
+            <p:ph idx="1"/>
+          </p:nvPr>
+        </p:nvSpPr>
+        <p:spPr>
+          <a:xfrm>
+            <a:off x="5183188" y="987425"/>
+            <a:ext cx="6172200" cy="4873625"/>
+          </a:xfrm>
+        </p:spPr>
+        <p:txBody>
+          <a:bodyPr/>
+          <a:lstStyle>
+            <a:lvl1pPr>
+              <a:defRPr sz="3200"/>
+            </a:lvl1pPr>
+            <a:lvl2pPr>
+              <a:defRPr sz="2800"/>
+            </a:lvl2pPr>
+            <a:lvl3pPr>
+              <a:defRPr sz="2400"/>
+            </a:lvl3pPr>
+            <a:lvl4pPr>
+              <a:defRPr sz="2000"/>
+            </a:lvl4pPr>
+            <a:lvl5pPr>
+              <a:defRPr sz="2000"/>
+            </a:lvl5pPr>
+            <a:lvl6pPr>
+              <a:defRPr sz="2000"/>
+            </a:lvl6pPr>
+            <a:lvl7pPr>
+              <a:defRPr sz="2000"/>
+            </a:lvl7pPr>
+            <a:lvl8pPr>
+              <a:defRPr sz="2000"/>
+            </a:lvl8pPr>
+            <a:lvl9pPr>
+              <a:defRPr sz="2000"/>
+            </a:lvl9pPr>
+          </a:lstStyle>
+          <a:p>
+            <a:pPr lvl="0"/>
+            <a:r>
+              <a:rPr lang="en-US"/>
+              <a:t>Click to edit Master text styles</a:t>
+            </a:r>
+          </a:p>
+          <a:p>
+            <a:pPr lvl="1"/>
+            <a:r>
+              <a:rPr lang="en-US"/>
+              <a:t>Second level</a:t>
+            </a:r>
+          </a:p>
+          <a:p>
+            <a:pPr lvl="2"/>
+            <a:r>
+              <a:rPr lang="en-US"/>
+              <a:t>Third level</a:t>
+            </a:r>
+          </a:p>
+          <a:p>
+            <a:pPr lvl="3"/>
+            <a:r>
+              <a:rPr lang="en-US"/>
+              <a:t>Fourth level</a:t>
+            </a:r>
+          </a:p>
+          <a:p>
+            <a:pPr lvl="4"/>
+            <a:r>
+              <a:rPr lang="en-US"/>
+              <a:t>Fifth level</a:t>
+            </a:r>
+          </a:p>
+        </p:txBody>
+      </p:sp>
+      <p:sp>
+        <p:nvSpPr>
+          <p:cNvPr id="4" name="Text Placeholder 3">
+            <a:extLst>
+              <a:ext uri="{FF2B5EF4-FFF2-40B4-BE49-F238E27FC236}">
+                <a16:creationId xmlns:a16="http://schemas.microsoft.com/office/drawing/2014/main" id="{DCA6A898-2DB6-40CC-BC0D-277BFEA66C59}"/>
+              </a:ext>
+            </a:extLst>
+          </p:cNvPr>
+          <p:cNvSpPr>
+            <a:spLocks noGrp="1"/>
+          </p:cNvSpPr>
+          <p:nvPr>
+            <p:ph type="body" sz="half" idx="2"/>
+          </p:nvPr>
+        </p:nvSpPr>
+        <p:spPr>
+          <a:xfrm>
+            <a:off x="839788" y="2057400"/>
+            <a:ext cx="3932237" cy="3811588"/>
+          </a:xfrm>
+        </p:spPr>
+        <p:txBody>
+          <a:bodyPr/>
+          <a:lstStyle>
+            <a:lvl1pPr marL="0" indent="0">
+              <a:buNone/>
+              <a:defRPr sz="1600"/>
+            </a:lvl1pPr>
+            <a:lvl2pPr marL="457200" indent="0">
+              <a:buNone/>
+              <a:defRPr sz="1400"/>
+            </a:lvl2pPr>
+            <a:lvl3pPr marL="914400" indent="0">
+              <a:buNone/>
+              <a:defRPr sz="1200"/>
+            </a:lvl3pPr>
+            <a:lvl4pPr marL="1371600" indent="0">
+              <a:buNone/>
+              <a:defRPr sz="1000"/>
+            </a:lvl4pPr>
+            <a:lvl5pPr marL="1828800" indent="0">
+              <a:buNone/>
+              <a:defRPr sz="1000"/>
+            </a:lvl5pPr>
+            <a:lvl6pPr marL="2286000" indent="0">
+              <a:buNone/>
+              <a:defRPr sz="1000"/>
+            </a:lvl6pPr>
+            <a:lvl7pPr marL="2743200" indent="0">
+              <a:buNone/>
+              <a:defRPr sz="1000"/>
+            </a:lvl7pPr>
+            <a:lvl8pPr marL="3200400" indent="0">
+              <a:buNone/>
+              <a:defRPr sz="1000"/>
+            </a:lvl8pPr>
+            <a:lvl9pPr marL="3657600" indent="0">
+              <a:buNone/>
+              <a:defRPr sz="1000"/>
+            </a:lvl9pPr>
+          </a:lstStyle>
+          <a:p>
+            <a:pPr lvl="0"/>
+            <a:r>
+              <a:rPr lang="en-US"/>
+              <a:t>Click to edit Master text styles</a:t>
+            </a:r>
+          </a:p>
+        </p:txBody>
+      </p:sp>
+      <p:sp>
+        <p:nvSpPr>
+          <p:cNvPr id="5" name="Date Placeholder 4">
+            <a:extLst>
+              <a:ext uri="{FF2B5EF4-FFF2-40B4-BE49-F238E27FC236}">
+                <a16:creationId xmlns:a16="http://schemas.microsoft.com/office/drawing/2014/main" id="{375E243A-3130-45C4-BDF0-8CB9E85C3F58}"/>
+              </a:ext>
+            </a:extLst>
+          </p:cNvPr>
+          <p:cNvSpPr>
+            <a:spLocks noGrp="1"/>
+          </p:cNvSpPr>
+          <p:nvPr>
+            <p:ph type="dt" sz="half" idx="10"/>
+          </p:nvPr>
+        </p:nvSpPr>
+        <p:spPr/>
+        <p:txBody>
+          <a:bodyPr/>
+          <a:lstStyle/>
+          <a:p>
+            <a:fld id="{C977F0E1-D0AB-4222-BA87-70E524633AC4}" type="datetimeFigureOut">
+              <a:rPr lang="en-US" smtClean="0"/>
+              <a:t>7/3/2023</a:t>
+            </a:fld>
+            <a:endParaRPr lang="en-US"/>
+          </a:p>
+        </p:txBody>
+      </p:sp>
+      <p:sp>
+        <p:nvSpPr>
+          <p:cNvPr id="6" name="Footer Placeholder 5">
+            <a:extLst>
+              <a:ext uri="{FF2B5EF4-FFF2-40B4-BE49-F238E27FC236}">
+                <a16:creationId xmlns:a16="http://schemas.microsoft.com/office/drawing/2014/main" id="{62E71C74-A83E-4294-8ECD-00ABE246BB2B}"/>
+              </a:ext>
+            </a:extLst>
+          </p:cNvPr>
+          <p:cNvSpPr>
+            <a:spLocks noGrp="1"/>
+          </p:cNvSpPr>
+          <p:nvPr>
+            <p:ph type="ftr" sz="quarter" idx="11"/>
+          </p:nvPr>
+        </p:nvSpPr>
+        <p:spPr/>
+        <p:txBody>
+          <a:bodyPr/>
+          <a:lstStyle/>
+          <a:p>
+            <a:endParaRPr lang="en-US"/>
+          </a:p>
+        </p:txBody>
+      </p:sp>
+      <p:sp>
+        <p:nvSpPr>
+          <p:cNvPr id="7" name="Slide Number Placeholder 6">
+            <a:extLst>
+              <a:ext uri="{FF2B5EF4-FFF2-40B4-BE49-F238E27FC236}">
+                <a16:creationId xmlns:a16="http://schemas.microsoft.com/office/drawing/2014/main" id="{9DF21C56-D2BC-4171-938E-AE4B7E6E4CD6}"/>
+              </a:ext>
+            </a:extLst>
+          </p:cNvPr>
+          <p:cNvSpPr>
+            <a:spLocks noGrp="1"/>
+          </p:cNvSpPr>
+          <p:nvPr>
+            <p:ph type="sldNum" sz="quarter" idx="12"/>
+          </p:nvPr>
+        </p:nvSpPr>
+        <p:spPr/>
+        <p:txBody>
+          <a:bodyPr/>
+          <a:lstStyle/>
+          <a:p>
+            <a:fld id="{9F312D06-E3F1-4FD2-B4B5-21FA3235D88A}" type="slidenum">
+              <a:rPr lang="en-US" smtClean="0"/>
+              <a:t>‹#›</a:t>
+            </a:fld>
+            <a:endParaRPr lang="en-US"/>
+          </a:p>
+        </p:txBody>
+      </p:sp>
+    </p:spTree>
+    <p:extLst>
+      <p:ext uri="{BB962C8B-B14F-4D97-AF65-F5344CB8AC3E}">
+        <p14:creationId xmlns:p14="http://schemas.microsoft.com/office/powerpoint/2010/main" val="3245048761"/>
+      </p:ext>
+    </p:extLst>
+  </p:cSld>
+  <p:clrMapOvr>
+    <a:masterClrMapping/>
+  </p:clrMapOvr>
+</p:sldLayout>
+</file>
+
+<file path=ppt/slideLayouts/slideLayout33.xml><?xml version="1.0" encoding="utf-8"?>
+<p:sldLayout xmlns:a="http://schemas.openxmlformats.org/drawingml/2006/main" xmlns:r="http://schemas.openxmlformats.org/officeDocument/2006/relationships" xmlns:p="http://schemas.openxmlformats.org/presentationml/2006/main" type="picTx" preserve="1">
+  <p:cSld name="Picture with Caption">
+    <p:spTree>
+      <p:nvGrpSpPr>
+        <p:cNvPr id="1" name=""/>
+        <p:cNvGrpSpPr/>
+        <p:nvPr/>
+      </p:nvGrpSpPr>
+      <p:grpSpPr>
+        <a:xfrm>
+          <a:off x="0" y="0"/>
+          <a:ext cx="0" cy="0"/>
+          <a:chOff x="0" y="0"/>
+          <a:chExt cx="0" cy="0"/>
+        </a:xfrm>
+      </p:grpSpPr>
+      <p:sp>
+        <p:nvSpPr>
+          <p:cNvPr id="2" name="Title 1">
+            <a:extLst>
+              <a:ext uri="{FF2B5EF4-FFF2-40B4-BE49-F238E27FC236}">
+                <a16:creationId xmlns:a16="http://schemas.microsoft.com/office/drawing/2014/main" id="{CF0AF6B4-36C2-426E-93D1-9D9D19555669}"/>
+              </a:ext>
+            </a:extLst>
+          </p:cNvPr>
+          <p:cNvSpPr>
+            <a:spLocks noGrp="1"/>
+          </p:cNvSpPr>
+          <p:nvPr>
+            <p:ph type="title"/>
+          </p:nvPr>
+        </p:nvSpPr>
+        <p:spPr>
+          <a:xfrm>
+            <a:off x="839788" y="457200"/>
+            <a:ext cx="3932237" cy="1600200"/>
+          </a:xfrm>
+        </p:spPr>
+        <p:txBody>
+          <a:bodyPr anchor="b"/>
+          <a:lstStyle>
+            <a:lvl1pPr>
+              <a:defRPr sz="3200"/>
+            </a:lvl1pPr>
+          </a:lstStyle>
+          <a:p>
+            <a:r>
+              <a:rPr lang="en-US"/>
+              <a:t>Click to edit Master title style</a:t>
+            </a:r>
+          </a:p>
+        </p:txBody>
+      </p:sp>
+      <p:sp>
+        <p:nvSpPr>
+          <p:cNvPr id="3" name="Picture Placeholder 2">
+            <a:extLst>
+              <a:ext uri="{FF2B5EF4-FFF2-40B4-BE49-F238E27FC236}">
+                <a16:creationId xmlns:a16="http://schemas.microsoft.com/office/drawing/2014/main" id="{D51E74B4-D55D-4FE3-B1D4-06A653A11706}"/>
+              </a:ext>
+            </a:extLst>
+          </p:cNvPr>
+          <p:cNvSpPr>
+            <a:spLocks noGrp="1"/>
+          </p:cNvSpPr>
+          <p:nvPr>
+            <p:ph type="pic" idx="1"/>
+          </p:nvPr>
+        </p:nvSpPr>
+        <p:spPr>
+          <a:xfrm>
+            <a:off x="5183188" y="987425"/>
+            <a:ext cx="6172200" cy="4873625"/>
+          </a:xfrm>
+        </p:spPr>
+        <p:txBody>
+          <a:bodyPr/>
+          <a:lstStyle>
+            <a:lvl1pPr marL="0" indent="0">
+              <a:buNone/>
+              <a:defRPr sz="3200"/>
+            </a:lvl1pPr>
+            <a:lvl2pPr marL="457200" indent="0">
+              <a:buNone/>
+              <a:defRPr sz="2800"/>
+            </a:lvl2pPr>
+            <a:lvl3pPr marL="914400" indent="0">
+              <a:buNone/>
+              <a:defRPr sz="2400"/>
+            </a:lvl3pPr>
+            <a:lvl4pPr marL="1371600" indent="0">
+              <a:buNone/>
+              <a:defRPr sz="2000"/>
+            </a:lvl4pPr>
+            <a:lvl5pPr marL="1828800" indent="0">
+              <a:buNone/>
+              <a:defRPr sz="2000"/>
+            </a:lvl5pPr>
+            <a:lvl6pPr marL="2286000" indent="0">
+              <a:buNone/>
+              <a:defRPr sz="2000"/>
+            </a:lvl6pPr>
+            <a:lvl7pPr marL="2743200" indent="0">
+              <a:buNone/>
+              <a:defRPr sz="2000"/>
+            </a:lvl7pPr>
+            <a:lvl8pPr marL="3200400" indent="0">
+              <a:buNone/>
+              <a:defRPr sz="2000"/>
+            </a:lvl8pPr>
+            <a:lvl9pPr marL="3657600" indent="0">
+              <a:buNone/>
+              <a:defRPr sz="2000"/>
+            </a:lvl9pPr>
+          </a:lstStyle>
+          <a:p>
+            <a:endParaRPr lang="en-US"/>
+          </a:p>
+        </p:txBody>
+      </p:sp>
+      <p:sp>
+        <p:nvSpPr>
+          <p:cNvPr id="4" name="Text Placeholder 3">
+            <a:extLst>
+              <a:ext uri="{FF2B5EF4-FFF2-40B4-BE49-F238E27FC236}">
+                <a16:creationId xmlns:a16="http://schemas.microsoft.com/office/drawing/2014/main" id="{9C46B369-DA4C-4D00-885C-0C0E55648056}"/>
+              </a:ext>
+            </a:extLst>
+          </p:cNvPr>
+          <p:cNvSpPr>
+            <a:spLocks noGrp="1"/>
+          </p:cNvSpPr>
+          <p:nvPr>
+            <p:ph type="body" sz="half" idx="2"/>
+          </p:nvPr>
+        </p:nvSpPr>
+        <p:spPr>
+          <a:xfrm>
+            <a:off x="839788" y="2057400"/>
+            <a:ext cx="3932237" cy="3811588"/>
+          </a:xfrm>
+        </p:spPr>
+        <p:txBody>
+          <a:bodyPr/>
+          <a:lstStyle>
+            <a:lvl1pPr marL="0" indent="0">
+              <a:buNone/>
+              <a:defRPr sz="1600"/>
+            </a:lvl1pPr>
+            <a:lvl2pPr marL="457200" indent="0">
+              <a:buNone/>
+              <a:defRPr sz="1400"/>
+            </a:lvl2pPr>
+            <a:lvl3pPr marL="914400" indent="0">
+              <a:buNone/>
+              <a:defRPr sz="1200"/>
+            </a:lvl3pPr>
+            <a:lvl4pPr marL="1371600" indent="0">
+              <a:buNone/>
+              <a:defRPr sz="1000"/>
+            </a:lvl4pPr>
+            <a:lvl5pPr marL="1828800" indent="0">
+              <a:buNone/>
+              <a:defRPr sz="1000"/>
+            </a:lvl5pPr>
+            <a:lvl6pPr marL="2286000" indent="0">
+              <a:buNone/>
+              <a:defRPr sz="1000"/>
+            </a:lvl6pPr>
+            <a:lvl7pPr marL="2743200" indent="0">
+              <a:buNone/>
+              <a:defRPr sz="1000"/>
+            </a:lvl7pPr>
+            <a:lvl8pPr marL="3200400" indent="0">
+              <a:buNone/>
+              <a:defRPr sz="1000"/>
+            </a:lvl8pPr>
+            <a:lvl9pPr marL="3657600" indent="0">
+              <a:buNone/>
+              <a:defRPr sz="1000"/>
+            </a:lvl9pPr>
+          </a:lstStyle>
+          <a:p>
+            <a:pPr lvl="0"/>
+            <a:r>
+              <a:rPr lang="en-US"/>
+              <a:t>Click to edit Master text styles</a:t>
+            </a:r>
+          </a:p>
+        </p:txBody>
+      </p:sp>
+      <p:sp>
+        <p:nvSpPr>
+          <p:cNvPr id="5" name="Date Placeholder 4">
+            <a:extLst>
+              <a:ext uri="{FF2B5EF4-FFF2-40B4-BE49-F238E27FC236}">
+                <a16:creationId xmlns:a16="http://schemas.microsoft.com/office/drawing/2014/main" id="{6871500A-C38A-489B-BE57-1DDA47A4068A}"/>
+              </a:ext>
+            </a:extLst>
+          </p:cNvPr>
+          <p:cNvSpPr>
+            <a:spLocks noGrp="1"/>
+          </p:cNvSpPr>
+          <p:nvPr>
+            <p:ph type="dt" sz="half" idx="10"/>
+          </p:nvPr>
+        </p:nvSpPr>
+        <p:spPr/>
+        <p:txBody>
+          <a:bodyPr/>
+          <a:lstStyle/>
+          <a:p>
+            <a:fld id="{C977F0E1-D0AB-4222-BA87-70E524633AC4}" type="datetimeFigureOut">
+              <a:rPr lang="en-US" smtClean="0"/>
+              <a:t>7/3/2023</a:t>
+            </a:fld>
+            <a:endParaRPr lang="en-US"/>
+          </a:p>
+        </p:txBody>
+      </p:sp>
+      <p:sp>
+        <p:nvSpPr>
+          <p:cNvPr id="6" name="Footer Placeholder 5">
+            <a:extLst>
+              <a:ext uri="{FF2B5EF4-FFF2-40B4-BE49-F238E27FC236}">
+                <a16:creationId xmlns:a16="http://schemas.microsoft.com/office/drawing/2014/main" id="{4976A7E6-49AA-40C7-A2A9-1CB52AF4C9DB}"/>
+              </a:ext>
+            </a:extLst>
+          </p:cNvPr>
+          <p:cNvSpPr>
+            <a:spLocks noGrp="1"/>
+          </p:cNvSpPr>
+          <p:nvPr>
+            <p:ph type="ftr" sz="quarter" idx="11"/>
+          </p:nvPr>
+        </p:nvSpPr>
+        <p:spPr/>
+        <p:txBody>
+          <a:bodyPr/>
+          <a:lstStyle/>
+          <a:p>
+            <a:endParaRPr lang="en-US"/>
+          </a:p>
+        </p:txBody>
+      </p:sp>
+      <p:sp>
+        <p:nvSpPr>
+          <p:cNvPr id="7" name="Slide Number Placeholder 6">
+            <a:extLst>
+              <a:ext uri="{FF2B5EF4-FFF2-40B4-BE49-F238E27FC236}">
+                <a16:creationId xmlns:a16="http://schemas.microsoft.com/office/drawing/2014/main" id="{BE189DA9-B00D-4E7A-B9BF-0453FF637930}"/>
+              </a:ext>
+            </a:extLst>
+          </p:cNvPr>
+          <p:cNvSpPr>
+            <a:spLocks noGrp="1"/>
+          </p:cNvSpPr>
+          <p:nvPr>
+            <p:ph type="sldNum" sz="quarter" idx="12"/>
+          </p:nvPr>
+        </p:nvSpPr>
+        <p:spPr/>
+        <p:txBody>
+          <a:bodyPr/>
+          <a:lstStyle/>
+          <a:p>
+            <a:fld id="{9F312D06-E3F1-4FD2-B4B5-21FA3235D88A}" type="slidenum">
+              <a:rPr lang="en-US" smtClean="0"/>
+              <a:t>‹#›</a:t>
+            </a:fld>
+            <a:endParaRPr lang="en-US"/>
+          </a:p>
+        </p:txBody>
+      </p:sp>
+    </p:spTree>
+    <p:extLst>
+      <p:ext uri="{BB962C8B-B14F-4D97-AF65-F5344CB8AC3E}">
+        <p14:creationId xmlns:p14="http://schemas.microsoft.com/office/powerpoint/2010/main" val="1057797256"/>
+      </p:ext>
+    </p:extLst>
+  </p:cSld>
+  <p:clrMapOvr>
+    <a:masterClrMapping/>
+  </p:clrMapOvr>
+</p:sldLayout>
+</file>
+
+<file path=ppt/slideLayouts/slideLayout34.xml><?xml version="1.0" encoding="utf-8"?>
+<p:sldLayout xmlns:a="http://schemas.openxmlformats.org/drawingml/2006/main" xmlns:r="http://schemas.openxmlformats.org/officeDocument/2006/relationships" xmlns:p="http://schemas.openxmlformats.org/presentationml/2006/main" type="vertTx" preserve="1">
+  <p:cSld name="Title and Vertical Text">
+    <p:spTree>
+      <p:nvGrpSpPr>
+        <p:cNvPr id="1" name=""/>
+        <p:cNvGrpSpPr/>
+        <p:nvPr/>
+      </p:nvGrpSpPr>
+      <p:grpSpPr>
+        <a:xfrm>
+          <a:off x="0" y="0"/>
+          <a:ext cx="0" cy="0"/>
+          <a:chOff x="0" y="0"/>
+          <a:chExt cx="0" cy="0"/>
+        </a:xfrm>
+      </p:grpSpPr>
+      <p:sp>
+        <p:nvSpPr>
+          <p:cNvPr id="2" name="Title 1">
+            <a:extLst>
+              <a:ext uri="{FF2B5EF4-FFF2-40B4-BE49-F238E27FC236}">
+                <a16:creationId xmlns:a16="http://schemas.microsoft.com/office/drawing/2014/main" id="{2ABB0529-7E20-4536-87B9-6411159FE5FA}"/>
+              </a:ext>
+            </a:extLst>
+          </p:cNvPr>
+          <p:cNvSpPr>
+            <a:spLocks noGrp="1"/>
+          </p:cNvSpPr>
+          <p:nvPr>
+            <p:ph type="title"/>
+          </p:nvPr>
+        </p:nvSpPr>
+        <p:spPr/>
+        <p:txBody>
+          <a:bodyPr/>
+          <a:lstStyle/>
+          <a:p>
+            <a:r>
+              <a:rPr lang="en-US"/>
+              <a:t>Click to edit Master title style</a:t>
+            </a:r>
+          </a:p>
+        </p:txBody>
+      </p:sp>
+      <p:sp>
+        <p:nvSpPr>
+          <p:cNvPr id="3" name="Vertical Text Placeholder 2">
+            <a:extLst>
+              <a:ext uri="{FF2B5EF4-FFF2-40B4-BE49-F238E27FC236}">
+                <a16:creationId xmlns:a16="http://schemas.microsoft.com/office/drawing/2014/main" id="{4531151B-65BC-4513-9E2E-6337EE1DBFB0}"/>
+              </a:ext>
+            </a:extLst>
+          </p:cNvPr>
+          <p:cNvSpPr>
+            <a:spLocks noGrp="1"/>
+          </p:cNvSpPr>
+          <p:nvPr>
+            <p:ph type="body" orient="vert" idx="1"/>
+          </p:nvPr>
+        </p:nvSpPr>
+        <p:spPr/>
+        <p:txBody>
+          <a:bodyPr vert="eaVert"/>
+          <a:lstStyle/>
+          <a:p>
+            <a:pPr lvl="0"/>
+            <a:r>
+              <a:rPr lang="en-US"/>
+              <a:t>Click to edit Master text styles</a:t>
+            </a:r>
+          </a:p>
+          <a:p>
+            <a:pPr lvl="1"/>
+            <a:r>
+              <a:rPr lang="en-US"/>
+              <a:t>Second level</a:t>
+            </a:r>
+          </a:p>
+          <a:p>
+            <a:pPr lvl="2"/>
+            <a:r>
+              <a:rPr lang="en-US"/>
+              <a:t>Third level</a:t>
+            </a:r>
+          </a:p>
+          <a:p>
+            <a:pPr lvl="3"/>
+            <a:r>
+              <a:rPr lang="en-US"/>
+              <a:t>Fourth level</a:t>
+            </a:r>
+          </a:p>
+          <a:p>
+            <a:pPr lvl="4"/>
+            <a:r>
+              <a:rPr lang="en-US"/>
+              <a:t>Fifth level</a:t>
+            </a:r>
+          </a:p>
+        </p:txBody>
+      </p:sp>
+      <p:sp>
+        <p:nvSpPr>
+          <p:cNvPr id="4" name="Date Placeholder 3">
+            <a:extLst>
+              <a:ext uri="{FF2B5EF4-FFF2-40B4-BE49-F238E27FC236}">
+                <a16:creationId xmlns:a16="http://schemas.microsoft.com/office/drawing/2014/main" id="{E8FCF166-77DE-4095-A05A-71C7CB41D21D}"/>
+              </a:ext>
+            </a:extLst>
+          </p:cNvPr>
+          <p:cNvSpPr>
+            <a:spLocks noGrp="1"/>
+          </p:cNvSpPr>
+          <p:nvPr>
+            <p:ph type="dt" sz="half" idx="10"/>
+          </p:nvPr>
+        </p:nvSpPr>
+        <p:spPr/>
+        <p:txBody>
+          <a:bodyPr/>
+          <a:lstStyle/>
+          <a:p>
+            <a:fld id="{C977F0E1-D0AB-4222-BA87-70E524633AC4}" type="datetimeFigureOut">
+              <a:rPr lang="en-US" smtClean="0"/>
+              <a:t>7/3/2023</a:t>
+            </a:fld>
+            <a:endParaRPr lang="en-US"/>
+          </a:p>
+        </p:txBody>
+      </p:sp>
+      <p:sp>
+        <p:nvSpPr>
+          <p:cNvPr id="5" name="Footer Placeholder 4">
+            <a:extLst>
+              <a:ext uri="{FF2B5EF4-FFF2-40B4-BE49-F238E27FC236}">
+                <a16:creationId xmlns:a16="http://schemas.microsoft.com/office/drawing/2014/main" id="{1B27C625-F285-44EB-98BA-D9CFC447904F}"/>
+              </a:ext>
+            </a:extLst>
+          </p:cNvPr>
+          <p:cNvSpPr>
+            <a:spLocks noGrp="1"/>
+          </p:cNvSpPr>
+          <p:nvPr>
+            <p:ph type="ftr" sz="quarter" idx="11"/>
+          </p:nvPr>
+        </p:nvSpPr>
+        <p:spPr/>
+        <p:txBody>
+          <a:bodyPr/>
+          <a:lstStyle/>
+          <a:p>
+            <a:endParaRPr lang="en-US"/>
+          </a:p>
+        </p:txBody>
+      </p:sp>
+      <p:sp>
+        <p:nvSpPr>
+          <p:cNvPr id="6" name="Slide Number Placeholder 5">
+            <a:extLst>
+              <a:ext uri="{FF2B5EF4-FFF2-40B4-BE49-F238E27FC236}">
+                <a16:creationId xmlns:a16="http://schemas.microsoft.com/office/drawing/2014/main" id="{134B6974-F501-4847-BC39-D013B31D6C98}"/>
+              </a:ext>
+            </a:extLst>
+          </p:cNvPr>
+          <p:cNvSpPr>
+            <a:spLocks noGrp="1"/>
+          </p:cNvSpPr>
+          <p:nvPr>
+            <p:ph type="sldNum" sz="quarter" idx="12"/>
+          </p:nvPr>
+        </p:nvSpPr>
+        <p:spPr/>
+        <p:txBody>
+          <a:bodyPr/>
+          <a:lstStyle/>
+          <a:p>
+            <a:fld id="{9F312D06-E3F1-4FD2-B4B5-21FA3235D88A}" type="slidenum">
+              <a:rPr lang="en-US" smtClean="0"/>
+              <a:t>‹#›</a:t>
+            </a:fld>
+            <a:endParaRPr lang="en-US"/>
+          </a:p>
+        </p:txBody>
+      </p:sp>
+    </p:spTree>
+    <p:extLst>
+      <p:ext uri="{BB962C8B-B14F-4D97-AF65-F5344CB8AC3E}">
+        <p14:creationId xmlns:p14="http://schemas.microsoft.com/office/powerpoint/2010/main" val="2770167085"/>
+      </p:ext>
+    </p:extLst>
+  </p:cSld>
+  <p:clrMapOvr>
+    <a:masterClrMapping/>
+  </p:clrMapOvr>
+</p:sldLayout>
+</file>
+
+<file path=ppt/slideLayouts/slideLayout35.xml><?xml version="1.0" encoding="utf-8"?>
+<p:sldLayout xmlns:a="http://schemas.openxmlformats.org/drawingml/2006/main" xmlns:r="http://schemas.openxmlformats.org/officeDocument/2006/relationships" xmlns:p="http://schemas.openxmlformats.org/presentationml/2006/main" type="vertTitleAndTx" preserve="1">
+  <p:cSld name="Vertical Title and Text">
+    <p:spTree>
+      <p:nvGrpSpPr>
+        <p:cNvPr id="1" name=""/>
+        <p:cNvGrpSpPr/>
+        <p:nvPr/>
+      </p:nvGrpSpPr>
+      <p:grpSpPr>
+        <a:xfrm>
+          <a:off x="0" y="0"/>
+          <a:ext cx="0" cy="0"/>
+          <a:chOff x="0" y="0"/>
+          <a:chExt cx="0" cy="0"/>
+        </a:xfrm>
+      </p:grpSpPr>
+      <p:sp>
+        <p:nvSpPr>
+          <p:cNvPr id="2" name="Vertical Title 1">
+            <a:extLst>
+              <a:ext uri="{FF2B5EF4-FFF2-40B4-BE49-F238E27FC236}">
+                <a16:creationId xmlns:a16="http://schemas.microsoft.com/office/drawing/2014/main" id="{13122E23-4381-4F77-95FF-D6BF3E6916EF}"/>
+              </a:ext>
+            </a:extLst>
+          </p:cNvPr>
+          <p:cNvSpPr>
+            <a:spLocks noGrp="1"/>
+          </p:cNvSpPr>
+          <p:nvPr>
+            <p:ph type="title" orient="vert"/>
+          </p:nvPr>
+        </p:nvSpPr>
+        <p:spPr>
+          <a:xfrm>
+            <a:off x="8724900" y="365125"/>
+            <a:ext cx="2628900" cy="5811838"/>
+          </a:xfrm>
+        </p:spPr>
+        <p:txBody>
+          <a:bodyPr vert="eaVert"/>
+          <a:lstStyle/>
+          <a:p>
+            <a:r>
+              <a:rPr lang="en-US"/>
+              <a:t>Click to edit Master title style</a:t>
+            </a:r>
+          </a:p>
+        </p:txBody>
+      </p:sp>
+      <p:sp>
+        <p:nvSpPr>
+          <p:cNvPr id="3" name="Vertical Text Placeholder 2">
+            <a:extLst>
+              <a:ext uri="{FF2B5EF4-FFF2-40B4-BE49-F238E27FC236}">
+                <a16:creationId xmlns:a16="http://schemas.microsoft.com/office/drawing/2014/main" id="{32BCC288-9A14-417C-8C8C-D54F2856203F}"/>
+              </a:ext>
+            </a:extLst>
+          </p:cNvPr>
+          <p:cNvSpPr>
+            <a:spLocks noGrp="1"/>
+          </p:cNvSpPr>
+          <p:nvPr>
+            <p:ph type="body" orient="vert" idx="1"/>
+          </p:nvPr>
+        </p:nvSpPr>
+        <p:spPr>
+          <a:xfrm>
+            <a:off x="838200" y="365125"/>
+            <a:ext cx="7734300" cy="5811838"/>
+          </a:xfrm>
+        </p:spPr>
+        <p:txBody>
+          <a:bodyPr vert="eaVert"/>
+          <a:lstStyle/>
+          <a:p>
+            <a:pPr lvl="0"/>
+            <a:r>
+              <a:rPr lang="en-US"/>
+              <a:t>Click to edit Master text styles</a:t>
+            </a:r>
+          </a:p>
+          <a:p>
+            <a:pPr lvl="1"/>
+            <a:r>
+              <a:rPr lang="en-US"/>
+              <a:t>Second level</a:t>
+            </a:r>
+          </a:p>
+          <a:p>
+            <a:pPr lvl="2"/>
+            <a:r>
+              <a:rPr lang="en-US"/>
+              <a:t>Third level</a:t>
+            </a:r>
+          </a:p>
+          <a:p>
+            <a:pPr lvl="3"/>
+            <a:r>
+              <a:rPr lang="en-US"/>
+              <a:t>Fourth level</a:t>
+            </a:r>
+          </a:p>
+          <a:p>
+            <a:pPr lvl="4"/>
+            <a:r>
+              <a:rPr lang="en-US"/>
+              <a:t>Fifth level</a:t>
+            </a:r>
+          </a:p>
+        </p:txBody>
+      </p:sp>
+      <p:sp>
+        <p:nvSpPr>
+          <p:cNvPr id="4" name="Date Placeholder 3">
+            <a:extLst>
+              <a:ext uri="{FF2B5EF4-FFF2-40B4-BE49-F238E27FC236}">
+                <a16:creationId xmlns:a16="http://schemas.microsoft.com/office/drawing/2014/main" id="{E3694A5B-204A-4461-935C-76F13506FE9D}"/>
+              </a:ext>
+            </a:extLst>
+          </p:cNvPr>
+          <p:cNvSpPr>
+            <a:spLocks noGrp="1"/>
+          </p:cNvSpPr>
+          <p:nvPr>
+            <p:ph type="dt" sz="half" idx="10"/>
+          </p:nvPr>
+        </p:nvSpPr>
+        <p:spPr/>
+        <p:txBody>
+          <a:bodyPr/>
+          <a:lstStyle/>
+          <a:p>
+            <a:fld id="{C977F0E1-D0AB-4222-BA87-70E524633AC4}" type="datetimeFigureOut">
+              <a:rPr lang="en-US" smtClean="0"/>
+              <a:t>7/3/2023</a:t>
+            </a:fld>
+            <a:endParaRPr lang="en-US"/>
+          </a:p>
+        </p:txBody>
+      </p:sp>
+      <p:sp>
+        <p:nvSpPr>
+          <p:cNvPr id="5" name="Footer Placeholder 4">
+            <a:extLst>
+              <a:ext uri="{FF2B5EF4-FFF2-40B4-BE49-F238E27FC236}">
+                <a16:creationId xmlns:a16="http://schemas.microsoft.com/office/drawing/2014/main" id="{24F03D09-08E9-4411-9019-62963BB33839}"/>
+              </a:ext>
+            </a:extLst>
+          </p:cNvPr>
+          <p:cNvSpPr>
+            <a:spLocks noGrp="1"/>
+          </p:cNvSpPr>
+          <p:nvPr>
+            <p:ph type="ftr" sz="quarter" idx="11"/>
+          </p:nvPr>
+        </p:nvSpPr>
+        <p:spPr/>
+        <p:txBody>
+          <a:bodyPr/>
+          <a:lstStyle/>
+          <a:p>
+            <a:endParaRPr lang="en-US"/>
+          </a:p>
+        </p:txBody>
+      </p:sp>
+      <p:sp>
+        <p:nvSpPr>
+          <p:cNvPr id="6" name="Slide Number Placeholder 5">
+            <a:extLst>
+              <a:ext uri="{FF2B5EF4-FFF2-40B4-BE49-F238E27FC236}">
+                <a16:creationId xmlns:a16="http://schemas.microsoft.com/office/drawing/2014/main" id="{7D61F2E2-5629-4717-B978-9F09C476B524}"/>
+              </a:ext>
+            </a:extLst>
+          </p:cNvPr>
+          <p:cNvSpPr>
+            <a:spLocks noGrp="1"/>
+          </p:cNvSpPr>
+          <p:nvPr>
+            <p:ph type="sldNum" sz="quarter" idx="12"/>
+          </p:nvPr>
+        </p:nvSpPr>
+        <p:spPr/>
+        <p:txBody>
+          <a:bodyPr/>
+          <a:lstStyle/>
+          <a:p>
+            <a:fld id="{9F312D06-E3F1-4FD2-B4B5-21FA3235D88A}" type="slidenum">
+              <a:rPr lang="en-US" smtClean="0"/>
+              <a:t>‹#›</a:t>
+            </a:fld>
+            <a:endParaRPr lang="en-US"/>
+          </a:p>
+        </p:txBody>
+      </p:sp>
+    </p:spTree>
+    <p:extLst>
+      <p:ext uri="{BB962C8B-B14F-4D97-AF65-F5344CB8AC3E}">
+        <p14:creationId xmlns:p14="http://schemas.microsoft.com/office/powerpoint/2010/main" val="1286151863"/>
+      </p:ext>
+    </p:extLst>
   </p:cSld>
   <p:clrMapOvr>
     <a:masterClrMapping/>
@@ -6839,6 +9470,574 @@
 </p:sldMaster>
 </file>
 
+<file path=ppt/slideMasters/slideMaster3.xml><?xml version="1.0" encoding="utf-8"?>
+<p:sldMaster xmlns:a="http://schemas.openxmlformats.org/drawingml/2006/main" xmlns:r="http://schemas.openxmlformats.org/officeDocument/2006/relationships" xmlns:p="http://schemas.openxmlformats.org/presentationml/2006/main">
+  <p:cSld>
+    <p:bg>
+      <p:bgRef idx="1001">
+        <a:schemeClr val="bg1"/>
+      </p:bgRef>
+    </p:bg>
+    <p:spTree>
+      <p:nvGrpSpPr>
+        <p:cNvPr id="1" name=""/>
+        <p:cNvGrpSpPr/>
+        <p:nvPr/>
+      </p:nvGrpSpPr>
+      <p:grpSpPr>
+        <a:xfrm>
+          <a:off x="0" y="0"/>
+          <a:ext cx="0" cy="0"/>
+          <a:chOff x="0" y="0"/>
+          <a:chExt cx="0" cy="0"/>
+        </a:xfrm>
+      </p:grpSpPr>
+      <p:sp>
+        <p:nvSpPr>
+          <p:cNvPr id="2" name="Title Placeholder 1">
+            <a:extLst>
+              <a:ext uri="{FF2B5EF4-FFF2-40B4-BE49-F238E27FC236}">
+                <a16:creationId xmlns:a16="http://schemas.microsoft.com/office/drawing/2014/main" id="{FAA99AD1-D045-418F-9441-76F625E85A2C}"/>
+              </a:ext>
+            </a:extLst>
+          </p:cNvPr>
+          <p:cNvSpPr>
+            <a:spLocks noGrp="1"/>
+          </p:cNvSpPr>
+          <p:nvPr>
+            <p:ph type="title"/>
+          </p:nvPr>
+        </p:nvSpPr>
+        <p:spPr>
+          <a:xfrm>
+            <a:off x="838200" y="365125"/>
+            <a:ext cx="10515600" cy="1325563"/>
+          </a:xfrm>
+          <a:prstGeom prst="rect">
+            <a:avLst/>
+          </a:prstGeom>
+        </p:spPr>
+        <p:txBody>
+          <a:bodyPr vert="horz" lIns="91440" tIns="45720" rIns="91440" bIns="45720" rtlCol="0" anchor="ctr">
+            <a:normAutofit/>
+          </a:bodyPr>
+          <a:lstStyle/>
+          <a:p>
+            <a:r>
+              <a:rPr lang="en-US"/>
+              <a:t>Click to edit Master title style</a:t>
+            </a:r>
+          </a:p>
+        </p:txBody>
+      </p:sp>
+      <p:sp>
+        <p:nvSpPr>
+          <p:cNvPr id="3" name="Text Placeholder 2">
+            <a:extLst>
+              <a:ext uri="{FF2B5EF4-FFF2-40B4-BE49-F238E27FC236}">
+                <a16:creationId xmlns:a16="http://schemas.microsoft.com/office/drawing/2014/main" id="{231B66BA-6690-40EC-B3E6-79EA076D44E5}"/>
+              </a:ext>
+            </a:extLst>
+          </p:cNvPr>
+          <p:cNvSpPr>
+            <a:spLocks noGrp="1"/>
+          </p:cNvSpPr>
+          <p:nvPr>
+            <p:ph type="body" idx="1"/>
+          </p:nvPr>
+        </p:nvSpPr>
+        <p:spPr>
+          <a:xfrm>
+            <a:off x="838200" y="1825625"/>
+            <a:ext cx="10515600" cy="4351338"/>
+          </a:xfrm>
+          <a:prstGeom prst="rect">
+            <a:avLst/>
+          </a:prstGeom>
+        </p:spPr>
+        <p:txBody>
+          <a:bodyPr vert="horz" lIns="91440" tIns="45720" rIns="91440" bIns="45720" rtlCol="0">
+            <a:normAutofit/>
+          </a:bodyPr>
+          <a:lstStyle/>
+          <a:p>
+            <a:pPr lvl="0"/>
+            <a:r>
+              <a:rPr lang="en-US"/>
+              <a:t>Click to edit Master text styles</a:t>
+            </a:r>
+          </a:p>
+          <a:p>
+            <a:pPr lvl="1"/>
+            <a:r>
+              <a:rPr lang="en-US"/>
+              <a:t>Second level</a:t>
+            </a:r>
+          </a:p>
+          <a:p>
+            <a:pPr lvl="2"/>
+            <a:r>
+              <a:rPr lang="en-US"/>
+              <a:t>Third level</a:t>
+            </a:r>
+          </a:p>
+          <a:p>
+            <a:pPr lvl="3"/>
+            <a:r>
+              <a:rPr lang="en-US"/>
+              <a:t>Fourth level</a:t>
+            </a:r>
+          </a:p>
+          <a:p>
+            <a:pPr lvl="4"/>
+            <a:r>
+              <a:rPr lang="en-US"/>
+              <a:t>Fifth level</a:t>
+            </a:r>
+          </a:p>
+        </p:txBody>
+      </p:sp>
+      <p:sp>
+        <p:nvSpPr>
+          <p:cNvPr id="4" name="Date Placeholder 3">
+            <a:extLst>
+              <a:ext uri="{FF2B5EF4-FFF2-40B4-BE49-F238E27FC236}">
+                <a16:creationId xmlns:a16="http://schemas.microsoft.com/office/drawing/2014/main" id="{66BBF686-2148-415D-8AB6-1EE4FAE47E1D}"/>
+              </a:ext>
+            </a:extLst>
+          </p:cNvPr>
+          <p:cNvSpPr>
+            <a:spLocks noGrp="1"/>
+          </p:cNvSpPr>
+          <p:nvPr>
+            <p:ph type="dt" sz="half" idx="2"/>
+          </p:nvPr>
+        </p:nvSpPr>
+        <p:spPr>
+          <a:xfrm>
+            <a:off x="838200" y="6356350"/>
+            <a:ext cx="2743200" cy="365125"/>
+          </a:xfrm>
+          <a:prstGeom prst="rect">
+            <a:avLst/>
+          </a:prstGeom>
+        </p:spPr>
+        <p:txBody>
+          <a:bodyPr vert="horz" lIns="91440" tIns="45720" rIns="91440" bIns="45720" rtlCol="0" anchor="ctr"/>
+          <a:lstStyle>
+            <a:lvl1pPr algn="l">
+              <a:defRPr sz="1200">
+                <a:solidFill>
+                  <a:schemeClr val="tx1">
+                    <a:tint val="75000"/>
+                  </a:schemeClr>
+                </a:solidFill>
+              </a:defRPr>
+            </a:lvl1pPr>
+          </a:lstStyle>
+          <a:p>
+            <a:fld id="{C977F0E1-D0AB-4222-BA87-70E524633AC4}" type="datetimeFigureOut">
+              <a:rPr lang="en-US" smtClean="0"/>
+              <a:t>7/3/2023</a:t>
+            </a:fld>
+            <a:endParaRPr lang="en-US"/>
+          </a:p>
+        </p:txBody>
+      </p:sp>
+      <p:sp>
+        <p:nvSpPr>
+          <p:cNvPr id="5" name="Footer Placeholder 4">
+            <a:extLst>
+              <a:ext uri="{FF2B5EF4-FFF2-40B4-BE49-F238E27FC236}">
+                <a16:creationId xmlns:a16="http://schemas.microsoft.com/office/drawing/2014/main" id="{ABF3BA6C-2272-48AF-B332-C8F0833905E1}"/>
+              </a:ext>
+            </a:extLst>
+          </p:cNvPr>
+          <p:cNvSpPr>
+            <a:spLocks noGrp="1"/>
+          </p:cNvSpPr>
+          <p:nvPr>
+            <p:ph type="ftr" sz="quarter" idx="3"/>
+          </p:nvPr>
+        </p:nvSpPr>
+        <p:spPr>
+          <a:xfrm>
+            <a:off x="4038600" y="6356350"/>
+            <a:ext cx="4114800" cy="365125"/>
+          </a:xfrm>
+          <a:prstGeom prst="rect">
+            <a:avLst/>
+          </a:prstGeom>
+        </p:spPr>
+        <p:txBody>
+          <a:bodyPr vert="horz" lIns="91440" tIns="45720" rIns="91440" bIns="45720" rtlCol="0" anchor="ctr"/>
+          <a:lstStyle>
+            <a:lvl1pPr algn="ctr">
+              <a:defRPr sz="1200">
+                <a:solidFill>
+                  <a:schemeClr val="tx1">
+                    <a:tint val="75000"/>
+                  </a:schemeClr>
+                </a:solidFill>
+              </a:defRPr>
+            </a:lvl1pPr>
+          </a:lstStyle>
+          <a:p>
+            <a:endParaRPr lang="en-US"/>
+          </a:p>
+        </p:txBody>
+      </p:sp>
+      <p:sp>
+        <p:nvSpPr>
+          <p:cNvPr id="6" name="Slide Number Placeholder 5">
+            <a:extLst>
+              <a:ext uri="{FF2B5EF4-FFF2-40B4-BE49-F238E27FC236}">
+                <a16:creationId xmlns:a16="http://schemas.microsoft.com/office/drawing/2014/main" id="{3E2BE37D-70DA-41C6-B5F5-9A91468A1DEC}"/>
+              </a:ext>
+            </a:extLst>
+          </p:cNvPr>
+          <p:cNvSpPr>
+            <a:spLocks noGrp="1"/>
+          </p:cNvSpPr>
+          <p:nvPr>
+            <p:ph type="sldNum" sz="quarter" idx="4"/>
+          </p:nvPr>
+        </p:nvSpPr>
+        <p:spPr>
+          <a:xfrm>
+            <a:off x="8610600" y="6356350"/>
+            <a:ext cx="2743200" cy="365125"/>
+          </a:xfrm>
+          <a:prstGeom prst="rect">
+            <a:avLst/>
+          </a:prstGeom>
+        </p:spPr>
+        <p:txBody>
+          <a:bodyPr vert="horz" lIns="91440" tIns="45720" rIns="91440" bIns="45720" rtlCol="0" anchor="ctr"/>
+          <a:lstStyle>
+            <a:lvl1pPr algn="r">
+              <a:defRPr sz="1200">
+                <a:solidFill>
+                  <a:schemeClr val="tx1">
+                    <a:tint val="75000"/>
+                  </a:schemeClr>
+                </a:solidFill>
+              </a:defRPr>
+            </a:lvl1pPr>
+          </a:lstStyle>
+          <a:p>
+            <a:fld id="{9F312D06-E3F1-4FD2-B4B5-21FA3235D88A}" type="slidenum">
+              <a:rPr lang="en-US" smtClean="0"/>
+              <a:t>‹#›</a:t>
+            </a:fld>
+            <a:endParaRPr lang="en-US"/>
+          </a:p>
+        </p:txBody>
+      </p:sp>
+    </p:spTree>
+    <p:extLst>
+      <p:ext uri="{BB962C8B-B14F-4D97-AF65-F5344CB8AC3E}">
+        <p14:creationId xmlns:p14="http://schemas.microsoft.com/office/powerpoint/2010/main" val="225396460"/>
+      </p:ext>
+    </p:extLst>
+  </p:cSld>
+  <p:clrMap bg1="lt1" tx1="dk1" bg2="lt2" tx2="dk2" accent1="accent1" accent2="accent2" accent3="accent3" accent4="accent4" accent5="accent5" accent6="accent6" hlink="hlink" folHlink="folHlink"/>
+  <p:sldLayoutIdLst>
+    <p:sldLayoutId id="2147483675" r:id="rId1"/>
+    <p:sldLayoutId id="2147483676" r:id="rId2"/>
+    <p:sldLayoutId id="2147483677" r:id="rId3"/>
+    <p:sldLayoutId id="2147483678" r:id="rId4"/>
+    <p:sldLayoutId id="2147483679" r:id="rId5"/>
+    <p:sldLayoutId id="2147483680" r:id="rId6"/>
+    <p:sldLayoutId id="2147483681" r:id="rId7"/>
+    <p:sldLayoutId id="2147483682" r:id="rId8"/>
+    <p:sldLayoutId id="2147483683" r:id="rId9"/>
+    <p:sldLayoutId id="2147483684" r:id="rId10"/>
+    <p:sldLayoutId id="2147483685" r:id="rId11"/>
+  </p:sldLayoutIdLst>
+  <p:txStyles>
+    <p:titleStyle>
+      <a:lvl1pPr algn="l" defTabSz="914400" rtl="0" eaLnBrk="1" latinLnBrk="0" hangingPunct="1">
+        <a:lnSpc>
+          <a:spcPct val="90000"/>
+        </a:lnSpc>
+        <a:spcBef>
+          <a:spcPct val="0"/>
+        </a:spcBef>
+        <a:buNone/>
+        <a:defRPr sz="4400" kern="1200">
+          <a:solidFill>
+            <a:schemeClr val="tx1"/>
+          </a:solidFill>
+          <a:latin typeface="+mj-lt"/>
+          <a:ea typeface="+mj-ea"/>
+          <a:cs typeface="+mj-cs"/>
+        </a:defRPr>
+      </a:lvl1pPr>
+    </p:titleStyle>
+    <p:bodyStyle>
+      <a:lvl1pPr marL="228600" indent="-228600" algn="l" defTabSz="914400" rtl="0" eaLnBrk="1" latinLnBrk="0" hangingPunct="1">
+        <a:lnSpc>
+          <a:spcPct val="90000"/>
+        </a:lnSpc>
+        <a:spcBef>
+          <a:spcPts val="1000"/>
+        </a:spcBef>
+        <a:buFont typeface="Arial" panose="020B0604020202020204" pitchFamily="34" charset="0"/>
+        <a:buChar char="•"/>
+        <a:defRPr sz="2800" kern="1200">
+          <a:solidFill>
+            <a:schemeClr val="tx1"/>
+          </a:solidFill>
+          <a:latin typeface="+mn-lt"/>
+          <a:ea typeface="+mn-ea"/>
+          <a:cs typeface="+mn-cs"/>
+        </a:defRPr>
+      </a:lvl1pPr>
+      <a:lvl2pPr marL="685800" indent="-228600" algn="l" defTabSz="914400" rtl="0" eaLnBrk="1" latinLnBrk="0" hangingPunct="1">
+        <a:lnSpc>
+          <a:spcPct val="90000"/>
+        </a:lnSpc>
+        <a:spcBef>
+          <a:spcPts val="500"/>
+        </a:spcBef>
+        <a:buFont typeface="Arial" panose="020B0604020202020204" pitchFamily="34" charset="0"/>
+        <a:buChar char="•"/>
+        <a:defRPr sz="2400" kern="1200">
+          <a:solidFill>
+            <a:schemeClr val="tx1"/>
+          </a:solidFill>
+          <a:latin typeface="+mn-lt"/>
+          <a:ea typeface="+mn-ea"/>
+          <a:cs typeface="+mn-cs"/>
+        </a:defRPr>
+      </a:lvl2pPr>
+      <a:lvl3pPr marL="1143000" indent="-228600" algn="l" defTabSz="914400" rtl="0" eaLnBrk="1" latinLnBrk="0" hangingPunct="1">
+        <a:lnSpc>
+          <a:spcPct val="90000"/>
+        </a:lnSpc>
+        <a:spcBef>
+          <a:spcPts val="500"/>
+        </a:spcBef>
+        <a:buFont typeface="Arial" panose="020B0604020202020204" pitchFamily="34" charset="0"/>
+        <a:buChar char="•"/>
+        <a:defRPr sz="2000" kern="1200">
+          <a:solidFill>
+            <a:schemeClr val="tx1"/>
+          </a:solidFill>
+          <a:latin typeface="+mn-lt"/>
+          <a:ea typeface="+mn-ea"/>
+          <a:cs typeface="+mn-cs"/>
+        </a:defRPr>
+      </a:lvl3pPr>
+      <a:lvl4pPr marL="1600200" indent="-228600" algn="l" defTabSz="914400" rtl="0" eaLnBrk="1" latinLnBrk="0" hangingPunct="1">
+        <a:lnSpc>
+          <a:spcPct val="90000"/>
+        </a:lnSpc>
+        <a:spcBef>
+          <a:spcPts val="500"/>
+        </a:spcBef>
+        <a:buFont typeface="Arial" panose="020B0604020202020204" pitchFamily="34" charset="0"/>
+        <a:buChar char="•"/>
+        <a:defRPr sz="1800" kern="1200">
+          <a:solidFill>
+            <a:schemeClr val="tx1"/>
+          </a:solidFill>
+          <a:latin typeface="+mn-lt"/>
+          <a:ea typeface="+mn-ea"/>
+          <a:cs typeface="+mn-cs"/>
+        </a:defRPr>
+      </a:lvl4pPr>
+      <a:lvl5pPr marL="2057400" indent="-228600" algn="l" defTabSz="914400" rtl="0" eaLnBrk="1" latinLnBrk="0" hangingPunct="1">
+        <a:lnSpc>
+          <a:spcPct val="90000"/>
+        </a:lnSpc>
+        <a:spcBef>
+          <a:spcPts val="500"/>
+        </a:spcBef>
+        <a:buFont typeface="Arial" panose="020B0604020202020204" pitchFamily="34" charset="0"/>
+        <a:buChar char="•"/>
+        <a:defRPr sz="1800" kern="1200">
+          <a:solidFill>
+            <a:schemeClr val="tx1"/>
+          </a:solidFill>
+          <a:latin typeface="+mn-lt"/>
+          <a:ea typeface="+mn-ea"/>
+          <a:cs typeface="+mn-cs"/>
+        </a:defRPr>
+      </a:lvl5pPr>
+      <a:lvl6pPr marL="2514600" indent="-228600" algn="l" defTabSz="914400" rtl="0" eaLnBrk="1" latinLnBrk="0" hangingPunct="1">
+        <a:lnSpc>
+          <a:spcPct val="90000"/>
+        </a:lnSpc>
+        <a:spcBef>
+          <a:spcPts val="500"/>
+        </a:spcBef>
+        <a:buFont typeface="Arial" panose="020B0604020202020204" pitchFamily="34" charset="0"/>
+        <a:buChar char="•"/>
+        <a:defRPr sz="1800" kern="1200">
+          <a:solidFill>
+            <a:schemeClr val="tx1"/>
+          </a:solidFill>
+          <a:latin typeface="+mn-lt"/>
+          <a:ea typeface="+mn-ea"/>
+          <a:cs typeface="+mn-cs"/>
+        </a:defRPr>
+      </a:lvl6pPr>
+      <a:lvl7pPr marL="2971800" indent="-228600" algn="l" defTabSz="914400" rtl="0" eaLnBrk="1" latinLnBrk="0" hangingPunct="1">
+        <a:lnSpc>
+          <a:spcPct val="90000"/>
+        </a:lnSpc>
+        <a:spcBef>
+          <a:spcPts val="500"/>
+        </a:spcBef>
+        <a:buFont typeface="Arial" panose="020B0604020202020204" pitchFamily="34" charset="0"/>
+        <a:buChar char="•"/>
+        <a:defRPr sz="1800" kern="1200">
+          <a:solidFill>
+            <a:schemeClr val="tx1"/>
+          </a:solidFill>
+          <a:latin typeface="+mn-lt"/>
+          <a:ea typeface="+mn-ea"/>
+          <a:cs typeface="+mn-cs"/>
+        </a:defRPr>
+      </a:lvl7pPr>
+      <a:lvl8pPr marL="3429000" indent="-228600" algn="l" defTabSz="914400" rtl="0" eaLnBrk="1" latinLnBrk="0" hangingPunct="1">
+        <a:lnSpc>
+          <a:spcPct val="90000"/>
+        </a:lnSpc>
+        <a:spcBef>
+          <a:spcPts val="500"/>
+        </a:spcBef>
+        <a:buFont typeface="Arial" panose="020B0604020202020204" pitchFamily="34" charset="0"/>
+        <a:buChar char="•"/>
+        <a:defRPr sz="1800" kern="1200">
+          <a:solidFill>
+            <a:schemeClr val="tx1"/>
+          </a:solidFill>
+          <a:latin typeface="+mn-lt"/>
+          <a:ea typeface="+mn-ea"/>
+          <a:cs typeface="+mn-cs"/>
+        </a:defRPr>
+      </a:lvl8pPr>
+      <a:lvl9pPr marL="3886200" indent="-228600" algn="l" defTabSz="914400" rtl="0" eaLnBrk="1" latinLnBrk="0" hangingPunct="1">
+        <a:lnSpc>
+          <a:spcPct val="90000"/>
+        </a:lnSpc>
+        <a:spcBef>
+          <a:spcPts val="500"/>
+        </a:spcBef>
+        <a:buFont typeface="Arial" panose="020B0604020202020204" pitchFamily="34" charset="0"/>
+        <a:buChar char="•"/>
+        <a:defRPr sz="1800" kern="1200">
+          <a:solidFill>
+            <a:schemeClr val="tx1"/>
+          </a:solidFill>
+          <a:latin typeface="+mn-lt"/>
+          <a:ea typeface="+mn-ea"/>
+          <a:cs typeface="+mn-cs"/>
+        </a:defRPr>
+      </a:lvl9pPr>
+    </p:bodyStyle>
+    <p:otherStyle>
+      <a:defPPr>
+        <a:defRPr lang="en-US"/>
+      </a:defPPr>
+      <a:lvl1pPr marL="0" algn="l" defTabSz="914400" rtl="0" eaLnBrk="1" latinLnBrk="0" hangingPunct="1">
+        <a:defRPr sz="1800" kern="1200">
+          <a:solidFill>
+            <a:schemeClr val="tx1"/>
+          </a:solidFill>
+          <a:latin typeface="+mn-lt"/>
+          <a:ea typeface="+mn-ea"/>
+          <a:cs typeface="+mn-cs"/>
+        </a:defRPr>
+      </a:lvl1pPr>
+      <a:lvl2pPr marL="457200" algn="l" defTabSz="914400" rtl="0" eaLnBrk="1" latinLnBrk="0" hangingPunct="1">
+        <a:defRPr sz="1800" kern="1200">
+          <a:solidFill>
+            <a:schemeClr val="tx1"/>
+          </a:solidFill>
+          <a:latin typeface="+mn-lt"/>
+          <a:ea typeface="+mn-ea"/>
+          <a:cs typeface="+mn-cs"/>
+        </a:defRPr>
+      </a:lvl2pPr>
+      <a:lvl3pPr marL="914400" algn="l" defTabSz="914400" rtl="0" eaLnBrk="1" latinLnBrk="0" hangingPunct="1">
+        <a:defRPr sz="1800" kern="1200">
+          <a:solidFill>
+            <a:schemeClr val="tx1"/>
+          </a:solidFill>
+          <a:latin typeface="+mn-lt"/>
+          <a:ea typeface="+mn-ea"/>
+          <a:cs typeface="+mn-cs"/>
+        </a:defRPr>
+      </a:lvl3pPr>
+      <a:lvl4pPr marL="1371600" algn="l" defTabSz="914400" rtl="0" eaLnBrk="1" latinLnBrk="0" hangingPunct="1">
+        <a:defRPr sz="1800" kern="1200">
+          <a:solidFill>
+            <a:schemeClr val="tx1"/>
+          </a:solidFill>
+          <a:latin typeface="+mn-lt"/>
+          <a:ea typeface="+mn-ea"/>
+          <a:cs typeface="+mn-cs"/>
+        </a:defRPr>
+      </a:lvl4pPr>
+      <a:lvl5pPr marL="1828800" algn="l" defTabSz="914400" rtl="0" eaLnBrk="1" latinLnBrk="0" hangingPunct="1">
+        <a:defRPr sz="1800" kern="1200">
+          <a:solidFill>
+            <a:schemeClr val="tx1"/>
+          </a:solidFill>
+          <a:latin typeface="+mn-lt"/>
+          <a:ea typeface="+mn-ea"/>
+          <a:cs typeface="+mn-cs"/>
+        </a:defRPr>
+      </a:lvl5pPr>
+      <a:lvl6pPr marL="2286000" algn="l" defTabSz="914400" rtl="0" eaLnBrk="1" latinLnBrk="0" hangingPunct="1">
+        <a:defRPr sz="1800" kern="1200">
+          <a:solidFill>
+            <a:schemeClr val="tx1"/>
+          </a:solidFill>
+          <a:latin typeface="+mn-lt"/>
+          <a:ea typeface="+mn-ea"/>
+          <a:cs typeface="+mn-cs"/>
+        </a:defRPr>
+      </a:lvl6pPr>
+      <a:lvl7pPr marL="2743200" algn="l" defTabSz="914400" rtl="0" eaLnBrk="1" latinLnBrk="0" hangingPunct="1">
+        <a:defRPr sz="1800" kern="1200">
+          <a:solidFill>
+            <a:schemeClr val="tx1"/>
+          </a:solidFill>
+          <a:latin typeface="+mn-lt"/>
+          <a:ea typeface="+mn-ea"/>
+          <a:cs typeface="+mn-cs"/>
+        </a:defRPr>
+      </a:lvl7pPr>
+      <a:lvl8pPr marL="3200400" algn="l" defTabSz="914400" rtl="0" eaLnBrk="1" latinLnBrk="0" hangingPunct="1">
+        <a:defRPr sz="1800" kern="1200">
+          <a:solidFill>
+            <a:schemeClr val="tx1"/>
+          </a:solidFill>
+          <a:latin typeface="+mn-lt"/>
+          <a:ea typeface="+mn-ea"/>
+          <a:cs typeface="+mn-cs"/>
+        </a:defRPr>
+      </a:lvl8pPr>
+      <a:lvl9pPr marL="3657600" algn="l" defTabSz="914400" rtl="0" eaLnBrk="1" latinLnBrk="0" hangingPunct="1">
+        <a:defRPr sz="1800" kern="1200">
+          <a:solidFill>
+            <a:schemeClr val="tx1"/>
+          </a:solidFill>
+          <a:latin typeface="+mn-lt"/>
+          <a:ea typeface="+mn-ea"/>
+          <a:cs typeface="+mn-cs"/>
+        </a:defRPr>
+      </a:lvl9pPr>
+    </p:otherStyle>
+  </p:txStyles>
+</p:sldMaster>
+</file>
+
 <file path=ppt/slides/slide1.xml><?xml version="1.0" encoding="utf-8"?>
 <p:sld xmlns:a="http://schemas.openxmlformats.org/drawingml/2006/main" xmlns:r="http://schemas.openxmlformats.org/officeDocument/2006/relationships" xmlns:p="http://schemas.openxmlformats.org/presentationml/2006/main">
   <p:cSld>
@@ -6868,7 +10067,7 @@
         </p:nvSpPr>
         <p:spPr>
           <a:xfrm>
-            <a:off x="1524180" y="1537656"/>
+            <a:off x="1524180" y="1349120"/>
             <a:ext cx="9143640" cy="2387160"/>
           </a:xfrm>
           <a:prstGeom prst="rect">
@@ -6892,7 +10091,7 @@
               <a:buNone/>
             </a:pPr>
             <a:r>
-              <a:rPr lang="en-US" sz="6000" b="0" strike="noStrike" spc="-1">
+              <a:rPr lang="en-US" sz="6000" b="0" strike="noStrike" spc="-1" dirty="0">
                 <a:solidFill>
                   <a:srgbClr val="000000"/>
                 </a:solidFill>
@@ -6933,7 +10132,7 @@
         </p:nvSpPr>
         <p:spPr>
           <a:xfrm>
-            <a:off x="1524180" y="4294896"/>
+            <a:off x="1524180" y="4106360"/>
             <a:ext cx="9143640" cy="992880"/>
           </a:xfrm>
           <a:prstGeom prst="rect">
@@ -6963,7 +10162,7 @@
               </a:tabLst>
             </a:pPr>
             <a:r>
-              <a:rPr lang="en-US" sz="1600" b="0" strike="noStrike" spc="-1">
+              <a:rPr lang="en-US" sz="1600" b="0" strike="noStrike" spc="-1" dirty="0">
                 <a:solidFill>
                   <a:srgbClr val="000000"/>
                 </a:solidFill>
@@ -6971,7 +10170,7 @@
               </a:rPr>
               <a:t>Genesis Vertudez – 202003099</a:t>
             </a:r>
-            <a:endParaRPr lang="en-PH" sz="1600" b="0" strike="noStrike" spc="-1">
+            <a:endParaRPr lang="en-PH" sz="1600" b="0" strike="noStrike" spc="-1" dirty="0">
               <a:latin typeface="Arial"/>
             </a:endParaRPr>
           </a:p>
@@ -6989,7 +10188,7 @@
               </a:tabLst>
             </a:pPr>
             <a:r>
-              <a:rPr lang="en-US" sz="1600" b="0" strike="noStrike" spc="-1">
+              <a:rPr lang="en-US" sz="1600" b="0" strike="noStrike" spc="-1" dirty="0">
                 <a:solidFill>
                   <a:srgbClr val="000000"/>
                 </a:solidFill>
@@ -6997,7 +10196,7 @@
               </a:rPr>
               <a:t>App Physics 157 - Computational Analysis and Modeling in Physics</a:t>
             </a:r>
-            <a:endParaRPr lang="en-PH" sz="1600" b="0" strike="noStrike" spc="-1">
+            <a:endParaRPr lang="en-PH" sz="1600" b="0" strike="noStrike" spc="-1" dirty="0">
               <a:latin typeface="Arial"/>
             </a:endParaRPr>
           </a:p>
@@ -7015,15 +10214,33 @@
               </a:tabLst>
             </a:pPr>
             <a:r>
-              <a:rPr lang="en-US" sz="1600" b="0" strike="noStrike" spc="-1">
+              <a:rPr lang="en-US" sz="1600" b="0" strike="noStrike" spc="-1" dirty="0">
                 <a:solidFill>
                   <a:srgbClr val="000000"/>
                 </a:solidFill>
                 <a:latin typeface="Calibri"/>
               </a:rPr>
-              <a:t>Submitted to Dr. Maricor Soriano; Mx. Rene Principe Jr.</a:t>
-            </a:r>
-            <a:endParaRPr lang="en-PH" sz="1600" b="0" strike="noStrike" spc="-1">
+              <a:t>Submitted to Dr. </a:t>
+            </a:r>
+            <a:r>
+              <a:rPr lang="en-US" sz="1600" b="0" strike="noStrike" spc="-1" dirty="0" err="1">
+                <a:solidFill>
+                  <a:srgbClr val="000000"/>
+                </a:solidFill>
+                <a:latin typeface="Calibri"/>
+              </a:rPr>
+              <a:t>Maricor</a:t>
+            </a:r>
+            <a:r>
+              <a:rPr lang="en-US" sz="1600" b="0" strike="noStrike" spc="-1" dirty="0">
+                <a:solidFill>
+                  <a:srgbClr val="000000"/>
+                </a:solidFill>
+                <a:latin typeface="Calibri"/>
+              </a:rPr>
+              <a:t> Soriano; Mx. Rene Principe Jr.</a:t>
+            </a:r>
+            <a:endParaRPr lang="en-PH" sz="1600" b="0" strike="noStrike" spc="-1" dirty="0">
               <a:latin typeface="Arial"/>
             </a:endParaRPr>
           </a:p>
@@ -7056,59 +10273,6 @@
       </p:grpSpPr>
       <p:sp>
         <p:nvSpPr>
-          <p:cNvPr id="104" name="PlaceHolder 2"/>
-          <p:cNvSpPr>
-            <a:spLocks noGrp="1"/>
-          </p:cNvSpPr>
-          <p:nvPr>
-            <p:ph type="title"/>
-          </p:nvPr>
-        </p:nvSpPr>
-        <p:spPr>
-          <a:xfrm>
-            <a:off x="838080" y="365040"/>
-            <a:ext cx="10515240" cy="1325160"/>
-          </a:xfrm>
-          <a:prstGeom prst="rect">
-            <a:avLst/>
-          </a:prstGeom>
-          <a:noFill/>
-          <a:ln w="0">
-            <a:noFill/>
-          </a:ln>
-        </p:spPr>
-        <p:txBody>
-          <a:bodyPr anchor="ctr">
-            <a:noAutofit/>
-          </a:bodyPr>
-          <a:lstStyle/>
-          <a:p>
-            <a:pPr>
-              <a:lnSpc>
-                <a:spcPct val="90000"/>
-              </a:lnSpc>
-              <a:buNone/>
-            </a:pPr>
-            <a:r>
-              <a:rPr lang="en-US" sz="4400" b="0" strike="noStrike" spc="-1">
-                <a:solidFill>
-                  <a:srgbClr val="000000"/>
-                </a:solidFill>
-                <a:latin typeface="Calibri Light"/>
-              </a:rPr>
-              <a:t>RESULTS &amp; ANALYSIS</a:t>
-            </a:r>
-            <a:endParaRPr lang="en-US" sz="4400" b="0" strike="noStrike" spc="-1">
-              <a:solidFill>
-                <a:srgbClr val="000000"/>
-              </a:solidFill>
-              <a:latin typeface="Calibri"/>
-            </a:endParaRPr>
-          </a:p>
-        </p:txBody>
-      </p:sp>
-      <p:sp>
-        <p:nvSpPr>
           <p:cNvPr id="105" name="Content Placeholder 2"/>
           <p:cNvSpPr/>
           <p:nvPr/>
@@ -7253,6 +10417,76 @@
           </a:prstGeom>
         </p:spPr>
       </p:pic>
+      <p:sp>
+        <p:nvSpPr>
+          <p:cNvPr id="2" name="PlaceHolder 2">
+            <a:extLst>
+              <a:ext uri="{FF2B5EF4-FFF2-40B4-BE49-F238E27FC236}">
+                <a16:creationId xmlns:a16="http://schemas.microsoft.com/office/drawing/2014/main" id="{45F55C6B-2B6B-5062-916B-B2185588F9D3}"/>
+              </a:ext>
+            </a:extLst>
+          </p:cNvPr>
+          <p:cNvSpPr txBox="1">
+            <a:spLocks/>
+          </p:cNvSpPr>
+          <p:nvPr/>
+        </p:nvSpPr>
+        <p:spPr>
+          <a:xfrm>
+            <a:off x="-1" y="0"/>
+            <a:ext cx="12191759" cy="1325160"/>
+          </a:xfrm>
+          <a:prstGeom prst="rect">
+            <a:avLst/>
+          </a:prstGeom>
+          <a:noFill/>
+          <a:ln w="0">
+            <a:noFill/>
+          </a:ln>
+        </p:spPr>
+        <p:txBody>
+          <a:bodyPr anchor="ctr">
+            <a:noAutofit/>
+          </a:bodyPr>
+          <a:lstStyle>
+            <a:lvl1pPr algn="l" defTabSz="914400" rtl="0" eaLnBrk="1" latinLnBrk="0" hangingPunct="1">
+              <a:lnSpc>
+                <a:spcPct val="90000"/>
+              </a:lnSpc>
+              <a:spcBef>
+                <a:spcPct val="0"/>
+              </a:spcBef>
+              <a:buNone/>
+              <a:defRPr sz="4400" kern="1200">
+                <a:solidFill>
+                  <a:schemeClr val="tx1"/>
+                </a:solidFill>
+                <a:latin typeface="+mj-lt"/>
+                <a:ea typeface="+mj-ea"/>
+                <a:cs typeface="+mj-cs"/>
+              </a:defRPr>
+            </a:lvl1pPr>
+          </a:lstStyle>
+          <a:p>
+            <a:pPr algn="ctr"/>
+            <a:r>
+              <a:rPr lang="en-US" b="1" spc="-1" dirty="0">
+                <a:solidFill>
+                  <a:srgbClr val="000000"/>
+                </a:solidFill>
+                <a:latin typeface="Calibri Light"/>
+              </a:rPr>
+              <a:t>MORPHOLOGICAL OPERATIONS - NUMERICAL</a:t>
+            </a:r>
+            <a:endParaRPr lang="en-US" b="1" spc="-1" dirty="0">
+              <a:solidFill>
+                <a:srgbClr val="000000"/>
+              </a:solidFill>
+              <a:latin typeface="Calibri"/>
+            </a:endParaRPr>
+          </a:p>
+        </p:txBody>
+      </p:sp>
     </p:spTree>
     <p:extLst>
       <p:ext uri="{BB962C8B-B14F-4D97-AF65-F5344CB8AC3E}">
@@ -7319,7 +10553,7 @@
               <a:buNone/>
             </a:pPr>
             <a:r>
-              <a:rPr lang="en-US" sz="4400" b="0" strike="noStrike" spc="-1" dirty="0">
+              <a:rPr lang="en-US" sz="4400" b="1" strike="noStrike" spc="-1" dirty="0">
                 <a:solidFill>
                   <a:srgbClr val="000000"/>
                 </a:solidFill>
@@ -7327,7 +10561,7 @@
               </a:rPr>
               <a:t>REFLECTION</a:t>
             </a:r>
-            <a:endParaRPr lang="en-US" sz="4400" b="0" strike="noStrike" spc="-1" dirty="0">
+            <a:endParaRPr lang="en-US" sz="4400" b="1" strike="noStrike" spc="-1" dirty="0">
               <a:solidFill>
                 <a:srgbClr val="000000"/>
               </a:solidFill>
@@ -7338,102 +10572,232 @@
       </p:sp>
       <p:sp>
         <p:nvSpPr>
-          <p:cNvPr id="110" name="PlaceHolder 2"/>
-          <p:cNvSpPr>
-            <a:spLocks noGrp="1"/>
-          </p:cNvSpPr>
-          <p:nvPr>
-            <p:ph/>
-          </p:nvPr>
-        </p:nvSpPr>
-        <p:spPr>
-          <a:xfrm>
-            <a:off x="838080" y="1825560"/>
-            <a:ext cx="10515240" cy="4350960"/>
-          </a:xfrm>
-          <a:prstGeom prst="rect">
-            <a:avLst/>
-          </a:prstGeom>
-          <a:noFill/>
-          <a:ln w="0">
-            <a:noFill/>
-          </a:ln>
-        </p:spPr>
-        <p:txBody>
-          <a:bodyPr anchor="t">
-            <a:noAutofit/>
+          <p:cNvPr id="3" name="Content Placeholder 2">
+            <a:extLst>
+              <a:ext uri="{FF2B5EF4-FFF2-40B4-BE49-F238E27FC236}">
+                <a16:creationId xmlns:a16="http://schemas.microsoft.com/office/drawing/2014/main" id="{3661E796-F4E5-FB00-CF9E-2EBCFE9E3B0C}"/>
+              </a:ext>
+            </a:extLst>
+          </p:cNvPr>
+          <p:cNvSpPr txBox="1">
+            <a:spLocks/>
+          </p:cNvSpPr>
+          <p:nvPr/>
+        </p:nvSpPr>
+        <p:spPr>
+          <a:xfrm>
+            <a:off x="838200" y="1825625"/>
+            <a:ext cx="10515600" cy="4351338"/>
+          </a:xfrm>
+          <a:prstGeom prst="rect">
+            <a:avLst/>
+          </a:prstGeom>
+        </p:spPr>
+        <p:txBody>
+          <a:bodyPr vert="horz" lIns="91440" tIns="45720" rIns="91440" bIns="45720" rtlCol="0">
+            <a:normAutofit/>
           </a:bodyPr>
-          <a:lstStyle/>
-          <a:p>
-            <a:pPr marL="228600" indent="-228600">
+          <a:lstStyle>
+            <a:lvl1pPr marL="228600" indent="-228600" algn="l" defTabSz="914400" rtl="0" eaLnBrk="1" latinLnBrk="0" hangingPunct="1">
               <a:lnSpc>
                 <a:spcPct val="90000"/>
               </a:lnSpc>
               <a:spcBef>
-                <a:spcPts val="1001"/>
+                <a:spcPts val="1000"/>
               </a:spcBef>
-              <a:buClr>
-                <a:srgbClr val="000000"/>
-              </a:buClr>
-              <a:buFont typeface="Arial"/>
+              <a:buFont typeface="Arial" panose="020B0604020202020204" pitchFamily="34" charset="0"/>
               <a:buChar char="•"/>
-            </a:pPr>
-            <a:r>
-              <a:rPr lang="en-US" sz="2800" b="0" strike="noStrike" spc="-1" dirty="0">
+              <a:defRPr sz="2800" kern="1200">
                 <a:solidFill>
-                  <a:srgbClr val="000000"/>
+                  <a:schemeClr val="tx1"/>
                 </a:solidFill>
-                <a:latin typeface="Calibri"/>
-              </a:rPr>
-              <a:t>This activity was straightforward so I was able to follow it easily.</a:t>
-            </a:r>
-          </a:p>
-          <a:p>
-            <a:pPr marL="228600" indent="-228600">
+                <a:latin typeface="+mn-lt"/>
+                <a:ea typeface="+mn-ea"/>
+                <a:cs typeface="+mn-cs"/>
+              </a:defRPr>
+            </a:lvl1pPr>
+            <a:lvl2pPr marL="685800" indent="-228600" algn="l" defTabSz="914400" rtl="0" eaLnBrk="1" latinLnBrk="0" hangingPunct="1">
               <a:lnSpc>
                 <a:spcPct val="90000"/>
               </a:lnSpc>
               <a:spcBef>
-                <a:spcPts val="1001"/>
+                <a:spcPts val="500"/>
               </a:spcBef>
-              <a:buClr>
-                <a:srgbClr val="000000"/>
-              </a:buClr>
-              <a:buFont typeface="Arial"/>
+              <a:buFont typeface="Arial" panose="020B0604020202020204" pitchFamily="34" charset="0"/>
               <a:buChar char="•"/>
-            </a:pPr>
-            <a:r>
-              <a:rPr lang="en-US" sz="2800" b="0" strike="noStrike" spc="-1" dirty="0">
+              <a:defRPr sz="2400" kern="1200">
                 <a:solidFill>
-                  <a:srgbClr val="000000"/>
+                  <a:schemeClr val="tx1"/>
                 </a:solidFill>
-                <a:latin typeface="Calibri"/>
-              </a:rPr>
-              <a:t>It is fun to recognize and understand the functions of different options in ImageJ based on our fundamental understandings of image processing. It is cool to know that you can do these manually with coding without the app.</a:t>
-            </a:r>
-          </a:p>
-          <a:p>
-            <a:pPr marL="228600" indent="-228600">
+                <a:latin typeface="+mn-lt"/>
+                <a:ea typeface="+mn-ea"/>
+                <a:cs typeface="+mn-cs"/>
+              </a:defRPr>
+            </a:lvl2pPr>
+            <a:lvl3pPr marL="1143000" indent="-228600" algn="l" defTabSz="914400" rtl="0" eaLnBrk="1" latinLnBrk="0" hangingPunct="1">
               <a:lnSpc>
                 <a:spcPct val="90000"/>
               </a:lnSpc>
               <a:spcBef>
-                <a:spcPts val="1001"/>
+                <a:spcPts val="500"/>
               </a:spcBef>
-              <a:buClr>
-                <a:srgbClr val="000000"/>
-              </a:buClr>
-              <a:buFont typeface="Arial"/>
+              <a:buFont typeface="Arial" panose="020B0604020202020204" pitchFamily="34" charset="0"/>
               <a:buChar char="•"/>
+              <a:defRPr sz="2000" kern="1200">
+                <a:solidFill>
+                  <a:schemeClr val="tx1"/>
+                </a:solidFill>
+                <a:latin typeface="+mn-lt"/>
+                <a:ea typeface="+mn-ea"/>
+                <a:cs typeface="+mn-cs"/>
+              </a:defRPr>
+            </a:lvl3pPr>
+            <a:lvl4pPr marL="1600200" indent="-228600" algn="l" defTabSz="914400" rtl="0" eaLnBrk="1" latinLnBrk="0" hangingPunct="1">
+              <a:lnSpc>
+                <a:spcPct val="90000"/>
+              </a:lnSpc>
+              <a:spcBef>
+                <a:spcPts val="500"/>
+              </a:spcBef>
+              <a:buFont typeface="Arial" panose="020B0604020202020204" pitchFamily="34" charset="0"/>
+              <a:buChar char="•"/>
+              <a:defRPr sz="1800" kern="1200">
+                <a:solidFill>
+                  <a:schemeClr val="tx1"/>
+                </a:solidFill>
+                <a:latin typeface="+mn-lt"/>
+                <a:ea typeface="+mn-ea"/>
+                <a:cs typeface="+mn-cs"/>
+              </a:defRPr>
+            </a:lvl4pPr>
+            <a:lvl5pPr marL="2057400" indent="-228600" algn="l" defTabSz="914400" rtl="0" eaLnBrk="1" latinLnBrk="0" hangingPunct="1">
+              <a:lnSpc>
+                <a:spcPct val="90000"/>
+              </a:lnSpc>
+              <a:spcBef>
+                <a:spcPts val="500"/>
+              </a:spcBef>
+              <a:buFont typeface="Arial" panose="020B0604020202020204" pitchFamily="34" charset="0"/>
+              <a:buChar char="•"/>
+              <a:defRPr sz="1800" kern="1200">
+                <a:solidFill>
+                  <a:schemeClr val="tx1"/>
+                </a:solidFill>
+                <a:latin typeface="+mn-lt"/>
+                <a:ea typeface="+mn-ea"/>
+                <a:cs typeface="+mn-cs"/>
+              </a:defRPr>
+            </a:lvl5pPr>
+            <a:lvl6pPr marL="2514600" indent="-228600" algn="l" defTabSz="914400" rtl="0" eaLnBrk="1" latinLnBrk="0" hangingPunct="1">
+              <a:lnSpc>
+                <a:spcPct val="90000"/>
+              </a:lnSpc>
+              <a:spcBef>
+                <a:spcPts val="500"/>
+              </a:spcBef>
+              <a:buFont typeface="Arial" panose="020B0604020202020204" pitchFamily="34" charset="0"/>
+              <a:buChar char="•"/>
+              <a:defRPr sz="1800" kern="1200">
+                <a:solidFill>
+                  <a:schemeClr val="tx1"/>
+                </a:solidFill>
+                <a:latin typeface="+mn-lt"/>
+                <a:ea typeface="+mn-ea"/>
+                <a:cs typeface="+mn-cs"/>
+              </a:defRPr>
+            </a:lvl6pPr>
+            <a:lvl7pPr marL="2971800" indent="-228600" algn="l" defTabSz="914400" rtl="0" eaLnBrk="1" latinLnBrk="0" hangingPunct="1">
+              <a:lnSpc>
+                <a:spcPct val="90000"/>
+              </a:lnSpc>
+              <a:spcBef>
+                <a:spcPts val="500"/>
+              </a:spcBef>
+              <a:buFont typeface="Arial" panose="020B0604020202020204" pitchFamily="34" charset="0"/>
+              <a:buChar char="•"/>
+              <a:defRPr sz="1800" kern="1200">
+                <a:solidFill>
+                  <a:schemeClr val="tx1"/>
+                </a:solidFill>
+                <a:latin typeface="+mn-lt"/>
+                <a:ea typeface="+mn-ea"/>
+                <a:cs typeface="+mn-cs"/>
+              </a:defRPr>
+            </a:lvl7pPr>
+            <a:lvl8pPr marL="3429000" indent="-228600" algn="l" defTabSz="914400" rtl="0" eaLnBrk="1" latinLnBrk="0" hangingPunct="1">
+              <a:lnSpc>
+                <a:spcPct val="90000"/>
+              </a:lnSpc>
+              <a:spcBef>
+                <a:spcPts val="500"/>
+              </a:spcBef>
+              <a:buFont typeface="Arial" panose="020B0604020202020204" pitchFamily="34" charset="0"/>
+              <a:buChar char="•"/>
+              <a:defRPr sz="1800" kern="1200">
+                <a:solidFill>
+                  <a:schemeClr val="tx1"/>
+                </a:solidFill>
+                <a:latin typeface="+mn-lt"/>
+                <a:ea typeface="+mn-ea"/>
+                <a:cs typeface="+mn-cs"/>
+              </a:defRPr>
+            </a:lvl8pPr>
+            <a:lvl9pPr marL="3886200" indent="-228600" algn="l" defTabSz="914400" rtl="0" eaLnBrk="1" latinLnBrk="0" hangingPunct="1">
+              <a:lnSpc>
+                <a:spcPct val="90000"/>
+              </a:lnSpc>
+              <a:spcBef>
+                <a:spcPts val="500"/>
+              </a:spcBef>
+              <a:buFont typeface="Arial" panose="020B0604020202020204" pitchFamily="34" charset="0"/>
+              <a:buChar char="•"/>
+              <a:defRPr sz="1800" kern="1200">
+                <a:solidFill>
+                  <a:schemeClr val="tx1"/>
+                </a:solidFill>
+                <a:latin typeface="+mn-lt"/>
+                <a:ea typeface="+mn-ea"/>
+                <a:cs typeface="+mn-cs"/>
+              </a:defRPr>
+            </a:lvl9pPr>
+          </a:lstStyle>
+          <a:p>
+            <a:pPr marL="0" indent="0">
+              <a:buFont typeface="Arial" panose="020B0604020202020204" pitchFamily="34" charset="0"/>
+              <a:buNone/>
             </a:pPr>
             <a:r>
-              <a:rPr lang="en-US" sz="2800" b="0" strike="noStrike" spc="-1" dirty="0">
-                <a:solidFill>
-                  <a:srgbClr val="000000"/>
-                </a:solidFill>
-                <a:latin typeface="Calibri"/>
+              <a:rPr lang="en-US" dirty="0">
+                <a:latin typeface="Calibri" panose="020F0502020204030204" pitchFamily="34" charset="0"/>
+                <a:cs typeface="Calibri" panose="020F0502020204030204" pitchFamily="34" charset="0"/>
               </a:rPr>
-              <a:t>I am grateful for this no-coding exercise. This is a breather exercise because I have been overwhelmed by coding lately.</a:t>
+              <a:t>This activity was very fun. It was repetitive (in a nice way) which made me get very familiar with the application of Fourier analysis in image processing.</a:t>
+            </a:r>
+          </a:p>
+          <a:p>
+            <a:pPr marL="0" indent="0">
+              <a:buFont typeface="Arial" panose="020B0604020202020204" pitchFamily="34" charset="0"/>
+              <a:buNone/>
+            </a:pPr>
+            <a:r>
+              <a:rPr lang="en-US" dirty="0">
+                <a:latin typeface="Calibri" panose="020F0502020204030204" pitchFamily="34" charset="0"/>
+                <a:cs typeface="Calibri" panose="020F0502020204030204" pitchFamily="34" charset="0"/>
+              </a:rPr>
+              <a:t>The previous activity was definitely helpful in letting me understand the ideas behind the removal of periodic patterns.</a:t>
+            </a:r>
+          </a:p>
+          <a:p>
+            <a:pPr marL="0" indent="0">
+              <a:buFont typeface="Arial" panose="020B0604020202020204" pitchFamily="34" charset="0"/>
+              <a:buNone/>
+            </a:pPr>
+            <a:r>
+              <a:rPr lang="en-US" dirty="0">
+                <a:latin typeface="Calibri" panose="020F0502020204030204" pitchFamily="34" charset="0"/>
+                <a:cs typeface="Calibri" panose="020F0502020204030204" pitchFamily="34" charset="0"/>
+              </a:rPr>
+              <a:t>I just want to say that the product of rotated sinusoids produce beautiful Fourier transforms!</a:t>
             </a:r>
           </a:p>
         </p:txBody>
@@ -7499,7 +10863,7 @@
               <a:buNone/>
             </a:pPr>
             <a:r>
-              <a:rPr lang="en-US" sz="4400" strike="noStrike" spc="-1" dirty="0">
+              <a:rPr lang="en-US" sz="4400" b="1" strike="noStrike" spc="-1" dirty="0">
                 <a:solidFill>
                   <a:srgbClr val="000000"/>
                 </a:solidFill>
@@ -7590,7 +10954,7 @@
                 </a:solidFill>
                 <a:latin typeface="Calibri"/>
               </a:rPr>
-              <a:t>am confident that I understood how to use ImageJ to extract feature from images, and have applied it.</a:t>
+              <a:t>am confident that I understood how the Fourier transform of images work and how to manipulate their properties for image processing.</a:t>
             </a:r>
           </a:p>
           <a:p>
@@ -7635,7 +10999,7 @@
                 </a:solidFill>
                 <a:latin typeface="Calibri"/>
               </a:rPr>
-              <a:t>I have explained each step, and images are clear and concise.</a:t>
+              <a:t>I have explained each step and idea, and images are clear and concise.</a:t>
             </a:r>
           </a:p>
           <a:p>
@@ -7680,7 +11044,7 @@
                 </a:solidFill>
                 <a:latin typeface="Calibri"/>
               </a:rPr>
-              <a:t>Even though I was slacking in this subject for a while, I managed to get back on track. The topics are really fun and interesting. It helped me understand the ideas behind image tools such as smartphone cameras, Photoshop, etc.</a:t>
+              <a:t>The activity was repetitive in using Fourier transform so it helped me strengthen my knowledge on it.</a:t>
             </a:r>
           </a:p>
           <a:p>
@@ -7725,7 +11089,7 @@
                 </a:solidFill>
                 <a:latin typeface="Calibri"/>
               </a:rPr>
-              <a:t>I used an extra image for extraction.</a:t>
+              <a:t>I went beyond the expected output.</a:t>
             </a:r>
           </a:p>
         </p:txBody>
@@ -7733,7 +11097,140 @@
     </p:spTree>
     <p:extLst>
       <p:ext uri="{BB962C8B-B14F-4D97-AF65-F5344CB8AC3E}">
-        <p14:creationId xmlns:p14="http://schemas.microsoft.com/office/powerpoint/2010/main" val="3784929317"/>
+        <p14:creationId xmlns:p14="http://schemas.microsoft.com/office/powerpoint/2010/main" val="3777084470"/>
+      </p:ext>
+    </p:extLst>
+  </p:cSld>
+  <p:clrMapOvr>
+    <a:masterClrMapping/>
+  </p:clrMapOvr>
+</p:sld>
+</file>
+
+<file path=ppt/slides/slide13.xml><?xml version="1.0" encoding="utf-8"?>
+<p:sld xmlns:a="http://schemas.openxmlformats.org/drawingml/2006/main" xmlns:r="http://schemas.openxmlformats.org/officeDocument/2006/relationships" xmlns:p="http://schemas.openxmlformats.org/presentationml/2006/main">
+  <p:cSld>
+    <p:spTree>
+      <p:nvGrpSpPr>
+        <p:cNvPr id="1" name=""/>
+        <p:cNvGrpSpPr/>
+        <p:nvPr/>
+      </p:nvGrpSpPr>
+      <p:grpSpPr>
+        <a:xfrm>
+          <a:off x="0" y="0"/>
+          <a:ext cx="0" cy="0"/>
+          <a:chOff x="0" y="0"/>
+          <a:chExt cx="0" cy="0"/>
+        </a:xfrm>
+      </p:grpSpPr>
+      <p:sp>
+        <p:nvSpPr>
+          <p:cNvPr id="2" name="Title 1">
+            <a:extLst>
+              <a:ext uri="{FF2B5EF4-FFF2-40B4-BE49-F238E27FC236}">
+                <a16:creationId xmlns:a16="http://schemas.microsoft.com/office/drawing/2014/main" id="{FB10E9C4-38D8-4459-800D-34EFB8965C72}"/>
+              </a:ext>
+            </a:extLst>
+          </p:cNvPr>
+          <p:cNvSpPr>
+            <a:spLocks noGrp="1"/>
+          </p:cNvSpPr>
+          <p:nvPr>
+            <p:ph type="title"/>
+          </p:nvPr>
+        </p:nvSpPr>
+        <p:spPr/>
+        <p:txBody>
+          <a:bodyPr/>
+          <a:lstStyle/>
+          <a:p>
+            <a:r>
+              <a:rPr lang="en-US" b="1" dirty="0"/>
+              <a:t>REFERENCES</a:t>
+            </a:r>
+          </a:p>
+        </p:txBody>
+      </p:sp>
+      <p:sp>
+        <p:nvSpPr>
+          <p:cNvPr id="3" name="Content Placeholder 2">
+            <a:extLst>
+              <a:ext uri="{FF2B5EF4-FFF2-40B4-BE49-F238E27FC236}">
+                <a16:creationId xmlns:a16="http://schemas.microsoft.com/office/drawing/2014/main" id="{D311CE1B-D3A4-475E-8BB4-E8DD00D0BF45}"/>
+              </a:ext>
+            </a:extLst>
+          </p:cNvPr>
+          <p:cNvSpPr>
+            <a:spLocks noGrp="1"/>
+          </p:cNvSpPr>
+          <p:nvPr>
+            <p:ph idx="1"/>
+          </p:nvPr>
+        </p:nvSpPr>
+        <p:spPr/>
+        <p:txBody>
+          <a:bodyPr/>
+          <a:lstStyle/>
+          <a:p>
+            <a:pPr marL="0" indent="0">
+              <a:buNone/>
+            </a:pPr>
+            <a:r>
+              <a:rPr lang="en-US" dirty="0"/>
+              <a:t>[1] Soriano, M. (2023). AP 157 module. Activity 2 Part 2 - Properties and Applications of the 2D Fourier Transform 2021 – Copy.</a:t>
+            </a:r>
+          </a:p>
+          <a:p>
+            <a:pPr marL="0" indent="0">
+              <a:buNone/>
+            </a:pPr>
+            <a:r>
+              <a:rPr lang="en-US" dirty="0"/>
+              <a:t>[2] Fingerprint photo. </a:t>
+            </a:r>
+            <a:r>
+              <a:rPr lang="en-US" dirty="0">
+                <a:hlinkClick r:id="rId2"/>
+              </a:rPr>
+              <a:t>https://www.researchgate.net/figure/Examples-of-different-classes-of-fingerprints-a-right-loop-b-whorl-and-c-arch_fig2_265986190</a:t>
+            </a:r>
+            <a:endParaRPr lang="en-US" dirty="0"/>
+          </a:p>
+          <a:p>
+            <a:pPr marL="0" indent="0">
+              <a:buNone/>
+            </a:pPr>
+            <a:r>
+              <a:rPr lang="en-US" dirty="0"/>
+              <a:t>[3] Lunar landing photo. </a:t>
+            </a:r>
+            <a:r>
+              <a:rPr lang="en-US" dirty="0">
+                <a:hlinkClick r:id="rId3"/>
+              </a:rPr>
+              <a:t>https://www.lpi.usra.edu/publications/slidesets/apollolanding/ApolloLanding/slide_05</a:t>
+            </a:r>
+            <a:r>
+              <a:rPr lang="en-US">
+                <a:hlinkClick r:id="rId3"/>
+              </a:rPr>
+              <a:t>.html</a:t>
+            </a:r>
+            <a:endParaRPr lang="en-US" dirty="0"/>
+          </a:p>
+          <a:p>
+            <a:pPr marL="0" indent="0">
+              <a:buNone/>
+            </a:pPr>
+            <a:endParaRPr lang="en-US"/>
+          </a:p>
+        </p:txBody>
+      </p:sp>
+    </p:spTree>
+    <p:extLst>
+      <p:ext uri="{BB962C8B-B14F-4D97-AF65-F5344CB8AC3E}">
+        <p14:creationId xmlns:p14="http://schemas.microsoft.com/office/powerpoint/2010/main" val="2740225902"/>
       </p:ext>
     </p:extLst>
   </p:cSld>
@@ -7796,7 +11293,7 @@
               <a:buNone/>
             </a:pPr>
             <a:r>
-              <a:rPr lang="en-US" sz="4400" b="0" strike="noStrike" spc="-1">
+              <a:rPr lang="en-US" sz="4400" b="1" strike="noStrike" spc="-1" dirty="0">
                 <a:solidFill>
                   <a:srgbClr val="000000"/>
                 </a:solidFill>
@@ -7804,7 +11301,7 @@
               </a:rPr>
               <a:t>OBJECTIVES</a:t>
             </a:r>
-            <a:endParaRPr lang="en-US" sz="4400" b="0" strike="noStrike" spc="-1">
+            <a:endParaRPr lang="en-US" sz="4400" b="1" strike="noStrike" spc="-1" dirty="0">
               <a:solidFill>
                 <a:srgbClr val="000000"/>
               </a:solidFill>
@@ -7862,7 +11359,7 @@
                 </a:solidFill>
                 <a:latin typeface="Calibri"/>
               </a:rPr>
-              <a:t>Use ImageJ to manipulate images and extract their features</a:t>
+              <a:t>Perform morphological operations manually on images given a structuring element</a:t>
             </a:r>
           </a:p>
           <a:p>
@@ -7880,13 +11377,43 @@
               <a:buChar char="•"/>
             </a:pPr>
             <a:r>
+              <a:rPr lang="en-US" spc="-1" dirty="0">
+                <a:solidFill>
+                  <a:srgbClr val="000000"/>
+                </a:solidFill>
+                <a:latin typeface="Calibri"/>
+              </a:rPr>
+              <a:t>Verify the results numerically</a:t>
+            </a:r>
+            <a:endParaRPr lang="en-US" sz="2800" b="0" strike="noStrike" spc="-1" dirty="0">
+              <a:solidFill>
+                <a:srgbClr val="000000"/>
+              </a:solidFill>
+              <a:latin typeface="Calibri"/>
+            </a:endParaRPr>
+          </a:p>
+          <a:p>
+            <a:pPr marL="228600" indent="-228600">
+              <a:lnSpc>
+                <a:spcPct val="90000"/>
+              </a:lnSpc>
+              <a:spcBef>
+                <a:spcPts val="1001"/>
+              </a:spcBef>
+              <a:buClr>
+                <a:srgbClr val="000000"/>
+              </a:buClr>
+              <a:buFont typeface="Arial"/>
+              <a:buChar char="•"/>
+            </a:pPr>
+            <a:r>
               <a:rPr lang="en-US" sz="2800" b="0" strike="noStrike" spc="-1" dirty="0">
                 <a:solidFill>
                   <a:srgbClr val="000000"/>
                 </a:solidFill>
                 <a:latin typeface="Calibri"/>
               </a:rPr>
-              <a:t>Apply threshold to grayscale histogram to separate objects from background</a:t>
+              <a:t>Improve segmented images using morphological operations</a:t>
             </a:r>
           </a:p>
         </p:txBody>
@@ -7928,8 +11455,8 @@
         </p:nvSpPr>
         <p:spPr>
           <a:xfrm>
-            <a:off x="838080" y="365040"/>
-            <a:ext cx="10515240" cy="1325160"/>
+            <a:off x="-1" y="0"/>
+            <a:ext cx="12191759" cy="1325160"/>
           </a:xfrm>
           <a:prstGeom prst="rect">
             <a:avLst/>
@@ -7945,22 +11472,22 @@
           </a:bodyPr>
           <a:lstStyle/>
           <a:p>
-            <a:pPr>
+            <a:pPr algn="ctr">
               <a:lnSpc>
                 <a:spcPct val="90000"/>
               </a:lnSpc>
               <a:buNone/>
             </a:pPr>
             <a:r>
-              <a:rPr lang="en-US" sz="4400" b="0" strike="noStrike" spc="-1">
+              <a:rPr lang="en-US" sz="4400" b="1" strike="noStrike" spc="-1" dirty="0">
                 <a:solidFill>
                   <a:srgbClr val="000000"/>
                 </a:solidFill>
                 <a:latin typeface="Calibri Light"/>
               </a:rPr>
-              <a:t>RESULTS &amp; ANALYSIS</a:t>
-            </a:r>
-            <a:endParaRPr lang="en-US" sz="4400" b="0" strike="noStrike" spc="-1">
+              <a:t>MORPHOLOGICAL OPERATIONS - MANUAL</a:t>
+            </a:r>
+            <a:endParaRPr lang="en-US" sz="4400" b="1" strike="noStrike" spc="-1" dirty="0">
               <a:solidFill>
                 <a:srgbClr val="000000"/>
               </a:solidFill>
@@ -8071,7 +11598,7 @@
         </p:blipFill>
         <p:spPr>
           <a:xfrm>
-            <a:off x="593975" y="2059484"/>
+            <a:off x="488943" y="3429000"/>
             <a:ext cx="2061720" cy="2739032"/>
           </a:xfrm>
           <a:prstGeom prst="rect">
@@ -8107,7 +11634,7 @@
         </p:blipFill>
         <p:spPr>
           <a:xfrm>
-            <a:off x="9797371" y="2059484"/>
+            <a:off x="9641337" y="3429000"/>
             <a:ext cx="2061720" cy="2736534"/>
           </a:xfrm>
           <a:prstGeom prst="rect">
@@ -8143,7 +11670,7 @@
         </p:blipFill>
         <p:spPr>
           <a:xfrm>
-            <a:off x="3457739" y="2059484"/>
+            <a:off x="3519537" y="3429000"/>
             <a:ext cx="2104199" cy="2739032"/>
           </a:xfrm>
           <a:prstGeom prst="rect">
@@ -8179,7 +11706,7 @@
         </p:blipFill>
         <p:spPr>
           <a:xfrm>
-            <a:off x="6707070" y="2059485"/>
+            <a:off x="6592611" y="3429001"/>
             <a:ext cx="2079851" cy="2739032"/>
           </a:xfrm>
           <a:prstGeom prst="rect">
@@ -8187,6 +11714,229 @@
           </a:prstGeom>
         </p:spPr>
       </p:pic>
+      <p:sp>
+        <p:nvSpPr>
+          <p:cNvPr id="10" name="TextBox 9">
+            <a:extLst>
+              <a:ext uri="{FF2B5EF4-FFF2-40B4-BE49-F238E27FC236}">
+                <a16:creationId xmlns:a16="http://schemas.microsoft.com/office/drawing/2014/main" id="{EBFC1B79-F698-B3A4-99DB-BA406F8442F5}"/>
+              </a:ext>
+            </a:extLst>
+          </p:cNvPr>
+          <p:cNvSpPr txBox="1"/>
+          <p:nvPr/>
+        </p:nvSpPr>
+        <p:spPr>
+          <a:xfrm>
+            <a:off x="803365" y="6165534"/>
+            <a:ext cx="1432875" cy="338554"/>
+          </a:xfrm>
+          <a:prstGeom prst="rect">
+            <a:avLst/>
+          </a:prstGeom>
+          <a:noFill/>
+        </p:spPr>
+        <p:txBody>
+          <a:bodyPr wrap="square" rtlCol="0">
+            <a:spAutoFit/>
+          </a:bodyPr>
+          <a:lstStyle/>
+          <a:p>
+            <a:pPr algn="ctr"/>
+            <a:r>
+              <a:rPr lang="en-US" sz="1600" b="1" dirty="0">
+                <a:latin typeface="Calibri" panose="020F0502020204030204" pitchFamily="34" charset="0"/>
+                <a:cs typeface="Calibri" panose="020F0502020204030204" pitchFamily="34" charset="0"/>
+              </a:rPr>
+              <a:t>Solid square</a:t>
+            </a:r>
+          </a:p>
+        </p:txBody>
+      </p:sp>
+      <p:sp>
+        <p:nvSpPr>
+          <p:cNvPr id="11" name="TextBox 10">
+            <a:extLst>
+              <a:ext uri="{FF2B5EF4-FFF2-40B4-BE49-F238E27FC236}">
+                <a16:creationId xmlns:a16="http://schemas.microsoft.com/office/drawing/2014/main" id="{6AEB4832-7289-07A7-4295-7326272A8B79}"/>
+              </a:ext>
+            </a:extLst>
+          </p:cNvPr>
+          <p:cNvSpPr txBox="1"/>
+          <p:nvPr/>
+        </p:nvSpPr>
+        <p:spPr>
+          <a:xfrm>
+            <a:off x="3855198" y="6165534"/>
+            <a:ext cx="1432875" cy="338554"/>
+          </a:xfrm>
+          <a:prstGeom prst="rect">
+            <a:avLst/>
+          </a:prstGeom>
+          <a:noFill/>
+        </p:spPr>
+        <p:txBody>
+          <a:bodyPr wrap="square" rtlCol="0">
+            <a:spAutoFit/>
+          </a:bodyPr>
+          <a:lstStyle/>
+          <a:p>
+            <a:pPr algn="ctr"/>
+            <a:r>
+              <a:rPr lang="en-US" sz="1600" b="1" dirty="0">
+                <a:latin typeface="Calibri" panose="020F0502020204030204" pitchFamily="34" charset="0"/>
+                <a:cs typeface="Calibri" panose="020F0502020204030204" pitchFamily="34" charset="0"/>
+              </a:rPr>
+              <a:t>Hollow square</a:t>
+            </a:r>
+          </a:p>
+        </p:txBody>
+      </p:sp>
+      <p:sp>
+        <p:nvSpPr>
+          <p:cNvPr id="12" name="TextBox 11">
+            <a:extLst>
+              <a:ext uri="{FF2B5EF4-FFF2-40B4-BE49-F238E27FC236}">
+                <a16:creationId xmlns:a16="http://schemas.microsoft.com/office/drawing/2014/main" id="{A3EDC94A-CA75-8AEB-7327-009AA62177A3}"/>
+              </a:ext>
+            </a:extLst>
+          </p:cNvPr>
+          <p:cNvSpPr txBox="1"/>
+          <p:nvPr/>
+        </p:nvSpPr>
+        <p:spPr>
+          <a:xfrm>
+            <a:off x="6916069" y="6165534"/>
+            <a:ext cx="1432875" cy="338554"/>
+          </a:xfrm>
+          <a:prstGeom prst="rect">
+            <a:avLst/>
+          </a:prstGeom>
+          <a:noFill/>
+        </p:spPr>
+        <p:txBody>
+          <a:bodyPr wrap="square" rtlCol="0">
+            <a:spAutoFit/>
+          </a:bodyPr>
+          <a:lstStyle/>
+          <a:p>
+            <a:pPr algn="ctr"/>
+            <a:r>
+              <a:rPr lang="en-US" sz="1600" b="1" dirty="0">
+                <a:latin typeface="Calibri" panose="020F0502020204030204" pitchFamily="34" charset="0"/>
+                <a:cs typeface="Calibri" panose="020F0502020204030204" pitchFamily="34" charset="0"/>
+              </a:rPr>
+              <a:t>Plus symbol</a:t>
+            </a:r>
+          </a:p>
+        </p:txBody>
+      </p:sp>
+      <p:sp>
+        <p:nvSpPr>
+          <p:cNvPr id="13" name="TextBox 12">
+            <a:extLst>
+              <a:ext uri="{FF2B5EF4-FFF2-40B4-BE49-F238E27FC236}">
+                <a16:creationId xmlns:a16="http://schemas.microsoft.com/office/drawing/2014/main" id="{65E67B09-030D-C2C9-E027-3874D8F50BAE}"/>
+              </a:ext>
+            </a:extLst>
+          </p:cNvPr>
+          <p:cNvSpPr txBox="1"/>
+          <p:nvPr/>
+        </p:nvSpPr>
+        <p:spPr>
+          <a:xfrm>
+            <a:off x="9955759" y="6165534"/>
+            <a:ext cx="1432875" cy="338554"/>
+          </a:xfrm>
+          <a:prstGeom prst="rect">
+            <a:avLst/>
+          </a:prstGeom>
+          <a:noFill/>
+        </p:spPr>
+        <p:txBody>
+          <a:bodyPr wrap="square" rtlCol="0">
+            <a:spAutoFit/>
+          </a:bodyPr>
+          <a:lstStyle/>
+          <a:p>
+            <a:pPr algn="ctr"/>
+            <a:r>
+              <a:rPr lang="en-US" sz="1600" b="1" dirty="0" err="1">
+                <a:latin typeface="Calibri" panose="020F0502020204030204" pitchFamily="34" charset="0"/>
+                <a:cs typeface="Calibri" panose="020F0502020204030204" pitchFamily="34" charset="0"/>
+              </a:rPr>
+              <a:t>Dumbell</a:t>
+            </a:r>
+            <a:endParaRPr lang="en-US" sz="1600" b="1" dirty="0">
+              <a:latin typeface="Calibri" panose="020F0502020204030204" pitchFamily="34" charset="0"/>
+              <a:cs typeface="Calibri" panose="020F0502020204030204" pitchFamily="34" charset="0"/>
+            </a:endParaRPr>
+          </a:p>
+        </p:txBody>
+      </p:sp>
+      <p:sp>
+        <p:nvSpPr>
+          <p:cNvPr id="15" name="TextBox 14">
+            <a:extLst>
+              <a:ext uri="{FF2B5EF4-FFF2-40B4-BE49-F238E27FC236}">
+                <a16:creationId xmlns:a16="http://schemas.microsoft.com/office/drawing/2014/main" id="{44B9FB98-D7FB-F0C6-B569-8C8FF252ABDB}"/>
+              </a:ext>
+            </a:extLst>
+          </p:cNvPr>
+          <p:cNvSpPr txBox="1"/>
+          <p:nvPr/>
+        </p:nvSpPr>
+        <p:spPr>
+          <a:xfrm>
+            <a:off x="488943" y="1265808"/>
+            <a:ext cx="11322843" cy="2062103"/>
+          </a:xfrm>
+          <a:prstGeom prst="rect">
+            <a:avLst/>
+          </a:prstGeom>
+          <a:noFill/>
+        </p:spPr>
+        <p:txBody>
+          <a:bodyPr wrap="square" rtlCol="0">
+            <a:spAutoFit/>
+          </a:bodyPr>
+          <a:lstStyle/>
+          <a:p>
+            <a:pPr algn="just"/>
+            <a:r>
+              <a:rPr lang="en-US" sz="1600" b="1" dirty="0">
+                <a:latin typeface="Calibri" panose="020F0502020204030204" pitchFamily="34" charset="0"/>
+                <a:cs typeface="Calibri" panose="020F0502020204030204" pitchFamily="34" charset="0"/>
+              </a:rPr>
+              <a:t>Morphological operations </a:t>
+            </a:r>
+            <a:r>
+              <a:rPr lang="en-US" sz="1600" dirty="0">
+                <a:latin typeface="Calibri" panose="020F0502020204030204" pitchFamily="34" charset="0"/>
+                <a:cs typeface="Calibri" panose="020F0502020204030204" pitchFamily="34" charset="0"/>
+              </a:rPr>
+              <a:t>are usually used on binary images of 0’s and 1’s where the 1’s constitute the image. As the name suggests, they are operations used to manipulate the morphology, or shape, of an image based on a given structuring element (SE). The common morphological operations include the dilation, erosion, opening (erode then dilate), and closing (dilate then erode) operation.</a:t>
+            </a:r>
+          </a:p>
+          <a:p>
+            <a:pPr algn="just"/>
+            <a:endParaRPr lang="en-US" sz="1600" b="1" dirty="0">
+              <a:latin typeface="Calibri" panose="020F0502020204030204" pitchFamily="34" charset="0"/>
+              <a:cs typeface="Calibri" panose="020F0502020204030204" pitchFamily="34" charset="0"/>
+            </a:endParaRPr>
+          </a:p>
+          <a:p>
+            <a:pPr algn="just"/>
+            <a:r>
+              <a:rPr lang="en-US" sz="1600" dirty="0">
+                <a:latin typeface="Calibri" panose="020F0502020204030204" pitchFamily="34" charset="0"/>
+                <a:cs typeface="Calibri" panose="020F0502020204030204" pitchFamily="34" charset="0"/>
+              </a:rPr>
+              <a:t>Before trying out the morphological operations available in Python, I tried mapping the results in a graphing paper. Dilation “extends” an image, while erosion “contracts” it. Dilation works by overlapping the origin of the SE over different pixels, and “turning on”, or switching that pixel to a 1 IF the image and the structuring element overlap even by one pixel. On the other hand, erosion works by again overlapping the origin of the SE over different pixels, and turning it on only when the SE is fully inside the image.</a:t>
+            </a:r>
+          </a:p>
+        </p:txBody>
+      </p:sp>
     </p:spTree>
   </p:cSld>
   <p:clrMapOvr>
@@ -8212,20 +11962,132 @@
           <a:chExt cx="0" cy="0"/>
         </a:xfrm>
       </p:grpSpPr>
-      <p:sp>
-        <p:nvSpPr>
-          <p:cNvPr id="104" name="PlaceHolder 2"/>
-          <p:cNvSpPr>
-            <a:spLocks noGrp="1"/>
-          </p:cNvSpPr>
-          <p:nvPr>
-            <p:ph type="title"/>
-          </p:nvPr>
-        </p:nvSpPr>
-        <p:spPr>
-          <a:xfrm>
-            <a:off x="838080" y="365040"/>
-            <a:ext cx="10515240" cy="1325160"/>
+      <p:pic>
+        <p:nvPicPr>
+          <p:cNvPr id="13" name="Picture 12" descr="A yellow and purple squares&#10;&#10;Description automatically generated with low confidence">
+            <a:extLst>
+              <a:ext uri="{FF2B5EF4-FFF2-40B4-BE49-F238E27FC236}">
+                <a16:creationId xmlns:a16="http://schemas.microsoft.com/office/drawing/2014/main" id="{858D9A84-55B3-D21C-2D07-B7F1CA46A1C2}"/>
+              </a:ext>
+            </a:extLst>
+          </p:cNvPr>
+          <p:cNvPicPr>
+            <a:picLocks noChangeAspect="1"/>
+          </p:cNvPicPr>
+          <p:nvPr/>
+        </p:nvPicPr>
+        <p:blipFill>
+          <a:blip r:embed="rId2" cstate="print">
+            <a:extLst>
+              <a:ext uri="{28A0092B-C50C-407E-A947-70E740481C1C}">
+                <a14:useLocalDpi xmlns:a14="http://schemas.microsoft.com/office/drawing/2010/main" val="0"/>
+              </a:ext>
+            </a:extLst>
+          </a:blip>
+          <a:stretch>
+            <a:fillRect/>
+          </a:stretch>
+        </p:blipFill>
+        <p:spPr>
+          <a:xfrm>
+            <a:off x="7463007" y="5022797"/>
+            <a:ext cx="4518341" cy="1506113"/>
+          </a:xfrm>
+          <a:prstGeom prst="rect">
+            <a:avLst/>
+          </a:prstGeom>
+        </p:spPr>
+      </p:pic>
+      <p:pic>
+        <p:nvPicPr>
+          <p:cNvPr id="15" name="Picture 14" descr="A yellow and purple rectangles&#10;&#10;Description automatically generated with low confidence">
+            <a:extLst>
+              <a:ext uri="{FF2B5EF4-FFF2-40B4-BE49-F238E27FC236}">
+                <a16:creationId xmlns:a16="http://schemas.microsoft.com/office/drawing/2014/main" id="{8BB6A04F-C21B-563E-7DC6-67C75E925DB5}"/>
+              </a:ext>
+            </a:extLst>
+          </p:cNvPr>
+          <p:cNvPicPr>
+            <a:picLocks noChangeAspect="1"/>
+          </p:cNvPicPr>
+          <p:nvPr/>
+        </p:nvPicPr>
+        <p:blipFill>
+          <a:blip r:embed="rId3" cstate="print">
+            <a:extLst>
+              <a:ext uri="{28A0092B-C50C-407E-A947-70E740481C1C}">
+                <a14:useLocalDpi xmlns:a14="http://schemas.microsoft.com/office/drawing/2010/main" val="0"/>
+              </a:ext>
+            </a:extLst>
+          </a:blip>
+          <a:stretch>
+            <a:fillRect/>
+          </a:stretch>
+        </p:blipFill>
+        <p:spPr>
+          <a:xfrm>
+            <a:off x="7463007" y="3649084"/>
+            <a:ext cx="4518341" cy="1506113"/>
+          </a:xfrm>
+          <a:prstGeom prst="rect">
+            <a:avLst/>
+          </a:prstGeom>
+        </p:spPr>
+      </p:pic>
+      <p:pic>
+        <p:nvPicPr>
+          <p:cNvPr id="17" name="Picture 16" descr="A yellow and purple squares&#10;&#10;Description automatically generated with medium confidence">
+            <a:extLst>
+              <a:ext uri="{FF2B5EF4-FFF2-40B4-BE49-F238E27FC236}">
+                <a16:creationId xmlns:a16="http://schemas.microsoft.com/office/drawing/2014/main" id="{78DD411D-C9F6-FE7D-7DDA-33B14B3BDE86}"/>
+              </a:ext>
+            </a:extLst>
+          </p:cNvPr>
+          <p:cNvPicPr>
+            <a:picLocks noChangeAspect="1"/>
+          </p:cNvPicPr>
+          <p:nvPr/>
+        </p:nvPicPr>
+        <p:blipFill>
+          <a:blip r:embed="rId4" cstate="print">
+            <a:extLst>
+              <a:ext uri="{28A0092B-C50C-407E-A947-70E740481C1C}">
+                <a14:useLocalDpi xmlns:a14="http://schemas.microsoft.com/office/drawing/2010/main" val="0"/>
+              </a:ext>
+            </a:extLst>
+          </a:blip>
+          <a:stretch>
+            <a:fillRect/>
+          </a:stretch>
+        </p:blipFill>
+        <p:spPr>
+          <a:xfrm>
+            <a:off x="7463006" y="2275370"/>
+            <a:ext cx="4518341" cy="1506113"/>
+          </a:xfrm>
+          <a:prstGeom prst="rect">
+            <a:avLst/>
+          </a:prstGeom>
+        </p:spPr>
+      </p:pic>
+      <p:sp>
+        <p:nvSpPr>
+          <p:cNvPr id="2" name="PlaceHolder 2">
+            <a:extLst>
+              <a:ext uri="{FF2B5EF4-FFF2-40B4-BE49-F238E27FC236}">
+                <a16:creationId xmlns:a16="http://schemas.microsoft.com/office/drawing/2014/main" id="{BDF7A8F3-B5D5-BAFC-D704-62B5C1C939F2}"/>
+              </a:ext>
+            </a:extLst>
+          </p:cNvPr>
+          <p:cNvSpPr txBox="1">
+            <a:spLocks/>
+          </p:cNvSpPr>
+          <p:nvPr/>
+        </p:nvSpPr>
+        <p:spPr>
+          <a:xfrm>
+            <a:off x="-1" y="0"/>
+            <a:ext cx="12191759" cy="1325160"/>
           </a:xfrm>
           <a:prstGeom prst="rect">
             <a:avLst/>
@@ -8239,24 +12101,37 @@
           <a:bodyPr anchor="ctr">
             <a:noAutofit/>
           </a:bodyPr>
-          <a:lstStyle/>
-          <a:p>
-            <a:pPr>
+          <a:lstStyle>
+            <a:lvl1pPr algn="l" defTabSz="914400" rtl="0" eaLnBrk="1" latinLnBrk="0" hangingPunct="1">
               <a:lnSpc>
                 <a:spcPct val="90000"/>
               </a:lnSpc>
-              <a:buNone/>
-            </a:pPr>
-            <a:r>
-              <a:rPr lang="en-US" sz="4400" b="0" strike="noStrike" spc="-1">
+              <a:spcBef>
+                <a:spcPct val="0"/>
+              </a:spcBef>
+              <a:buNone/>
+              <a:defRPr sz="4400" kern="1200">
+                <a:solidFill>
+                  <a:schemeClr val="tx1"/>
+                </a:solidFill>
+                <a:latin typeface="+mj-lt"/>
+                <a:ea typeface="+mj-ea"/>
+                <a:cs typeface="+mj-cs"/>
+              </a:defRPr>
+            </a:lvl1pPr>
+          </a:lstStyle>
+          <a:p>
+            <a:pPr algn="ctr"/>
+            <a:r>
+              <a:rPr lang="en-US" b="1" spc="-1" dirty="0">
                 <a:solidFill>
                   <a:srgbClr val="000000"/>
                 </a:solidFill>
                 <a:latin typeface="Calibri Light"/>
               </a:rPr>
-              <a:t>RESULTS &amp; ANALYSIS</a:t>
-            </a:r>
-            <a:endParaRPr lang="en-US" sz="4400" b="0" strike="noStrike" spc="-1">
+              <a:t>MORPHOLOGICAL OPERATIONS - NUMERICAL</a:t>
+            </a:r>
+            <a:endParaRPr lang="en-US" b="1" spc="-1" dirty="0">
               <a:solidFill>
                 <a:srgbClr val="000000"/>
               </a:solidFill>
@@ -8329,7 +12204,7 @@
                   <a:srgbClr val="000000"/>
                 </a:solidFill>
                 <a:latin typeface="Calibri"/>
-                <a:hlinkClick r:id="rId2"/>
+                <a:hlinkClick r:id="rId5"/>
               </a:rPr>
               <a:t>https://github.com/genvert/AP_157_FX-2_Vertudez/tree/main/Activity%206</a:t>
             </a:r>
@@ -8345,114 +12220,6 @@
             <a:extLst>
               <a:ext uri="{FF2B5EF4-FFF2-40B4-BE49-F238E27FC236}">
                 <a16:creationId xmlns:a16="http://schemas.microsoft.com/office/drawing/2014/main" id="{52452509-6590-8A33-60C4-5DBB0A0D2CFF}"/>
-              </a:ext>
-            </a:extLst>
-          </p:cNvPr>
-          <p:cNvPicPr>
-            <a:picLocks noChangeAspect="1"/>
-          </p:cNvPicPr>
-          <p:nvPr/>
-        </p:nvPicPr>
-        <p:blipFill>
-          <a:blip r:embed="rId3" cstate="print">
-            <a:extLst>
-              <a:ext uri="{28A0092B-C50C-407E-A947-70E740481C1C}">
-                <a14:useLocalDpi xmlns:a14="http://schemas.microsoft.com/office/drawing/2010/main" val="0"/>
-              </a:ext>
-            </a:extLst>
-          </a:blip>
-          <a:stretch>
-            <a:fillRect/>
-          </a:stretch>
-        </p:blipFill>
-        <p:spPr>
-          <a:xfrm>
-            <a:off x="7673419" y="1275499"/>
-            <a:ext cx="4518341" cy="1506113"/>
-          </a:xfrm>
-          <a:prstGeom prst="rect">
-            <a:avLst/>
-          </a:prstGeom>
-        </p:spPr>
-      </p:pic>
-      <p:pic>
-        <p:nvPicPr>
-          <p:cNvPr id="8" name="Picture 7" descr="A yellow and purple rectangles&#10;&#10;Description automatically generated with low confidence">
-            <a:extLst>
-              <a:ext uri="{FF2B5EF4-FFF2-40B4-BE49-F238E27FC236}">
-                <a16:creationId xmlns:a16="http://schemas.microsoft.com/office/drawing/2014/main" id="{8440E323-1A80-69AB-DD81-07EDFC24B7C4}"/>
-              </a:ext>
-            </a:extLst>
-          </p:cNvPr>
-          <p:cNvPicPr>
-            <a:picLocks noChangeAspect="1"/>
-          </p:cNvPicPr>
-          <p:nvPr/>
-        </p:nvPicPr>
-        <p:blipFill>
-          <a:blip r:embed="rId4" cstate="print">
-            <a:extLst>
-              <a:ext uri="{28A0092B-C50C-407E-A947-70E740481C1C}">
-                <a14:useLocalDpi xmlns:a14="http://schemas.microsoft.com/office/drawing/2010/main" val="0"/>
-              </a:ext>
-            </a:extLst>
-          </a:blip>
-          <a:stretch>
-            <a:fillRect/>
-          </a:stretch>
-        </p:blipFill>
-        <p:spPr>
-          <a:xfrm>
-            <a:off x="7541443" y="5304717"/>
-            <a:ext cx="4518341" cy="1506113"/>
-          </a:xfrm>
-          <a:prstGeom prst="rect">
-            <a:avLst/>
-          </a:prstGeom>
-        </p:spPr>
-      </p:pic>
-      <p:pic>
-        <p:nvPicPr>
-          <p:cNvPr id="11" name="Picture 10" descr="A yellow and purple squares&#10;&#10;Description automatically generated with medium confidence">
-            <a:extLst>
-              <a:ext uri="{FF2B5EF4-FFF2-40B4-BE49-F238E27FC236}">
-                <a16:creationId xmlns:a16="http://schemas.microsoft.com/office/drawing/2014/main" id="{A7CB913E-099E-0E84-44CA-67330B6EC3ED}"/>
-              </a:ext>
-            </a:extLst>
-          </p:cNvPr>
-          <p:cNvPicPr>
-            <a:picLocks noChangeAspect="1"/>
-          </p:cNvPicPr>
-          <p:nvPr/>
-        </p:nvPicPr>
-        <p:blipFill>
-          <a:blip r:embed="rId5" cstate="print">
-            <a:extLst>
-              <a:ext uri="{28A0092B-C50C-407E-A947-70E740481C1C}">
-                <a14:useLocalDpi xmlns:a14="http://schemas.microsoft.com/office/drawing/2010/main" val="0"/>
-              </a:ext>
-            </a:extLst>
-          </a:blip>
-          <a:stretch>
-            <a:fillRect/>
-          </a:stretch>
-        </p:blipFill>
-        <p:spPr>
-          <a:xfrm>
-            <a:off x="7541444" y="3323332"/>
-            <a:ext cx="4518341" cy="1506113"/>
-          </a:xfrm>
-          <a:prstGeom prst="rect">
-            <a:avLst/>
-          </a:prstGeom>
-        </p:spPr>
-      </p:pic>
-      <p:pic>
-        <p:nvPicPr>
-          <p:cNvPr id="13" name="Picture 12" descr="A yellow and purple squares&#10;&#10;Description automatically generated with low confidence">
-            <a:extLst>
-              <a:ext uri="{FF2B5EF4-FFF2-40B4-BE49-F238E27FC236}">
-                <a16:creationId xmlns:a16="http://schemas.microsoft.com/office/drawing/2014/main" id="{858D9A84-55B3-D21C-2D07-B7F1CA46A1C2}"/>
               </a:ext>
             </a:extLst>
           </p:cNvPr>
@@ -8475,7 +12242,7 @@
         </p:blipFill>
         <p:spPr>
           <a:xfrm>
-            <a:off x="2469824" y="4766211"/>
+            <a:off x="210650" y="2275370"/>
             <a:ext cx="4518341" cy="1506113"/>
           </a:xfrm>
           <a:prstGeom prst="rect">
@@ -8485,10 +12252,10 @@
       </p:pic>
       <p:pic>
         <p:nvPicPr>
-          <p:cNvPr id="15" name="Picture 14" descr="A yellow and purple rectangles&#10;&#10;Description automatically generated with low confidence">
+          <p:cNvPr id="8" name="Picture 7" descr="A yellow and purple rectangles&#10;&#10;Description automatically generated with low confidence">
             <a:extLst>
               <a:ext uri="{FF2B5EF4-FFF2-40B4-BE49-F238E27FC236}">
-                <a16:creationId xmlns:a16="http://schemas.microsoft.com/office/drawing/2014/main" id="{8BB6A04F-C21B-563E-7DC6-67C75E925DB5}"/>
+                <a16:creationId xmlns:a16="http://schemas.microsoft.com/office/drawing/2014/main" id="{8440E323-1A80-69AB-DD81-07EDFC24B7C4}"/>
               </a:ext>
             </a:extLst>
           </p:cNvPr>
@@ -8511,7 +12278,7 @@
         </p:blipFill>
         <p:spPr>
           <a:xfrm>
-            <a:off x="1055802" y="3323333"/>
+            <a:off x="210651" y="3649083"/>
             <a:ext cx="4518341" cy="1506113"/>
           </a:xfrm>
           <a:prstGeom prst="rect">
@@ -8521,10 +12288,10 @@
       </p:pic>
       <p:pic>
         <p:nvPicPr>
-          <p:cNvPr id="17" name="Picture 16" descr="A yellow and purple squares&#10;&#10;Description automatically generated with medium confidence">
+          <p:cNvPr id="11" name="Picture 10" descr="A yellow and purple squares&#10;&#10;Description automatically generated with medium confidence">
             <a:extLst>
               <a:ext uri="{FF2B5EF4-FFF2-40B4-BE49-F238E27FC236}">
-                <a16:creationId xmlns:a16="http://schemas.microsoft.com/office/drawing/2014/main" id="{78DD411D-C9F6-FE7D-7DDA-33B14B3BDE86}"/>
+                <a16:creationId xmlns:a16="http://schemas.microsoft.com/office/drawing/2014/main" id="{A7CB913E-099E-0E84-44CA-67330B6EC3ED}"/>
               </a:ext>
             </a:extLst>
           </p:cNvPr>
@@ -8547,7 +12314,7 @@
         </p:blipFill>
         <p:spPr>
           <a:xfrm>
-            <a:off x="499621" y="1275498"/>
+            <a:off x="210650" y="5022794"/>
             <a:ext cx="4518341" cy="1506113"/>
           </a:xfrm>
           <a:prstGeom prst="rect">
@@ -8555,6 +12322,161 @@
           </a:prstGeom>
         </p:spPr>
       </p:pic>
+      <p:sp>
+        <p:nvSpPr>
+          <p:cNvPr id="3" name="TextBox 2">
+            <a:extLst>
+              <a:ext uri="{FF2B5EF4-FFF2-40B4-BE49-F238E27FC236}">
+                <a16:creationId xmlns:a16="http://schemas.microsoft.com/office/drawing/2014/main" id="{47C9FFF7-4179-5B7F-C768-D0C9C13DE967}"/>
+              </a:ext>
+            </a:extLst>
+          </p:cNvPr>
+          <p:cNvSpPr txBox="1"/>
+          <p:nvPr/>
+        </p:nvSpPr>
+        <p:spPr>
+          <a:xfrm>
+            <a:off x="210649" y="1516228"/>
+            <a:ext cx="3154718" cy="400110"/>
+          </a:xfrm>
+          <a:prstGeom prst="rect">
+            <a:avLst/>
+          </a:prstGeom>
+          <a:noFill/>
+        </p:spPr>
+        <p:txBody>
+          <a:bodyPr wrap="square" rtlCol="0">
+            <a:spAutoFit/>
+          </a:bodyPr>
+          <a:lstStyle/>
+          <a:p>
+            <a:r>
+              <a:rPr lang="en-US" sz="2000" b="1" dirty="0">
+                <a:latin typeface="Calibri" panose="020F0502020204030204" pitchFamily="34" charset="0"/>
+                <a:cs typeface="Calibri" panose="020F0502020204030204" pitchFamily="34" charset="0"/>
+              </a:rPr>
+              <a:t>Image: Solid square</a:t>
+            </a:r>
+          </a:p>
+        </p:txBody>
+      </p:sp>
+      <p:sp>
+        <p:nvSpPr>
+          <p:cNvPr id="5" name="TextBox 4">
+            <a:extLst>
+              <a:ext uri="{FF2B5EF4-FFF2-40B4-BE49-F238E27FC236}">
+                <a16:creationId xmlns:a16="http://schemas.microsoft.com/office/drawing/2014/main" id="{9EC5B22B-C333-A2DF-7DA4-6552F8234FEE}"/>
+              </a:ext>
+            </a:extLst>
+          </p:cNvPr>
+          <p:cNvSpPr txBox="1"/>
+          <p:nvPr/>
+        </p:nvSpPr>
+        <p:spPr>
+          <a:xfrm>
+            <a:off x="892461" y="1933123"/>
+            <a:ext cx="3154718" cy="369332"/>
+          </a:xfrm>
+          <a:prstGeom prst="rect">
+            <a:avLst/>
+          </a:prstGeom>
+          <a:noFill/>
+        </p:spPr>
+        <p:txBody>
+          <a:bodyPr wrap="square" rtlCol="0">
+            <a:spAutoFit/>
+          </a:bodyPr>
+          <a:lstStyle/>
+          <a:p>
+            <a:pPr algn="ctr"/>
+            <a:r>
+              <a:rPr lang="en-US" b="1" dirty="0">
+                <a:latin typeface="Calibri" panose="020F0502020204030204" pitchFamily="34" charset="0"/>
+                <a:cs typeface="Calibri" panose="020F0502020204030204" pitchFamily="34" charset="0"/>
+              </a:rPr>
+              <a:t>Dilation</a:t>
+            </a:r>
+          </a:p>
+        </p:txBody>
+      </p:sp>
+      <p:sp>
+        <p:nvSpPr>
+          <p:cNvPr id="6" name="TextBox 5">
+            <a:extLst>
+              <a:ext uri="{FF2B5EF4-FFF2-40B4-BE49-F238E27FC236}">
+                <a16:creationId xmlns:a16="http://schemas.microsoft.com/office/drawing/2014/main" id="{7BFFDCDD-E54A-2F4E-3789-36B9CD647F55}"/>
+              </a:ext>
+            </a:extLst>
+          </p:cNvPr>
+          <p:cNvSpPr txBox="1"/>
+          <p:nvPr/>
+        </p:nvSpPr>
+        <p:spPr>
+          <a:xfrm>
+            <a:off x="8144817" y="1935710"/>
+            <a:ext cx="3154718" cy="369332"/>
+          </a:xfrm>
+          <a:prstGeom prst="rect">
+            <a:avLst/>
+          </a:prstGeom>
+          <a:noFill/>
+        </p:spPr>
+        <p:txBody>
+          <a:bodyPr wrap="square" rtlCol="0">
+            <a:spAutoFit/>
+          </a:bodyPr>
+          <a:lstStyle/>
+          <a:p>
+            <a:pPr algn="ctr"/>
+            <a:r>
+              <a:rPr lang="en-US" b="1" dirty="0">
+                <a:latin typeface="Calibri" panose="020F0502020204030204" pitchFamily="34" charset="0"/>
+                <a:cs typeface="Calibri" panose="020F0502020204030204" pitchFamily="34" charset="0"/>
+              </a:rPr>
+              <a:t>Erosion</a:t>
+            </a:r>
+          </a:p>
+        </p:txBody>
+      </p:sp>
+      <p:sp>
+        <p:nvSpPr>
+          <p:cNvPr id="7" name="TextBox 6">
+            <a:extLst>
+              <a:ext uri="{FF2B5EF4-FFF2-40B4-BE49-F238E27FC236}">
+                <a16:creationId xmlns:a16="http://schemas.microsoft.com/office/drawing/2014/main" id="{1F74DE43-3C03-93D6-A7D3-27521FB5B103}"/>
+              </a:ext>
+            </a:extLst>
+          </p:cNvPr>
+          <p:cNvSpPr txBox="1"/>
+          <p:nvPr/>
+        </p:nvSpPr>
+        <p:spPr>
+          <a:xfrm>
+            <a:off x="210648" y="966323"/>
+            <a:ext cx="11322843" cy="584775"/>
+          </a:xfrm>
+          <a:prstGeom prst="rect">
+            <a:avLst/>
+          </a:prstGeom>
+          <a:noFill/>
+        </p:spPr>
+        <p:txBody>
+          <a:bodyPr wrap="square" rtlCol="0">
+            <a:spAutoFit/>
+          </a:bodyPr>
+          <a:lstStyle/>
+          <a:p>
+            <a:pPr algn="just"/>
+            <a:r>
+              <a:rPr lang="en-US" sz="1600" dirty="0">
+                <a:latin typeface="Calibri" panose="020F0502020204030204" pitchFamily="34" charset="0"/>
+                <a:cs typeface="Calibri" panose="020F0502020204030204" pitchFamily="34" charset="0"/>
+              </a:rPr>
+              <a:t>Now, it’s time to try them numerically with Python. The images, as before, are a 5x5 solid square, 10x10 hollow square that is 2 units thick, a plus symbol, and a dumbbell. The structuring elements are still a 2x2 solid square, a 2x1 solid rectangle, and a 5x5 solid square.</a:t>
+            </a:r>
+          </a:p>
+        </p:txBody>
+      </p:sp>
     </p:spTree>
     <p:extLst>
       <p:ext uri="{BB962C8B-B14F-4D97-AF65-F5344CB8AC3E}">
@@ -8587,59 +12509,6 @@
       </p:grpSpPr>
       <p:sp>
         <p:nvSpPr>
-          <p:cNvPr id="104" name="PlaceHolder 2"/>
-          <p:cNvSpPr>
-            <a:spLocks noGrp="1"/>
-          </p:cNvSpPr>
-          <p:nvPr>
-            <p:ph type="title"/>
-          </p:nvPr>
-        </p:nvSpPr>
-        <p:spPr>
-          <a:xfrm>
-            <a:off x="838080" y="365040"/>
-            <a:ext cx="10515240" cy="1325160"/>
-          </a:xfrm>
-          <a:prstGeom prst="rect">
-            <a:avLst/>
-          </a:prstGeom>
-          <a:noFill/>
-          <a:ln w="0">
-            <a:noFill/>
-          </a:ln>
-        </p:spPr>
-        <p:txBody>
-          <a:bodyPr anchor="ctr">
-            <a:noAutofit/>
-          </a:bodyPr>
-          <a:lstStyle/>
-          <a:p>
-            <a:pPr>
-              <a:lnSpc>
-                <a:spcPct val="90000"/>
-              </a:lnSpc>
-              <a:buNone/>
-            </a:pPr>
-            <a:r>
-              <a:rPr lang="en-US" sz="4400" b="0" strike="noStrike" spc="-1">
-                <a:solidFill>
-                  <a:srgbClr val="000000"/>
-                </a:solidFill>
-                <a:latin typeface="Calibri Light"/>
-              </a:rPr>
-              <a:t>RESULTS &amp; ANALYSIS</a:t>
-            </a:r>
-            <a:endParaRPr lang="en-US" sz="4400" b="0" strike="noStrike" spc="-1">
-              <a:solidFill>
-                <a:srgbClr val="000000"/>
-              </a:solidFill>
-              <a:latin typeface="Calibri"/>
-            </a:endParaRPr>
-          </a:p>
-        </p:txBody>
-      </p:sp>
-      <p:sp>
-        <p:nvSpPr>
           <p:cNvPr id="105" name="Content Placeholder 2"/>
           <p:cNvSpPr/>
           <p:nvPr/>
@@ -8740,8 +12609,8 @@
         </p:blipFill>
         <p:spPr>
           <a:xfrm>
-            <a:off x="973803" y="1690200"/>
-            <a:ext cx="3777306" cy="1259102"/>
+            <a:off x="973802" y="1968528"/>
+            <a:ext cx="4381413" cy="1460471"/>
           </a:xfrm>
           <a:prstGeom prst="rect">
             <a:avLst/>
@@ -8776,8 +12645,8 @@
         </p:blipFill>
         <p:spPr>
           <a:xfrm>
-            <a:off x="6940970" y="5111729"/>
-            <a:ext cx="3777306" cy="1259102"/>
+            <a:off x="6936975" y="4990710"/>
+            <a:ext cx="4381413" cy="1460471"/>
           </a:xfrm>
           <a:prstGeom prst="rect">
             <a:avLst/>
@@ -8812,8 +12681,8 @@
         </p:blipFill>
         <p:spPr>
           <a:xfrm>
-            <a:off x="5988862" y="2865507"/>
-            <a:ext cx="3777306" cy="1259102"/>
+            <a:off x="6936975" y="3479618"/>
+            <a:ext cx="4381413" cy="1460471"/>
           </a:xfrm>
           <a:prstGeom prst="rect">
             <a:avLst/>
@@ -8848,8 +12717,8 @@
         </p:blipFill>
         <p:spPr>
           <a:xfrm>
-            <a:off x="7148360" y="1540347"/>
-            <a:ext cx="3777306" cy="1259102"/>
+            <a:off x="6936975" y="1977389"/>
+            <a:ext cx="4381413" cy="1460471"/>
           </a:xfrm>
           <a:prstGeom prst="rect">
             <a:avLst/>
@@ -8884,8 +12753,8 @@
         </p:blipFill>
         <p:spPr>
           <a:xfrm>
-            <a:off x="838080" y="4871880"/>
-            <a:ext cx="3777306" cy="1259102"/>
+            <a:off x="973801" y="4990710"/>
+            <a:ext cx="4381413" cy="1460471"/>
           </a:xfrm>
           <a:prstGeom prst="rect">
             <a:avLst/>
@@ -8920,14 +12789,200 @@
         </p:blipFill>
         <p:spPr>
           <a:xfrm>
-            <a:off x="973803" y="3294669"/>
-            <a:ext cx="3777306" cy="1259102"/>
+            <a:off x="973801" y="3479619"/>
+            <a:ext cx="4381413" cy="1460471"/>
           </a:xfrm>
           <a:prstGeom prst="rect">
             <a:avLst/>
           </a:prstGeom>
         </p:spPr>
       </p:pic>
+      <p:sp>
+        <p:nvSpPr>
+          <p:cNvPr id="2" name="PlaceHolder 2">
+            <a:extLst>
+              <a:ext uri="{FF2B5EF4-FFF2-40B4-BE49-F238E27FC236}">
+                <a16:creationId xmlns:a16="http://schemas.microsoft.com/office/drawing/2014/main" id="{3F51C09C-5A0A-F88F-8206-2E7B08504D30}"/>
+              </a:ext>
+            </a:extLst>
+          </p:cNvPr>
+          <p:cNvSpPr txBox="1">
+            <a:spLocks/>
+          </p:cNvSpPr>
+          <p:nvPr/>
+        </p:nvSpPr>
+        <p:spPr>
+          <a:xfrm>
+            <a:off x="-1" y="0"/>
+            <a:ext cx="12191759" cy="1325160"/>
+          </a:xfrm>
+          <a:prstGeom prst="rect">
+            <a:avLst/>
+          </a:prstGeom>
+          <a:noFill/>
+          <a:ln w="0">
+            <a:noFill/>
+          </a:ln>
+        </p:spPr>
+        <p:txBody>
+          <a:bodyPr anchor="ctr">
+            <a:noAutofit/>
+          </a:bodyPr>
+          <a:lstStyle>
+            <a:lvl1pPr algn="l" defTabSz="914400" rtl="0" eaLnBrk="1" latinLnBrk="0" hangingPunct="1">
+              <a:lnSpc>
+                <a:spcPct val="90000"/>
+              </a:lnSpc>
+              <a:spcBef>
+                <a:spcPct val="0"/>
+              </a:spcBef>
+              <a:buNone/>
+              <a:defRPr sz="4400" kern="1200">
+                <a:solidFill>
+                  <a:schemeClr val="tx1"/>
+                </a:solidFill>
+                <a:latin typeface="+mj-lt"/>
+                <a:ea typeface="+mj-ea"/>
+                <a:cs typeface="+mj-cs"/>
+              </a:defRPr>
+            </a:lvl1pPr>
+          </a:lstStyle>
+          <a:p>
+            <a:pPr algn="ctr"/>
+            <a:r>
+              <a:rPr lang="en-US" b="1" spc="-1" dirty="0">
+                <a:solidFill>
+                  <a:srgbClr val="000000"/>
+                </a:solidFill>
+                <a:latin typeface="Calibri Light"/>
+              </a:rPr>
+              <a:t>MORPHOLOGICAL OPERATIONS - NUMERICAL</a:t>
+            </a:r>
+            <a:endParaRPr lang="en-US" b="1" spc="-1" dirty="0">
+              <a:solidFill>
+                <a:srgbClr val="000000"/>
+              </a:solidFill>
+              <a:latin typeface="Calibri"/>
+            </a:endParaRPr>
+          </a:p>
+        </p:txBody>
+      </p:sp>
+      <p:sp>
+        <p:nvSpPr>
+          <p:cNvPr id="4" name="TextBox 3">
+            <a:extLst>
+              <a:ext uri="{FF2B5EF4-FFF2-40B4-BE49-F238E27FC236}">
+                <a16:creationId xmlns:a16="http://schemas.microsoft.com/office/drawing/2014/main" id="{62AD4DC3-6268-F25F-9E4E-050E7F4243DC}"/>
+              </a:ext>
+            </a:extLst>
+          </p:cNvPr>
+          <p:cNvSpPr txBox="1"/>
+          <p:nvPr/>
+        </p:nvSpPr>
+        <p:spPr>
+          <a:xfrm>
+            <a:off x="229502" y="1191163"/>
+            <a:ext cx="3154718" cy="400110"/>
+          </a:xfrm>
+          <a:prstGeom prst="rect">
+            <a:avLst/>
+          </a:prstGeom>
+          <a:noFill/>
+        </p:spPr>
+        <p:txBody>
+          <a:bodyPr wrap="square" rtlCol="0">
+            <a:spAutoFit/>
+          </a:bodyPr>
+          <a:lstStyle/>
+          <a:p>
+            <a:r>
+              <a:rPr lang="en-US" sz="2000" b="1" dirty="0">
+                <a:latin typeface="Calibri" panose="020F0502020204030204" pitchFamily="34" charset="0"/>
+                <a:cs typeface="Calibri" panose="020F0502020204030204" pitchFamily="34" charset="0"/>
+              </a:rPr>
+              <a:t>Image: Hollow square</a:t>
+            </a:r>
+          </a:p>
+        </p:txBody>
+      </p:sp>
+      <p:sp>
+        <p:nvSpPr>
+          <p:cNvPr id="5" name="TextBox 4">
+            <a:extLst>
+              <a:ext uri="{FF2B5EF4-FFF2-40B4-BE49-F238E27FC236}">
+                <a16:creationId xmlns:a16="http://schemas.microsoft.com/office/drawing/2014/main" id="{12ABC611-E813-C82E-CBF2-851327F71385}"/>
+              </a:ext>
+            </a:extLst>
+          </p:cNvPr>
+          <p:cNvSpPr txBox="1"/>
+          <p:nvPr/>
+        </p:nvSpPr>
+        <p:spPr>
+          <a:xfrm>
+            <a:off x="1587149" y="1608057"/>
+            <a:ext cx="3154718" cy="369332"/>
+          </a:xfrm>
+          <a:prstGeom prst="rect">
+            <a:avLst/>
+          </a:prstGeom>
+          <a:noFill/>
+        </p:spPr>
+        <p:txBody>
+          <a:bodyPr wrap="square" rtlCol="0">
+            <a:spAutoFit/>
+          </a:bodyPr>
+          <a:lstStyle/>
+          <a:p>
+            <a:pPr algn="ctr"/>
+            <a:r>
+              <a:rPr lang="en-US" b="1" dirty="0">
+                <a:latin typeface="Calibri" panose="020F0502020204030204" pitchFamily="34" charset="0"/>
+                <a:cs typeface="Calibri" panose="020F0502020204030204" pitchFamily="34" charset="0"/>
+              </a:rPr>
+              <a:t>Dilation</a:t>
+            </a:r>
+          </a:p>
+        </p:txBody>
+      </p:sp>
+      <p:sp>
+        <p:nvSpPr>
+          <p:cNvPr id="7" name="TextBox 6">
+            <a:extLst>
+              <a:ext uri="{FF2B5EF4-FFF2-40B4-BE49-F238E27FC236}">
+                <a16:creationId xmlns:a16="http://schemas.microsoft.com/office/drawing/2014/main" id="{6DACF479-09E4-20F9-3C7B-E03A68F10EBB}"/>
+              </a:ext>
+            </a:extLst>
+          </p:cNvPr>
+          <p:cNvSpPr txBox="1"/>
+          <p:nvPr/>
+        </p:nvSpPr>
+        <p:spPr>
+          <a:xfrm>
+            <a:off x="7550322" y="1557436"/>
+            <a:ext cx="3154718" cy="369332"/>
+          </a:xfrm>
+          <a:prstGeom prst="rect">
+            <a:avLst/>
+          </a:prstGeom>
+          <a:noFill/>
+        </p:spPr>
+        <p:txBody>
+          <a:bodyPr wrap="square" rtlCol="0">
+            <a:spAutoFit/>
+          </a:bodyPr>
+          <a:lstStyle/>
+          <a:p>
+            <a:pPr algn="ctr"/>
+            <a:r>
+              <a:rPr lang="en-US" b="1" dirty="0">
+                <a:latin typeface="Calibri" panose="020F0502020204030204" pitchFamily="34" charset="0"/>
+                <a:cs typeface="Calibri" panose="020F0502020204030204" pitchFamily="34" charset="0"/>
+              </a:rPr>
+              <a:t>Erosion</a:t>
+            </a:r>
+          </a:p>
+        </p:txBody>
+      </p:sp>
     </p:spTree>
     <p:extLst>
       <p:ext uri="{BB962C8B-B14F-4D97-AF65-F5344CB8AC3E}">
@@ -8960,59 +13015,6 @@
       </p:grpSpPr>
       <p:sp>
         <p:nvSpPr>
-          <p:cNvPr id="104" name="PlaceHolder 2"/>
-          <p:cNvSpPr>
-            <a:spLocks noGrp="1"/>
-          </p:cNvSpPr>
-          <p:nvPr>
-            <p:ph type="title"/>
-          </p:nvPr>
-        </p:nvSpPr>
-        <p:spPr>
-          <a:xfrm>
-            <a:off x="838080" y="365040"/>
-            <a:ext cx="10515240" cy="1325160"/>
-          </a:xfrm>
-          <a:prstGeom prst="rect">
-            <a:avLst/>
-          </a:prstGeom>
-          <a:noFill/>
-          <a:ln w="0">
-            <a:noFill/>
-          </a:ln>
-        </p:spPr>
-        <p:txBody>
-          <a:bodyPr anchor="ctr">
-            <a:noAutofit/>
-          </a:bodyPr>
-          <a:lstStyle/>
-          <a:p>
-            <a:pPr>
-              <a:lnSpc>
-                <a:spcPct val="90000"/>
-              </a:lnSpc>
-              <a:buNone/>
-            </a:pPr>
-            <a:r>
-              <a:rPr lang="en-US" sz="4400" b="0" strike="noStrike" spc="-1">
-                <a:solidFill>
-                  <a:srgbClr val="000000"/>
-                </a:solidFill>
-                <a:latin typeface="Calibri Light"/>
-              </a:rPr>
-              <a:t>RESULTS &amp; ANALYSIS</a:t>
-            </a:r>
-            <a:endParaRPr lang="en-US" sz="4400" b="0" strike="noStrike" spc="-1">
-              <a:solidFill>
-                <a:srgbClr val="000000"/>
-              </a:solidFill>
-              <a:latin typeface="Calibri"/>
-            </a:endParaRPr>
-          </a:p>
-        </p:txBody>
-      </p:sp>
-      <p:sp>
-        <p:nvSpPr>
           <p:cNvPr id="105" name="Content Placeholder 2"/>
           <p:cNvSpPr/>
           <p:nvPr/>
@@ -9113,8 +13115,8 @@
         </p:blipFill>
         <p:spPr>
           <a:xfrm>
-            <a:off x="593887" y="1434707"/>
-            <a:ext cx="3877559" cy="1292520"/>
+            <a:off x="715650" y="1799996"/>
+            <a:ext cx="4887011" cy="1629004"/>
           </a:xfrm>
           <a:prstGeom prst="rect">
             <a:avLst/>
@@ -9149,8 +13151,8 @@
         </p:blipFill>
         <p:spPr>
           <a:xfrm>
-            <a:off x="6570481" y="5047597"/>
-            <a:ext cx="3877559" cy="1292520"/>
+            <a:off x="6684170" y="3388225"/>
+            <a:ext cx="4887008" cy="1629003"/>
           </a:xfrm>
           <a:prstGeom prst="rect">
             <a:avLst/>
@@ -9185,8 +13187,8 @@
         </p:blipFill>
         <p:spPr>
           <a:xfrm>
-            <a:off x="282802" y="4777033"/>
-            <a:ext cx="3877559" cy="1292520"/>
+            <a:off x="715651" y="4981676"/>
+            <a:ext cx="4887011" cy="1629004"/>
           </a:xfrm>
           <a:prstGeom prst="rect">
             <a:avLst/>
@@ -9221,8 +13223,8 @@
         </p:blipFill>
         <p:spPr>
           <a:xfrm>
-            <a:off x="6890992" y="3334013"/>
-            <a:ext cx="3877559" cy="1292520"/>
+            <a:off x="6684170" y="4890457"/>
+            <a:ext cx="4887008" cy="1629003"/>
           </a:xfrm>
           <a:prstGeom prst="rect">
             <a:avLst/>
@@ -9257,8 +13259,8 @@
         </p:blipFill>
         <p:spPr>
           <a:xfrm>
-            <a:off x="0" y="2985666"/>
-            <a:ext cx="3877559" cy="1292520"/>
+            <a:off x="715649" y="3429000"/>
+            <a:ext cx="4887011" cy="1629004"/>
           </a:xfrm>
           <a:prstGeom prst="rect">
             <a:avLst/>
@@ -9293,14 +13295,200 @@
         </p:blipFill>
         <p:spPr>
           <a:xfrm>
-            <a:off x="6095700" y="1349866"/>
-            <a:ext cx="3877559" cy="1292520"/>
+            <a:off x="6684175" y="1799996"/>
+            <a:ext cx="4887011" cy="1629004"/>
           </a:xfrm>
           <a:prstGeom prst="rect">
             <a:avLst/>
           </a:prstGeom>
         </p:spPr>
       </p:pic>
+      <p:sp>
+        <p:nvSpPr>
+          <p:cNvPr id="2" name="PlaceHolder 2">
+            <a:extLst>
+              <a:ext uri="{FF2B5EF4-FFF2-40B4-BE49-F238E27FC236}">
+                <a16:creationId xmlns:a16="http://schemas.microsoft.com/office/drawing/2014/main" id="{B87A56CB-70C9-AE04-FCAC-05DBCD254831}"/>
+              </a:ext>
+            </a:extLst>
+          </p:cNvPr>
+          <p:cNvSpPr txBox="1">
+            <a:spLocks/>
+          </p:cNvSpPr>
+          <p:nvPr/>
+        </p:nvSpPr>
+        <p:spPr>
+          <a:xfrm>
+            <a:off x="-1" y="0"/>
+            <a:ext cx="12191759" cy="1325160"/>
+          </a:xfrm>
+          <a:prstGeom prst="rect">
+            <a:avLst/>
+          </a:prstGeom>
+          <a:noFill/>
+          <a:ln w="0">
+            <a:noFill/>
+          </a:ln>
+        </p:spPr>
+        <p:txBody>
+          <a:bodyPr anchor="ctr">
+            <a:noAutofit/>
+          </a:bodyPr>
+          <a:lstStyle>
+            <a:lvl1pPr algn="l" defTabSz="914400" rtl="0" eaLnBrk="1" latinLnBrk="0" hangingPunct="1">
+              <a:lnSpc>
+                <a:spcPct val="90000"/>
+              </a:lnSpc>
+              <a:spcBef>
+                <a:spcPct val="0"/>
+              </a:spcBef>
+              <a:buNone/>
+              <a:defRPr sz="4400" kern="1200">
+                <a:solidFill>
+                  <a:schemeClr val="tx1"/>
+                </a:solidFill>
+                <a:latin typeface="+mj-lt"/>
+                <a:ea typeface="+mj-ea"/>
+                <a:cs typeface="+mj-cs"/>
+              </a:defRPr>
+            </a:lvl1pPr>
+          </a:lstStyle>
+          <a:p>
+            <a:pPr algn="ctr"/>
+            <a:r>
+              <a:rPr lang="en-US" b="1" spc="-1" dirty="0">
+                <a:solidFill>
+                  <a:srgbClr val="000000"/>
+                </a:solidFill>
+                <a:latin typeface="Calibri Light"/>
+              </a:rPr>
+              <a:t>MORPHOLOGICAL OPERATIONS - NUMERICAL</a:t>
+            </a:r>
+            <a:endParaRPr lang="en-US" b="1" spc="-1" dirty="0">
+              <a:solidFill>
+                <a:srgbClr val="000000"/>
+              </a:solidFill>
+              <a:latin typeface="Calibri"/>
+            </a:endParaRPr>
+          </a:p>
+        </p:txBody>
+      </p:sp>
+      <p:sp>
+        <p:nvSpPr>
+          <p:cNvPr id="3" name="TextBox 2">
+            <a:extLst>
+              <a:ext uri="{FF2B5EF4-FFF2-40B4-BE49-F238E27FC236}">
+                <a16:creationId xmlns:a16="http://schemas.microsoft.com/office/drawing/2014/main" id="{9097BD6D-02C8-89D3-66DB-1CCE0A79CDD1}"/>
+              </a:ext>
+            </a:extLst>
+          </p:cNvPr>
+          <p:cNvSpPr txBox="1"/>
+          <p:nvPr/>
+        </p:nvSpPr>
+        <p:spPr>
+          <a:xfrm>
+            <a:off x="229502" y="1191163"/>
+            <a:ext cx="3154718" cy="400110"/>
+          </a:xfrm>
+          <a:prstGeom prst="rect">
+            <a:avLst/>
+          </a:prstGeom>
+          <a:noFill/>
+        </p:spPr>
+        <p:txBody>
+          <a:bodyPr wrap="square" rtlCol="0">
+            <a:spAutoFit/>
+          </a:bodyPr>
+          <a:lstStyle/>
+          <a:p>
+            <a:r>
+              <a:rPr lang="en-US" sz="2000" b="1" dirty="0">
+                <a:latin typeface="Calibri" panose="020F0502020204030204" pitchFamily="34" charset="0"/>
+                <a:cs typeface="Calibri" panose="020F0502020204030204" pitchFamily="34" charset="0"/>
+              </a:rPr>
+              <a:t>Image: Plus symbol</a:t>
+            </a:r>
+          </a:p>
+        </p:txBody>
+      </p:sp>
+      <p:sp>
+        <p:nvSpPr>
+          <p:cNvPr id="5" name="TextBox 4">
+            <a:extLst>
+              <a:ext uri="{FF2B5EF4-FFF2-40B4-BE49-F238E27FC236}">
+                <a16:creationId xmlns:a16="http://schemas.microsoft.com/office/drawing/2014/main" id="{9288D111-8280-2A8F-FEB3-D05FEDF35723}"/>
+              </a:ext>
+            </a:extLst>
+          </p:cNvPr>
+          <p:cNvSpPr txBox="1"/>
+          <p:nvPr/>
+        </p:nvSpPr>
+        <p:spPr>
+          <a:xfrm>
+            <a:off x="1587149" y="1608057"/>
+            <a:ext cx="3154718" cy="369332"/>
+          </a:xfrm>
+          <a:prstGeom prst="rect">
+            <a:avLst/>
+          </a:prstGeom>
+          <a:noFill/>
+        </p:spPr>
+        <p:txBody>
+          <a:bodyPr wrap="square" rtlCol="0">
+            <a:spAutoFit/>
+          </a:bodyPr>
+          <a:lstStyle/>
+          <a:p>
+            <a:pPr algn="ctr"/>
+            <a:r>
+              <a:rPr lang="en-US" b="1" dirty="0">
+                <a:latin typeface="Calibri" panose="020F0502020204030204" pitchFamily="34" charset="0"/>
+                <a:cs typeface="Calibri" panose="020F0502020204030204" pitchFamily="34" charset="0"/>
+              </a:rPr>
+              <a:t>Dilation</a:t>
+            </a:r>
+          </a:p>
+        </p:txBody>
+      </p:sp>
+      <p:sp>
+        <p:nvSpPr>
+          <p:cNvPr id="6" name="TextBox 5">
+            <a:extLst>
+              <a:ext uri="{FF2B5EF4-FFF2-40B4-BE49-F238E27FC236}">
+                <a16:creationId xmlns:a16="http://schemas.microsoft.com/office/drawing/2014/main" id="{1E72374F-1706-E19B-83B8-F2FAF250422F}"/>
+              </a:ext>
+            </a:extLst>
+          </p:cNvPr>
+          <p:cNvSpPr txBox="1"/>
+          <p:nvPr/>
+        </p:nvSpPr>
+        <p:spPr>
+          <a:xfrm>
+            <a:off x="7550322" y="1557436"/>
+            <a:ext cx="3154718" cy="369332"/>
+          </a:xfrm>
+          <a:prstGeom prst="rect">
+            <a:avLst/>
+          </a:prstGeom>
+          <a:noFill/>
+        </p:spPr>
+        <p:txBody>
+          <a:bodyPr wrap="square" rtlCol="0">
+            <a:spAutoFit/>
+          </a:bodyPr>
+          <a:lstStyle/>
+          <a:p>
+            <a:pPr algn="ctr"/>
+            <a:r>
+              <a:rPr lang="en-US" b="1" dirty="0">
+                <a:latin typeface="Calibri" panose="020F0502020204030204" pitchFamily="34" charset="0"/>
+                <a:cs typeface="Calibri" panose="020F0502020204030204" pitchFamily="34" charset="0"/>
+              </a:rPr>
+              <a:t>Erosion</a:t>
+            </a:r>
+          </a:p>
+        </p:txBody>
+      </p:sp>
     </p:spTree>
     <p:extLst>
       <p:ext uri="{BB962C8B-B14F-4D97-AF65-F5344CB8AC3E}">
@@ -9333,59 +13521,6 @@
       </p:grpSpPr>
       <p:sp>
         <p:nvSpPr>
-          <p:cNvPr id="104" name="PlaceHolder 2"/>
-          <p:cNvSpPr>
-            <a:spLocks noGrp="1"/>
-          </p:cNvSpPr>
-          <p:nvPr>
-            <p:ph type="title"/>
-          </p:nvPr>
-        </p:nvSpPr>
-        <p:spPr>
-          <a:xfrm>
-            <a:off x="838080" y="365040"/>
-            <a:ext cx="10515240" cy="1325160"/>
-          </a:xfrm>
-          <a:prstGeom prst="rect">
-            <a:avLst/>
-          </a:prstGeom>
-          <a:noFill/>
-          <a:ln w="0">
-            <a:noFill/>
-          </a:ln>
-        </p:spPr>
-        <p:txBody>
-          <a:bodyPr anchor="ctr">
-            <a:noAutofit/>
-          </a:bodyPr>
-          <a:lstStyle/>
-          <a:p>
-            <a:pPr>
-              <a:lnSpc>
-                <a:spcPct val="90000"/>
-              </a:lnSpc>
-              <a:buNone/>
-            </a:pPr>
-            <a:r>
-              <a:rPr lang="en-US" sz="4400" b="0" strike="noStrike" spc="-1">
-                <a:solidFill>
-                  <a:srgbClr val="000000"/>
-                </a:solidFill>
-                <a:latin typeface="Calibri Light"/>
-              </a:rPr>
-              <a:t>RESULTS &amp; ANALYSIS</a:t>
-            </a:r>
-            <a:endParaRPr lang="en-US" sz="4400" b="0" strike="noStrike" spc="-1">
-              <a:solidFill>
-                <a:srgbClr val="000000"/>
-              </a:solidFill>
-              <a:latin typeface="Calibri"/>
-            </a:endParaRPr>
-          </a:p>
-        </p:txBody>
-      </p:sp>
-      <p:sp>
-        <p:nvSpPr>
           <p:cNvPr id="105" name="Content Placeholder 2"/>
           <p:cNvSpPr/>
           <p:nvPr/>
@@ -9486,8 +13621,8 @@
         </p:blipFill>
         <p:spPr>
           <a:xfrm>
-            <a:off x="838080" y="1774072"/>
-            <a:ext cx="3707876" cy="1235959"/>
+            <a:off x="779892" y="1763474"/>
+            <a:ext cx="4769232" cy="1589744"/>
           </a:xfrm>
           <a:prstGeom prst="rect">
             <a:avLst/>
@@ -9522,8 +13657,8 @@
         </p:blipFill>
         <p:spPr>
           <a:xfrm>
-            <a:off x="6871235" y="4745373"/>
-            <a:ext cx="3707876" cy="1235959"/>
+            <a:off x="6743064" y="4942962"/>
+            <a:ext cx="4769231" cy="1589744"/>
           </a:xfrm>
           <a:prstGeom prst="rect">
             <a:avLst/>
@@ -9558,8 +13693,8 @@
         </p:blipFill>
         <p:spPr>
           <a:xfrm>
-            <a:off x="6984357" y="3131532"/>
-            <a:ext cx="3707876" cy="1235959"/>
+            <a:off x="6743064" y="3353218"/>
+            <a:ext cx="4769231" cy="1589744"/>
           </a:xfrm>
           <a:prstGeom prst="rect">
             <a:avLst/>
@@ -9594,8 +13729,8 @@
         </p:blipFill>
         <p:spPr>
           <a:xfrm>
-            <a:off x="7319250" y="1552714"/>
-            <a:ext cx="3707876" cy="1235959"/>
+            <a:off x="6743065" y="1763474"/>
+            <a:ext cx="4769231" cy="1589744"/>
           </a:xfrm>
           <a:prstGeom prst="rect">
             <a:avLst/>
@@ -9630,8 +13765,8 @@
         </p:blipFill>
         <p:spPr>
           <a:xfrm>
-            <a:off x="432727" y="4894227"/>
-            <a:ext cx="3707876" cy="1235959"/>
+            <a:off x="779892" y="3353218"/>
+            <a:ext cx="4769232" cy="1589744"/>
           </a:xfrm>
           <a:prstGeom prst="rect">
             <a:avLst/>
@@ -9666,14 +13801,200 @@
         </p:blipFill>
         <p:spPr>
           <a:xfrm>
-            <a:off x="640117" y="3418021"/>
-            <a:ext cx="3707876" cy="1235959"/>
+            <a:off x="779892" y="5004524"/>
+            <a:ext cx="4769232" cy="1589744"/>
           </a:xfrm>
           <a:prstGeom prst="rect">
             <a:avLst/>
           </a:prstGeom>
         </p:spPr>
       </p:pic>
+      <p:sp>
+        <p:nvSpPr>
+          <p:cNvPr id="2" name="PlaceHolder 2">
+            <a:extLst>
+              <a:ext uri="{FF2B5EF4-FFF2-40B4-BE49-F238E27FC236}">
+                <a16:creationId xmlns:a16="http://schemas.microsoft.com/office/drawing/2014/main" id="{EBD4BFE6-84A5-4509-1558-CFB67740701B}"/>
+              </a:ext>
+            </a:extLst>
+          </p:cNvPr>
+          <p:cNvSpPr txBox="1">
+            <a:spLocks/>
+          </p:cNvSpPr>
+          <p:nvPr/>
+        </p:nvSpPr>
+        <p:spPr>
+          <a:xfrm>
+            <a:off x="-1" y="0"/>
+            <a:ext cx="12191759" cy="1325160"/>
+          </a:xfrm>
+          <a:prstGeom prst="rect">
+            <a:avLst/>
+          </a:prstGeom>
+          <a:noFill/>
+          <a:ln w="0">
+            <a:noFill/>
+          </a:ln>
+        </p:spPr>
+        <p:txBody>
+          <a:bodyPr anchor="ctr">
+            <a:noAutofit/>
+          </a:bodyPr>
+          <a:lstStyle>
+            <a:lvl1pPr algn="l" defTabSz="914400" rtl="0" eaLnBrk="1" latinLnBrk="0" hangingPunct="1">
+              <a:lnSpc>
+                <a:spcPct val="90000"/>
+              </a:lnSpc>
+              <a:spcBef>
+                <a:spcPct val="0"/>
+              </a:spcBef>
+              <a:buNone/>
+              <a:defRPr sz="4400" kern="1200">
+                <a:solidFill>
+                  <a:schemeClr val="tx1"/>
+                </a:solidFill>
+                <a:latin typeface="+mj-lt"/>
+                <a:ea typeface="+mj-ea"/>
+                <a:cs typeface="+mj-cs"/>
+              </a:defRPr>
+            </a:lvl1pPr>
+          </a:lstStyle>
+          <a:p>
+            <a:pPr algn="ctr"/>
+            <a:r>
+              <a:rPr lang="en-US" b="1" spc="-1" dirty="0">
+                <a:solidFill>
+                  <a:srgbClr val="000000"/>
+                </a:solidFill>
+                <a:latin typeface="Calibri Light"/>
+              </a:rPr>
+              <a:t>MORPHOLOGICAL OPERATIONS - NUMERICAL</a:t>
+            </a:r>
+            <a:endParaRPr lang="en-US" b="1" spc="-1" dirty="0">
+              <a:solidFill>
+                <a:srgbClr val="000000"/>
+              </a:solidFill>
+              <a:latin typeface="Calibri"/>
+            </a:endParaRPr>
+          </a:p>
+        </p:txBody>
+      </p:sp>
+      <p:sp>
+        <p:nvSpPr>
+          <p:cNvPr id="4" name="TextBox 3">
+            <a:extLst>
+              <a:ext uri="{FF2B5EF4-FFF2-40B4-BE49-F238E27FC236}">
+                <a16:creationId xmlns:a16="http://schemas.microsoft.com/office/drawing/2014/main" id="{EA6B2B44-0A24-F141-AEED-ACE44015722F}"/>
+              </a:ext>
+            </a:extLst>
+          </p:cNvPr>
+          <p:cNvSpPr txBox="1"/>
+          <p:nvPr/>
+        </p:nvSpPr>
+        <p:spPr>
+          <a:xfrm>
+            <a:off x="229502" y="1191163"/>
+            <a:ext cx="3154718" cy="400110"/>
+          </a:xfrm>
+          <a:prstGeom prst="rect">
+            <a:avLst/>
+          </a:prstGeom>
+          <a:noFill/>
+        </p:spPr>
+        <p:txBody>
+          <a:bodyPr wrap="square" rtlCol="0">
+            <a:spAutoFit/>
+          </a:bodyPr>
+          <a:lstStyle/>
+          <a:p>
+            <a:r>
+              <a:rPr lang="en-US" sz="2000" b="1" dirty="0">
+                <a:latin typeface="Calibri" panose="020F0502020204030204" pitchFamily="34" charset="0"/>
+                <a:cs typeface="Calibri" panose="020F0502020204030204" pitchFamily="34" charset="0"/>
+              </a:rPr>
+              <a:t>Image: Dumbbell</a:t>
+            </a:r>
+          </a:p>
+        </p:txBody>
+      </p:sp>
+      <p:sp>
+        <p:nvSpPr>
+          <p:cNvPr id="6" name="TextBox 5">
+            <a:extLst>
+              <a:ext uri="{FF2B5EF4-FFF2-40B4-BE49-F238E27FC236}">
+                <a16:creationId xmlns:a16="http://schemas.microsoft.com/office/drawing/2014/main" id="{61343841-8886-93E4-7F5D-CEFCC1242814}"/>
+              </a:ext>
+            </a:extLst>
+          </p:cNvPr>
+          <p:cNvSpPr txBox="1"/>
+          <p:nvPr/>
+        </p:nvSpPr>
+        <p:spPr>
+          <a:xfrm>
+            <a:off x="1587149" y="1608057"/>
+            <a:ext cx="3154718" cy="369332"/>
+          </a:xfrm>
+          <a:prstGeom prst="rect">
+            <a:avLst/>
+          </a:prstGeom>
+          <a:noFill/>
+        </p:spPr>
+        <p:txBody>
+          <a:bodyPr wrap="square" rtlCol="0">
+            <a:spAutoFit/>
+          </a:bodyPr>
+          <a:lstStyle/>
+          <a:p>
+            <a:pPr algn="ctr"/>
+            <a:r>
+              <a:rPr lang="en-US" b="1" dirty="0">
+                <a:latin typeface="Calibri" panose="020F0502020204030204" pitchFamily="34" charset="0"/>
+                <a:cs typeface="Calibri" panose="020F0502020204030204" pitchFamily="34" charset="0"/>
+              </a:rPr>
+              <a:t>Dilation</a:t>
+            </a:r>
+          </a:p>
+        </p:txBody>
+      </p:sp>
+      <p:sp>
+        <p:nvSpPr>
+          <p:cNvPr id="8" name="TextBox 7">
+            <a:extLst>
+              <a:ext uri="{FF2B5EF4-FFF2-40B4-BE49-F238E27FC236}">
+                <a16:creationId xmlns:a16="http://schemas.microsoft.com/office/drawing/2014/main" id="{5AE8A6AE-0B6A-42EE-3E4C-E834BB63F79F}"/>
+              </a:ext>
+            </a:extLst>
+          </p:cNvPr>
+          <p:cNvSpPr txBox="1"/>
+          <p:nvPr/>
+        </p:nvSpPr>
+        <p:spPr>
+          <a:xfrm>
+            <a:off x="7550322" y="1557436"/>
+            <a:ext cx="3154718" cy="369332"/>
+          </a:xfrm>
+          <a:prstGeom prst="rect">
+            <a:avLst/>
+          </a:prstGeom>
+          <a:noFill/>
+        </p:spPr>
+        <p:txBody>
+          <a:bodyPr wrap="square" rtlCol="0">
+            <a:spAutoFit/>
+          </a:bodyPr>
+          <a:lstStyle/>
+          <a:p>
+            <a:pPr algn="ctr"/>
+            <a:r>
+              <a:rPr lang="en-US" b="1" dirty="0">
+                <a:latin typeface="Calibri" panose="020F0502020204030204" pitchFamily="34" charset="0"/>
+                <a:cs typeface="Calibri" panose="020F0502020204030204" pitchFamily="34" charset="0"/>
+              </a:rPr>
+              <a:t>Erosion</a:t>
+            </a:r>
+          </a:p>
+        </p:txBody>
+      </p:sp>
     </p:spTree>
     <p:extLst>
       <p:ext uri="{BB962C8B-B14F-4D97-AF65-F5344CB8AC3E}">
@@ -9706,59 +14027,6 @@
       </p:grpSpPr>
       <p:sp>
         <p:nvSpPr>
-          <p:cNvPr id="104" name="PlaceHolder 2"/>
-          <p:cNvSpPr>
-            <a:spLocks noGrp="1"/>
-          </p:cNvSpPr>
-          <p:nvPr>
-            <p:ph type="title"/>
-          </p:nvPr>
-        </p:nvSpPr>
-        <p:spPr>
-          <a:xfrm>
-            <a:off x="838080" y="365040"/>
-            <a:ext cx="10515240" cy="1325160"/>
-          </a:xfrm>
-          <a:prstGeom prst="rect">
-            <a:avLst/>
-          </a:prstGeom>
-          <a:noFill/>
-          <a:ln w="0">
-            <a:noFill/>
-          </a:ln>
-        </p:spPr>
-        <p:txBody>
-          <a:bodyPr anchor="ctr">
-            <a:noAutofit/>
-          </a:bodyPr>
-          <a:lstStyle/>
-          <a:p>
-            <a:pPr>
-              <a:lnSpc>
-                <a:spcPct val="90000"/>
-              </a:lnSpc>
-              <a:buNone/>
-            </a:pPr>
-            <a:r>
-              <a:rPr lang="en-US" sz="4400" b="0" strike="noStrike" spc="-1">
-                <a:solidFill>
-                  <a:srgbClr val="000000"/>
-                </a:solidFill>
-                <a:latin typeface="Calibri Light"/>
-              </a:rPr>
-              <a:t>RESULTS &amp; ANALYSIS</a:t>
-            </a:r>
-            <a:endParaRPr lang="en-US" sz="4400" b="0" strike="noStrike" spc="-1">
-              <a:solidFill>
-                <a:srgbClr val="000000"/>
-              </a:solidFill>
-              <a:latin typeface="Calibri"/>
-            </a:endParaRPr>
-          </a:p>
-        </p:txBody>
-      </p:sp>
-      <p:sp>
-        <p:nvSpPr>
           <p:cNvPr id="105" name="Content Placeholder 2"/>
           <p:cNvSpPr/>
           <p:nvPr/>
@@ -9903,6 +14171,76 @@
           </a:prstGeom>
         </p:spPr>
       </p:pic>
+      <p:sp>
+        <p:nvSpPr>
+          <p:cNvPr id="2" name="PlaceHolder 2">
+            <a:extLst>
+              <a:ext uri="{FF2B5EF4-FFF2-40B4-BE49-F238E27FC236}">
+                <a16:creationId xmlns:a16="http://schemas.microsoft.com/office/drawing/2014/main" id="{515987D5-D563-3674-CE36-0B7135A79A1A}"/>
+              </a:ext>
+            </a:extLst>
+          </p:cNvPr>
+          <p:cNvSpPr txBox="1">
+            <a:spLocks/>
+          </p:cNvSpPr>
+          <p:nvPr/>
+        </p:nvSpPr>
+        <p:spPr>
+          <a:xfrm>
+            <a:off x="-1" y="0"/>
+            <a:ext cx="12191759" cy="1325160"/>
+          </a:xfrm>
+          <a:prstGeom prst="rect">
+            <a:avLst/>
+          </a:prstGeom>
+          <a:noFill/>
+          <a:ln w="0">
+            <a:noFill/>
+          </a:ln>
+        </p:spPr>
+        <p:txBody>
+          <a:bodyPr anchor="ctr">
+            <a:noAutofit/>
+          </a:bodyPr>
+          <a:lstStyle>
+            <a:lvl1pPr algn="l" defTabSz="914400" rtl="0" eaLnBrk="1" latinLnBrk="0" hangingPunct="1">
+              <a:lnSpc>
+                <a:spcPct val="90000"/>
+              </a:lnSpc>
+              <a:spcBef>
+                <a:spcPct val="0"/>
+              </a:spcBef>
+              <a:buNone/>
+              <a:defRPr sz="4400" kern="1200">
+                <a:solidFill>
+                  <a:schemeClr val="tx1"/>
+                </a:solidFill>
+                <a:latin typeface="+mj-lt"/>
+                <a:ea typeface="+mj-ea"/>
+                <a:cs typeface="+mj-cs"/>
+              </a:defRPr>
+            </a:lvl1pPr>
+          </a:lstStyle>
+          <a:p>
+            <a:pPr algn="ctr"/>
+            <a:r>
+              <a:rPr lang="en-US" b="1" spc="-1" dirty="0">
+                <a:solidFill>
+                  <a:srgbClr val="000000"/>
+                </a:solidFill>
+                <a:latin typeface="Calibri Light"/>
+              </a:rPr>
+              <a:t>MORPHOLOGICAL OPERATIONS - NUMERICAL</a:t>
+            </a:r>
+            <a:endParaRPr lang="en-US" b="1" spc="-1" dirty="0">
+              <a:solidFill>
+                <a:srgbClr val="000000"/>
+              </a:solidFill>
+              <a:latin typeface="Calibri"/>
+            </a:endParaRPr>
+          </a:p>
+        </p:txBody>
+      </p:sp>
     </p:spTree>
     <p:extLst>
       <p:ext uri="{BB962C8B-B14F-4D97-AF65-F5344CB8AC3E}">
@@ -9935,59 +14273,6 @@
       </p:grpSpPr>
       <p:sp>
         <p:nvSpPr>
-          <p:cNvPr id="104" name="PlaceHolder 2"/>
-          <p:cNvSpPr>
-            <a:spLocks noGrp="1"/>
-          </p:cNvSpPr>
-          <p:nvPr>
-            <p:ph type="title"/>
-          </p:nvPr>
-        </p:nvSpPr>
-        <p:spPr>
-          <a:xfrm>
-            <a:off x="838080" y="365040"/>
-            <a:ext cx="10515240" cy="1325160"/>
-          </a:xfrm>
-          <a:prstGeom prst="rect">
-            <a:avLst/>
-          </a:prstGeom>
-          <a:noFill/>
-          <a:ln w="0">
-            <a:noFill/>
-          </a:ln>
-        </p:spPr>
-        <p:txBody>
-          <a:bodyPr anchor="ctr">
-            <a:noAutofit/>
-          </a:bodyPr>
-          <a:lstStyle/>
-          <a:p>
-            <a:pPr>
-              <a:lnSpc>
-                <a:spcPct val="90000"/>
-              </a:lnSpc>
-              <a:buNone/>
-            </a:pPr>
-            <a:r>
-              <a:rPr lang="en-US" sz="4400" b="0" strike="noStrike" spc="-1">
-                <a:solidFill>
-                  <a:srgbClr val="000000"/>
-                </a:solidFill>
-                <a:latin typeface="Calibri Light"/>
-              </a:rPr>
-              <a:t>RESULTS &amp; ANALYSIS</a:t>
-            </a:r>
-            <a:endParaRPr lang="en-US" sz="4400" b="0" strike="noStrike" spc="-1">
-              <a:solidFill>
-                <a:srgbClr val="000000"/>
-              </a:solidFill>
-              <a:latin typeface="Calibri"/>
-            </a:endParaRPr>
-          </a:p>
-        </p:txBody>
-      </p:sp>
-      <p:sp>
-        <p:nvSpPr>
           <p:cNvPr id="105" name="Content Placeholder 2"/>
           <p:cNvSpPr/>
           <p:nvPr/>
@@ -10168,6 +14453,76 @@
           </a:prstGeom>
         </p:spPr>
       </p:pic>
+      <p:sp>
+        <p:nvSpPr>
+          <p:cNvPr id="2" name="PlaceHolder 2">
+            <a:extLst>
+              <a:ext uri="{FF2B5EF4-FFF2-40B4-BE49-F238E27FC236}">
+                <a16:creationId xmlns:a16="http://schemas.microsoft.com/office/drawing/2014/main" id="{DD2D5C80-13C6-DE38-E57C-0EA5E60F4F13}"/>
+              </a:ext>
+            </a:extLst>
+          </p:cNvPr>
+          <p:cNvSpPr txBox="1">
+            <a:spLocks/>
+          </p:cNvSpPr>
+          <p:nvPr/>
+        </p:nvSpPr>
+        <p:spPr>
+          <a:xfrm>
+            <a:off x="-1" y="0"/>
+            <a:ext cx="12191759" cy="1325160"/>
+          </a:xfrm>
+          <a:prstGeom prst="rect">
+            <a:avLst/>
+          </a:prstGeom>
+          <a:noFill/>
+          <a:ln w="0">
+            <a:noFill/>
+          </a:ln>
+        </p:spPr>
+        <p:txBody>
+          <a:bodyPr anchor="ctr">
+            <a:noAutofit/>
+          </a:bodyPr>
+          <a:lstStyle>
+            <a:lvl1pPr algn="l" defTabSz="914400" rtl="0" eaLnBrk="1" latinLnBrk="0" hangingPunct="1">
+              <a:lnSpc>
+                <a:spcPct val="90000"/>
+              </a:lnSpc>
+              <a:spcBef>
+                <a:spcPct val="0"/>
+              </a:spcBef>
+              <a:buNone/>
+              <a:defRPr sz="4400" kern="1200">
+                <a:solidFill>
+                  <a:schemeClr val="tx1"/>
+                </a:solidFill>
+                <a:latin typeface="+mj-lt"/>
+                <a:ea typeface="+mj-ea"/>
+                <a:cs typeface="+mj-cs"/>
+              </a:defRPr>
+            </a:lvl1pPr>
+          </a:lstStyle>
+          <a:p>
+            <a:pPr algn="ctr"/>
+            <a:r>
+              <a:rPr lang="en-US" b="1" spc="-1" dirty="0">
+                <a:solidFill>
+                  <a:srgbClr val="000000"/>
+                </a:solidFill>
+                <a:latin typeface="Calibri Light"/>
+              </a:rPr>
+              <a:t>MORPHOLOGICAL OPERATIONS - NUMERICAL</a:t>
+            </a:r>
+            <a:endParaRPr lang="en-US" b="1" spc="-1" dirty="0">
+              <a:solidFill>
+                <a:srgbClr val="000000"/>
+              </a:solidFill>
+              <a:latin typeface="Calibri"/>
+            </a:endParaRPr>
+          </a:p>
+        </p:txBody>
+      </p:sp>
     </p:spTree>
     <p:extLst>
       <p:ext uri="{BB962C8B-B14F-4D97-AF65-F5344CB8AC3E}">
@@ -10635,4 +14990,299 @@
   <a:objectDefaults/>
   <a:extraClrSchemeLst/>
 </a:theme>
+</file>
+
+<file path=ppt/theme/theme3.xml><?xml version="1.0" encoding="utf-8"?>
+<a:theme xmlns:a="http://schemas.openxmlformats.org/drawingml/2006/main" name="1_Office Theme">
+  <a:themeElements>
+    <a:clrScheme name="Office">
+      <a:dk1>
+        <a:sysClr val="windowText" lastClr="000000"/>
+      </a:dk1>
+      <a:lt1>
+        <a:sysClr val="window" lastClr="FFFFFF"/>
+      </a:lt1>
+      <a:dk2>
+        <a:srgbClr val="44546A"/>
+      </a:dk2>
+      <a:lt2>
+        <a:srgbClr val="E7E6E6"/>
+      </a:lt2>
+      <a:accent1>
+        <a:srgbClr val="4472C4"/>
+      </a:accent1>
+      <a:accent2>
+        <a:srgbClr val="ED7D31"/>
+      </a:accent2>
+      <a:accent3>
+        <a:srgbClr val="A5A5A5"/>
+      </a:accent3>
+      <a:accent4>
+        <a:srgbClr val="FFC000"/>
+      </a:accent4>
+      <a:accent5>
+        <a:srgbClr val="5B9BD5"/>
+      </a:accent5>
+      <a:accent6>
+        <a:srgbClr val="70AD47"/>
+      </a:accent6>
+      <a:hlink>
+        <a:srgbClr val="0563C1"/>
+      </a:hlink>
+      <a:folHlink>
+        <a:srgbClr val="954F72"/>
+      </a:folHlink>
+    </a:clrScheme>
+    <a:fontScheme name="Office">
+      <a:majorFont>
+        <a:latin typeface="Calibri Light" panose="020F0302020204030204"/>
+        <a:ea typeface=""/>
+        <a:cs typeface=""/>
+        <a:font script="Jpan" typeface="游ゴシック Light"/>
+        <a:font script="Hang" typeface="맑은 고딕"/>
+        <a:font script="Hans" typeface="等线 Light"/>
+        <a:font script="Hant" typeface="新細明體"/>
+        <a:font script="Arab" typeface="Times New Roman"/>
+        <a:font script="Hebr" typeface="Times New Roman"/>
+        <a:font script="Thai" typeface="Angsana New"/>
+        <a:font script="Ethi" typeface="Nyala"/>
+        <a:font script="Beng" typeface="Vrinda"/>
+        <a:font script="Gujr" typeface="Shruti"/>
+        <a:font script="Khmr" typeface="MoolBoran"/>
+        <a:font script="Knda" typeface="Tunga"/>
+        <a:font script="Guru" typeface="Raavi"/>
+        <a:font script="Cans" typeface="Euphemia"/>
+        <a:font script="Cher" typeface="Plantagenet Cherokee"/>
+        <a:font script="Yiii" typeface="Microsoft Yi Baiti"/>
+        <a:font script="Tibt" typeface="Microsoft Himalaya"/>
+        <a:font script="Thaa" typeface="MV Boli"/>
+        <a:font script="Deva" typeface="Mangal"/>
+        <a:font script="Telu" typeface="Gautami"/>
+        <a:font script="Taml" typeface="Latha"/>
+        <a:font script="Syrc" typeface="Estrangelo Edessa"/>
+        <a:font script="Orya" typeface="Kalinga"/>
+        <a:font script="Mlym" typeface="Kartika"/>
+        <a:font script="Laoo" typeface="DokChampa"/>
+        <a:font script="Sinh" typeface="Iskoola Pota"/>
+        <a:font script="Mong" typeface="Mongolian Baiti"/>
+        <a:font script="Viet" typeface="Times New Roman"/>
+        <a:font script="Uigh" typeface="Microsoft Uighur"/>
+        <a:font script="Geor" typeface="Sylfaen"/>
+        <a:font script="Armn" typeface="Arial"/>
+        <a:font script="Bugi" typeface="Leelawadee UI"/>
+        <a:font script="Bopo" typeface="Microsoft JhengHei"/>
+        <a:font script="Java" typeface="Javanese Text"/>
+        <a:font script="Lisu" typeface="Segoe UI"/>
+        <a:font script="Mymr" typeface="Myanmar Text"/>
+        <a:font script="Nkoo" typeface="Ebrima"/>
+        <a:font script="Olck" typeface="Nirmala UI"/>
+        <a:font script="Osma" typeface="Ebrima"/>
+        <a:font script="Phag" typeface="Phagspa"/>
+        <a:font script="Syrn" typeface="Estrangelo Edessa"/>
+        <a:font script="Syrj" typeface="Estrangelo Edessa"/>
+        <a:font script="Syre" typeface="Estrangelo Edessa"/>
+        <a:font script="Sora" typeface="Nirmala UI"/>
+        <a:font script="Tale" typeface="Microsoft Tai Le"/>
+        <a:font script="Talu" typeface="Microsoft New Tai Lue"/>
+        <a:font script="Tfng" typeface="Ebrima"/>
+      </a:majorFont>
+      <a:minorFont>
+        <a:latin typeface="Calibri" panose="020F0502020204030204"/>
+        <a:ea typeface=""/>
+        <a:cs typeface=""/>
+        <a:font script="Jpan" typeface="游ゴシック"/>
+        <a:font script="Hang" typeface="맑은 고딕"/>
+        <a:font script="Hans" typeface="等线"/>
+        <a:font script="Hant" typeface="新細明體"/>
+        <a:font script="Arab" typeface="Arial"/>
+        <a:font script="Hebr" typeface="Arial"/>
+        <a:font script="Thai" typeface="Cordia New"/>
+        <a:font script="Ethi" typeface="Nyala"/>
+        <a:font script="Beng" typeface="Vrinda"/>
+        <a:font script="Gujr" typeface="Shruti"/>
+        <a:font script="Khmr" typeface="DaunPenh"/>
+        <a:font script="Knda" typeface="Tunga"/>
+        <a:font script="Guru" typeface="Raavi"/>
+        <a:font script="Cans" typeface="Euphemia"/>
+        <a:font script="Cher" typeface="Plantagenet Cherokee"/>
+        <a:font script="Yiii" typeface="Microsoft Yi Baiti"/>
+        <a:font script="Tibt" typeface="Microsoft Himalaya"/>
+        <a:font script="Thaa" typeface="MV Boli"/>
+        <a:font script="Deva" typeface="Mangal"/>
+        <a:font script="Telu" typeface="Gautami"/>
+        <a:font script="Taml" typeface="Latha"/>
+        <a:font script="Syrc" typeface="Estrangelo Edessa"/>
+        <a:font script="Orya" typeface="Kalinga"/>
+        <a:font script="Mlym" typeface="Kartika"/>
+        <a:font script="Laoo" typeface="DokChampa"/>
+        <a:font script="Sinh" typeface="Iskoola Pota"/>
+        <a:font script="Mong" typeface="Mongolian Baiti"/>
+        <a:font script="Viet" typeface="Arial"/>
+        <a:font script="Uigh" typeface="Microsoft Uighur"/>
+        <a:font script="Geor" typeface="Sylfaen"/>
+        <a:font script="Armn" typeface="Arial"/>
+        <a:font script="Bugi" typeface="Leelawadee UI"/>
+        <a:font script="Bopo" typeface="Microsoft JhengHei"/>
+        <a:font script="Java" typeface="Javanese Text"/>
+        <a:font script="Lisu" typeface="Segoe UI"/>
+        <a:font script="Mymr" typeface="Myanmar Text"/>
+        <a:font script="Nkoo" typeface="Ebrima"/>
+        <a:font script="Olck" typeface="Nirmala UI"/>
+        <a:font script="Osma" typeface="Ebrima"/>
+        <a:font script="Phag" typeface="Phagspa"/>
+        <a:font script="Syrn" typeface="Estrangelo Edessa"/>
+        <a:font script="Syrj" typeface="Estrangelo Edessa"/>
+        <a:font script="Syre" typeface="Estrangelo Edessa"/>
+        <a:font script="Sora" typeface="Nirmala UI"/>
+        <a:font script="Tale" typeface="Microsoft Tai Le"/>
+        <a:font script="Talu" typeface="Microsoft New Tai Lue"/>
+        <a:font script="Tfng" typeface="Ebrima"/>
+      </a:minorFont>
+    </a:fontScheme>
+    <a:fmtScheme name="Office">
+      <a:fillStyleLst>
+        <a:solidFill>
+          <a:schemeClr val="phClr"/>
+        </a:solidFill>
+        <a:gradFill rotWithShape="1">
+          <a:gsLst>
+            <a:gs pos="0">
+              <a:schemeClr val="phClr">
+                <a:lumMod val="110000"/>
+                <a:satMod val="105000"/>
+                <a:tint val="67000"/>
+              </a:schemeClr>
+            </a:gs>
+            <a:gs pos="50000">
+              <a:schemeClr val="phClr">
+                <a:lumMod val="105000"/>
+                <a:satMod val="103000"/>
+                <a:tint val="73000"/>
+              </a:schemeClr>
+            </a:gs>
+            <a:gs pos="100000">
+              <a:schemeClr val="phClr">
+                <a:lumMod val="105000"/>
+                <a:satMod val="109000"/>
+                <a:tint val="81000"/>
+              </a:schemeClr>
+            </a:gs>
+          </a:gsLst>
+          <a:lin ang="5400000" scaled="0"/>
+        </a:gradFill>
+        <a:gradFill rotWithShape="1">
+          <a:gsLst>
+            <a:gs pos="0">
+              <a:schemeClr val="phClr">
+                <a:satMod val="103000"/>
+                <a:lumMod val="102000"/>
+                <a:tint val="94000"/>
+              </a:schemeClr>
+            </a:gs>
+            <a:gs pos="50000">
+              <a:schemeClr val="phClr">
+                <a:satMod val="110000"/>
+                <a:lumMod val="100000"/>
+                <a:shade val="100000"/>
+              </a:schemeClr>
+            </a:gs>
+            <a:gs pos="100000">
+              <a:schemeClr val="phClr">
+                <a:lumMod val="99000"/>
+                <a:satMod val="120000"/>
+                <a:shade val="78000"/>
+              </a:schemeClr>
+            </a:gs>
+          </a:gsLst>
+          <a:lin ang="5400000" scaled="0"/>
+        </a:gradFill>
+      </a:fillStyleLst>
+      <a:lnStyleLst>
+        <a:ln w="6350" cap="flat" cmpd="sng" algn="ctr">
+          <a:solidFill>
+            <a:schemeClr val="phClr"/>
+          </a:solidFill>
+          <a:prstDash val="solid"/>
+          <a:miter lim="800000"/>
+        </a:ln>
+        <a:ln w="12700" cap="flat" cmpd="sng" algn="ctr">
+          <a:solidFill>
+            <a:schemeClr val="phClr"/>
+          </a:solidFill>
+          <a:prstDash val="solid"/>
+          <a:miter lim="800000"/>
+        </a:ln>
+        <a:ln w="19050" cap="flat" cmpd="sng" algn="ctr">
+          <a:solidFill>
+            <a:schemeClr val="phClr"/>
+          </a:solidFill>
+          <a:prstDash val="solid"/>
+          <a:miter lim="800000"/>
+        </a:ln>
+      </a:lnStyleLst>
+      <a:effectStyleLst>
+        <a:effectStyle>
+          <a:effectLst/>
+        </a:effectStyle>
+        <a:effectStyle>
+          <a:effectLst/>
+        </a:effectStyle>
+        <a:effectStyle>
+          <a:effectLst>
+            <a:outerShdw blurRad="57150" dist="19050" dir="5400000" algn="ctr" rotWithShape="0">
+              <a:srgbClr val="000000">
+                <a:alpha val="63000"/>
+              </a:srgbClr>
+            </a:outerShdw>
+          </a:effectLst>
+        </a:effectStyle>
+      </a:effectStyleLst>
+      <a:bgFillStyleLst>
+        <a:solidFill>
+          <a:schemeClr val="phClr"/>
+        </a:solidFill>
+        <a:solidFill>
+          <a:schemeClr val="phClr">
+            <a:tint val="95000"/>
+            <a:satMod val="170000"/>
+          </a:schemeClr>
+        </a:solidFill>
+        <a:gradFill rotWithShape="1">
+          <a:gsLst>
+            <a:gs pos="0">
+              <a:schemeClr val="phClr">
+                <a:tint val="93000"/>
+                <a:satMod val="150000"/>
+                <a:shade val="98000"/>
+                <a:lumMod val="102000"/>
+              </a:schemeClr>
+            </a:gs>
+            <a:gs pos="50000">
+              <a:schemeClr val="phClr">
+                <a:tint val="98000"/>
+                <a:satMod val="130000"/>
+                <a:shade val="90000"/>
+                <a:lumMod val="103000"/>
+              </a:schemeClr>
+            </a:gs>
+            <a:gs pos="100000">
+              <a:schemeClr val="phClr">
+                <a:shade val="63000"/>
+                <a:satMod val="120000"/>
+              </a:schemeClr>
+            </a:gs>
+          </a:gsLst>
+          <a:lin ang="5400000" scaled="0"/>
+        </a:gradFill>
+      </a:bgFillStyleLst>
+    </a:fmtScheme>
+  </a:themeElements>
+  <a:objectDefaults/>
+  <a:extraClrSchemeLst/>
+  <a:extLst>
+    <a:ext uri="{05A4C25C-085E-4340-85A3-A5531E510DB2}">
+      <thm15:themeFamily xmlns:thm15="http://schemas.microsoft.com/office/thememl/2012/main" name="Office Theme" id="{62F939B6-93AF-4DB8-9C6B-D6C7DFDC589F}" vid="{4A3C46E8-61CC-4603-A589-7422A47A8E4A}"/>
+    </a:ext>
+  </a:extLst>
+</a:theme>
 </file>
--- a/Activity 06/Vertudez_Activity_6_Report.pptx
+++ b/Activity 06/Vertudez_Activity_6_Report.pptx
@@ -17,9 +17,11 @@
     <p:sldId id="275" r:id="rId11"/>
     <p:sldId id="276" r:id="rId12"/>
     <p:sldId id="277" r:id="rId13"/>
-    <p:sldId id="263" r:id="rId14"/>
-    <p:sldId id="288" r:id="rId15"/>
-    <p:sldId id="287" r:id="rId16"/>
+    <p:sldId id="290" r:id="rId14"/>
+    <p:sldId id="289" r:id="rId15"/>
+    <p:sldId id="263" r:id="rId16"/>
+    <p:sldId id="288" r:id="rId17"/>
+    <p:sldId id="287" r:id="rId18"/>
   </p:sldIdLst>
   <p:sldSz cx="12192000" cy="6858000"/>
   <p:notesSz cx="7772400" cy="10058400"/>
@@ -10373,7 +10375,7 @@
         </p:blipFill>
         <p:spPr>
           <a:xfrm>
-            <a:off x="6645390" y="2239248"/>
+            <a:off x="1086718" y="3901676"/>
             <a:ext cx="3488423" cy="2378470"/>
           </a:xfrm>
           <a:prstGeom prst="rect">
@@ -10409,8 +10411,8 @@
         </p:blipFill>
         <p:spPr>
           <a:xfrm>
-            <a:off x="1133853" y="2331718"/>
-            <a:ext cx="3352800" cy="2286000"/>
+            <a:off x="1086718" y="1258916"/>
+            <a:ext cx="3488423" cy="2378470"/>
           </a:xfrm>
           <a:prstGeom prst="rect">
             <a:avLst/>
@@ -10476,7 +10478,7 @@
                 </a:solidFill>
                 <a:latin typeface="Calibri Light"/>
               </a:rPr>
-              <a:t>MORPHOLOGICAL OPERATIONS - NUMERICAL</a:t>
+              <a:t>MORPHOLOGICAL OPERATIONS - MALARIA CELLS</a:t>
             </a:r>
             <a:endParaRPr lang="en-US" b="1" spc="-1" dirty="0">
               <a:solidFill>
@@ -10484,6 +10486,157 @@
               </a:solidFill>
               <a:latin typeface="Calibri"/>
             </a:endParaRPr>
+          </a:p>
+        </p:txBody>
+      </p:sp>
+      <p:sp>
+        <p:nvSpPr>
+          <p:cNvPr id="3" name="TextBox 2">
+            <a:extLst>
+              <a:ext uri="{FF2B5EF4-FFF2-40B4-BE49-F238E27FC236}">
+                <a16:creationId xmlns:a16="http://schemas.microsoft.com/office/drawing/2014/main" id="{DEC2A9E8-821B-CD4A-CD67-FEAD8EC54807}"/>
+              </a:ext>
+            </a:extLst>
+          </p:cNvPr>
+          <p:cNvSpPr txBox="1"/>
+          <p:nvPr/>
+        </p:nvSpPr>
+        <p:spPr>
+          <a:xfrm>
+            <a:off x="5298371" y="2397948"/>
+            <a:ext cx="5806911" cy="2062103"/>
+          </a:xfrm>
+          <a:prstGeom prst="rect">
+            <a:avLst/>
+          </a:prstGeom>
+          <a:noFill/>
+        </p:spPr>
+        <p:txBody>
+          <a:bodyPr wrap="square" rtlCol="0">
+            <a:spAutoFit/>
+          </a:bodyPr>
+          <a:lstStyle/>
+          <a:p>
+            <a:pPr algn="just"/>
+            <a:r>
+              <a:rPr lang="en-US" sz="1600" dirty="0">
+                <a:latin typeface="Calibri" panose="020F0502020204030204" pitchFamily="34" charset="0"/>
+                <a:cs typeface="Calibri" panose="020F0502020204030204" pitchFamily="34" charset="0"/>
+              </a:rPr>
+              <a:t>Finally, we compare the original image to the cleaned segmented image on the left.</a:t>
+            </a:r>
+          </a:p>
+          <a:p>
+            <a:pPr algn="just"/>
+            <a:endParaRPr lang="en-US" sz="1600" dirty="0">
+              <a:latin typeface="Calibri" panose="020F0502020204030204" pitchFamily="34" charset="0"/>
+              <a:cs typeface="Calibri" panose="020F0502020204030204" pitchFamily="34" charset="0"/>
+            </a:endParaRPr>
+          </a:p>
+          <a:p>
+            <a:pPr algn="just"/>
+            <a:r>
+              <a:rPr lang="en-US" sz="1600" dirty="0">
+                <a:latin typeface="Calibri" panose="020F0502020204030204" pitchFamily="34" charset="0"/>
+                <a:cs typeface="Calibri" panose="020F0502020204030204" pitchFamily="34" charset="0"/>
+              </a:rPr>
+              <a:t>This final segmented image is what we will use for feature extraction in the next activity.</a:t>
+            </a:r>
+          </a:p>
+          <a:p>
+            <a:pPr algn="just"/>
+            <a:endParaRPr lang="en-US" sz="1600" dirty="0">
+              <a:latin typeface="Calibri" panose="020F0502020204030204" pitchFamily="34" charset="0"/>
+              <a:cs typeface="Calibri" panose="020F0502020204030204" pitchFamily="34" charset="0"/>
+            </a:endParaRPr>
+          </a:p>
+          <a:p>
+            <a:pPr algn="just"/>
+            <a:r>
+              <a:rPr lang="en-US" sz="1600" dirty="0">
+                <a:latin typeface="Calibri" panose="020F0502020204030204" pitchFamily="34" charset="0"/>
+                <a:cs typeface="Calibri" panose="020F0502020204030204" pitchFamily="34" charset="0"/>
+              </a:rPr>
+              <a:t>It is vital to try and produce the best segmented image since this will be the basis for extracting the features of the original image.</a:t>
+            </a:r>
+          </a:p>
+        </p:txBody>
+      </p:sp>
+      <p:sp>
+        <p:nvSpPr>
+          <p:cNvPr id="5" name="TextBox 4">
+            <a:extLst>
+              <a:ext uri="{FF2B5EF4-FFF2-40B4-BE49-F238E27FC236}">
+                <a16:creationId xmlns:a16="http://schemas.microsoft.com/office/drawing/2014/main" id="{0C79E86A-F663-D5CB-C405-9F9BC719AE9A}"/>
+              </a:ext>
+            </a:extLst>
+          </p:cNvPr>
+          <p:cNvSpPr txBox="1"/>
+          <p:nvPr/>
+        </p:nvSpPr>
+        <p:spPr>
+          <a:xfrm>
+            <a:off x="1253570" y="3563122"/>
+            <a:ext cx="3154718" cy="338554"/>
+          </a:xfrm>
+          <a:prstGeom prst="rect">
+            <a:avLst/>
+          </a:prstGeom>
+          <a:noFill/>
+        </p:spPr>
+        <p:txBody>
+          <a:bodyPr wrap="square" rtlCol="0">
+            <a:spAutoFit/>
+          </a:bodyPr>
+          <a:lstStyle/>
+          <a:p>
+            <a:pPr algn="ctr"/>
+            <a:r>
+              <a:rPr lang="en-US" sz="1600" b="1" dirty="0">
+                <a:latin typeface="Calibri" panose="020F0502020204030204" pitchFamily="34" charset="0"/>
+                <a:cs typeface="Calibri" panose="020F0502020204030204" pitchFamily="34" charset="0"/>
+              </a:rPr>
+              <a:t>Original image</a:t>
+            </a:r>
+          </a:p>
+        </p:txBody>
+      </p:sp>
+      <p:sp>
+        <p:nvSpPr>
+          <p:cNvPr id="6" name="TextBox 5">
+            <a:extLst>
+              <a:ext uri="{FF2B5EF4-FFF2-40B4-BE49-F238E27FC236}">
+                <a16:creationId xmlns:a16="http://schemas.microsoft.com/office/drawing/2014/main" id="{4CBBBAFE-2FE8-F81C-2AF0-20E2160970EE}"/>
+              </a:ext>
+            </a:extLst>
+          </p:cNvPr>
+          <p:cNvSpPr txBox="1"/>
+          <p:nvPr/>
+        </p:nvSpPr>
+        <p:spPr>
+          <a:xfrm>
+            <a:off x="1253570" y="6205882"/>
+            <a:ext cx="3154718" cy="338554"/>
+          </a:xfrm>
+          <a:prstGeom prst="rect">
+            <a:avLst/>
+          </a:prstGeom>
+          <a:noFill/>
+        </p:spPr>
+        <p:txBody>
+          <a:bodyPr wrap="square" rtlCol="0">
+            <a:spAutoFit/>
+          </a:bodyPr>
+          <a:lstStyle/>
+          <a:p>
+            <a:pPr algn="ctr"/>
+            <a:r>
+              <a:rPr lang="en-US" sz="1600" b="1" dirty="0">
+                <a:latin typeface="Calibri" panose="020F0502020204030204" pitchFamily="34" charset="0"/>
+                <a:cs typeface="Calibri" panose="020F0502020204030204" pitchFamily="34" charset="0"/>
+              </a:rPr>
+              <a:t>“Cleaned” segmented image</a:t>
+            </a:r>
           </a:p>
         </p:txBody>
       </p:sp>
@@ -10501,6 +10654,882 @@
 </file>
 
 <file path=ppt/slides/slide11.xml><?xml version="1.0" encoding="utf-8"?>
+<p:sld xmlns:a="http://schemas.openxmlformats.org/drawingml/2006/main" xmlns:r="http://schemas.openxmlformats.org/officeDocument/2006/relationships" xmlns:p="http://schemas.openxmlformats.org/presentationml/2006/main">
+  <p:cSld>
+    <p:spTree>
+      <p:nvGrpSpPr>
+        <p:cNvPr id="1" name=""/>
+        <p:cNvGrpSpPr/>
+        <p:nvPr/>
+      </p:nvGrpSpPr>
+      <p:grpSpPr>
+        <a:xfrm>
+          <a:off x="0" y="0"/>
+          <a:ext cx="0" cy="0"/>
+          <a:chOff x="0" y="0"/>
+          <a:chExt cx="0" cy="0"/>
+        </a:xfrm>
+      </p:grpSpPr>
+      <p:sp>
+        <p:nvSpPr>
+          <p:cNvPr id="105" name="Content Placeholder 2"/>
+          <p:cNvSpPr/>
+          <p:nvPr/>
+        </p:nvSpPr>
+        <p:spPr>
+          <a:xfrm>
+            <a:off x="0" y="6610680"/>
+            <a:ext cx="12191760" cy="246960"/>
+          </a:xfrm>
+          <a:prstGeom prst="rect">
+            <a:avLst/>
+          </a:prstGeom>
+          <a:noFill/>
+          <a:ln w="0">
+            <a:noFill/>
+          </a:ln>
+        </p:spPr>
+        <p:style>
+          <a:lnRef idx="0">
+            <a:scrgbClr r="0" g="0" b="0"/>
+          </a:lnRef>
+          <a:fillRef idx="0">
+            <a:scrgbClr r="0" g="0" b="0"/>
+          </a:fillRef>
+          <a:effectRef idx="0">
+            <a:scrgbClr r="0" g="0" b="0"/>
+          </a:effectRef>
+          <a:fontRef idx="minor"/>
+        </p:style>
+        <p:txBody>
+          <a:bodyPr anchor="t">
+            <a:normAutofit fontScale="95000"/>
+          </a:bodyPr>
+          <a:lstStyle/>
+          <a:p>
+            <a:pPr>
+              <a:lnSpc>
+                <a:spcPct val="90000"/>
+              </a:lnSpc>
+              <a:spcBef>
+                <a:spcPts val="1001"/>
+              </a:spcBef>
+              <a:buNone/>
+              <a:tabLst>
+                <a:tab pos="0" algn="l"/>
+              </a:tabLst>
+            </a:pPr>
+            <a:r>
+              <a:rPr lang="en-US" sz="1200" b="0" strike="noStrike" spc="-1" dirty="0">
+                <a:solidFill>
+                  <a:srgbClr val="000000"/>
+                </a:solidFill>
+                <a:latin typeface="Calibri"/>
+              </a:rPr>
+              <a:t>Codes and files: </a:t>
+            </a:r>
+            <a:r>
+              <a:rPr lang="en-US" sz="1200" b="0" strike="noStrike" spc="-1" dirty="0">
+                <a:solidFill>
+                  <a:srgbClr val="000000"/>
+                </a:solidFill>
+                <a:latin typeface="Calibri"/>
+                <a:hlinkClick r:id="rId2"/>
+              </a:rPr>
+              <a:t>https://github.com/genvert/AP_157_FX-2_Vertudez/tree/main/Activity%206</a:t>
+            </a:r>
+            <a:endParaRPr lang="en-PH" sz="1200" b="0" strike="noStrike" spc="-1" dirty="0">
+              <a:latin typeface="Arial"/>
+            </a:endParaRPr>
+          </a:p>
+        </p:txBody>
+      </p:sp>
+      <p:sp>
+        <p:nvSpPr>
+          <p:cNvPr id="2" name="PlaceHolder 2">
+            <a:extLst>
+              <a:ext uri="{FF2B5EF4-FFF2-40B4-BE49-F238E27FC236}">
+                <a16:creationId xmlns:a16="http://schemas.microsoft.com/office/drawing/2014/main" id="{45F55C6B-2B6B-5062-916B-B2185588F9D3}"/>
+              </a:ext>
+            </a:extLst>
+          </p:cNvPr>
+          <p:cNvSpPr txBox="1">
+            <a:spLocks/>
+          </p:cNvSpPr>
+          <p:nvPr/>
+        </p:nvSpPr>
+        <p:spPr>
+          <a:xfrm>
+            <a:off x="-1" y="0"/>
+            <a:ext cx="12191759" cy="1325160"/>
+          </a:xfrm>
+          <a:prstGeom prst="rect">
+            <a:avLst/>
+          </a:prstGeom>
+          <a:noFill/>
+          <a:ln w="0">
+            <a:noFill/>
+          </a:ln>
+        </p:spPr>
+        <p:txBody>
+          <a:bodyPr anchor="ctr">
+            <a:noAutofit/>
+          </a:bodyPr>
+          <a:lstStyle>
+            <a:lvl1pPr algn="l" defTabSz="914400" rtl="0" eaLnBrk="1" latinLnBrk="0" hangingPunct="1">
+              <a:lnSpc>
+                <a:spcPct val="90000"/>
+              </a:lnSpc>
+              <a:spcBef>
+                <a:spcPct val="0"/>
+              </a:spcBef>
+              <a:buNone/>
+              <a:defRPr sz="4400" kern="1200">
+                <a:solidFill>
+                  <a:schemeClr val="tx1"/>
+                </a:solidFill>
+                <a:latin typeface="+mj-lt"/>
+                <a:ea typeface="+mj-ea"/>
+                <a:cs typeface="+mj-cs"/>
+              </a:defRPr>
+            </a:lvl1pPr>
+          </a:lstStyle>
+          <a:p>
+            <a:pPr algn="ctr"/>
+            <a:r>
+              <a:rPr lang="en-US" b="1" spc="-1" dirty="0">
+                <a:solidFill>
+                  <a:srgbClr val="000000"/>
+                </a:solidFill>
+                <a:latin typeface="Calibri Light"/>
+              </a:rPr>
+              <a:t>MORPHOLOGICAL OPERATIONS – SAND PARTICLES</a:t>
+            </a:r>
+            <a:endParaRPr lang="en-US" b="1" spc="-1" dirty="0">
+              <a:solidFill>
+                <a:srgbClr val="000000"/>
+              </a:solidFill>
+              <a:latin typeface="Calibri"/>
+            </a:endParaRPr>
+          </a:p>
+        </p:txBody>
+      </p:sp>
+      <p:sp>
+        <p:nvSpPr>
+          <p:cNvPr id="3" name="TextBox 2">
+            <a:extLst>
+              <a:ext uri="{FF2B5EF4-FFF2-40B4-BE49-F238E27FC236}">
+                <a16:creationId xmlns:a16="http://schemas.microsoft.com/office/drawing/2014/main" id="{DEC2A9E8-821B-CD4A-CD67-FEAD8EC54807}"/>
+              </a:ext>
+            </a:extLst>
+          </p:cNvPr>
+          <p:cNvSpPr txBox="1"/>
+          <p:nvPr/>
+        </p:nvSpPr>
+        <p:spPr>
+          <a:xfrm>
+            <a:off x="438996" y="5791802"/>
+            <a:ext cx="10971821" cy="584775"/>
+          </a:xfrm>
+          <a:prstGeom prst="rect">
+            <a:avLst/>
+          </a:prstGeom>
+          <a:noFill/>
+        </p:spPr>
+        <p:txBody>
+          <a:bodyPr wrap="square" rtlCol="0">
+            <a:spAutoFit/>
+          </a:bodyPr>
+          <a:lstStyle/>
+          <a:p>
+            <a:pPr algn="just"/>
+            <a:r>
+              <a:rPr lang="en-US" sz="1600" dirty="0">
+                <a:latin typeface="Calibri" panose="020F0502020204030204" pitchFamily="34" charset="0"/>
+                <a:cs typeface="Calibri" panose="020F0502020204030204" pitchFamily="34" charset="0"/>
+              </a:rPr>
+              <a:t>Here is another example where I used the images from the ImageJ activity to see if I can have similar results. For the sand image, I used the closing operation twice, with the same structuring element I used for the malaria cells.</a:t>
+            </a:r>
+          </a:p>
+        </p:txBody>
+      </p:sp>
+      <p:sp>
+        <p:nvSpPr>
+          <p:cNvPr id="5" name="TextBox 4">
+            <a:extLst>
+              <a:ext uri="{FF2B5EF4-FFF2-40B4-BE49-F238E27FC236}">
+                <a16:creationId xmlns:a16="http://schemas.microsoft.com/office/drawing/2014/main" id="{0C79E86A-F663-D5CB-C405-9F9BC719AE9A}"/>
+              </a:ext>
+            </a:extLst>
+          </p:cNvPr>
+          <p:cNvSpPr txBox="1"/>
+          <p:nvPr/>
+        </p:nvSpPr>
+        <p:spPr>
+          <a:xfrm>
+            <a:off x="589695" y="5197434"/>
+            <a:ext cx="3154718" cy="338554"/>
+          </a:xfrm>
+          <a:prstGeom prst="rect">
+            <a:avLst/>
+          </a:prstGeom>
+          <a:noFill/>
+        </p:spPr>
+        <p:txBody>
+          <a:bodyPr wrap="square" rtlCol="0">
+            <a:spAutoFit/>
+          </a:bodyPr>
+          <a:lstStyle/>
+          <a:p>
+            <a:pPr algn="ctr"/>
+            <a:r>
+              <a:rPr lang="en-US" sz="1600" b="1" dirty="0">
+                <a:latin typeface="Calibri" panose="020F0502020204030204" pitchFamily="34" charset="0"/>
+                <a:cs typeface="Calibri" panose="020F0502020204030204" pitchFamily="34" charset="0"/>
+              </a:rPr>
+              <a:t>Original image</a:t>
+            </a:r>
+          </a:p>
+        </p:txBody>
+      </p:sp>
+      <p:sp>
+        <p:nvSpPr>
+          <p:cNvPr id="6" name="TextBox 5">
+            <a:extLst>
+              <a:ext uri="{FF2B5EF4-FFF2-40B4-BE49-F238E27FC236}">
+                <a16:creationId xmlns:a16="http://schemas.microsoft.com/office/drawing/2014/main" id="{4CBBBAFE-2FE8-F81C-2AF0-20E2160970EE}"/>
+              </a:ext>
+            </a:extLst>
+          </p:cNvPr>
+          <p:cNvSpPr txBox="1"/>
+          <p:nvPr/>
+        </p:nvSpPr>
+        <p:spPr>
+          <a:xfrm>
+            <a:off x="8430472" y="5196644"/>
+            <a:ext cx="3154718" cy="338554"/>
+          </a:xfrm>
+          <a:prstGeom prst="rect">
+            <a:avLst/>
+          </a:prstGeom>
+          <a:noFill/>
+        </p:spPr>
+        <p:txBody>
+          <a:bodyPr wrap="square" rtlCol="0">
+            <a:spAutoFit/>
+          </a:bodyPr>
+          <a:lstStyle/>
+          <a:p>
+            <a:pPr algn="ctr"/>
+            <a:r>
+              <a:rPr lang="en-US" sz="1600" b="1" dirty="0">
+                <a:latin typeface="Calibri" panose="020F0502020204030204" pitchFamily="34" charset="0"/>
+                <a:cs typeface="Calibri" panose="020F0502020204030204" pitchFamily="34" charset="0"/>
+              </a:rPr>
+              <a:t>“Cleaned” segmented image</a:t>
+            </a:r>
+          </a:p>
+        </p:txBody>
+      </p:sp>
+      <p:sp>
+        <p:nvSpPr>
+          <p:cNvPr id="14" name="TextBox 13">
+            <a:extLst>
+              <a:ext uri="{FF2B5EF4-FFF2-40B4-BE49-F238E27FC236}">
+                <a16:creationId xmlns:a16="http://schemas.microsoft.com/office/drawing/2014/main" id="{79BED8A8-6917-DAB9-5384-10C08D0101D3}"/>
+              </a:ext>
+            </a:extLst>
+          </p:cNvPr>
+          <p:cNvSpPr txBox="1"/>
+          <p:nvPr/>
+        </p:nvSpPr>
+        <p:spPr>
+          <a:xfrm>
+            <a:off x="4518519" y="5197434"/>
+            <a:ext cx="3154718" cy="338554"/>
+          </a:xfrm>
+          <a:prstGeom prst="rect">
+            <a:avLst/>
+          </a:prstGeom>
+          <a:noFill/>
+        </p:spPr>
+        <p:txBody>
+          <a:bodyPr wrap="square" rtlCol="0">
+            <a:spAutoFit/>
+          </a:bodyPr>
+          <a:lstStyle/>
+          <a:p>
+            <a:pPr algn="ctr"/>
+            <a:r>
+              <a:rPr lang="en-US" sz="1600" b="1" dirty="0">
+                <a:latin typeface="Calibri" panose="020F0502020204030204" pitchFamily="34" charset="0"/>
+                <a:cs typeface="Calibri" panose="020F0502020204030204" pitchFamily="34" charset="0"/>
+              </a:rPr>
+              <a:t>Segmented image</a:t>
+            </a:r>
+          </a:p>
+        </p:txBody>
+      </p:sp>
+      <p:pic>
+        <p:nvPicPr>
+          <p:cNvPr id="7" name="Picture 6" descr="A picture containing pattern, black and white, art&#10;&#10;Description automatically generated">
+            <a:extLst>
+              <a:ext uri="{FF2B5EF4-FFF2-40B4-BE49-F238E27FC236}">
+                <a16:creationId xmlns:a16="http://schemas.microsoft.com/office/drawing/2014/main" id="{A8C4305A-36DF-1E1C-BAF3-BF6176FCDC79}"/>
+              </a:ext>
+            </a:extLst>
+          </p:cNvPr>
+          <p:cNvPicPr>
+            <a:picLocks noChangeAspect="1"/>
+          </p:cNvPicPr>
+          <p:nvPr/>
+        </p:nvPicPr>
+        <p:blipFill>
+          <a:blip r:embed="rId3" cstate="print">
+            <a:extLst>
+              <a:ext uri="{28A0092B-C50C-407E-A947-70E740481C1C}">
+                <a14:useLocalDpi xmlns:a14="http://schemas.microsoft.com/office/drawing/2010/main" val="0"/>
+              </a:ext>
+            </a:extLst>
+          </a:blip>
+          <a:stretch>
+            <a:fillRect/>
+          </a:stretch>
+        </p:blipFill>
+        <p:spPr>
+          <a:xfrm>
+            <a:off x="4227794" y="1474254"/>
+            <a:ext cx="3736412" cy="3736412"/>
+          </a:xfrm>
+          <a:prstGeom prst="rect">
+            <a:avLst/>
+          </a:prstGeom>
+        </p:spPr>
+      </p:pic>
+      <p:pic>
+        <p:nvPicPr>
+          <p:cNvPr id="10" name="Picture 9" descr="A group of rocks on a black background&#10;&#10;Description automatically generated with low confidence">
+            <a:extLst>
+              <a:ext uri="{FF2B5EF4-FFF2-40B4-BE49-F238E27FC236}">
+                <a16:creationId xmlns:a16="http://schemas.microsoft.com/office/drawing/2014/main" id="{8DADC47C-0279-D7C5-2A4E-C0511DF13094}"/>
+              </a:ext>
+            </a:extLst>
+          </p:cNvPr>
+          <p:cNvPicPr>
+            <a:picLocks noChangeAspect="1"/>
+          </p:cNvPicPr>
+          <p:nvPr/>
+        </p:nvPicPr>
+        <p:blipFill>
+          <a:blip r:embed="rId4" cstate="print">
+            <a:extLst>
+              <a:ext uri="{28A0092B-C50C-407E-A947-70E740481C1C}">
+                <a14:useLocalDpi xmlns:a14="http://schemas.microsoft.com/office/drawing/2010/main" val="0"/>
+              </a:ext>
+            </a:extLst>
+          </a:blip>
+          <a:stretch>
+            <a:fillRect/>
+          </a:stretch>
+        </p:blipFill>
+        <p:spPr>
+          <a:xfrm>
+            <a:off x="298848" y="1461022"/>
+            <a:ext cx="3736412" cy="3736412"/>
+          </a:xfrm>
+          <a:prstGeom prst="rect">
+            <a:avLst/>
+          </a:prstGeom>
+        </p:spPr>
+      </p:pic>
+      <p:pic>
+        <p:nvPicPr>
+          <p:cNvPr id="15" name="Picture 14" descr="A picture containing pattern, wrapping paper, black and white, design&#10;&#10;Description automatically generated">
+            <a:extLst>
+              <a:ext uri="{FF2B5EF4-FFF2-40B4-BE49-F238E27FC236}">
+                <a16:creationId xmlns:a16="http://schemas.microsoft.com/office/drawing/2014/main" id="{85AE8678-AFB5-D400-8925-DFDA1FDB9DF4}"/>
+              </a:ext>
+            </a:extLst>
+          </p:cNvPr>
+          <p:cNvPicPr>
+            <a:picLocks noChangeAspect="1"/>
+          </p:cNvPicPr>
+          <p:nvPr/>
+        </p:nvPicPr>
+        <p:blipFill>
+          <a:blip r:embed="rId5" cstate="print">
+            <a:extLst>
+              <a:ext uri="{28A0092B-C50C-407E-A947-70E740481C1C}">
+                <a14:useLocalDpi xmlns:a14="http://schemas.microsoft.com/office/drawing/2010/main" val="0"/>
+              </a:ext>
+            </a:extLst>
+          </a:blip>
+          <a:stretch>
+            <a:fillRect/>
+          </a:stretch>
+        </p:blipFill>
+        <p:spPr>
+          <a:xfrm>
+            <a:off x="8139625" y="1481442"/>
+            <a:ext cx="3736412" cy="3736412"/>
+          </a:xfrm>
+          <a:prstGeom prst="rect">
+            <a:avLst/>
+          </a:prstGeom>
+        </p:spPr>
+      </p:pic>
+    </p:spTree>
+    <p:extLst>
+      <p:ext uri="{BB962C8B-B14F-4D97-AF65-F5344CB8AC3E}">
+        <p14:creationId xmlns:p14="http://schemas.microsoft.com/office/powerpoint/2010/main" val="3391008733"/>
+      </p:ext>
+    </p:extLst>
+  </p:cSld>
+  <p:clrMapOvr>
+    <a:masterClrMapping/>
+  </p:clrMapOvr>
+</p:sld>
+</file>
+
+<file path=ppt/slides/slide12.xml><?xml version="1.0" encoding="utf-8"?>
+<p:sld xmlns:a="http://schemas.openxmlformats.org/drawingml/2006/main" xmlns:r="http://schemas.openxmlformats.org/officeDocument/2006/relationships" xmlns:p="http://schemas.openxmlformats.org/presentationml/2006/main">
+  <p:cSld>
+    <p:spTree>
+      <p:nvGrpSpPr>
+        <p:cNvPr id="1" name=""/>
+        <p:cNvGrpSpPr/>
+        <p:nvPr/>
+      </p:nvGrpSpPr>
+      <p:grpSpPr>
+        <a:xfrm>
+          <a:off x="0" y="0"/>
+          <a:ext cx="0" cy="0"/>
+          <a:chOff x="0" y="0"/>
+          <a:chExt cx="0" cy="0"/>
+        </a:xfrm>
+      </p:grpSpPr>
+      <p:pic>
+        <p:nvPicPr>
+          <p:cNvPr id="11" name="Picture 10" descr="A picture containing wall, rectangle, blue, indoor&#10;&#10;Description automatically generated">
+            <a:extLst>
+              <a:ext uri="{FF2B5EF4-FFF2-40B4-BE49-F238E27FC236}">
+                <a16:creationId xmlns:a16="http://schemas.microsoft.com/office/drawing/2014/main" id="{D1660769-2C86-8D81-A882-48AD5D755ACA}"/>
+              </a:ext>
+            </a:extLst>
+          </p:cNvPr>
+          <p:cNvPicPr>
+            <a:picLocks noChangeAspect="1"/>
+          </p:cNvPicPr>
+          <p:nvPr/>
+        </p:nvPicPr>
+        <p:blipFill>
+          <a:blip r:embed="rId2" cstate="print">
+            <a:extLst>
+              <a:ext uri="{28A0092B-C50C-407E-A947-70E740481C1C}">
+                <a14:useLocalDpi xmlns:a14="http://schemas.microsoft.com/office/drawing/2010/main" val="0"/>
+              </a:ext>
+            </a:extLst>
+          </a:blip>
+          <a:stretch>
+            <a:fillRect/>
+          </a:stretch>
+        </p:blipFill>
+        <p:spPr>
+          <a:xfrm>
+            <a:off x="684915" y="1325160"/>
+            <a:ext cx="2753805" cy="3671740"/>
+          </a:xfrm>
+          <a:prstGeom prst="rect">
+            <a:avLst/>
+          </a:prstGeom>
+        </p:spPr>
+      </p:pic>
+      <p:sp>
+        <p:nvSpPr>
+          <p:cNvPr id="105" name="Content Placeholder 2"/>
+          <p:cNvSpPr/>
+          <p:nvPr/>
+        </p:nvSpPr>
+        <p:spPr>
+          <a:xfrm>
+            <a:off x="0" y="6610680"/>
+            <a:ext cx="12191760" cy="246960"/>
+          </a:xfrm>
+          <a:prstGeom prst="rect">
+            <a:avLst/>
+          </a:prstGeom>
+          <a:noFill/>
+          <a:ln w="0">
+            <a:noFill/>
+          </a:ln>
+        </p:spPr>
+        <p:style>
+          <a:lnRef idx="0">
+            <a:scrgbClr r="0" g="0" b="0"/>
+          </a:lnRef>
+          <a:fillRef idx="0">
+            <a:scrgbClr r="0" g="0" b="0"/>
+          </a:fillRef>
+          <a:effectRef idx="0">
+            <a:scrgbClr r="0" g="0" b="0"/>
+          </a:effectRef>
+          <a:fontRef idx="minor"/>
+        </p:style>
+        <p:txBody>
+          <a:bodyPr anchor="t">
+            <a:normAutofit fontScale="95000"/>
+          </a:bodyPr>
+          <a:lstStyle/>
+          <a:p>
+            <a:pPr>
+              <a:lnSpc>
+                <a:spcPct val="90000"/>
+              </a:lnSpc>
+              <a:spcBef>
+                <a:spcPts val="1001"/>
+              </a:spcBef>
+              <a:buNone/>
+              <a:tabLst>
+                <a:tab pos="0" algn="l"/>
+              </a:tabLst>
+            </a:pPr>
+            <a:r>
+              <a:rPr lang="en-US" sz="1200" b="0" strike="noStrike" spc="-1" dirty="0">
+                <a:solidFill>
+                  <a:srgbClr val="000000"/>
+                </a:solidFill>
+                <a:latin typeface="Calibri"/>
+              </a:rPr>
+              <a:t>Codes and files: </a:t>
+            </a:r>
+            <a:r>
+              <a:rPr lang="en-US" sz="1200" b="0" strike="noStrike" spc="-1" dirty="0">
+                <a:solidFill>
+                  <a:srgbClr val="000000"/>
+                </a:solidFill>
+                <a:latin typeface="Calibri"/>
+                <a:hlinkClick r:id="rId3"/>
+              </a:rPr>
+              <a:t>https://github.com/genvert/AP_157_FX-2_Vertudez/tree/main/Activity%206</a:t>
+            </a:r>
+            <a:endParaRPr lang="en-PH" sz="1200" b="0" strike="noStrike" spc="-1" dirty="0">
+              <a:latin typeface="Arial"/>
+            </a:endParaRPr>
+          </a:p>
+        </p:txBody>
+      </p:sp>
+      <p:sp>
+        <p:nvSpPr>
+          <p:cNvPr id="2" name="PlaceHolder 2">
+            <a:extLst>
+              <a:ext uri="{FF2B5EF4-FFF2-40B4-BE49-F238E27FC236}">
+                <a16:creationId xmlns:a16="http://schemas.microsoft.com/office/drawing/2014/main" id="{45F55C6B-2B6B-5062-916B-B2185588F9D3}"/>
+              </a:ext>
+            </a:extLst>
+          </p:cNvPr>
+          <p:cNvSpPr txBox="1">
+            <a:spLocks/>
+          </p:cNvSpPr>
+          <p:nvPr/>
+        </p:nvSpPr>
+        <p:spPr>
+          <a:xfrm>
+            <a:off x="-1" y="0"/>
+            <a:ext cx="12191759" cy="1325160"/>
+          </a:xfrm>
+          <a:prstGeom prst="rect">
+            <a:avLst/>
+          </a:prstGeom>
+          <a:noFill/>
+          <a:ln w="0">
+            <a:noFill/>
+          </a:ln>
+        </p:spPr>
+        <p:txBody>
+          <a:bodyPr anchor="ctr">
+            <a:noAutofit/>
+          </a:bodyPr>
+          <a:lstStyle>
+            <a:lvl1pPr algn="l" defTabSz="914400" rtl="0" eaLnBrk="1" latinLnBrk="0" hangingPunct="1">
+              <a:lnSpc>
+                <a:spcPct val="90000"/>
+              </a:lnSpc>
+              <a:spcBef>
+                <a:spcPct val="0"/>
+              </a:spcBef>
+              <a:buNone/>
+              <a:defRPr sz="4400" kern="1200">
+                <a:solidFill>
+                  <a:schemeClr val="tx1"/>
+                </a:solidFill>
+                <a:latin typeface="+mj-lt"/>
+                <a:ea typeface="+mj-ea"/>
+                <a:cs typeface="+mj-cs"/>
+              </a:defRPr>
+            </a:lvl1pPr>
+          </a:lstStyle>
+          <a:p>
+            <a:pPr algn="ctr"/>
+            <a:r>
+              <a:rPr lang="en-US" b="1" spc="-1" dirty="0">
+                <a:solidFill>
+                  <a:srgbClr val="000000"/>
+                </a:solidFill>
+                <a:latin typeface="Calibri Light"/>
+              </a:rPr>
+              <a:t>MORPHOLOGICAL OPERATIONS - CUBE</a:t>
+            </a:r>
+            <a:endParaRPr lang="en-US" b="1" spc="-1" dirty="0">
+              <a:solidFill>
+                <a:srgbClr val="000000"/>
+              </a:solidFill>
+              <a:latin typeface="Calibri"/>
+            </a:endParaRPr>
+          </a:p>
+        </p:txBody>
+      </p:sp>
+      <p:sp>
+        <p:nvSpPr>
+          <p:cNvPr id="3" name="TextBox 2">
+            <a:extLst>
+              <a:ext uri="{FF2B5EF4-FFF2-40B4-BE49-F238E27FC236}">
+                <a16:creationId xmlns:a16="http://schemas.microsoft.com/office/drawing/2014/main" id="{DEC2A9E8-821B-CD4A-CD67-FEAD8EC54807}"/>
+              </a:ext>
+            </a:extLst>
+          </p:cNvPr>
+          <p:cNvSpPr txBox="1"/>
+          <p:nvPr/>
+        </p:nvSpPr>
+        <p:spPr>
+          <a:xfrm>
+            <a:off x="535264" y="5622808"/>
+            <a:ext cx="10971821" cy="584775"/>
+          </a:xfrm>
+          <a:prstGeom prst="rect">
+            <a:avLst/>
+          </a:prstGeom>
+          <a:noFill/>
+        </p:spPr>
+        <p:txBody>
+          <a:bodyPr wrap="square" rtlCol="0">
+            <a:spAutoFit/>
+          </a:bodyPr>
+          <a:lstStyle/>
+          <a:p>
+            <a:pPr algn="just"/>
+            <a:r>
+              <a:rPr lang="en-US" sz="1600" dirty="0">
+                <a:latin typeface="Calibri" panose="020F0502020204030204" pitchFamily="34" charset="0"/>
+                <a:cs typeface="Calibri" panose="020F0502020204030204" pitchFamily="34" charset="0"/>
+              </a:rPr>
+              <a:t>Here is another example where I used the images from the ImageJ activity to see if I can have similar results. For the Rubik’s cube, I used the closing operation twice, first with a larger square SE, and second with a smaller one.</a:t>
+            </a:r>
+          </a:p>
+        </p:txBody>
+      </p:sp>
+      <p:sp>
+        <p:nvSpPr>
+          <p:cNvPr id="5" name="TextBox 4">
+            <a:extLst>
+              <a:ext uri="{FF2B5EF4-FFF2-40B4-BE49-F238E27FC236}">
+                <a16:creationId xmlns:a16="http://schemas.microsoft.com/office/drawing/2014/main" id="{0C79E86A-F663-D5CB-C405-9F9BC719AE9A}"/>
+              </a:ext>
+            </a:extLst>
+          </p:cNvPr>
+          <p:cNvSpPr txBox="1"/>
+          <p:nvPr/>
+        </p:nvSpPr>
+        <p:spPr>
+          <a:xfrm>
+            <a:off x="484458" y="4994263"/>
+            <a:ext cx="3154718" cy="338554"/>
+          </a:xfrm>
+          <a:prstGeom prst="rect">
+            <a:avLst/>
+          </a:prstGeom>
+          <a:noFill/>
+        </p:spPr>
+        <p:txBody>
+          <a:bodyPr wrap="square" rtlCol="0">
+            <a:spAutoFit/>
+          </a:bodyPr>
+          <a:lstStyle/>
+          <a:p>
+            <a:pPr algn="ctr"/>
+            <a:r>
+              <a:rPr lang="en-US" sz="1600" b="1" dirty="0">
+                <a:latin typeface="Calibri" panose="020F0502020204030204" pitchFamily="34" charset="0"/>
+                <a:cs typeface="Calibri" panose="020F0502020204030204" pitchFamily="34" charset="0"/>
+              </a:rPr>
+              <a:t>Original image</a:t>
+            </a:r>
+          </a:p>
+        </p:txBody>
+      </p:sp>
+      <p:sp>
+        <p:nvSpPr>
+          <p:cNvPr id="6" name="TextBox 5">
+            <a:extLst>
+              <a:ext uri="{FF2B5EF4-FFF2-40B4-BE49-F238E27FC236}">
+                <a16:creationId xmlns:a16="http://schemas.microsoft.com/office/drawing/2014/main" id="{4CBBBAFE-2FE8-F81C-2AF0-20E2160970EE}"/>
+              </a:ext>
+            </a:extLst>
+          </p:cNvPr>
+          <p:cNvSpPr txBox="1"/>
+          <p:nvPr/>
+        </p:nvSpPr>
+        <p:spPr>
+          <a:xfrm>
+            <a:off x="8573836" y="5028440"/>
+            <a:ext cx="3154718" cy="338554"/>
+          </a:xfrm>
+          <a:prstGeom prst="rect">
+            <a:avLst/>
+          </a:prstGeom>
+          <a:noFill/>
+        </p:spPr>
+        <p:txBody>
+          <a:bodyPr wrap="square" rtlCol="0">
+            <a:spAutoFit/>
+          </a:bodyPr>
+          <a:lstStyle/>
+          <a:p>
+            <a:pPr algn="ctr"/>
+            <a:r>
+              <a:rPr lang="en-US" sz="1600" b="1" dirty="0">
+                <a:latin typeface="Calibri" panose="020F0502020204030204" pitchFamily="34" charset="0"/>
+                <a:cs typeface="Calibri" panose="020F0502020204030204" pitchFamily="34" charset="0"/>
+              </a:rPr>
+              <a:t>“Cleaned” segmented image</a:t>
+            </a:r>
+          </a:p>
+        </p:txBody>
+      </p:sp>
+      <p:pic>
+        <p:nvPicPr>
+          <p:cNvPr id="9" name="Picture 8" descr="A picture containing symmetry, square, art, black and white&#10;&#10;Description automatically generated">
+            <a:extLst>
+              <a:ext uri="{FF2B5EF4-FFF2-40B4-BE49-F238E27FC236}">
+                <a16:creationId xmlns:a16="http://schemas.microsoft.com/office/drawing/2014/main" id="{BF7F1E3E-223E-8774-B068-DB7C22C51936}"/>
+              </a:ext>
+            </a:extLst>
+          </p:cNvPr>
+          <p:cNvPicPr>
+            <a:picLocks noChangeAspect="1"/>
+          </p:cNvPicPr>
+          <p:nvPr/>
+        </p:nvPicPr>
+        <p:blipFill>
+          <a:blip r:embed="rId4" cstate="print">
+            <a:extLst>
+              <a:ext uri="{28A0092B-C50C-407E-A947-70E740481C1C}">
+                <a14:useLocalDpi xmlns:a14="http://schemas.microsoft.com/office/drawing/2010/main" val="0"/>
+              </a:ext>
+            </a:extLst>
+          </a:blip>
+          <a:stretch>
+            <a:fillRect/>
+          </a:stretch>
+        </p:blipFill>
+        <p:spPr>
+          <a:xfrm>
+            <a:off x="4718975" y="1325160"/>
+            <a:ext cx="2753805" cy="3671740"/>
+          </a:xfrm>
+          <a:prstGeom prst="rect">
+            <a:avLst/>
+          </a:prstGeom>
+        </p:spPr>
+      </p:pic>
+      <p:pic>
+        <p:nvPicPr>
+          <p:cNvPr id="13" name="Picture 12" descr="A picture containing square, symmetry, rectangle, line&#10;&#10;Description automatically generated">
+            <a:extLst>
+              <a:ext uri="{FF2B5EF4-FFF2-40B4-BE49-F238E27FC236}">
+                <a16:creationId xmlns:a16="http://schemas.microsoft.com/office/drawing/2014/main" id="{FA5E4CEB-0DA0-E8B4-C472-542C399007E5}"/>
+              </a:ext>
+            </a:extLst>
+          </p:cNvPr>
+          <p:cNvPicPr>
+            <a:picLocks noChangeAspect="1"/>
+          </p:cNvPicPr>
+          <p:nvPr/>
+        </p:nvPicPr>
+        <p:blipFill>
+          <a:blip r:embed="rId5" cstate="print">
+            <a:extLst>
+              <a:ext uri="{28A0092B-C50C-407E-A947-70E740481C1C}">
+                <a14:useLocalDpi xmlns:a14="http://schemas.microsoft.com/office/drawing/2010/main" val="0"/>
+              </a:ext>
+            </a:extLst>
+          </a:blip>
+          <a:stretch>
+            <a:fillRect/>
+          </a:stretch>
+        </p:blipFill>
+        <p:spPr>
+          <a:xfrm>
+            <a:off x="8795305" y="1409210"/>
+            <a:ext cx="2711780" cy="3615707"/>
+          </a:xfrm>
+          <a:prstGeom prst="rect">
+            <a:avLst/>
+          </a:prstGeom>
+        </p:spPr>
+      </p:pic>
+      <p:sp>
+        <p:nvSpPr>
+          <p:cNvPr id="14" name="TextBox 13">
+            <a:extLst>
+              <a:ext uri="{FF2B5EF4-FFF2-40B4-BE49-F238E27FC236}">
+                <a16:creationId xmlns:a16="http://schemas.microsoft.com/office/drawing/2014/main" id="{79BED8A8-6917-DAB9-5384-10C08D0101D3}"/>
+              </a:ext>
+            </a:extLst>
+          </p:cNvPr>
+          <p:cNvSpPr txBox="1"/>
+          <p:nvPr/>
+        </p:nvSpPr>
+        <p:spPr>
+          <a:xfrm>
+            <a:off x="4518518" y="4993681"/>
+            <a:ext cx="3154718" cy="338554"/>
+          </a:xfrm>
+          <a:prstGeom prst="rect">
+            <a:avLst/>
+          </a:prstGeom>
+          <a:noFill/>
+        </p:spPr>
+        <p:txBody>
+          <a:bodyPr wrap="square" rtlCol="0">
+            <a:spAutoFit/>
+          </a:bodyPr>
+          <a:lstStyle/>
+          <a:p>
+            <a:pPr algn="ctr"/>
+            <a:r>
+              <a:rPr lang="en-US" sz="1600" b="1" dirty="0">
+                <a:latin typeface="Calibri" panose="020F0502020204030204" pitchFamily="34" charset="0"/>
+                <a:cs typeface="Calibri" panose="020F0502020204030204" pitchFamily="34" charset="0"/>
+              </a:rPr>
+              <a:t>Segmented image</a:t>
+            </a:r>
+          </a:p>
+        </p:txBody>
+      </p:sp>
+    </p:spTree>
+    <p:extLst>
+      <p:ext uri="{BB962C8B-B14F-4D97-AF65-F5344CB8AC3E}">
+        <p14:creationId xmlns:p14="http://schemas.microsoft.com/office/powerpoint/2010/main" val="62681282"/>
+      </p:ext>
+    </p:extLst>
+  </p:cSld>
+  <p:clrMapOvr>
+    <a:masterClrMapping/>
+  </p:clrMapOvr>
+</p:sld>
+</file>
+
+<file path=ppt/slides/slide13.xml><?xml version="1.0" encoding="utf-8"?>
 <p:sld xmlns:a="http://schemas.openxmlformats.org/drawingml/2006/main" xmlns:r="http://schemas.openxmlformats.org/officeDocument/2006/relationships" xmlns:p="http://schemas.openxmlformats.org/presentationml/2006/main">
   <p:cSld>
     <p:spTree>
@@ -10771,7 +11800,7 @@
                 <a:latin typeface="Calibri" panose="020F0502020204030204" pitchFamily="34" charset="0"/>
                 <a:cs typeface="Calibri" panose="020F0502020204030204" pitchFamily="34" charset="0"/>
               </a:rPr>
-              <a:t>This activity was very fun. It was repetitive (in a nice way) which made me get very familiar with the application of Fourier analysis in image processing.</a:t>
+              <a:t>This activity was somewhat a breather since it was fun and easy to do!</a:t>
             </a:r>
           </a:p>
           <a:p>
@@ -10784,7 +11813,7 @@
                 <a:latin typeface="Calibri" panose="020F0502020204030204" pitchFamily="34" charset="0"/>
                 <a:cs typeface="Calibri" panose="020F0502020204030204" pitchFamily="34" charset="0"/>
               </a:rPr>
-              <a:t>The previous activity was definitely helpful in letting me understand the ideas behind the removal of periodic patterns.</a:t>
+              <a:t>It was nice to look back at Set Theory because I am fuzzy with it.</a:t>
             </a:r>
           </a:p>
           <a:p>
@@ -10797,8 +11826,31 @@
                 <a:latin typeface="Calibri" panose="020F0502020204030204" pitchFamily="34" charset="0"/>
                 <a:cs typeface="Calibri" panose="020F0502020204030204" pitchFamily="34" charset="0"/>
               </a:rPr>
-              <a:t>I just want to say that the product of rotated sinusoids produce beautiful Fourier transforms!</a:t>
-            </a:r>
+              <a:t>I really enjoyed the manual mapping of the morphological operations and drawing it on a graphing paper. It was fun to visualize how the structuring elements will affect the images.</a:t>
+            </a:r>
+          </a:p>
+          <a:p>
+            <a:pPr marL="0" indent="0">
+              <a:buFont typeface="Arial" panose="020B0604020202020204" pitchFamily="34" charset="0"/>
+              <a:buNone/>
+            </a:pPr>
+            <a:r>
+              <a:rPr lang="en-US" dirty="0">
+                <a:latin typeface="Calibri" panose="020F0502020204030204" pitchFamily="34" charset="0"/>
+                <a:cs typeface="Calibri" panose="020F0502020204030204" pitchFamily="34" charset="0"/>
+              </a:rPr>
+              <a:t>Lastly, I found it satisfying when a noisy segmented image gets cleaned up using morphological operators.</a:t>
+            </a:r>
+          </a:p>
+          <a:p>
+            <a:pPr marL="0" indent="0">
+              <a:buFont typeface="Arial" panose="020B0604020202020204" pitchFamily="34" charset="0"/>
+              <a:buNone/>
+            </a:pPr>
+            <a:endParaRPr lang="en-US" dirty="0">
+              <a:latin typeface="Calibri" panose="020F0502020204030204" pitchFamily="34" charset="0"/>
+              <a:cs typeface="Calibri" panose="020F0502020204030204" pitchFamily="34" charset="0"/>
+            </a:endParaRPr>
           </a:p>
         </p:txBody>
       </p:sp>
@@ -10810,7 +11862,7 @@
 </p:sld>
 </file>
 
-<file path=ppt/slides/slide12.xml><?xml version="1.0" encoding="utf-8"?>
+<file path=ppt/slides/slide14.xml><?xml version="1.0" encoding="utf-8"?>
 <p:sld xmlns:a="http://schemas.openxmlformats.org/drawingml/2006/main" xmlns:r="http://schemas.openxmlformats.org/officeDocument/2006/relationships" xmlns:p="http://schemas.openxmlformats.org/presentationml/2006/main">
   <p:cSld>
     <p:spTree>
@@ -10954,7 +12006,7 @@
                 </a:solidFill>
                 <a:latin typeface="Calibri"/>
               </a:rPr>
-              <a:t>am confident that I understood how the Fourier transform of images work and how to manipulate their properties for image processing.</a:t>
+              <a:t>am confident that I understood how to experiment with combinations of morphological operations in order to gets the best “cleaned” segmented image.</a:t>
             </a:r>
           </a:p>
           <a:p>
@@ -11044,7 +12096,7 @@
                 </a:solidFill>
                 <a:latin typeface="Calibri"/>
               </a:rPr>
-              <a:t>The activity was repetitive in using Fourier transform so it helped me strengthen my knowledge on it.</a:t>
+              <a:t>The activity was really fun and easy. I only slacked because I was stuck in the previous activity and again my bad habit is not trying other things when I am stuck in a previous thing.</a:t>
             </a:r>
           </a:p>
           <a:p>
@@ -11089,7 +12141,7 @@
                 </a:solidFill>
                 <a:latin typeface="Calibri"/>
               </a:rPr>
-              <a:t>I went beyond the expected output.</a:t>
+              <a:t>I went beyond the expected output by trying the image I used in ImageJ activity.</a:t>
             </a:r>
           </a:p>
         </p:txBody>
@@ -11107,7 +12159,7 @@
 </p:sld>
 </file>
 
-<file path=ppt/slides/slide13.xml><?xml version="1.0" encoding="utf-8"?>
+<file path=ppt/slides/slide15.xml><?xml version="1.0" encoding="utf-8"?>
 <p:sld xmlns:a="http://schemas.openxmlformats.org/drawingml/2006/main" xmlns:r="http://schemas.openxmlformats.org/officeDocument/2006/relationships" xmlns:p="http://schemas.openxmlformats.org/presentationml/2006/main">
   <p:cSld>
     <p:spTree>
@@ -11170,7 +12222,9 @@
         </p:nvSpPr>
         <p:spPr/>
         <p:txBody>
-          <a:bodyPr/>
+          <a:bodyPr>
+            <a:normAutofit fontScale="92500"/>
+          </a:bodyPr>
           <a:lstStyle/>
           <a:p>
             <a:pPr marL="0" indent="0">
@@ -11178,7 +12232,7 @@
             </a:pPr>
             <a:r>
               <a:rPr lang="en-US" dirty="0"/>
-              <a:t>[1] Soriano, M. (2023). AP 157 module. Activity 2 Part 2 - Properties and Applications of the 2D Fourier Transform 2021 – Copy.</a:t>
+              <a:t>[1] Soriano, M. (2023). AP 157 module. A6- Morphological operation 2023.</a:t>
             </a:r>
           </a:p>
           <a:p>
@@ -11187,13 +12241,13 @@
             </a:pPr>
             <a:r>
               <a:rPr lang="en-US" dirty="0"/>
-              <a:t>[2] Fingerprint photo. </a:t>
+              <a:t>[2] </a:t>
             </a:r>
             <a:r>
               <a:rPr lang="en-US" dirty="0">
                 <a:hlinkClick r:id="rId2"/>
               </a:rPr>
-              <a:t>https://www.researchgate.net/figure/Examples-of-different-classes-of-fingerprints-a-right-loop-b-whorl-and-c-arch_fig2_265986190</a:t>
+              <a:t>https://www.youtube.com/watch?v=bRa770kRapc&amp;pp=ygUsbW9ycGhvbG9naWNhbCBvcGVyYXRpb25zIGluIGltYWdlIHByb2Nlc3Npbmc%3D</a:t>
             </a:r>
             <a:endParaRPr lang="en-US" dirty="0"/>
           </a:p>
@@ -11203,19 +12257,13 @@
             </a:pPr>
             <a:r>
               <a:rPr lang="en-US" dirty="0"/>
-              <a:t>[3] Lunar landing photo. </a:t>
+              <a:t>[3] </a:t>
             </a:r>
             <a:r>
               <a:rPr lang="en-US" dirty="0">
                 <a:hlinkClick r:id="rId3"/>
               </a:rPr>
-              <a:t>https://www.lpi.usra.edu/publications/slidesets/apollolanding/ApolloLanding/slide_05</a:t>
-            </a:r>
-            <a:r>
-              <a:rPr lang="en-US">
-                <a:hlinkClick r:id="rId3"/>
-              </a:rPr>
-              <a:t>.html</a:t>
+              <a:t>https://www.youtube.com/watch?v=d1we_yqUASg&amp;t=640s&amp;pp=ygUsbW9ycGhvbG9naWNhbCBvcGVyYXRpb25zIGluIGltYWdlIHByb2Nlc3Npbmc%3D</a:t>
             </a:r>
             <a:endParaRPr lang="en-US" dirty="0"/>
           </a:p>
@@ -11223,7 +12271,23 @@
             <a:pPr marL="0" indent="0">
               <a:buNone/>
             </a:pPr>
-            <a:endParaRPr lang="en-US"/>
+            <a:r>
+              <a:rPr lang="en-US" dirty="0"/>
+              <a:t>[4] </a:t>
+            </a:r>
+            <a:r>
+              <a:rPr lang="en-US" dirty="0">
+                <a:hlinkClick r:id="rId4"/>
+              </a:rPr>
+              <a:t>https://www.youtube.com/watch?v=2LAooUu1IjQ&amp;pp=ygUsbW9ycGhvbG9naWNhbCBvcGVyYXRpb25zIGluIGltYWdlIHByb2Nlc3Npbmc%3D</a:t>
+            </a:r>
+            <a:endParaRPr lang="en-US" dirty="0"/>
+          </a:p>
+          <a:p>
+            <a:pPr marL="0" indent="0">
+              <a:buNone/>
+            </a:pPr>
+            <a:endParaRPr lang="en-US" dirty="0"/>
           </a:p>
         </p:txBody>
       </p:sp>
@@ -11964,10 +13028,10 @@
       </p:grpSpPr>
       <p:pic>
         <p:nvPicPr>
-          <p:cNvPr id="13" name="Picture 12" descr="A yellow and purple squares&#10;&#10;Description automatically generated with low confidence">
+          <p:cNvPr id="17" name="Picture 16" descr="A yellow and purple squares&#10;&#10;Description automatically generated with medium confidence">
             <a:extLst>
               <a:ext uri="{FF2B5EF4-FFF2-40B4-BE49-F238E27FC236}">
-                <a16:creationId xmlns:a16="http://schemas.microsoft.com/office/drawing/2014/main" id="{858D9A84-55B3-D21C-2D07-B7F1CA46A1C2}"/>
+                <a16:creationId xmlns:a16="http://schemas.microsoft.com/office/drawing/2014/main" id="{78DD411D-C9F6-FE7D-7DDA-33B14B3BDE86}"/>
               </a:ext>
             </a:extLst>
           </p:cNvPr>
@@ -11990,7 +13054,7 @@
         </p:blipFill>
         <p:spPr>
           <a:xfrm>
-            <a:off x="7463007" y="5022797"/>
+            <a:off x="7463006" y="5022794"/>
             <a:ext cx="4518341" cy="1506113"/>
           </a:xfrm>
           <a:prstGeom prst="rect">
@@ -12027,42 +13091,6 @@
         <p:spPr>
           <a:xfrm>
             <a:off x="7463007" y="3649084"/>
-            <a:ext cx="4518341" cy="1506113"/>
-          </a:xfrm>
-          <a:prstGeom prst="rect">
-            <a:avLst/>
-          </a:prstGeom>
-        </p:spPr>
-      </p:pic>
-      <p:pic>
-        <p:nvPicPr>
-          <p:cNvPr id="17" name="Picture 16" descr="A yellow and purple squares&#10;&#10;Description automatically generated with medium confidence">
-            <a:extLst>
-              <a:ext uri="{FF2B5EF4-FFF2-40B4-BE49-F238E27FC236}">
-                <a16:creationId xmlns:a16="http://schemas.microsoft.com/office/drawing/2014/main" id="{78DD411D-C9F6-FE7D-7DDA-33B14B3BDE86}"/>
-              </a:ext>
-            </a:extLst>
-          </p:cNvPr>
-          <p:cNvPicPr>
-            <a:picLocks noChangeAspect="1"/>
-          </p:cNvPicPr>
-          <p:nvPr/>
-        </p:nvPicPr>
-        <p:blipFill>
-          <a:blip r:embed="rId4" cstate="print">
-            <a:extLst>
-              <a:ext uri="{28A0092B-C50C-407E-A947-70E740481C1C}">
-                <a14:useLocalDpi xmlns:a14="http://schemas.microsoft.com/office/drawing/2010/main" val="0"/>
-              </a:ext>
-            </a:extLst>
-          </a:blip>
-          <a:stretch>
-            <a:fillRect/>
-          </a:stretch>
-        </p:blipFill>
-        <p:spPr>
-          <a:xfrm>
-            <a:off x="7463006" y="2275370"/>
             <a:ext cx="4518341" cy="1506113"/>
           </a:xfrm>
           <a:prstGeom prst="rect">
@@ -12204,7 +13232,7 @@
                   <a:srgbClr val="000000"/>
                 </a:solidFill>
                 <a:latin typeface="Calibri"/>
-                <a:hlinkClick r:id="rId5"/>
+                <a:hlinkClick r:id="rId4"/>
               </a:rPr>
               <a:t>https://github.com/genvert/AP_157_FX-2_Vertudez/tree/main/Activity%206</a:t>
             </a:r>
@@ -12220,6 +13248,42 @@
             <a:extLst>
               <a:ext uri="{FF2B5EF4-FFF2-40B4-BE49-F238E27FC236}">
                 <a16:creationId xmlns:a16="http://schemas.microsoft.com/office/drawing/2014/main" id="{52452509-6590-8A33-60C4-5DBB0A0D2CFF}"/>
+              </a:ext>
+            </a:extLst>
+          </p:cNvPr>
+          <p:cNvPicPr>
+            <a:picLocks noChangeAspect="1"/>
+          </p:cNvPicPr>
+          <p:nvPr/>
+        </p:nvPicPr>
+        <p:blipFill>
+          <a:blip r:embed="rId5" cstate="print">
+            <a:extLst>
+              <a:ext uri="{28A0092B-C50C-407E-A947-70E740481C1C}">
+                <a14:useLocalDpi xmlns:a14="http://schemas.microsoft.com/office/drawing/2010/main" val="0"/>
+              </a:ext>
+            </a:extLst>
+          </a:blip>
+          <a:stretch>
+            <a:fillRect/>
+          </a:stretch>
+        </p:blipFill>
+        <p:spPr>
+          <a:xfrm>
+            <a:off x="210650" y="2275370"/>
+            <a:ext cx="4518341" cy="1506113"/>
+          </a:xfrm>
+          <a:prstGeom prst="rect">
+            <a:avLst/>
+          </a:prstGeom>
+        </p:spPr>
+      </p:pic>
+      <p:pic>
+        <p:nvPicPr>
+          <p:cNvPr id="8" name="Picture 7" descr="A yellow and purple rectangles&#10;&#10;Description automatically generated with low confidence">
+            <a:extLst>
+              <a:ext uri="{FF2B5EF4-FFF2-40B4-BE49-F238E27FC236}">
+                <a16:creationId xmlns:a16="http://schemas.microsoft.com/office/drawing/2014/main" id="{8440E323-1A80-69AB-DD81-07EDFC24B7C4}"/>
               </a:ext>
             </a:extLst>
           </p:cNvPr>
@@ -12242,7 +13306,7 @@
         </p:blipFill>
         <p:spPr>
           <a:xfrm>
-            <a:off x="210650" y="2275370"/>
+            <a:off x="210651" y="3649083"/>
             <a:ext cx="4518341" cy="1506113"/>
           </a:xfrm>
           <a:prstGeom prst="rect">
@@ -12252,10 +13316,10 @@
       </p:pic>
       <p:pic>
         <p:nvPicPr>
-          <p:cNvPr id="8" name="Picture 7" descr="A yellow and purple rectangles&#10;&#10;Description automatically generated with low confidence">
+          <p:cNvPr id="11" name="Picture 10" descr="A yellow and purple squares&#10;&#10;Description automatically generated with medium confidence">
             <a:extLst>
               <a:ext uri="{FF2B5EF4-FFF2-40B4-BE49-F238E27FC236}">
-                <a16:creationId xmlns:a16="http://schemas.microsoft.com/office/drawing/2014/main" id="{8440E323-1A80-69AB-DD81-07EDFC24B7C4}"/>
+                <a16:creationId xmlns:a16="http://schemas.microsoft.com/office/drawing/2014/main" id="{A7CB913E-099E-0E84-44CA-67330B6EC3ED}"/>
               </a:ext>
             </a:extLst>
           </p:cNvPr>
@@ -12278,7 +13342,7 @@
         </p:blipFill>
         <p:spPr>
           <a:xfrm>
-            <a:off x="210651" y="3649083"/>
+            <a:off x="210650" y="5022794"/>
             <a:ext cx="4518341" cy="1506113"/>
           </a:xfrm>
           <a:prstGeom prst="rect">
@@ -12286,12 +13350,240 @@
           </a:prstGeom>
         </p:spPr>
       </p:pic>
+      <p:sp>
+        <p:nvSpPr>
+          <p:cNvPr id="3" name="TextBox 2">
+            <a:extLst>
+              <a:ext uri="{FF2B5EF4-FFF2-40B4-BE49-F238E27FC236}">
+                <a16:creationId xmlns:a16="http://schemas.microsoft.com/office/drawing/2014/main" id="{47C9FFF7-4179-5B7F-C768-D0C9C13DE967}"/>
+              </a:ext>
+            </a:extLst>
+          </p:cNvPr>
+          <p:cNvSpPr txBox="1"/>
+          <p:nvPr/>
+        </p:nvSpPr>
+        <p:spPr>
+          <a:xfrm>
+            <a:off x="210649" y="1516228"/>
+            <a:ext cx="3154718" cy="400110"/>
+          </a:xfrm>
+          <a:prstGeom prst="rect">
+            <a:avLst/>
+          </a:prstGeom>
+          <a:noFill/>
+        </p:spPr>
+        <p:txBody>
+          <a:bodyPr wrap="square" rtlCol="0">
+            <a:spAutoFit/>
+          </a:bodyPr>
+          <a:lstStyle/>
+          <a:p>
+            <a:r>
+              <a:rPr lang="en-US" sz="2000" b="1" dirty="0">
+                <a:latin typeface="Calibri" panose="020F0502020204030204" pitchFamily="34" charset="0"/>
+                <a:cs typeface="Calibri" panose="020F0502020204030204" pitchFamily="34" charset="0"/>
+              </a:rPr>
+              <a:t>Image: Solid square</a:t>
+            </a:r>
+          </a:p>
+        </p:txBody>
+      </p:sp>
+      <p:sp>
+        <p:nvSpPr>
+          <p:cNvPr id="5" name="TextBox 4">
+            <a:extLst>
+              <a:ext uri="{FF2B5EF4-FFF2-40B4-BE49-F238E27FC236}">
+                <a16:creationId xmlns:a16="http://schemas.microsoft.com/office/drawing/2014/main" id="{9EC5B22B-C333-A2DF-7DA4-6552F8234FEE}"/>
+              </a:ext>
+            </a:extLst>
+          </p:cNvPr>
+          <p:cNvSpPr txBox="1"/>
+          <p:nvPr/>
+        </p:nvSpPr>
+        <p:spPr>
+          <a:xfrm>
+            <a:off x="892461" y="1933123"/>
+            <a:ext cx="3154718" cy="369332"/>
+          </a:xfrm>
+          <a:prstGeom prst="rect">
+            <a:avLst/>
+          </a:prstGeom>
+          <a:noFill/>
+        </p:spPr>
+        <p:txBody>
+          <a:bodyPr wrap="square" rtlCol="0">
+            <a:spAutoFit/>
+          </a:bodyPr>
+          <a:lstStyle/>
+          <a:p>
+            <a:pPr algn="ctr"/>
+            <a:r>
+              <a:rPr lang="en-US" b="1" dirty="0">
+                <a:latin typeface="Calibri" panose="020F0502020204030204" pitchFamily="34" charset="0"/>
+                <a:cs typeface="Calibri" panose="020F0502020204030204" pitchFamily="34" charset="0"/>
+              </a:rPr>
+              <a:t>Dilation</a:t>
+            </a:r>
+          </a:p>
+        </p:txBody>
+      </p:sp>
+      <p:sp>
+        <p:nvSpPr>
+          <p:cNvPr id="6" name="TextBox 5">
+            <a:extLst>
+              <a:ext uri="{FF2B5EF4-FFF2-40B4-BE49-F238E27FC236}">
+                <a16:creationId xmlns:a16="http://schemas.microsoft.com/office/drawing/2014/main" id="{7BFFDCDD-E54A-2F4E-3789-36B9CD647F55}"/>
+              </a:ext>
+            </a:extLst>
+          </p:cNvPr>
+          <p:cNvSpPr txBox="1"/>
+          <p:nvPr/>
+        </p:nvSpPr>
+        <p:spPr>
+          <a:xfrm>
+            <a:off x="8144817" y="1935710"/>
+            <a:ext cx="3154718" cy="369332"/>
+          </a:xfrm>
+          <a:prstGeom prst="rect">
+            <a:avLst/>
+          </a:prstGeom>
+          <a:noFill/>
+        </p:spPr>
+        <p:txBody>
+          <a:bodyPr wrap="square" rtlCol="0">
+            <a:spAutoFit/>
+          </a:bodyPr>
+          <a:lstStyle/>
+          <a:p>
+            <a:pPr algn="ctr"/>
+            <a:r>
+              <a:rPr lang="en-US" b="1" dirty="0">
+                <a:latin typeface="Calibri" panose="020F0502020204030204" pitchFamily="34" charset="0"/>
+                <a:cs typeface="Calibri" panose="020F0502020204030204" pitchFamily="34" charset="0"/>
+              </a:rPr>
+              <a:t>Erosion</a:t>
+            </a:r>
+          </a:p>
+        </p:txBody>
+      </p:sp>
+      <p:sp>
+        <p:nvSpPr>
+          <p:cNvPr id="7" name="TextBox 6">
+            <a:extLst>
+              <a:ext uri="{FF2B5EF4-FFF2-40B4-BE49-F238E27FC236}">
+                <a16:creationId xmlns:a16="http://schemas.microsoft.com/office/drawing/2014/main" id="{1F74DE43-3C03-93D6-A7D3-27521FB5B103}"/>
+              </a:ext>
+            </a:extLst>
+          </p:cNvPr>
+          <p:cNvSpPr txBox="1"/>
+          <p:nvPr/>
+        </p:nvSpPr>
+        <p:spPr>
+          <a:xfrm>
+            <a:off x="210648" y="966323"/>
+            <a:ext cx="11322843" cy="584775"/>
+          </a:xfrm>
+          <a:prstGeom prst="rect">
+            <a:avLst/>
+          </a:prstGeom>
+          <a:noFill/>
+        </p:spPr>
+        <p:txBody>
+          <a:bodyPr wrap="square" rtlCol="0">
+            <a:spAutoFit/>
+          </a:bodyPr>
+          <a:lstStyle/>
+          <a:p>
+            <a:pPr algn="just"/>
+            <a:r>
+              <a:rPr lang="en-US" sz="1600" dirty="0">
+                <a:latin typeface="Calibri" panose="020F0502020204030204" pitchFamily="34" charset="0"/>
+                <a:cs typeface="Calibri" panose="020F0502020204030204" pitchFamily="34" charset="0"/>
+              </a:rPr>
+              <a:t>Now, it’s time to try them numerically with Python. The images, as before, are a 5x5 solid square, 10x10 hollow square that is 2 units thick, a plus symbol, and a dumbbell. The structuring elements are still a 2x2 solid square, a 2x1 solid rectangle, and a 5x5 solid square.</a:t>
+            </a:r>
+          </a:p>
+        </p:txBody>
+      </p:sp>
+      <p:sp>
+        <p:nvSpPr>
+          <p:cNvPr id="9" name="TextBox 8">
+            <a:extLst>
+              <a:ext uri="{FF2B5EF4-FFF2-40B4-BE49-F238E27FC236}">
+                <a16:creationId xmlns:a16="http://schemas.microsoft.com/office/drawing/2014/main" id="{CD4A5043-1D2D-E449-B7AD-CC3D9B492EE5}"/>
+              </a:ext>
+            </a:extLst>
+          </p:cNvPr>
+          <p:cNvSpPr txBox="1"/>
+          <p:nvPr/>
+        </p:nvSpPr>
+        <p:spPr>
+          <a:xfrm>
+            <a:off x="4728991" y="2384642"/>
+            <a:ext cx="2734015" cy="4016484"/>
+          </a:xfrm>
+          <a:prstGeom prst="rect">
+            <a:avLst/>
+          </a:prstGeom>
+          <a:noFill/>
+        </p:spPr>
+        <p:txBody>
+          <a:bodyPr wrap="square" rtlCol="0">
+            <a:spAutoFit/>
+          </a:bodyPr>
+          <a:lstStyle/>
+          <a:p>
+            <a:pPr algn="just"/>
+            <a:r>
+              <a:rPr lang="en-US" sz="1500" dirty="0">
+                <a:latin typeface="Calibri" panose="020F0502020204030204" pitchFamily="34" charset="0"/>
+                <a:cs typeface="Calibri" panose="020F0502020204030204" pitchFamily="34" charset="0"/>
+              </a:rPr>
+              <a:t>As we can see, the dilated square becomes larger, while the eroded one gets smaller, as expected. The structuring element determines the final shape of the object.</a:t>
+            </a:r>
+          </a:p>
+          <a:p>
+            <a:pPr algn="just"/>
+            <a:endParaRPr lang="en-US" sz="1500" dirty="0">
+              <a:latin typeface="Calibri" panose="020F0502020204030204" pitchFamily="34" charset="0"/>
+              <a:cs typeface="Calibri" panose="020F0502020204030204" pitchFamily="34" charset="0"/>
+            </a:endParaRPr>
+          </a:p>
+          <a:p>
+            <a:pPr algn="just"/>
+            <a:r>
+              <a:rPr lang="en-US" sz="1500" dirty="0">
+                <a:latin typeface="Calibri" panose="020F0502020204030204" pitchFamily="34" charset="0"/>
+                <a:cs typeface="Calibri" panose="020F0502020204030204" pitchFamily="34" charset="0"/>
+              </a:rPr>
+              <a:t>The anchor point for the first two SEs is the (0,0) pixel, while the third one is the center, that is why the result is not centered on the first two.</a:t>
+            </a:r>
+          </a:p>
+          <a:p>
+            <a:pPr algn="just"/>
+            <a:endParaRPr lang="en-US" sz="1500" dirty="0">
+              <a:latin typeface="Calibri" panose="020F0502020204030204" pitchFamily="34" charset="0"/>
+              <a:cs typeface="Calibri" panose="020F0502020204030204" pitchFamily="34" charset="0"/>
+            </a:endParaRPr>
+          </a:p>
+          <a:p>
+            <a:pPr algn="just"/>
+            <a:r>
+              <a:rPr lang="en-US" sz="1500" dirty="0">
+                <a:latin typeface="Calibri" panose="020F0502020204030204" pitchFamily="34" charset="0"/>
+                <a:cs typeface="Calibri" panose="020F0502020204030204" pitchFamily="34" charset="0"/>
+              </a:rPr>
+              <a:t>Still, note that if the structuring element is symmetrical, then the final image just gets translated if you change anchor point.</a:t>
+            </a:r>
+          </a:p>
+        </p:txBody>
+      </p:sp>
       <p:pic>
         <p:nvPicPr>
-          <p:cNvPr id="11" name="Picture 10" descr="A yellow and purple squares&#10;&#10;Description automatically generated with medium confidence">
+          <p:cNvPr id="10" name="Picture 9" descr="A yellow and purple squares&#10;&#10;Description automatically generated with low confidence">
             <a:extLst>
               <a:ext uri="{FF2B5EF4-FFF2-40B4-BE49-F238E27FC236}">
-                <a16:creationId xmlns:a16="http://schemas.microsoft.com/office/drawing/2014/main" id="{A7CB913E-099E-0E84-44CA-67330B6EC3ED}"/>
+                <a16:creationId xmlns:a16="http://schemas.microsoft.com/office/drawing/2014/main" id="{A96CA979-DF13-D495-D2B8-0DC3E3F69F2D}"/>
               </a:ext>
             </a:extLst>
           </p:cNvPr>
@@ -12314,7 +13606,7 @@
         </p:blipFill>
         <p:spPr>
           <a:xfrm>
-            <a:off x="210650" y="5022794"/>
+            <a:off x="7456720" y="2302455"/>
             <a:ext cx="4518341" cy="1506113"/>
           </a:xfrm>
           <a:prstGeom prst="rect">
@@ -12322,161 +13614,6 @@
           </a:prstGeom>
         </p:spPr>
       </p:pic>
-      <p:sp>
-        <p:nvSpPr>
-          <p:cNvPr id="3" name="TextBox 2">
-            <a:extLst>
-              <a:ext uri="{FF2B5EF4-FFF2-40B4-BE49-F238E27FC236}">
-                <a16:creationId xmlns:a16="http://schemas.microsoft.com/office/drawing/2014/main" id="{47C9FFF7-4179-5B7F-C768-D0C9C13DE967}"/>
-              </a:ext>
-            </a:extLst>
-          </p:cNvPr>
-          <p:cNvSpPr txBox="1"/>
-          <p:nvPr/>
-        </p:nvSpPr>
-        <p:spPr>
-          <a:xfrm>
-            <a:off x="210649" y="1516228"/>
-            <a:ext cx="3154718" cy="400110"/>
-          </a:xfrm>
-          <a:prstGeom prst="rect">
-            <a:avLst/>
-          </a:prstGeom>
-          <a:noFill/>
-        </p:spPr>
-        <p:txBody>
-          <a:bodyPr wrap="square" rtlCol="0">
-            <a:spAutoFit/>
-          </a:bodyPr>
-          <a:lstStyle/>
-          <a:p>
-            <a:r>
-              <a:rPr lang="en-US" sz="2000" b="1" dirty="0">
-                <a:latin typeface="Calibri" panose="020F0502020204030204" pitchFamily="34" charset="0"/>
-                <a:cs typeface="Calibri" panose="020F0502020204030204" pitchFamily="34" charset="0"/>
-              </a:rPr>
-              <a:t>Image: Solid square</a:t>
-            </a:r>
-          </a:p>
-        </p:txBody>
-      </p:sp>
-      <p:sp>
-        <p:nvSpPr>
-          <p:cNvPr id="5" name="TextBox 4">
-            <a:extLst>
-              <a:ext uri="{FF2B5EF4-FFF2-40B4-BE49-F238E27FC236}">
-                <a16:creationId xmlns:a16="http://schemas.microsoft.com/office/drawing/2014/main" id="{9EC5B22B-C333-A2DF-7DA4-6552F8234FEE}"/>
-              </a:ext>
-            </a:extLst>
-          </p:cNvPr>
-          <p:cNvSpPr txBox="1"/>
-          <p:nvPr/>
-        </p:nvSpPr>
-        <p:spPr>
-          <a:xfrm>
-            <a:off x="892461" y="1933123"/>
-            <a:ext cx="3154718" cy="369332"/>
-          </a:xfrm>
-          <a:prstGeom prst="rect">
-            <a:avLst/>
-          </a:prstGeom>
-          <a:noFill/>
-        </p:spPr>
-        <p:txBody>
-          <a:bodyPr wrap="square" rtlCol="0">
-            <a:spAutoFit/>
-          </a:bodyPr>
-          <a:lstStyle/>
-          <a:p>
-            <a:pPr algn="ctr"/>
-            <a:r>
-              <a:rPr lang="en-US" b="1" dirty="0">
-                <a:latin typeface="Calibri" panose="020F0502020204030204" pitchFamily="34" charset="0"/>
-                <a:cs typeface="Calibri" panose="020F0502020204030204" pitchFamily="34" charset="0"/>
-              </a:rPr>
-              <a:t>Dilation</a:t>
-            </a:r>
-          </a:p>
-        </p:txBody>
-      </p:sp>
-      <p:sp>
-        <p:nvSpPr>
-          <p:cNvPr id="6" name="TextBox 5">
-            <a:extLst>
-              <a:ext uri="{FF2B5EF4-FFF2-40B4-BE49-F238E27FC236}">
-                <a16:creationId xmlns:a16="http://schemas.microsoft.com/office/drawing/2014/main" id="{7BFFDCDD-E54A-2F4E-3789-36B9CD647F55}"/>
-              </a:ext>
-            </a:extLst>
-          </p:cNvPr>
-          <p:cNvSpPr txBox="1"/>
-          <p:nvPr/>
-        </p:nvSpPr>
-        <p:spPr>
-          <a:xfrm>
-            <a:off x="8144817" y="1935710"/>
-            <a:ext cx="3154718" cy="369332"/>
-          </a:xfrm>
-          <a:prstGeom prst="rect">
-            <a:avLst/>
-          </a:prstGeom>
-          <a:noFill/>
-        </p:spPr>
-        <p:txBody>
-          <a:bodyPr wrap="square" rtlCol="0">
-            <a:spAutoFit/>
-          </a:bodyPr>
-          <a:lstStyle/>
-          <a:p>
-            <a:pPr algn="ctr"/>
-            <a:r>
-              <a:rPr lang="en-US" b="1" dirty="0">
-                <a:latin typeface="Calibri" panose="020F0502020204030204" pitchFamily="34" charset="0"/>
-                <a:cs typeface="Calibri" panose="020F0502020204030204" pitchFamily="34" charset="0"/>
-              </a:rPr>
-              <a:t>Erosion</a:t>
-            </a:r>
-          </a:p>
-        </p:txBody>
-      </p:sp>
-      <p:sp>
-        <p:nvSpPr>
-          <p:cNvPr id="7" name="TextBox 6">
-            <a:extLst>
-              <a:ext uri="{FF2B5EF4-FFF2-40B4-BE49-F238E27FC236}">
-                <a16:creationId xmlns:a16="http://schemas.microsoft.com/office/drawing/2014/main" id="{1F74DE43-3C03-93D6-A7D3-27521FB5B103}"/>
-              </a:ext>
-            </a:extLst>
-          </p:cNvPr>
-          <p:cNvSpPr txBox="1"/>
-          <p:nvPr/>
-        </p:nvSpPr>
-        <p:spPr>
-          <a:xfrm>
-            <a:off x="210648" y="966323"/>
-            <a:ext cx="11322843" cy="584775"/>
-          </a:xfrm>
-          <a:prstGeom prst="rect">
-            <a:avLst/>
-          </a:prstGeom>
-          <a:noFill/>
-        </p:spPr>
-        <p:txBody>
-          <a:bodyPr wrap="square" rtlCol="0">
-            <a:spAutoFit/>
-          </a:bodyPr>
-          <a:lstStyle/>
-          <a:p>
-            <a:pPr algn="just"/>
-            <a:r>
-              <a:rPr lang="en-US" sz="1600" dirty="0">
-                <a:latin typeface="Calibri" panose="020F0502020204030204" pitchFamily="34" charset="0"/>
-                <a:cs typeface="Calibri" panose="020F0502020204030204" pitchFamily="34" charset="0"/>
-              </a:rPr>
-              <a:t>Now, it’s time to try them numerically with Python. The images, as before, are a 5x5 solid square, 10x10 hollow square that is 2 units thick, a plus symbol, and a dumbbell. The structuring elements are still a 2x2 solid square, a 2x1 solid rectangle, and a 5x5 solid square.</a:t>
-            </a:r>
-          </a:p>
-        </p:txBody>
-      </p:sp>
     </p:spTree>
     <p:extLst>
       <p:ext uri="{BB962C8B-B14F-4D97-AF65-F5344CB8AC3E}">
@@ -12609,7 +13746,7 @@
         </p:blipFill>
         <p:spPr>
           <a:xfrm>
-            <a:off x="973802" y="1968528"/>
+            <a:off x="530742" y="1968528"/>
             <a:ext cx="4381413" cy="1460471"/>
           </a:xfrm>
           <a:prstGeom prst="rect">
@@ -12645,7 +13782,7 @@
         </p:blipFill>
         <p:spPr>
           <a:xfrm>
-            <a:off x="6936975" y="4990710"/>
+            <a:off x="319287" y="3428999"/>
             <a:ext cx="4381413" cy="1460471"/>
           </a:xfrm>
           <a:prstGeom prst="rect">
@@ -12681,7 +13818,7 @@
         </p:blipFill>
         <p:spPr>
           <a:xfrm>
-            <a:off x="6936975" y="3479618"/>
+            <a:off x="332143" y="4913191"/>
             <a:ext cx="4381413" cy="1460471"/>
           </a:xfrm>
           <a:prstGeom prst="rect">
@@ -12717,7 +13854,7 @@
         </p:blipFill>
         <p:spPr>
           <a:xfrm>
-            <a:off x="6936975" y="1977389"/>
+            <a:off x="7550322" y="1968528"/>
             <a:ext cx="4381413" cy="1460471"/>
           </a:xfrm>
           <a:prstGeom prst="rect">
@@ -12753,43 +13890,7 @@
         </p:blipFill>
         <p:spPr>
           <a:xfrm>
-            <a:off x="973801" y="4990710"/>
-            <a:ext cx="4381413" cy="1460471"/>
-          </a:xfrm>
-          <a:prstGeom prst="rect">
-            <a:avLst/>
-          </a:prstGeom>
-        </p:spPr>
-      </p:pic>
-      <p:pic>
-        <p:nvPicPr>
-          <p:cNvPr id="19" name="Picture 18" descr="A yellow and purple squares&#10;&#10;Description automatically generated with medium confidence">
-            <a:extLst>
-              <a:ext uri="{FF2B5EF4-FFF2-40B4-BE49-F238E27FC236}">
-                <a16:creationId xmlns:a16="http://schemas.microsoft.com/office/drawing/2014/main" id="{275B0B25-D4B3-311E-9A60-5E20A1D700FD}"/>
-              </a:ext>
-            </a:extLst>
-          </p:cNvPr>
-          <p:cNvPicPr>
-            <a:picLocks noChangeAspect="1"/>
-          </p:cNvPicPr>
-          <p:nvPr/>
-        </p:nvPicPr>
-        <p:blipFill>
-          <a:blip r:embed="rId8" cstate="print">
-            <a:extLst>
-              <a:ext uri="{28A0092B-C50C-407E-A947-70E740481C1C}">
-                <a14:useLocalDpi xmlns:a14="http://schemas.microsoft.com/office/drawing/2010/main" val="0"/>
-              </a:ext>
-            </a:extLst>
-          </a:blip>
-          <a:stretch>
-            <a:fillRect/>
-          </a:stretch>
-        </p:blipFill>
-        <p:spPr>
-          <a:xfrm>
-            <a:off x="973801" y="3479619"/>
+            <a:off x="7550322" y="3428998"/>
             <a:ext cx="4381413" cy="1460471"/>
           </a:xfrm>
           <a:prstGeom prst="rect">
@@ -12919,7 +14020,7 @@
         </p:nvSpPr>
         <p:spPr>
           <a:xfrm>
-            <a:off x="1587149" y="1608057"/>
+            <a:off x="1192488" y="1624363"/>
             <a:ext cx="3154718" cy="369332"/>
           </a:xfrm>
           <a:prstGeom prst="rect">
@@ -12958,7 +14059,7 @@
         </p:nvSpPr>
         <p:spPr>
           <a:xfrm>
-            <a:off x="7550322" y="1557436"/>
+            <a:off x="8163669" y="1624363"/>
             <a:ext cx="3154718" cy="369332"/>
           </a:xfrm>
           <a:prstGeom prst="rect">
@@ -12983,6 +14084,134 @@
           </a:p>
         </p:txBody>
       </p:sp>
+      <p:sp>
+        <p:nvSpPr>
+          <p:cNvPr id="8" name="TextBox 7">
+            <a:extLst>
+              <a:ext uri="{FF2B5EF4-FFF2-40B4-BE49-F238E27FC236}">
+                <a16:creationId xmlns:a16="http://schemas.microsoft.com/office/drawing/2014/main" id="{F37E9520-3284-8E36-5C28-F7B7DB764783}"/>
+              </a:ext>
+            </a:extLst>
+          </p:cNvPr>
+          <p:cNvSpPr txBox="1"/>
+          <p:nvPr/>
+        </p:nvSpPr>
+        <p:spPr>
+          <a:xfrm>
+            <a:off x="4757287" y="2843488"/>
+            <a:ext cx="2734015" cy="2631490"/>
+          </a:xfrm>
+          <a:prstGeom prst="rect">
+            <a:avLst/>
+          </a:prstGeom>
+          <a:noFill/>
+        </p:spPr>
+        <p:txBody>
+          <a:bodyPr wrap="square" rtlCol="0">
+            <a:spAutoFit/>
+          </a:bodyPr>
+          <a:lstStyle/>
+          <a:p>
+            <a:pPr algn="just"/>
+            <a:r>
+              <a:rPr lang="en-US" sz="1500" dirty="0">
+                <a:latin typeface="Calibri" panose="020F0502020204030204" pitchFamily="34" charset="0"/>
+                <a:cs typeface="Calibri" panose="020F0502020204030204" pitchFamily="34" charset="0"/>
+              </a:rPr>
+              <a:t>Again, the dilated square becomes larger, while the eroded one gets smaller, as expected. </a:t>
+            </a:r>
+          </a:p>
+          <a:p>
+            <a:pPr algn="just"/>
+            <a:endParaRPr lang="en-US" sz="1500" dirty="0">
+              <a:latin typeface="Calibri" panose="020F0502020204030204" pitchFamily="34" charset="0"/>
+              <a:cs typeface="Calibri" panose="020F0502020204030204" pitchFamily="34" charset="0"/>
+            </a:endParaRPr>
+          </a:p>
+          <a:p>
+            <a:pPr algn="just"/>
+            <a:r>
+              <a:rPr lang="en-US" sz="1500" dirty="0">
+                <a:latin typeface="Calibri" panose="020F0502020204030204" pitchFamily="34" charset="0"/>
+                <a:cs typeface="Calibri" panose="020F0502020204030204" pitchFamily="34" charset="0"/>
+              </a:rPr>
+              <a:t>Since the hollow square is 2 pixel thick, eroding it with a 5x5 square deletes the whole image since the 5x5 square does not fit anywhere in the image, as seen in the last image on the right.</a:t>
+            </a:r>
+          </a:p>
+        </p:txBody>
+      </p:sp>
+      <p:pic>
+        <p:nvPicPr>
+          <p:cNvPr id="10" name="Picture 9" descr="A yellow and purple squares&#10;&#10;Description automatically generated with low confidence">
+            <a:extLst>
+              <a:ext uri="{FF2B5EF4-FFF2-40B4-BE49-F238E27FC236}">
+                <a16:creationId xmlns:a16="http://schemas.microsoft.com/office/drawing/2014/main" id="{B689090A-F6EC-1E61-5F76-230FBC8CA726}"/>
+              </a:ext>
+            </a:extLst>
+          </p:cNvPr>
+          <p:cNvPicPr>
+            <a:picLocks noChangeAspect="1"/>
+          </p:cNvPicPr>
+          <p:nvPr/>
+        </p:nvPicPr>
+        <p:blipFill>
+          <a:blip r:embed="rId3" cstate="print">
+            <a:extLst>
+              <a:ext uri="{28A0092B-C50C-407E-A947-70E740481C1C}">
+                <a14:useLocalDpi xmlns:a14="http://schemas.microsoft.com/office/drawing/2010/main" val="0"/>
+              </a:ext>
+            </a:extLst>
+          </a:blip>
+          <a:stretch>
+            <a:fillRect/>
+          </a:stretch>
+        </p:blipFill>
+        <p:spPr>
+          <a:xfrm>
+            <a:off x="319287" y="1968528"/>
+            <a:ext cx="4381413" cy="1460471"/>
+          </a:xfrm>
+          <a:prstGeom prst="rect">
+            <a:avLst/>
+          </a:prstGeom>
+        </p:spPr>
+      </p:pic>
+      <p:pic>
+        <p:nvPicPr>
+          <p:cNvPr id="13" name="Picture 12" descr="A yellow and purple squares&#10;&#10;Description automatically generated with medium confidence">
+            <a:extLst>
+              <a:ext uri="{FF2B5EF4-FFF2-40B4-BE49-F238E27FC236}">
+                <a16:creationId xmlns:a16="http://schemas.microsoft.com/office/drawing/2014/main" id="{33F6271C-3553-9F70-55DF-6374E3942F01}"/>
+              </a:ext>
+            </a:extLst>
+          </p:cNvPr>
+          <p:cNvPicPr>
+            <a:picLocks noChangeAspect="1"/>
+          </p:cNvPicPr>
+          <p:nvPr/>
+        </p:nvPicPr>
+        <p:blipFill>
+          <a:blip r:embed="rId8" cstate="print">
+            <a:extLst>
+              <a:ext uri="{28A0092B-C50C-407E-A947-70E740481C1C}">
+                <a14:useLocalDpi xmlns:a14="http://schemas.microsoft.com/office/drawing/2010/main" val="0"/>
+              </a:ext>
+            </a:extLst>
+          </a:blip>
+          <a:stretch>
+            <a:fillRect/>
+          </a:stretch>
+        </p:blipFill>
+        <p:spPr>
+          <a:xfrm>
+            <a:off x="7550322" y="4922053"/>
+            <a:ext cx="4381413" cy="1460471"/>
+          </a:xfrm>
+          <a:prstGeom prst="rect">
+            <a:avLst/>
+          </a:prstGeom>
+        </p:spPr>
+      </p:pic>
     </p:spTree>
     <p:extLst>
       <p:ext uri="{BB962C8B-B14F-4D97-AF65-F5344CB8AC3E}">
@@ -13013,6 +14242,78 @@
           <a:chExt cx="0" cy="0"/>
         </a:xfrm>
       </p:grpSpPr>
+      <p:pic>
+        <p:nvPicPr>
+          <p:cNvPr id="18" name="Picture 17" descr="A yellow and purple squares&#10;&#10;Description automatically generated with medium confidence">
+            <a:extLst>
+              <a:ext uri="{FF2B5EF4-FFF2-40B4-BE49-F238E27FC236}">
+                <a16:creationId xmlns:a16="http://schemas.microsoft.com/office/drawing/2014/main" id="{E14682D3-EF8D-92DD-21CA-30D16965511A}"/>
+              </a:ext>
+            </a:extLst>
+          </p:cNvPr>
+          <p:cNvPicPr>
+            <a:picLocks noChangeAspect="1"/>
+          </p:cNvPicPr>
+          <p:nvPr/>
+        </p:nvPicPr>
+        <p:blipFill>
+          <a:blip r:embed="rId2" cstate="print">
+            <a:extLst>
+              <a:ext uri="{28A0092B-C50C-407E-A947-70E740481C1C}">
+                <a14:useLocalDpi xmlns:a14="http://schemas.microsoft.com/office/drawing/2010/main" val="0"/>
+              </a:ext>
+            </a:extLst>
+          </a:blip>
+          <a:stretch>
+            <a:fillRect/>
+          </a:stretch>
+        </p:blipFill>
+        <p:spPr>
+          <a:xfrm>
+            <a:off x="7305004" y="4890457"/>
+            <a:ext cx="4887011" cy="1629004"/>
+          </a:xfrm>
+          <a:prstGeom prst="rect">
+            <a:avLst/>
+          </a:prstGeom>
+        </p:spPr>
+      </p:pic>
+      <p:pic>
+        <p:nvPicPr>
+          <p:cNvPr id="15" name="Picture 14" descr="A yellow and purple rectangles&#10;&#10;Description automatically generated with low confidence">
+            <a:extLst>
+              <a:ext uri="{FF2B5EF4-FFF2-40B4-BE49-F238E27FC236}">
+                <a16:creationId xmlns:a16="http://schemas.microsoft.com/office/drawing/2014/main" id="{FAE87A68-E27C-B2C9-6891-6FB935C997BC}"/>
+              </a:ext>
+            </a:extLst>
+          </p:cNvPr>
+          <p:cNvPicPr>
+            <a:picLocks noChangeAspect="1"/>
+          </p:cNvPicPr>
+          <p:nvPr/>
+        </p:nvPicPr>
+        <p:blipFill>
+          <a:blip r:embed="rId3" cstate="print">
+            <a:extLst>
+              <a:ext uri="{28A0092B-C50C-407E-A947-70E740481C1C}">
+                <a14:useLocalDpi xmlns:a14="http://schemas.microsoft.com/office/drawing/2010/main" val="0"/>
+              </a:ext>
+            </a:extLst>
+          </a:blip>
+          <a:stretch>
+            <a:fillRect/>
+          </a:stretch>
+        </p:blipFill>
+        <p:spPr>
+          <a:xfrm>
+            <a:off x="7304991" y="3388225"/>
+            <a:ext cx="4887011" cy="1629004"/>
+          </a:xfrm>
+          <a:prstGeom prst="rect">
+            <a:avLst/>
+          </a:prstGeom>
+        </p:spPr>
+      </p:pic>
       <p:sp>
         <p:nvSpPr>
           <p:cNvPr id="105" name="Content Placeholder 2"/>
@@ -13077,7 +14378,7 @@
                   <a:srgbClr val="000000"/>
                 </a:solidFill>
                 <a:latin typeface="Calibri"/>
-                <a:hlinkClick r:id="rId2"/>
+                <a:hlinkClick r:id="rId4"/>
               </a:rPr>
               <a:t>https://github.com/genvert/AP_157_FX-2_Vertudez/tree/main/Activity%206</a:t>
             </a:r>
@@ -13093,78 +14394,6 @@
             <a:extLst>
               <a:ext uri="{FF2B5EF4-FFF2-40B4-BE49-F238E27FC236}">
                 <a16:creationId xmlns:a16="http://schemas.microsoft.com/office/drawing/2014/main" id="{F260DEFD-0410-0B7B-F9DC-87E6284BE7E0}"/>
-              </a:ext>
-            </a:extLst>
-          </p:cNvPr>
-          <p:cNvPicPr>
-            <a:picLocks noChangeAspect="1"/>
-          </p:cNvPicPr>
-          <p:nvPr/>
-        </p:nvPicPr>
-        <p:blipFill>
-          <a:blip r:embed="rId3" cstate="print">
-            <a:extLst>
-              <a:ext uri="{28A0092B-C50C-407E-A947-70E740481C1C}">
-                <a14:useLocalDpi xmlns:a14="http://schemas.microsoft.com/office/drawing/2010/main" val="0"/>
-              </a:ext>
-            </a:extLst>
-          </a:blip>
-          <a:stretch>
-            <a:fillRect/>
-          </a:stretch>
-        </p:blipFill>
-        <p:spPr>
-          <a:xfrm>
-            <a:off x="715650" y="1799996"/>
-            <a:ext cx="4887011" cy="1629004"/>
-          </a:xfrm>
-          <a:prstGeom prst="rect">
-            <a:avLst/>
-          </a:prstGeom>
-        </p:spPr>
-      </p:pic>
-      <p:pic>
-        <p:nvPicPr>
-          <p:cNvPr id="7" name="Picture 6" descr="A yellow and purple rectangles&#10;&#10;Description automatically generated with low confidence">
-            <a:extLst>
-              <a:ext uri="{FF2B5EF4-FFF2-40B4-BE49-F238E27FC236}">
-                <a16:creationId xmlns:a16="http://schemas.microsoft.com/office/drawing/2014/main" id="{0B3084F0-CD60-5B3F-C65C-9EF3965DDC36}"/>
-              </a:ext>
-            </a:extLst>
-          </p:cNvPr>
-          <p:cNvPicPr>
-            <a:picLocks noChangeAspect="1"/>
-          </p:cNvPicPr>
-          <p:nvPr/>
-        </p:nvPicPr>
-        <p:blipFill>
-          <a:blip r:embed="rId4" cstate="print">
-            <a:extLst>
-              <a:ext uri="{28A0092B-C50C-407E-A947-70E740481C1C}">
-                <a14:useLocalDpi xmlns:a14="http://schemas.microsoft.com/office/drawing/2010/main" val="0"/>
-              </a:ext>
-            </a:extLst>
-          </a:blip>
-          <a:stretch>
-            <a:fillRect/>
-          </a:stretch>
-        </p:blipFill>
-        <p:spPr>
-          <a:xfrm>
-            <a:off x="6684170" y="3388225"/>
-            <a:ext cx="4887008" cy="1629003"/>
-          </a:xfrm>
-          <a:prstGeom prst="rect">
-            <a:avLst/>
-          </a:prstGeom>
-        </p:spPr>
-      </p:pic>
-      <p:pic>
-        <p:nvPicPr>
-          <p:cNvPr id="10" name="Picture 9" descr="A yellow and purple squares&#10;&#10;Description automatically generated with medium confidence">
-            <a:extLst>
-              <a:ext uri="{FF2B5EF4-FFF2-40B4-BE49-F238E27FC236}">
-                <a16:creationId xmlns:a16="http://schemas.microsoft.com/office/drawing/2014/main" id="{78CC7AD9-715E-516E-FD49-6B13C9E73EC4}"/>
               </a:ext>
             </a:extLst>
           </p:cNvPr>
@@ -13187,7 +14416,7 @@
         </p:blipFill>
         <p:spPr>
           <a:xfrm>
-            <a:off x="715651" y="4981676"/>
+            <a:off x="-1" y="1799996"/>
             <a:ext cx="4887011" cy="1629004"/>
           </a:xfrm>
           <a:prstGeom prst="rect">
@@ -13197,10 +14426,10 @@
       </p:pic>
       <p:pic>
         <p:nvPicPr>
-          <p:cNvPr id="13" name="Picture 12" descr="A yellow and purple squares&#10;&#10;Description automatically generated with low confidence">
+          <p:cNvPr id="7" name="Picture 6" descr="A yellow and purple rectangles&#10;&#10;Description automatically generated with low confidence">
             <a:extLst>
               <a:ext uri="{FF2B5EF4-FFF2-40B4-BE49-F238E27FC236}">
-                <a16:creationId xmlns:a16="http://schemas.microsoft.com/office/drawing/2014/main" id="{F84DF56A-8E9E-4389-5F4C-CBC3DF94546D}"/>
+                <a16:creationId xmlns:a16="http://schemas.microsoft.com/office/drawing/2014/main" id="{0B3084F0-CD60-5B3F-C65C-9EF3965DDC36}"/>
               </a:ext>
             </a:extLst>
           </p:cNvPr>
@@ -13223,7 +14452,7 @@
         </p:blipFill>
         <p:spPr>
           <a:xfrm>
-            <a:off x="6684170" y="4890457"/>
+            <a:off x="2" y="3388225"/>
             <a:ext cx="4887008" cy="1629003"/>
           </a:xfrm>
           <a:prstGeom prst="rect">
@@ -13233,10 +14462,10 @@
       </p:pic>
       <p:pic>
         <p:nvPicPr>
-          <p:cNvPr id="15" name="Picture 14" descr="A yellow and purple rectangles&#10;&#10;Description automatically generated with low confidence">
+          <p:cNvPr id="10" name="Picture 9" descr="A yellow and purple squares&#10;&#10;Description automatically generated with medium confidence">
             <a:extLst>
               <a:ext uri="{FF2B5EF4-FFF2-40B4-BE49-F238E27FC236}">
-                <a16:creationId xmlns:a16="http://schemas.microsoft.com/office/drawing/2014/main" id="{FAE87A68-E27C-B2C9-6891-6FB935C997BC}"/>
+                <a16:creationId xmlns:a16="http://schemas.microsoft.com/office/drawing/2014/main" id="{78CC7AD9-715E-516E-FD49-6B13C9E73EC4}"/>
               </a:ext>
             </a:extLst>
           </p:cNvPr>
@@ -13259,7 +14488,7 @@
         </p:blipFill>
         <p:spPr>
           <a:xfrm>
-            <a:off x="715649" y="3429000"/>
+            <a:off x="0" y="4981676"/>
             <a:ext cx="4887011" cy="1629004"/>
           </a:xfrm>
           <a:prstGeom prst="rect">
@@ -13269,10 +14498,10 @@
       </p:pic>
       <p:pic>
         <p:nvPicPr>
-          <p:cNvPr id="18" name="Picture 17" descr="A yellow and purple squares&#10;&#10;Description automatically generated with medium confidence">
+          <p:cNvPr id="13" name="Picture 12" descr="A yellow and purple squares&#10;&#10;Description automatically generated with low confidence">
             <a:extLst>
               <a:ext uri="{FF2B5EF4-FFF2-40B4-BE49-F238E27FC236}">
-                <a16:creationId xmlns:a16="http://schemas.microsoft.com/office/drawing/2014/main" id="{E14682D3-EF8D-92DD-21CA-30D16965511A}"/>
+                <a16:creationId xmlns:a16="http://schemas.microsoft.com/office/drawing/2014/main" id="{F84DF56A-8E9E-4389-5F4C-CBC3DF94546D}"/>
               </a:ext>
             </a:extLst>
           </p:cNvPr>
@@ -13295,8 +14524,8 @@
         </p:blipFill>
         <p:spPr>
           <a:xfrm>
-            <a:off x="6684175" y="1799996"/>
-            <a:ext cx="4887011" cy="1629004"/>
+            <a:off x="7304999" y="1939053"/>
+            <a:ext cx="4887008" cy="1629003"/>
           </a:xfrm>
           <a:prstGeom prst="rect">
             <a:avLst/>
@@ -13425,7 +14654,7 @@
         </p:nvSpPr>
         <p:spPr>
           <a:xfrm>
-            <a:off x="1587149" y="1608057"/>
+            <a:off x="866146" y="1610107"/>
             <a:ext cx="3154718" cy="369332"/>
           </a:xfrm>
           <a:prstGeom prst="rect">
@@ -13464,7 +14693,7 @@
         </p:nvSpPr>
         <p:spPr>
           <a:xfrm>
-            <a:off x="7550322" y="1557436"/>
+            <a:off x="8171137" y="1569720"/>
             <a:ext cx="3154718" cy="369332"/>
           </a:xfrm>
           <a:prstGeom prst="rect">
@@ -13485,6 +14714,79 @@
                 <a:cs typeface="Calibri" panose="020F0502020204030204" pitchFamily="34" charset="0"/>
               </a:rPr>
               <a:t>Erosion</a:t>
+            </a:r>
+          </a:p>
+        </p:txBody>
+      </p:sp>
+      <p:sp>
+        <p:nvSpPr>
+          <p:cNvPr id="8" name="TextBox 7">
+            <a:extLst>
+              <a:ext uri="{FF2B5EF4-FFF2-40B4-BE49-F238E27FC236}">
+                <a16:creationId xmlns:a16="http://schemas.microsoft.com/office/drawing/2014/main" id="{E1C887B4-F4B1-FAD5-72A3-2680B22978AB}"/>
+              </a:ext>
+            </a:extLst>
+          </p:cNvPr>
+          <p:cNvSpPr txBox="1"/>
+          <p:nvPr/>
+        </p:nvSpPr>
+        <p:spPr>
+          <a:xfrm>
+            <a:off x="4728987" y="2304497"/>
+            <a:ext cx="2734015" cy="3785652"/>
+          </a:xfrm>
+          <a:prstGeom prst="rect">
+            <a:avLst/>
+          </a:prstGeom>
+          <a:noFill/>
+        </p:spPr>
+        <p:txBody>
+          <a:bodyPr wrap="square" rtlCol="0">
+            <a:spAutoFit/>
+          </a:bodyPr>
+          <a:lstStyle/>
+          <a:p>
+            <a:pPr algn="just"/>
+            <a:r>
+              <a:rPr lang="en-US" sz="1500" dirty="0">
+                <a:latin typeface="Calibri" panose="020F0502020204030204" pitchFamily="34" charset="0"/>
+                <a:cs typeface="Calibri" panose="020F0502020204030204" pitchFamily="34" charset="0"/>
+              </a:rPr>
+              <a:t>In this case, we see that the only the dilation retains the plus image.</a:t>
+            </a:r>
+          </a:p>
+          <a:p>
+            <a:pPr algn="just"/>
+            <a:endParaRPr lang="en-US" sz="1500" dirty="0">
+              <a:latin typeface="Calibri" panose="020F0502020204030204" pitchFamily="34" charset="0"/>
+              <a:cs typeface="Calibri" panose="020F0502020204030204" pitchFamily="34" charset="0"/>
+            </a:endParaRPr>
+          </a:p>
+          <a:p>
+            <a:pPr algn="just"/>
+            <a:r>
+              <a:rPr lang="en-US" sz="1500" dirty="0">
+                <a:latin typeface="Calibri" panose="020F0502020204030204" pitchFamily="34" charset="0"/>
+                <a:cs typeface="Calibri" panose="020F0502020204030204" pitchFamily="34" charset="0"/>
+              </a:rPr>
+              <a:t>Since the second SE is a horizontal bar, it only fully fits on the horizontal line of the plus symbol.</a:t>
+            </a:r>
+          </a:p>
+          <a:p>
+            <a:pPr algn="just"/>
+            <a:endParaRPr lang="en-US" sz="1500" dirty="0">
+              <a:latin typeface="Calibri" panose="020F0502020204030204" pitchFamily="34" charset="0"/>
+              <a:cs typeface="Calibri" panose="020F0502020204030204" pitchFamily="34" charset="0"/>
+            </a:endParaRPr>
+          </a:p>
+          <a:p>
+            <a:pPr algn="just"/>
+            <a:r>
+              <a:rPr lang="en-US" sz="1500" dirty="0">
+                <a:latin typeface="Calibri" panose="020F0502020204030204" pitchFamily="34" charset="0"/>
+                <a:cs typeface="Calibri" panose="020F0502020204030204" pitchFamily="34" charset="0"/>
+              </a:rPr>
+              <a:t>Moreover, since the plus symbol is only one pixel thick, eroding it with a 2x2 and 5x5 square deletes the whole image since the squares do not fit anywhere in the image, as seen in the first and last images on the right.</a:t>
             </a:r>
           </a:p>
         </p:txBody>
@@ -13519,6 +14821,78 @@
           <a:chExt cx="0" cy="0"/>
         </a:xfrm>
       </p:grpSpPr>
+      <p:pic>
+        <p:nvPicPr>
+          <p:cNvPr id="11" name="Picture 10" descr="A yellow and purple rectangles&#10;&#10;Description automatically generated with low confidence">
+            <a:extLst>
+              <a:ext uri="{FF2B5EF4-FFF2-40B4-BE49-F238E27FC236}">
+                <a16:creationId xmlns:a16="http://schemas.microsoft.com/office/drawing/2014/main" id="{7AEBC134-33D5-004C-D290-6F1ABD49725B}"/>
+              </a:ext>
+            </a:extLst>
+          </p:cNvPr>
+          <p:cNvPicPr>
+            <a:picLocks noChangeAspect="1"/>
+          </p:cNvPicPr>
+          <p:nvPr/>
+        </p:nvPicPr>
+        <p:blipFill>
+          <a:blip r:embed="rId2" cstate="print">
+            <a:extLst>
+              <a:ext uri="{28A0092B-C50C-407E-A947-70E740481C1C}">
+                <a14:useLocalDpi xmlns:a14="http://schemas.microsoft.com/office/drawing/2010/main" val="0"/>
+              </a:ext>
+            </a:extLst>
+          </a:blip>
+          <a:stretch>
+            <a:fillRect/>
+          </a:stretch>
+        </p:blipFill>
+        <p:spPr>
+          <a:xfrm>
+            <a:off x="7422768" y="3353218"/>
+            <a:ext cx="4769232" cy="1589744"/>
+          </a:xfrm>
+          <a:prstGeom prst="rect">
+            <a:avLst/>
+          </a:prstGeom>
+        </p:spPr>
+      </p:pic>
+      <p:pic>
+        <p:nvPicPr>
+          <p:cNvPr id="13" name="Picture 12" descr="A yellow and purple squares&#10;&#10;Description automatically generated with medium confidence">
+            <a:extLst>
+              <a:ext uri="{FF2B5EF4-FFF2-40B4-BE49-F238E27FC236}">
+                <a16:creationId xmlns:a16="http://schemas.microsoft.com/office/drawing/2014/main" id="{6396D90D-3003-CDC1-A1B5-6FA78EB1A9C7}"/>
+              </a:ext>
+            </a:extLst>
+          </p:cNvPr>
+          <p:cNvPicPr>
+            <a:picLocks noChangeAspect="1"/>
+          </p:cNvPicPr>
+          <p:nvPr/>
+        </p:nvPicPr>
+        <p:blipFill>
+          <a:blip r:embed="rId3" cstate="print">
+            <a:extLst>
+              <a:ext uri="{28A0092B-C50C-407E-A947-70E740481C1C}">
+                <a14:useLocalDpi xmlns:a14="http://schemas.microsoft.com/office/drawing/2010/main" val="0"/>
+              </a:ext>
+            </a:extLst>
+          </a:blip>
+          <a:stretch>
+            <a:fillRect/>
+          </a:stretch>
+        </p:blipFill>
+        <p:spPr>
+          <a:xfrm>
+            <a:off x="7422768" y="5004524"/>
+            <a:ext cx="4769232" cy="1589744"/>
+          </a:xfrm>
+          <a:prstGeom prst="rect">
+            <a:avLst/>
+          </a:prstGeom>
+        </p:spPr>
+      </p:pic>
       <p:sp>
         <p:nvSpPr>
           <p:cNvPr id="105" name="Content Placeholder 2"/>
@@ -13583,7 +14957,7 @@
                   <a:srgbClr val="000000"/>
                 </a:solidFill>
                 <a:latin typeface="Calibri"/>
-                <a:hlinkClick r:id="rId2"/>
+                <a:hlinkClick r:id="rId4"/>
               </a:rPr>
               <a:t>https://github.com/genvert/AP_157_FX-2_Vertudez/tree/main/Activity%206</a:t>
             </a:r>
@@ -13599,78 +14973,6 @@
             <a:extLst>
               <a:ext uri="{FF2B5EF4-FFF2-40B4-BE49-F238E27FC236}">
                 <a16:creationId xmlns:a16="http://schemas.microsoft.com/office/drawing/2014/main" id="{56BA6C9D-E768-1233-A4F0-DD3A07E7B9ED}"/>
-              </a:ext>
-            </a:extLst>
-          </p:cNvPr>
-          <p:cNvPicPr>
-            <a:picLocks noChangeAspect="1"/>
-          </p:cNvPicPr>
-          <p:nvPr/>
-        </p:nvPicPr>
-        <p:blipFill>
-          <a:blip r:embed="rId3" cstate="print">
-            <a:extLst>
-              <a:ext uri="{28A0092B-C50C-407E-A947-70E740481C1C}">
-                <a14:useLocalDpi xmlns:a14="http://schemas.microsoft.com/office/drawing/2010/main" val="0"/>
-              </a:ext>
-            </a:extLst>
-          </a:blip>
-          <a:stretch>
-            <a:fillRect/>
-          </a:stretch>
-        </p:blipFill>
-        <p:spPr>
-          <a:xfrm>
-            <a:off x="779892" y="1763474"/>
-            <a:ext cx="4769232" cy="1589744"/>
-          </a:xfrm>
-          <a:prstGeom prst="rect">
-            <a:avLst/>
-          </a:prstGeom>
-        </p:spPr>
-      </p:pic>
-      <p:pic>
-        <p:nvPicPr>
-          <p:cNvPr id="5" name="Picture 4" descr="A yellow and purple rectangles&#10;&#10;Description automatically generated with low confidence">
-            <a:extLst>
-              <a:ext uri="{FF2B5EF4-FFF2-40B4-BE49-F238E27FC236}">
-                <a16:creationId xmlns:a16="http://schemas.microsoft.com/office/drawing/2014/main" id="{408D6A34-C9C0-AFE8-8480-6D0A0F156285}"/>
-              </a:ext>
-            </a:extLst>
-          </p:cNvPr>
-          <p:cNvPicPr>
-            <a:picLocks noChangeAspect="1"/>
-          </p:cNvPicPr>
-          <p:nvPr/>
-        </p:nvPicPr>
-        <p:blipFill>
-          <a:blip r:embed="rId4" cstate="print">
-            <a:extLst>
-              <a:ext uri="{28A0092B-C50C-407E-A947-70E740481C1C}">
-                <a14:useLocalDpi xmlns:a14="http://schemas.microsoft.com/office/drawing/2010/main" val="0"/>
-              </a:ext>
-            </a:extLst>
-          </a:blip>
-          <a:stretch>
-            <a:fillRect/>
-          </a:stretch>
-        </p:blipFill>
-        <p:spPr>
-          <a:xfrm>
-            <a:off x="6743064" y="4942962"/>
-            <a:ext cx="4769231" cy="1589744"/>
-          </a:xfrm>
-          <a:prstGeom prst="rect">
-            <a:avLst/>
-          </a:prstGeom>
-        </p:spPr>
-      </p:pic>
-      <p:pic>
-        <p:nvPicPr>
-          <p:cNvPr id="7" name="Picture 6" descr="A yellow and purple squares&#10;&#10;Description automatically generated with medium confidence">
-            <a:extLst>
-              <a:ext uri="{FF2B5EF4-FFF2-40B4-BE49-F238E27FC236}">
-                <a16:creationId xmlns:a16="http://schemas.microsoft.com/office/drawing/2014/main" id="{5F95E9E5-54F0-9AFA-549A-05178BC9E5E4}"/>
               </a:ext>
             </a:extLst>
           </p:cNvPr>
@@ -13693,8 +14995,8 @@
         </p:blipFill>
         <p:spPr>
           <a:xfrm>
-            <a:off x="6743064" y="3353218"/>
-            <a:ext cx="4769231" cy="1589744"/>
+            <a:off x="9608" y="1763474"/>
+            <a:ext cx="4769232" cy="1589744"/>
           </a:xfrm>
           <a:prstGeom prst="rect">
             <a:avLst/>
@@ -13703,10 +15005,10 @@
       </p:pic>
       <p:pic>
         <p:nvPicPr>
-          <p:cNvPr id="9" name="Picture 8" descr="A yellow and purple squares&#10;&#10;Description automatically generated with low confidence">
+          <p:cNvPr id="5" name="Picture 4" descr="A yellow and purple rectangles&#10;&#10;Description automatically generated with low confidence">
             <a:extLst>
               <a:ext uri="{FF2B5EF4-FFF2-40B4-BE49-F238E27FC236}">
-                <a16:creationId xmlns:a16="http://schemas.microsoft.com/office/drawing/2014/main" id="{337EB90F-BB6D-A0CD-CD7F-443D1CF84D43}"/>
+                <a16:creationId xmlns:a16="http://schemas.microsoft.com/office/drawing/2014/main" id="{408D6A34-C9C0-AFE8-8480-6D0A0F156285}"/>
               </a:ext>
             </a:extLst>
           </p:cNvPr>
@@ -13729,7 +15031,7 @@
         </p:blipFill>
         <p:spPr>
           <a:xfrm>
-            <a:off x="6743065" y="1763474"/>
+            <a:off x="9607" y="3359123"/>
             <a:ext cx="4769231" cy="1589744"/>
           </a:xfrm>
           <a:prstGeom prst="rect">
@@ -13739,10 +15041,10 @@
       </p:pic>
       <p:pic>
         <p:nvPicPr>
-          <p:cNvPr id="11" name="Picture 10" descr="A yellow and purple rectangles&#10;&#10;Description automatically generated with low confidence">
+          <p:cNvPr id="7" name="Picture 6" descr="A yellow and purple squares&#10;&#10;Description automatically generated with medium confidence">
             <a:extLst>
               <a:ext uri="{FF2B5EF4-FFF2-40B4-BE49-F238E27FC236}">
-                <a16:creationId xmlns:a16="http://schemas.microsoft.com/office/drawing/2014/main" id="{7AEBC134-33D5-004C-D290-6F1ABD49725B}"/>
+                <a16:creationId xmlns:a16="http://schemas.microsoft.com/office/drawing/2014/main" id="{5F95E9E5-54F0-9AFA-549A-05178BC9E5E4}"/>
               </a:ext>
             </a:extLst>
           </p:cNvPr>
@@ -13765,8 +15067,8 @@
         </p:blipFill>
         <p:spPr>
           <a:xfrm>
-            <a:off x="779892" y="3353218"/>
-            <a:ext cx="4769232" cy="1589744"/>
+            <a:off x="9607" y="5003410"/>
+            <a:ext cx="4769231" cy="1589744"/>
           </a:xfrm>
           <a:prstGeom prst="rect">
             <a:avLst/>
@@ -13775,10 +15077,10 @@
       </p:pic>
       <p:pic>
         <p:nvPicPr>
-          <p:cNvPr id="13" name="Picture 12" descr="A yellow and purple squares&#10;&#10;Description automatically generated with medium confidence">
+          <p:cNvPr id="9" name="Picture 8" descr="A yellow and purple squares&#10;&#10;Description automatically generated with low confidence">
             <a:extLst>
               <a:ext uri="{FF2B5EF4-FFF2-40B4-BE49-F238E27FC236}">
-                <a16:creationId xmlns:a16="http://schemas.microsoft.com/office/drawing/2014/main" id="{6396D90D-3003-CDC1-A1B5-6FA78EB1A9C7}"/>
+                <a16:creationId xmlns:a16="http://schemas.microsoft.com/office/drawing/2014/main" id="{337EB90F-BB6D-A0CD-CD7F-443D1CF84D43}"/>
               </a:ext>
             </a:extLst>
           </p:cNvPr>
@@ -13801,8 +15103,8 @@
         </p:blipFill>
         <p:spPr>
           <a:xfrm>
-            <a:off x="779892" y="5004524"/>
-            <a:ext cx="4769232" cy="1589744"/>
+            <a:off x="7422770" y="1763474"/>
+            <a:ext cx="4769231" cy="1589744"/>
           </a:xfrm>
           <a:prstGeom prst="rect">
             <a:avLst/>
@@ -13931,7 +15233,7 @@
         </p:nvSpPr>
         <p:spPr>
           <a:xfrm>
-            <a:off x="1587149" y="1608057"/>
+            <a:off x="816863" y="1608057"/>
             <a:ext cx="3154718" cy="369332"/>
           </a:xfrm>
           <a:prstGeom prst="rect">
@@ -13970,7 +15272,7 @@
         </p:nvSpPr>
         <p:spPr>
           <a:xfrm>
-            <a:off x="7550322" y="1557436"/>
+            <a:off x="8230025" y="1557436"/>
             <a:ext cx="3154718" cy="369332"/>
           </a:xfrm>
           <a:prstGeom prst="rect">
@@ -13991,6 +15293,79 @@
                 <a:cs typeface="Calibri" panose="020F0502020204030204" pitchFamily="34" charset="0"/>
               </a:rPr>
               <a:t>Erosion</a:t>
+            </a:r>
+          </a:p>
+        </p:txBody>
+      </p:sp>
+      <p:sp>
+        <p:nvSpPr>
+          <p:cNvPr id="10" name="TextBox 9">
+            <a:extLst>
+              <a:ext uri="{FF2B5EF4-FFF2-40B4-BE49-F238E27FC236}">
+                <a16:creationId xmlns:a16="http://schemas.microsoft.com/office/drawing/2014/main" id="{B15BBE2C-5508-DFDD-174A-C44F45641B96}"/>
+              </a:ext>
+            </a:extLst>
+          </p:cNvPr>
+          <p:cNvSpPr txBox="1"/>
+          <p:nvPr/>
+        </p:nvSpPr>
+        <p:spPr>
+          <a:xfrm>
+            <a:off x="4733795" y="1909015"/>
+            <a:ext cx="2734015" cy="4478149"/>
+          </a:xfrm>
+          <a:prstGeom prst="rect">
+            <a:avLst/>
+          </a:prstGeom>
+          <a:noFill/>
+        </p:spPr>
+        <p:txBody>
+          <a:bodyPr wrap="square" rtlCol="0">
+            <a:spAutoFit/>
+          </a:bodyPr>
+          <a:lstStyle/>
+          <a:p>
+            <a:pPr algn="just"/>
+            <a:r>
+              <a:rPr lang="en-US" sz="1500" dirty="0">
+                <a:latin typeface="Calibri" panose="020F0502020204030204" pitchFamily="34" charset="0"/>
+                <a:cs typeface="Calibri" panose="020F0502020204030204" pitchFamily="34" charset="0"/>
+              </a:rPr>
+              <a:t>Lastly, we see that the dumbbell shape is only retained on some of the image.</a:t>
+            </a:r>
+          </a:p>
+          <a:p>
+            <a:pPr algn="just"/>
+            <a:endParaRPr lang="en-US" sz="1500" dirty="0">
+              <a:latin typeface="Calibri" panose="020F0502020204030204" pitchFamily="34" charset="0"/>
+              <a:cs typeface="Calibri" panose="020F0502020204030204" pitchFamily="34" charset="0"/>
+            </a:endParaRPr>
+          </a:p>
+          <a:p>
+            <a:pPr algn="just"/>
+            <a:r>
+              <a:rPr lang="en-US" sz="1500" dirty="0">
+                <a:latin typeface="Calibri" panose="020F0502020204030204" pitchFamily="34" charset="0"/>
+                <a:cs typeface="Calibri" panose="020F0502020204030204" pitchFamily="34" charset="0"/>
+              </a:rPr>
+              <a:t>When the image is dilated with a 5x5 square, since the connector is just 3 pixels long, it gets covered totally as opposed when dilated with the 2x2 square. </a:t>
+            </a:r>
+          </a:p>
+          <a:p>
+            <a:pPr algn="just"/>
+            <a:endParaRPr lang="en-US" sz="1500" dirty="0">
+              <a:latin typeface="Calibri" panose="020F0502020204030204" pitchFamily="34" charset="0"/>
+              <a:cs typeface="Calibri" panose="020F0502020204030204" pitchFamily="34" charset="0"/>
+            </a:endParaRPr>
+          </a:p>
+          <a:p>
+            <a:pPr algn="just"/>
+            <a:r>
+              <a:rPr lang="en-US" sz="1500" dirty="0">
+                <a:latin typeface="Calibri" panose="020F0502020204030204" pitchFamily="34" charset="0"/>
+                <a:cs typeface="Calibri" panose="020F0502020204030204" pitchFamily="34" charset="0"/>
+              </a:rPr>
+              <a:t>Moreover, when it is eroded with 2x2 square, since the connector is only 1 pixel thick, it gets deleted. Then, eroding it with a 5x5 square only retains the center pixel of the “weights” since they are exactly 5x5 in size, and so the SE only fits right there.</a:t>
             </a:r>
           </a:p>
         </p:txBody>
@@ -14127,8 +15502,8 @@
         </p:blipFill>
         <p:spPr>
           <a:xfrm>
-            <a:off x="0" y="4160100"/>
-            <a:ext cx="3902697" cy="1300899"/>
+            <a:off x="0" y="3979972"/>
+            <a:ext cx="6852498" cy="2284166"/>
           </a:xfrm>
           <a:prstGeom prst="rect">
             <a:avLst/>
@@ -14163,8 +15538,8 @@
         </p:blipFill>
         <p:spPr>
           <a:xfrm>
-            <a:off x="5467041" y="1965536"/>
-            <a:ext cx="3218694" cy="2194564"/>
+            <a:off x="8346549" y="4091767"/>
+            <a:ext cx="3022177" cy="2060575"/>
           </a:xfrm>
           <a:prstGeom prst="rect">
             <a:avLst/>
@@ -14230,7 +15605,7 @@
                 </a:solidFill>
                 <a:latin typeface="Calibri Light"/>
               </a:rPr>
-              <a:t>MORPHOLOGICAL OPERATIONS - NUMERICAL</a:t>
+              <a:t>MORPHOLOGICAL OPERATIONS – MALARIA CELLS</a:t>
             </a:r>
             <a:endParaRPr lang="en-US" b="1" spc="-1" dirty="0">
               <a:solidFill>
@@ -14238,6 +15613,215 @@
               </a:solidFill>
               <a:latin typeface="Calibri"/>
             </a:endParaRPr>
+          </a:p>
+        </p:txBody>
+      </p:sp>
+      <p:sp>
+        <p:nvSpPr>
+          <p:cNvPr id="3" name="TextBox 2">
+            <a:extLst>
+              <a:ext uri="{FF2B5EF4-FFF2-40B4-BE49-F238E27FC236}">
+                <a16:creationId xmlns:a16="http://schemas.microsoft.com/office/drawing/2014/main" id="{4EF7488B-A271-7656-35E8-C35CC23EF6D8}"/>
+              </a:ext>
+            </a:extLst>
+          </p:cNvPr>
+          <p:cNvSpPr txBox="1"/>
+          <p:nvPr/>
+        </p:nvSpPr>
+        <p:spPr>
+          <a:xfrm>
+            <a:off x="4176074" y="1600198"/>
+            <a:ext cx="7192651" cy="2169825"/>
+          </a:xfrm>
+          <a:prstGeom prst="rect">
+            <a:avLst/>
+          </a:prstGeom>
+          <a:noFill/>
+        </p:spPr>
+        <p:txBody>
+          <a:bodyPr wrap="square" rtlCol="0">
+            <a:spAutoFit/>
+          </a:bodyPr>
+          <a:lstStyle/>
+          <a:p>
+            <a:pPr algn="just"/>
+            <a:r>
+              <a:rPr lang="en-US" sz="1500" dirty="0">
+                <a:latin typeface="Calibri" panose="020F0502020204030204" pitchFamily="34" charset="0"/>
+                <a:cs typeface="Calibri" panose="020F0502020204030204" pitchFamily="34" charset="0"/>
+              </a:rPr>
+              <a:t>Now, it is time to apply the morphological operations in order to “clean” an image segmented with techniques from the previous activity.</a:t>
+            </a:r>
+          </a:p>
+          <a:p>
+            <a:pPr algn="just"/>
+            <a:endParaRPr lang="en-US" sz="1500" dirty="0">
+              <a:latin typeface="Calibri" panose="020F0502020204030204" pitchFamily="34" charset="0"/>
+              <a:cs typeface="Calibri" panose="020F0502020204030204" pitchFamily="34" charset="0"/>
+            </a:endParaRPr>
+          </a:p>
+          <a:p>
+            <a:pPr algn="just"/>
+            <a:r>
+              <a:rPr lang="en-US" sz="1500" dirty="0">
+                <a:latin typeface="Calibri" panose="020F0502020204030204" pitchFamily="34" charset="0"/>
+                <a:cs typeface="Calibri" panose="020F0502020204030204" pitchFamily="34" charset="0"/>
+              </a:rPr>
+              <a:t>The image on the left shows malaria cells. We want to isolate the cells from the background. The grayscale histogram of the image is shown below on the left. Thresholding the histogram below 180, we obtain the segmented image below on the right. We see that we were able to isolate the cells, but there are a lot of unnecessary grains included. Using morphological operations, we can remove this, as we have seen from the examples on previous slides where some parts can be removed totally.</a:t>
+            </a:r>
+          </a:p>
+        </p:txBody>
+      </p:sp>
+      <p:pic>
+        <p:nvPicPr>
+          <p:cNvPr id="5" name="Picture 4" descr="A close-up of a microscope&#10;&#10;Description automatically generated with low confidence">
+            <a:extLst>
+              <a:ext uri="{FF2B5EF4-FFF2-40B4-BE49-F238E27FC236}">
+                <a16:creationId xmlns:a16="http://schemas.microsoft.com/office/drawing/2014/main" id="{6650C246-FE8E-71E5-877E-D5A42AF54138}"/>
+              </a:ext>
+            </a:extLst>
+          </p:cNvPr>
+          <p:cNvPicPr>
+            <a:picLocks noChangeAspect="1"/>
+          </p:cNvPicPr>
+          <p:nvPr/>
+        </p:nvPicPr>
+        <p:blipFill>
+          <a:blip r:embed="rId5">
+            <a:extLst>
+              <a:ext uri="{28A0092B-C50C-407E-A947-70E740481C1C}">
+                <a14:useLocalDpi xmlns:a14="http://schemas.microsoft.com/office/drawing/2010/main" val="0"/>
+              </a:ext>
+            </a:extLst>
+          </a:blip>
+          <a:stretch>
+            <a:fillRect/>
+          </a:stretch>
+        </p:blipFill>
+        <p:spPr>
+          <a:xfrm>
+            <a:off x="823274" y="1600198"/>
+            <a:ext cx="3022176" cy="2060575"/>
+          </a:xfrm>
+          <a:prstGeom prst="rect">
+            <a:avLst/>
+          </a:prstGeom>
+        </p:spPr>
+      </p:pic>
+      <p:sp>
+        <p:nvSpPr>
+          <p:cNvPr id="6" name="TextBox 5">
+            <a:extLst>
+              <a:ext uri="{FF2B5EF4-FFF2-40B4-BE49-F238E27FC236}">
+                <a16:creationId xmlns:a16="http://schemas.microsoft.com/office/drawing/2014/main" id="{1B2B7D24-0505-1E5E-49ED-59C5230E3934}"/>
+              </a:ext>
+            </a:extLst>
+          </p:cNvPr>
+          <p:cNvSpPr txBox="1"/>
+          <p:nvPr/>
+        </p:nvSpPr>
+        <p:spPr>
+          <a:xfrm>
+            <a:off x="757003" y="3598588"/>
+            <a:ext cx="3154718" cy="338554"/>
+          </a:xfrm>
+          <a:prstGeom prst="rect">
+            <a:avLst/>
+          </a:prstGeom>
+          <a:noFill/>
+        </p:spPr>
+        <p:txBody>
+          <a:bodyPr wrap="square" rtlCol="0">
+            <a:spAutoFit/>
+          </a:bodyPr>
+          <a:lstStyle/>
+          <a:p>
+            <a:pPr algn="ctr"/>
+            <a:r>
+              <a:rPr lang="en-US" sz="1600" b="1" dirty="0">
+                <a:latin typeface="Calibri" panose="020F0502020204030204" pitchFamily="34" charset="0"/>
+                <a:cs typeface="Calibri" panose="020F0502020204030204" pitchFamily="34" charset="0"/>
+              </a:rPr>
+              <a:t>Original image</a:t>
+            </a:r>
+          </a:p>
+        </p:txBody>
+      </p:sp>
+      <p:sp>
+        <p:nvSpPr>
+          <p:cNvPr id="7" name="TextBox 6">
+            <a:extLst>
+              <a:ext uri="{FF2B5EF4-FFF2-40B4-BE49-F238E27FC236}">
+                <a16:creationId xmlns:a16="http://schemas.microsoft.com/office/drawing/2014/main" id="{6E3639C8-9548-9058-CB1E-ECA2EE04EC1A}"/>
+              </a:ext>
+            </a:extLst>
+          </p:cNvPr>
+          <p:cNvSpPr txBox="1"/>
+          <p:nvPr/>
+        </p:nvSpPr>
+        <p:spPr>
+          <a:xfrm>
+            <a:off x="1848890" y="6152342"/>
+            <a:ext cx="3154718" cy="338554"/>
+          </a:xfrm>
+          <a:prstGeom prst="rect">
+            <a:avLst/>
+          </a:prstGeom>
+          <a:noFill/>
+        </p:spPr>
+        <p:txBody>
+          <a:bodyPr wrap="square" rtlCol="0">
+            <a:spAutoFit/>
+          </a:bodyPr>
+          <a:lstStyle/>
+          <a:p>
+            <a:pPr algn="ctr"/>
+            <a:r>
+              <a:rPr lang="en-US" sz="1600" b="1" dirty="0">
+                <a:latin typeface="Calibri" panose="020F0502020204030204" pitchFamily="34" charset="0"/>
+                <a:cs typeface="Calibri" panose="020F0502020204030204" pitchFamily="34" charset="0"/>
+              </a:rPr>
+              <a:t>Grayscale image</a:t>
+            </a:r>
+          </a:p>
+        </p:txBody>
+      </p:sp>
+      <p:sp>
+        <p:nvSpPr>
+          <p:cNvPr id="10" name="TextBox 9">
+            <a:extLst>
+              <a:ext uri="{FF2B5EF4-FFF2-40B4-BE49-F238E27FC236}">
+                <a16:creationId xmlns:a16="http://schemas.microsoft.com/office/drawing/2014/main" id="{4CA52243-96A2-325C-2099-BCFEC1EA9699}"/>
+              </a:ext>
+            </a:extLst>
+          </p:cNvPr>
+          <p:cNvSpPr txBox="1"/>
+          <p:nvPr/>
+        </p:nvSpPr>
+        <p:spPr>
+          <a:xfrm>
+            <a:off x="8280278" y="6152342"/>
+            <a:ext cx="3154718" cy="338554"/>
+          </a:xfrm>
+          <a:prstGeom prst="rect">
+            <a:avLst/>
+          </a:prstGeom>
+          <a:noFill/>
+        </p:spPr>
+        <p:txBody>
+          <a:bodyPr wrap="square" rtlCol="0">
+            <a:spAutoFit/>
+          </a:bodyPr>
+          <a:lstStyle/>
+          <a:p>
+            <a:pPr algn="ctr"/>
+            <a:r>
+              <a:rPr lang="en-US" sz="1600" b="1" dirty="0">
+                <a:latin typeface="Calibri" panose="020F0502020204030204" pitchFamily="34" charset="0"/>
+                <a:cs typeface="Calibri" panose="020F0502020204030204" pitchFamily="34" charset="0"/>
+              </a:rPr>
+              <a:t>Segmented image</a:t>
+            </a:r>
           </a:p>
         </p:txBody>
       </p:sp>
@@ -14373,7 +15957,7 @@
         </p:blipFill>
         <p:spPr>
           <a:xfrm>
-            <a:off x="7279065" y="1568906"/>
+            <a:off x="7351086" y="2844664"/>
             <a:ext cx="3766016" cy="1883008"/>
           </a:xfrm>
           <a:prstGeom prst="rect">
@@ -14409,7 +15993,7 @@
         </p:blipFill>
         <p:spPr>
           <a:xfrm>
-            <a:off x="5186315" y="3831996"/>
+            <a:off x="7351086" y="4727672"/>
             <a:ext cx="3766016" cy="1883008"/>
           </a:xfrm>
           <a:prstGeom prst="rect">
@@ -14445,7 +16029,7 @@
         </p:blipFill>
         <p:spPr>
           <a:xfrm>
-            <a:off x="604579" y="2084500"/>
+            <a:off x="7351086" y="961656"/>
             <a:ext cx="3766016" cy="1883008"/>
           </a:xfrm>
           <a:prstGeom prst="rect">
@@ -14512,7 +16096,7 @@
                 </a:solidFill>
                 <a:latin typeface="Calibri Light"/>
               </a:rPr>
-              <a:t>MORPHOLOGICAL OPERATIONS - NUMERICAL</a:t>
+              <a:t>MORPHOLOGICAL OPERATIONS - MALARIA CELLS</a:t>
             </a:r>
             <a:endParaRPr lang="en-US" b="1" spc="-1" dirty="0">
               <a:solidFill>
@@ -14520,6 +16104,96 @@
               </a:solidFill>
               <a:latin typeface="Calibri"/>
             </a:endParaRPr>
+          </a:p>
+        </p:txBody>
+      </p:sp>
+      <p:sp>
+        <p:nvSpPr>
+          <p:cNvPr id="4" name="TextBox 3">
+            <a:extLst>
+              <a:ext uri="{FF2B5EF4-FFF2-40B4-BE49-F238E27FC236}">
+                <a16:creationId xmlns:a16="http://schemas.microsoft.com/office/drawing/2014/main" id="{F5599F41-2428-B3C2-B2CF-96D6F17705AA}"/>
+              </a:ext>
+            </a:extLst>
+          </p:cNvPr>
+          <p:cNvSpPr txBox="1"/>
+          <p:nvPr/>
+        </p:nvSpPr>
+        <p:spPr>
+          <a:xfrm>
+            <a:off x="1357702" y="1385511"/>
+            <a:ext cx="5806911" cy="4801314"/>
+          </a:xfrm>
+          <a:prstGeom prst="rect">
+            <a:avLst/>
+          </a:prstGeom>
+          <a:noFill/>
+        </p:spPr>
+        <p:txBody>
+          <a:bodyPr wrap="square" rtlCol="0">
+            <a:spAutoFit/>
+          </a:bodyPr>
+          <a:lstStyle/>
+          <a:p>
+            <a:pPr algn="just"/>
+            <a:r>
+              <a:rPr lang="en-US" dirty="0">
+                <a:latin typeface="Calibri" panose="020F0502020204030204" pitchFamily="34" charset="0"/>
+                <a:cs typeface="Calibri" panose="020F0502020204030204" pitchFamily="34" charset="0"/>
+              </a:rPr>
+              <a:t>For the malaria cells, I used a circular structuring element since the cells are circular. The size is small enough to not destroy the cells, but large enough to remove the unnecessary noise.</a:t>
+            </a:r>
+          </a:p>
+          <a:p>
+            <a:pPr algn="just"/>
+            <a:endParaRPr lang="en-US" dirty="0">
+              <a:latin typeface="Calibri" panose="020F0502020204030204" pitchFamily="34" charset="0"/>
+              <a:cs typeface="Calibri" panose="020F0502020204030204" pitchFamily="34" charset="0"/>
+            </a:endParaRPr>
+          </a:p>
+          <a:p>
+            <a:pPr algn="just"/>
+            <a:r>
+              <a:rPr lang="en-US" dirty="0">
+                <a:latin typeface="Calibri" panose="020F0502020204030204" pitchFamily="34" charset="0"/>
+                <a:cs typeface="Calibri" panose="020F0502020204030204" pitchFamily="34" charset="0"/>
+              </a:rPr>
+              <a:t>The images on the right shows different combinations of morphological operations applied to the segmented image. This way we can decide which best gives our desired result.</a:t>
+            </a:r>
+          </a:p>
+          <a:p>
+            <a:pPr algn="just"/>
+            <a:endParaRPr lang="en-US" dirty="0">
+              <a:latin typeface="Calibri" panose="020F0502020204030204" pitchFamily="34" charset="0"/>
+              <a:cs typeface="Calibri" panose="020F0502020204030204" pitchFamily="34" charset="0"/>
+            </a:endParaRPr>
+          </a:p>
+          <a:p>
+            <a:pPr algn="just"/>
+            <a:r>
+              <a:rPr lang="en-US" dirty="0">
+                <a:latin typeface="Calibri" panose="020F0502020204030204" pitchFamily="34" charset="0"/>
+                <a:cs typeface="Calibri" panose="020F0502020204030204" pitchFamily="34" charset="0"/>
+              </a:rPr>
+              <a:t>Note that the closing operation is the same as dilate-eroding an image, and the opening operation is the same as erode-dilating an image. Hence, the second and third image on the right is actually the same. I just performed both to verify that they indeed are the same.</a:t>
+            </a:r>
+          </a:p>
+          <a:p>
+            <a:pPr algn="just"/>
+            <a:endParaRPr lang="en-US" dirty="0">
+              <a:latin typeface="Calibri" panose="020F0502020204030204" pitchFamily="34" charset="0"/>
+              <a:cs typeface="Calibri" panose="020F0502020204030204" pitchFamily="34" charset="0"/>
+            </a:endParaRPr>
+          </a:p>
+          <a:p>
+            <a:pPr algn="just"/>
+            <a:r>
+              <a:rPr lang="en-US" dirty="0">
+                <a:latin typeface="Calibri" panose="020F0502020204030204" pitchFamily="34" charset="0"/>
+                <a:cs typeface="Calibri" panose="020F0502020204030204" pitchFamily="34" charset="0"/>
+              </a:rPr>
+              <a:t>Now, we see that the opening operation gave us the best segmented result.</a:t>
+            </a:r>
           </a:p>
         </p:txBody>
       </p:sp>
